--- a/prez/Kafka v kostce.pptx
+++ b/prez/Kafka v kostce.pptx
@@ -692,6 +692,225 @@
     </a:lvl9pPr>
   </p:notesStyle>
 </p:notesMaster>
+</file>
+
+<file path=ppt/notesSlides/notesSlide1.xml><?xml version="1.0" encoding="utf-8"?>
+<p:notes xmlns:a="http://schemas.openxmlformats.org/drawingml/2006/main" xmlns:r="http://schemas.openxmlformats.org/officeDocument/2006/relationships" xmlns:p="http://schemas.openxmlformats.org/presentationml/2006/main">
+  <p:cSld>
+    <p:spTree>
+      <p:nvGrpSpPr>
+        <p:cNvPr id="1" name=""/>
+        <p:cNvGrpSpPr/>
+        <p:nvPr/>
+      </p:nvGrpSpPr>
+      <p:grpSpPr>
+        <a:xfrm>
+          <a:off x="0" y="0"/>
+          <a:ext cx="0" cy="0"/>
+          <a:chOff x="0" y="0"/>
+          <a:chExt cx="0" cy="0"/>
+        </a:xfrm>
+      </p:grpSpPr>
+      <p:sp>
+        <p:nvSpPr>
+          <p:cNvPr id="2" name="Slide Image Placeholder 1"/>
+          <p:cNvSpPr>
+            <a:spLocks noGrp="1" noRot="1" noChangeAspect="1"/>
+          </p:cNvSpPr>
+          <p:nvPr>
+            <p:ph type="sldImg"/>
+          </p:nvPr>
+        </p:nvSpPr>
+        <p:spPr/>
+      </p:sp>
+      <p:sp>
+        <p:nvSpPr>
+          <p:cNvPr id="3" name="Notes Placeholder 2"/>
+          <p:cNvSpPr>
+            <a:spLocks noGrp="1"/>
+          </p:cNvSpPr>
+          <p:nvPr>
+            <p:ph type="body" idx="1"/>
+          </p:nvPr>
+        </p:nvSpPr>
+        <p:spPr/>
+        <p:txBody>
+          <a:bodyPr/>
+          <a:lstStyle/>
+          <a:p>
+            <a:endParaRPr lang="en-US"/>
+          </a:p>
+        </p:txBody>
+      </p:sp>
+      <p:sp>
+        <p:nvSpPr>
+          <p:cNvPr id="4" name="Slide Number Placeholder 3"/>
+          <p:cNvSpPr>
+            <a:spLocks noGrp="1"/>
+          </p:cNvSpPr>
+          <p:nvPr>
+            <p:ph type="sldNum" sz="quarter" idx="5"/>
+          </p:nvPr>
+        </p:nvSpPr>
+        <p:spPr/>
+        <p:txBody>
+          <a:bodyPr/>
+          <a:lstStyle/>
+          <a:p>
+            <a:fld id="{B20AC5D2-7760-C24A-83B6-2E8A1C1DB8E2}" type="slidenum">
+              <a:rPr lang="en-US"/>
+              <a:t>15</a:t>
+            </a:fld>
+            <a:endParaRPr lang="en-US"/>
+          </a:p>
+        </p:txBody>
+      </p:sp>
+    </p:spTree>
+    <p:extLst>
+      <p:ext uri="{BB962C8B-B14F-4D97-AF65-F5344CB8AC3E}">
+        <p14:creationId xmlns:p14="http://schemas.microsoft.com/office/powerpoint/2010/main" val="3623078455"/>
+      </p:ext>
+    </p:extLst>
+  </p:cSld>
+  <p:clrMapOvr>
+    <a:masterClrMapping/>
+  </p:clrMapOvr>
+</p:notes>
+</file>
+
+<file path=ppt/notesSlides/notesSlide2.xml><?xml version="1.0" encoding="utf-8"?>
+<p:notes xmlns:a="http://schemas.openxmlformats.org/drawingml/2006/main" xmlns:r="http://schemas.openxmlformats.org/officeDocument/2006/relationships" xmlns:p="http://schemas.openxmlformats.org/presentationml/2006/main">
+  <p:cSld>
+    <p:spTree>
+      <p:nvGrpSpPr>
+        <p:cNvPr id="1" name=""/>
+        <p:cNvGrpSpPr/>
+        <p:nvPr/>
+      </p:nvGrpSpPr>
+      <p:grpSpPr>
+        <a:xfrm>
+          <a:off x="0" y="0"/>
+          <a:ext cx="0" cy="0"/>
+          <a:chOff x="0" y="0"/>
+          <a:chExt cx="0" cy="0"/>
+        </a:xfrm>
+      </p:grpSpPr>
+      <p:sp>
+        <p:nvSpPr>
+          <p:cNvPr id="2" name="Slide Image Placeholder 1"/>
+          <p:cNvSpPr>
+            <a:spLocks noGrp="1" noRot="1" noChangeAspect="1"/>
+          </p:cNvSpPr>
+          <p:nvPr>
+            <p:ph type="sldImg"/>
+          </p:nvPr>
+        </p:nvSpPr>
+        <p:spPr/>
+      </p:sp>
+      <p:sp>
+        <p:nvSpPr>
+          <p:cNvPr id="3" name="Notes Placeholder 2"/>
+          <p:cNvSpPr>
+            <a:spLocks noGrp="1"/>
+          </p:cNvSpPr>
+          <p:nvPr>
+            <p:ph type="body" idx="1"/>
+          </p:nvPr>
+        </p:nvSpPr>
+        <p:spPr/>
+        <p:txBody>
+          <a:bodyPr/>
+          <a:lstStyle/>
+          <a:p>
+            <a:r>
+              <a:rPr lang="en-US"/>
+              <a:t>Zmínit zajímavé scénáře použití Kafky: compacted topics -&gt; data store, source of truth; event sourcing; </a:t>
+            </a:r>
+          </a:p>
+          <a:p>
+            <a:r>
+              <a:rPr lang="en-US"/>
+              <a:t>dynamicky vytvářené fronty – velmi levné “db tabulky”</a:t>
+            </a:r>
+          </a:p>
+          <a:p>
+            <a:r>
+              <a:rPr lang="en-US"/>
+              <a:t>prioritizace zpráv (custom partitioning), ksqlDB</a:t>
+            </a:r>
+          </a:p>
+          <a:p>
+            <a:endParaRPr lang="en-US"/>
+          </a:p>
+          <a:p>
+            <a:r>
+              <a:rPr lang="en-US"/>
+              <a:t>Retence – záznamy jsou odmazávány po dosažení limitu na partitions (čas, objem...)</a:t>
+            </a:r>
+          </a:p>
+          <a:p>
+            <a:endParaRPr lang="en-US"/>
+          </a:p>
+          <a:p>
+            <a:r>
+              <a:rPr lang="en-US"/>
+              <a:t>Idenpotence – TODO</a:t>
+            </a:r>
+          </a:p>
+          <a:p>
+            <a:endParaRPr lang="en-US"/>
+          </a:p>
+          <a:p>
+            <a:r>
+              <a:rPr lang="en-US"/>
+              <a:t>Práce s CLI nástroji: naučte se to, připravte se na to, že je budete potřebovat. Existuje rest-proxy, která umožňuje dělat podobné věci přes HTTP API, ale ta není vždycky k disposici a neumožňuje všechno</a:t>
+            </a:r>
+          </a:p>
+          <a:p>
+            <a:endParaRPr lang="en-US"/>
+          </a:p>
+          <a:p>
+            <a:r>
+              <a:rPr lang="en-US"/>
+              <a:t>PortFW: Musí být dostupné všechny brokery – cesta přes hosts a extra loopback rozhraní</a:t>
+            </a:r>
+          </a:p>
+        </p:txBody>
+      </p:sp>
+      <p:sp>
+        <p:nvSpPr>
+          <p:cNvPr id="4" name="Slide Number Placeholder 3"/>
+          <p:cNvSpPr>
+            <a:spLocks noGrp="1"/>
+          </p:cNvSpPr>
+          <p:nvPr>
+            <p:ph type="sldNum" sz="quarter" idx="5"/>
+          </p:nvPr>
+        </p:nvSpPr>
+        <p:spPr/>
+        <p:txBody>
+          <a:bodyPr/>
+          <a:lstStyle/>
+          <a:p>
+            <a:fld id="{B20AC5D2-7760-C24A-83B6-2E8A1C1DB8E2}" type="slidenum">
+              <a:rPr lang="en-US"/>
+              <a:t>17</a:t>
+            </a:fld>
+            <a:endParaRPr lang="en-US"/>
+          </a:p>
+        </p:txBody>
+      </p:sp>
+    </p:spTree>
+    <p:extLst>
+      <p:ext uri="{BB962C8B-B14F-4D97-AF65-F5344CB8AC3E}">
+        <p14:creationId xmlns:p14="http://schemas.microsoft.com/office/powerpoint/2010/main" val="2702124223"/>
+      </p:ext>
+    </p:extLst>
+  </p:cSld>
+  <p:clrMapOvr>
+    <a:masterClrMapping/>
+  </p:clrMapOvr>
+</p:notes>
 </file>
 
 <file path=ppt/slideLayouts/slideLayout1.xml><?xml version="1.0" encoding="utf-8"?>
@@ -4106,6 +4325,63 @@
           </p:spPr>
         </p:pic>
       </p:grpSp>
+      <p:sp>
+        <p:nvSpPr>
+          <p:cNvPr id="7171" name="TextBox 7170">
+            <a:extLst>
+              <a:ext uri="{FF2B5EF4-FFF2-40B4-BE49-F238E27FC236}">
+                <a16:creationId xmlns:a16="http://schemas.microsoft.com/office/drawing/2014/main" id="{9A2EF853-8AFD-B04D-599A-2597FDE01604}"/>
+              </a:ext>
+            </a:extLst>
+          </p:cNvPr>
+          <p:cNvSpPr txBox="1"/>
+          <p:nvPr/>
+        </p:nvSpPr>
+        <p:spPr>
+          <a:xfrm>
+            <a:off x="362334" y="5359672"/>
+            <a:ext cx="6159064" cy="276999"/>
+          </a:xfrm>
+          <a:prstGeom prst="rect">
+            <a:avLst/>
+          </a:prstGeom>
+          <a:noFill/>
+        </p:spPr>
+        <p:txBody>
+          <a:bodyPr wrap="square" lIns="0" tIns="0" rIns="0" bIns="0" rtlCol="0" anchor="t" anchorCtr="0">
+            <a:spAutoFit/>
+          </a:bodyPr>
+          <a:lstStyle/>
+          <a:p>
+            <a:pPr marL="171450" indent="-171450" algn="l">
+              <a:buFont typeface="Wingdings" pitchFamily="2" charset="2"/>
+              <a:buChar char="§"/>
+            </a:pPr>
+            <a:r>
+              <a:rPr lang="en-US" dirty="0">
+                <a:solidFill>
+                  <a:schemeClr val="accent2">
+                    <a:lumMod val="50000"/>
+                  </a:schemeClr>
+                </a:solidFill>
+                <a:latin typeface="Arial" panose="020B0604020202020204" pitchFamily="34" charset="0"/>
+                <a:cs typeface="Arial" panose="020B0604020202020204" pitchFamily="34" charset="0"/>
+              </a:rPr>
+              <a:t>Záznamy z partition po přečtení </a:t>
+            </a:r>
+            <a:r>
+              <a:rPr lang="en-US" dirty="0">
+                <a:solidFill>
+                  <a:schemeClr val="tx2"/>
+                </a:solidFill>
+                <a:latin typeface="Arial" panose="020B0604020202020204" pitchFamily="34" charset="0"/>
+                <a:cs typeface="Arial" panose="020B0604020202020204" pitchFamily="34" charset="0"/>
+              </a:rPr>
+              <a:t>nemizí</a:t>
+            </a:r>
+          </a:p>
+        </p:txBody>
+      </p:sp>
     </p:spTree>
     <p:extLst>
       <p:ext uri="{BB962C8B-B14F-4D97-AF65-F5344CB8AC3E}">
@@ -4430,6 +4706,51 @@
                       </p:childTnLst>
                     </p:cTn>
                   </p:par>
+                  <p:par>
+                    <p:cTn id="29" fill="hold">
+                      <p:stCondLst>
+                        <p:cond delay="indefinite"/>
+                      </p:stCondLst>
+                      <p:childTnLst>
+                        <p:par>
+                          <p:cTn id="30" fill="hold">
+                            <p:stCondLst>
+                              <p:cond delay="0"/>
+                            </p:stCondLst>
+                            <p:childTnLst>
+                              <p:par>
+                                <p:cTn id="31" presetID="1" presetClass="entr" presetSubtype="0" fill="hold" grpId="0" nodeType="clickEffect">
+                                  <p:stCondLst>
+                                    <p:cond delay="0"/>
+                                  </p:stCondLst>
+                                  <p:childTnLst>
+                                    <p:set>
+                                      <p:cBhvr>
+                                        <p:cTn id="32" dur="1" fill="hold">
+                                          <p:stCondLst>
+                                            <p:cond delay="0"/>
+                                          </p:stCondLst>
+                                        </p:cTn>
+                                        <p:tgtEl>
+                                          <p:spTgt spid="7171"/>
+                                        </p:tgtEl>
+                                        <p:attrNameLst>
+                                          <p:attrName>style.visibility</p:attrName>
+                                        </p:attrNameLst>
+                                      </p:cBhvr>
+                                      <p:to>
+                                        <p:strVal val="visible"/>
+                                      </p:to>
+                                    </p:set>
+                                  </p:childTnLst>
+                                </p:cTn>
+                              </p:par>
+                            </p:childTnLst>
+                          </p:cTn>
+                        </p:par>
+                      </p:childTnLst>
+                    </p:cTn>
+                  </p:par>
                 </p:childTnLst>
               </p:cTn>
               <p:prevCondLst>
@@ -4457,6 +4778,7 @@
       <p:bldP spid="120" grpId="0"/>
       <p:bldP spid="121" grpId="0"/>
       <p:bldP spid="123" grpId="0"/>
+      <p:bldP spid="7171" grpId="0"/>
     </p:bldLst>
   </p:timing>
 </p:sld>
@@ -15624,7 +15946,7 @@
             <p:nvPr/>
           </p:nvPicPr>
           <p:blipFill>
-            <a:blip r:embed="rId2"/>
+            <a:blip r:embed="rId3"/>
             <a:stretch>
               <a:fillRect/>
             </a:stretch>
@@ -15781,7 +16103,7 @@
         </p:nvSpPr>
         <p:spPr>
           <a:xfrm>
-            <a:off x="358774" y="4092901"/>
+            <a:off x="358774" y="4539005"/>
             <a:ext cx="6427103" cy="553998"/>
           </a:xfrm>
           <a:prstGeom prst="rect">
@@ -15953,7 +16275,7 @@
             <p:nvPr/>
           </p:nvPicPr>
           <p:blipFill>
-            <a:blip r:embed="rId3"/>
+            <a:blip r:embed="rId4"/>
             <a:stretch>
               <a:fillRect/>
             </a:stretch>
@@ -16223,6 +16545,60 @@
           </p:txBody>
         </p:sp>
       </p:grpSp>
+      <p:sp>
+        <p:nvSpPr>
+          <p:cNvPr id="1079" name="TextBox 1078">
+            <a:extLst>
+              <a:ext uri="{FF2B5EF4-FFF2-40B4-BE49-F238E27FC236}">
+                <a16:creationId xmlns:a16="http://schemas.microsoft.com/office/drawing/2014/main" id="{92814B57-8CF5-B0A4-44F3-1CA492C8F630}"/>
+              </a:ext>
+            </a:extLst>
+          </p:cNvPr>
+          <p:cNvSpPr txBox="1"/>
+          <p:nvPr/>
+        </p:nvSpPr>
+        <p:spPr>
+          <a:xfrm>
+            <a:off x="362334" y="4007471"/>
+            <a:ext cx="6159064" cy="276999"/>
+          </a:xfrm>
+          <a:prstGeom prst="rect">
+            <a:avLst/>
+          </a:prstGeom>
+          <a:noFill/>
+        </p:spPr>
+        <p:txBody>
+          <a:bodyPr wrap="square" lIns="0" tIns="0" rIns="0" bIns="0" rtlCol="0" anchor="t" anchorCtr="0">
+            <a:spAutoFit/>
+          </a:bodyPr>
+          <a:lstStyle/>
+          <a:p>
+            <a:pPr marL="171450" indent="-171450" algn="l">
+              <a:buFont typeface="Wingdings" pitchFamily="2" charset="2"/>
+              <a:buChar char="§"/>
+            </a:pPr>
+            <a:r>
+              <a:rPr lang="en-US" dirty="0">
+                <a:solidFill>
+                  <a:schemeClr val="accent2">
+                    <a:lumMod val="50000"/>
+                  </a:schemeClr>
+                </a:solidFill>
+                <a:latin typeface="Arial" panose="020B0604020202020204" pitchFamily="34" charset="0"/>
+                <a:cs typeface="Arial" panose="020B0604020202020204" pitchFamily="34" charset="0"/>
+              </a:rPr>
+              <a:t>V rámci consumer grupy je každý záznam přečten jednou</a:t>
+            </a:r>
+            <a:endParaRPr lang="en-US" dirty="0">
+              <a:solidFill>
+                <a:schemeClr val="tx2"/>
+              </a:solidFill>
+              <a:latin typeface="Arial" panose="020B0604020202020204" pitchFamily="34" charset="0"/>
+              <a:cs typeface="Arial" panose="020B0604020202020204" pitchFamily="34" charset="0"/>
+            </a:endParaRPr>
+          </a:p>
+        </p:txBody>
+      </p:sp>
     </p:spTree>
     <p:extLst>
       <p:ext uri="{BB962C8B-B14F-4D97-AF65-F5344CB8AC3E}">
@@ -16456,6 +16832,51 @@
                                           </p:stCondLst>
                                         </p:cTn>
                                         <p:tgtEl>
+                                          <p:spTgt spid="1079"/>
+                                        </p:tgtEl>
+                                        <p:attrNameLst>
+                                          <p:attrName>style.visibility</p:attrName>
+                                        </p:attrNameLst>
+                                      </p:cBhvr>
+                                      <p:to>
+                                        <p:strVal val="visible"/>
+                                      </p:to>
+                                    </p:set>
+                                  </p:childTnLst>
+                                </p:cTn>
+                              </p:par>
+                            </p:childTnLst>
+                          </p:cTn>
+                        </p:par>
+                      </p:childTnLst>
+                    </p:cTn>
+                  </p:par>
+                  <p:par>
+                    <p:cTn id="23" fill="hold">
+                      <p:stCondLst>
+                        <p:cond delay="indefinite"/>
+                      </p:stCondLst>
+                      <p:childTnLst>
+                        <p:par>
+                          <p:cTn id="24" fill="hold">
+                            <p:stCondLst>
+                              <p:cond delay="0"/>
+                            </p:stCondLst>
+                            <p:childTnLst>
+                              <p:par>
+                                <p:cTn id="25" presetID="1" presetClass="entr" presetSubtype="0" fill="hold" grpId="0" nodeType="clickEffect">
+                                  <p:stCondLst>
+                                    <p:cond delay="0"/>
+                                  </p:stCondLst>
+                                  <p:childTnLst>
+                                    <p:set>
+                                      <p:cBhvr>
+                                        <p:cTn id="26" dur="1" fill="hold">
+                                          <p:stCondLst>
+                                            <p:cond delay="0"/>
+                                          </p:stCondLst>
+                                        </p:cTn>
+                                        <p:tgtEl>
                                           <p:spTgt spid="1062"/>
                                         </p:tgtEl>
                                         <p:attrNameLst>
@@ -16470,14 +16891,14 @@
                                 </p:cTn>
                               </p:par>
                               <p:par>
-                                <p:cTn id="23" presetID="1" presetClass="exit" presetSubtype="0" fill="hold" nodeType="withEffect">
+                                <p:cTn id="27" presetID="1" presetClass="exit" presetSubtype="0" fill="hold" nodeType="withEffect">
                                   <p:stCondLst>
                                     <p:cond delay="0"/>
                                   </p:stCondLst>
                                   <p:childTnLst>
                                     <p:set>
                                       <p:cBhvr>
-                                        <p:cTn id="24" dur="1" fill="hold">
+                                        <p:cTn id="28" dur="1" fill="hold">
                                           <p:stCondLst>
                                             <p:cond delay="0"/>
                                           </p:stCondLst>
@@ -16497,14 +16918,14 @@
                                 </p:cTn>
                               </p:par>
                               <p:par>
-                                <p:cTn id="25" presetID="1" presetClass="entr" presetSubtype="0" fill="hold" nodeType="withEffect">
+                                <p:cTn id="29" presetID="1" presetClass="entr" presetSubtype="0" fill="hold" nodeType="withEffect">
                                   <p:stCondLst>
                                     <p:cond delay="0"/>
                                   </p:stCondLst>
                                   <p:childTnLst>
                                     <p:set>
                                       <p:cBhvr>
-                                        <p:cTn id="26" dur="1" fill="hold">
+                                        <p:cTn id="30" dur="1" fill="hold">
                                           <p:stCondLst>
                                             <p:cond delay="0"/>
                                           </p:stCondLst>
@@ -16524,14 +16945,14 @@
                                 </p:cTn>
                               </p:par>
                               <p:par>
-                                <p:cTn id="27" presetID="1" presetClass="entr" presetSubtype="0" fill="hold" nodeType="withEffect">
+                                <p:cTn id="31" presetID="1" presetClass="entr" presetSubtype="0" fill="hold" nodeType="withEffect">
                                   <p:stCondLst>
                                     <p:cond delay="0"/>
                                   </p:stCondLst>
                                   <p:childTnLst>
                                     <p:set>
                                       <p:cBhvr>
-                                        <p:cTn id="28" dur="1" fill="hold">
+                                        <p:cTn id="32" dur="1" fill="hold">
                                           <p:stCondLst>
                                             <p:cond delay="0"/>
                                           </p:stCondLst>
@@ -16551,14 +16972,14 @@
                                 </p:cTn>
                               </p:par>
                               <p:par>
-                                <p:cTn id="29" presetID="1" presetClass="exit" presetSubtype="0" fill="hold" nodeType="withEffect">
+                                <p:cTn id="33" presetID="1" presetClass="exit" presetSubtype="0" fill="hold" nodeType="withEffect">
                                   <p:stCondLst>
                                     <p:cond delay="0"/>
                                   </p:stCondLst>
                                   <p:childTnLst>
                                     <p:set>
                                       <p:cBhvr>
-                                        <p:cTn id="30" dur="1" fill="hold">
+                                        <p:cTn id="34" dur="1" fill="hold">
                                           <p:stCondLst>
                                             <p:cond delay="0"/>
                                           </p:stCondLst>
@@ -16609,6 +17030,7 @@
       <p:bldP spid="1034" grpId="0"/>
       <p:bldP spid="1037" grpId="0"/>
       <p:bldP spid="1062" grpId="0"/>
+      <p:bldP spid="1079" grpId="0"/>
     </p:bldLst>
   </p:timing>
 </p:sld>
@@ -17360,7 +17782,7 @@
         <p:spPr>
           <a:xfrm>
             <a:off x="1200357" y="1994234"/>
-            <a:ext cx="7150984" cy="2684004"/>
+            <a:ext cx="7150984" cy="3238002"/>
           </a:xfrm>
           <a:prstGeom prst="rect">
             <a:avLst/>
@@ -17474,6 +17896,27 @@
                 <a:latin typeface="Arial" panose="020B0604020202020204" pitchFamily="34" charset="0"/>
                 <a:cs typeface="Arial" panose="020B0604020202020204" pitchFamily="34" charset="0"/>
               </a:rPr>
+              <a:t>Připojení na Kafku přes portforwarding</a:t>
+            </a:r>
+          </a:p>
+          <a:p>
+            <a:pPr marL="171450" indent="-171450" algn="l">
+              <a:lnSpc>
+                <a:spcPct val="200000"/>
+              </a:lnSpc>
+              <a:buFont typeface="Wingdings" pitchFamily="2" charset="2"/>
+              <a:buChar char="§"/>
+            </a:pPr>
+            <a:r>
+              <a:rPr lang="en-US" dirty="0">
+                <a:solidFill>
+                  <a:schemeClr val="accent2">
+                    <a:lumMod val="50000"/>
+                  </a:schemeClr>
+                </a:solidFill>
+                <a:latin typeface="Arial" panose="020B0604020202020204" pitchFamily="34" charset="0"/>
+                <a:cs typeface="Arial" panose="020B0604020202020204" pitchFamily="34" charset="0"/>
+              </a:rPr>
               <a:t>Q&amp;A, než se vydáme dál</a:t>
             </a:r>
           </a:p>
@@ -17494,7 +17937,7 @@
           <p:nvPr/>
         </p:nvPicPr>
         <p:blipFill>
-          <a:blip r:embed="rId2"/>
+          <a:blip r:embed="rId3"/>
           <a:stretch>
             <a:fillRect/>
           </a:stretch>
@@ -17766,15 +18209,64 @@
                                   </p:childTnLst>
                                 </p:cTn>
                               </p:par>
+                            </p:childTnLst>
+                          </p:cTn>
+                        </p:par>
+                      </p:childTnLst>
+                    </p:cTn>
+                  </p:par>
+                  <p:par>
+                    <p:cTn id="23" fill="hold">
+                      <p:stCondLst>
+                        <p:cond delay="indefinite"/>
+                      </p:stCondLst>
+                      <p:childTnLst>
+                        <p:par>
+                          <p:cTn id="24" fill="hold">
+                            <p:stCondLst>
+                              <p:cond delay="0"/>
+                            </p:stCondLst>
+                            <p:childTnLst>
                               <p:par>
-                                <p:cTn id="23" presetID="37" presetClass="entr" presetSubtype="0" fill="hold" nodeType="withEffect">
+                                <p:cTn id="25" presetID="1" presetClass="entr" presetSubtype="0" fill="hold" grpId="0" nodeType="clickEffect">
                                   <p:stCondLst>
                                     <p:cond delay="0"/>
                                   </p:stCondLst>
                                   <p:childTnLst>
                                     <p:set>
                                       <p:cBhvr>
-                                        <p:cTn id="24" dur="1" fill="hold">
+                                        <p:cTn id="26" dur="1" fill="hold">
+                                          <p:stCondLst>
+                                            <p:cond delay="0"/>
+                                          </p:stCondLst>
+                                        </p:cTn>
+                                        <p:tgtEl>
+                                          <p:spTgt spid="11">
+                                            <p:txEl>
+                                              <p:pRg st="5" end="5"/>
+                                            </p:txEl>
+                                          </p:spTgt>
+                                        </p:tgtEl>
+                                        <p:attrNameLst>
+                                          <p:attrName>style.visibility</p:attrName>
+                                        </p:attrNameLst>
+                                      </p:cBhvr>
+                                      <p:to>
+                                        <p:strVal val="visible"/>
+                                      </p:to>
+                                    </p:set>
+                                  </p:childTnLst>
+                                </p:cTn>
+                              </p:par>
+                              <p:par>
+                                <p:cTn id="27" presetID="37" presetClass="entr" presetSubtype="0" fill="hold" nodeType="withEffect">
+                                  <p:stCondLst>
+                                    <p:cond delay="0"/>
+                                  </p:stCondLst>
+                                  <p:childTnLst>
+                                    <p:set>
+                                      <p:cBhvr>
+                                        <p:cTn id="28" dur="1" fill="hold">
                                           <p:stCondLst>
                                             <p:cond delay="0"/>
                                           </p:stCondLst>
@@ -17792,7 +18284,7 @@
                                     </p:set>
                                     <p:animEffect transition="in" filter="fade">
                                       <p:cBhvr>
-                                        <p:cTn id="25" dur="1000"/>
+                                        <p:cTn id="29" dur="1000"/>
                                         <p:tgtEl>
                                           <p:spTgt spid="12"/>
                                         </p:tgtEl>
@@ -17800,7 +18292,7 @@
                                     </p:animEffect>
                                     <p:anim calcmode="lin" valueType="num">
                                       <p:cBhvr>
-                                        <p:cTn id="26" dur="1000" fill="hold"/>
+                                        <p:cTn id="30" dur="1000" fill="hold"/>
                                         <p:tgtEl>
                                           <p:spTgt spid="12"/>
                                         </p:tgtEl>
@@ -17823,7 +18315,7 @@
                                     </p:anim>
                                     <p:anim calcmode="lin" valueType="num">
                                       <p:cBhvr>
-                                        <p:cTn id="27" dur="900" decel="100000" fill="hold"/>
+                                        <p:cTn id="31" dur="900" decel="100000" fill="hold"/>
                                         <p:tgtEl>
                                           <p:spTgt spid="12"/>
                                         </p:tgtEl>
@@ -17846,7 +18338,7 @@
                                     </p:anim>
                                     <p:anim calcmode="lin" valueType="num">
                                       <p:cBhvr>
-                                        <p:cTn id="28" dur="100" accel="100000" fill="hold">
+                                        <p:cTn id="32" dur="100" accel="100000" fill="hold">
                                           <p:stCondLst>
                                             <p:cond delay="900"/>
                                           </p:stCondLst>

--- a/prez/Kafka v kostce.pptx
+++ b/prez/Kafka v kostce.pptx
@@ -5,10 +5,10 @@
     <p:sldMasterId id="2147483648" r:id="rId4"/>
   </p:sldMasterIdLst>
   <p:notesMasterIdLst>
-    <p:notesMasterId r:id="rId22"/>
+    <p:notesMasterId r:id="rId29"/>
   </p:notesMasterIdLst>
   <p:handoutMasterIdLst>
-    <p:handoutMasterId r:id="rId23"/>
+    <p:handoutMasterId r:id="rId30"/>
   </p:handoutMasterIdLst>
   <p:sldIdLst>
     <p:sldId id="2076138319" r:id="rId5"/>
@@ -28,6 +28,13 @@
     <p:sldId id="2147470706" r:id="rId19"/>
     <p:sldId id="2147470705" r:id="rId20"/>
     <p:sldId id="2147470703" r:id="rId21"/>
+    <p:sldId id="2147470718" r:id="rId22"/>
+    <p:sldId id="2147470719" r:id="rId23"/>
+    <p:sldId id="2147470720" r:id="rId24"/>
+    <p:sldId id="2147470726" r:id="rId25"/>
+    <p:sldId id="2147470721" r:id="rId26"/>
+    <p:sldId id="2147470724" r:id="rId27"/>
+    <p:sldId id="2147470725" r:id="rId28"/>
   </p:sldIdLst>
   <p:sldSz cx="12192000" cy="6858000"/>
   <p:notesSz cx="6858000" cy="9144000"/>
@@ -904,6 +911,195 @@
     <p:extLst>
       <p:ext uri="{BB962C8B-B14F-4D97-AF65-F5344CB8AC3E}">
         <p14:creationId xmlns:p14="http://schemas.microsoft.com/office/powerpoint/2010/main" val="2702124223"/>
+      </p:ext>
+    </p:extLst>
+  </p:cSld>
+  <p:clrMapOvr>
+    <a:masterClrMapping/>
+  </p:clrMapOvr>
+</p:notes>
+</file>
+
+<file path=ppt/notesSlides/notesSlide3.xml><?xml version="1.0" encoding="utf-8"?>
+<p:notes xmlns:a="http://schemas.openxmlformats.org/drawingml/2006/main" xmlns:r="http://schemas.openxmlformats.org/officeDocument/2006/relationships" xmlns:p="http://schemas.openxmlformats.org/presentationml/2006/main">
+  <p:cSld>
+    <p:spTree>
+      <p:nvGrpSpPr>
+        <p:cNvPr id="1" name=""/>
+        <p:cNvGrpSpPr/>
+        <p:nvPr/>
+      </p:nvGrpSpPr>
+      <p:grpSpPr>
+        <a:xfrm>
+          <a:off x="0" y="0"/>
+          <a:ext cx="0" cy="0"/>
+          <a:chOff x="0" y="0"/>
+          <a:chExt cx="0" cy="0"/>
+        </a:xfrm>
+      </p:grpSpPr>
+      <p:sp>
+        <p:nvSpPr>
+          <p:cNvPr id="2" name="Slide Image Placeholder 1"/>
+          <p:cNvSpPr>
+            <a:spLocks noGrp="1" noRot="1" noChangeAspect="1"/>
+          </p:cNvSpPr>
+          <p:nvPr>
+            <p:ph type="sldImg"/>
+          </p:nvPr>
+        </p:nvSpPr>
+        <p:spPr/>
+      </p:sp>
+      <p:sp>
+        <p:nvSpPr>
+          <p:cNvPr id="3" name="Notes Placeholder 2"/>
+          <p:cNvSpPr>
+            <a:spLocks noGrp="1"/>
+          </p:cNvSpPr>
+          <p:nvPr>
+            <p:ph type="body" idx="1"/>
+          </p:nvPr>
+        </p:nvSpPr>
+        <p:spPr/>
+        <p:txBody>
+          <a:bodyPr/>
+          <a:lstStyle/>
+          <a:p>
+            <a:endParaRPr lang="en-US"/>
+          </a:p>
+        </p:txBody>
+      </p:sp>
+      <p:sp>
+        <p:nvSpPr>
+          <p:cNvPr id="4" name="Slide Number Placeholder 3"/>
+          <p:cNvSpPr>
+            <a:spLocks noGrp="1"/>
+          </p:cNvSpPr>
+          <p:nvPr>
+            <p:ph type="sldNum" sz="quarter" idx="5"/>
+          </p:nvPr>
+        </p:nvSpPr>
+        <p:spPr/>
+        <p:txBody>
+          <a:bodyPr/>
+          <a:lstStyle/>
+          <a:p>
+            <a:fld id="{B20AC5D2-7760-C24A-83B6-2E8A1C1DB8E2}" type="slidenum">
+              <a:rPr lang="en-US"/>
+              <a:t>18</a:t>
+            </a:fld>
+            <a:endParaRPr lang="en-US"/>
+          </a:p>
+        </p:txBody>
+      </p:sp>
+    </p:spTree>
+    <p:extLst>
+      <p:ext uri="{BB962C8B-B14F-4D97-AF65-F5344CB8AC3E}">
+        <p14:creationId xmlns:p14="http://schemas.microsoft.com/office/powerpoint/2010/main" val="3220075186"/>
+      </p:ext>
+    </p:extLst>
+  </p:cSld>
+  <p:clrMapOvr>
+    <a:masterClrMapping/>
+  </p:clrMapOvr>
+</p:notes>
+</file>
+
+<file path=ppt/notesSlides/notesSlide4.xml><?xml version="1.0" encoding="utf-8"?>
+<p:notes xmlns:a="http://schemas.openxmlformats.org/drawingml/2006/main" xmlns:r="http://schemas.openxmlformats.org/officeDocument/2006/relationships" xmlns:p="http://schemas.openxmlformats.org/presentationml/2006/main">
+  <p:cSld>
+    <p:spTree>
+      <p:nvGrpSpPr>
+        <p:cNvPr id="1" name=""/>
+        <p:cNvGrpSpPr/>
+        <p:nvPr/>
+      </p:nvGrpSpPr>
+      <p:grpSpPr>
+        <a:xfrm>
+          <a:off x="0" y="0"/>
+          <a:ext cx="0" cy="0"/>
+          <a:chOff x="0" y="0"/>
+          <a:chExt cx="0" cy="0"/>
+        </a:xfrm>
+      </p:grpSpPr>
+      <p:sp>
+        <p:nvSpPr>
+          <p:cNvPr id="2" name="Slide Image Placeholder 1"/>
+          <p:cNvSpPr>
+            <a:spLocks noGrp="1" noRot="1" noChangeAspect="1"/>
+          </p:cNvSpPr>
+          <p:nvPr>
+            <p:ph type="sldImg"/>
+          </p:nvPr>
+        </p:nvSpPr>
+        <p:spPr/>
+      </p:sp>
+      <p:sp>
+        <p:nvSpPr>
+          <p:cNvPr id="3" name="Notes Placeholder 2"/>
+          <p:cNvSpPr>
+            <a:spLocks noGrp="1"/>
+          </p:cNvSpPr>
+          <p:nvPr>
+            <p:ph type="body" idx="1"/>
+          </p:nvPr>
+        </p:nvSpPr>
+        <p:spPr/>
+        <p:txBody>
+          <a:bodyPr/>
+          <a:lstStyle/>
+          <a:p>
+            <a:r>
+              <a:rPr lang="en-US"/>
+              <a:t>Jakým způsobem bude potřeba rozvíjet datové typy:</a:t>
+            </a:r>
+          </a:p>
+          <a:p>
+            <a:r>
+              <a:rPr lang="en-US"/>
+              <a:t>TopicName strategy: Datový typ se zprávy trackuje v rámci topicu. To může vést k tomu, že bude existovat více kopií stejného datového typu, ale nic nebrání tomu rozvíjet tyto kopie odděleně</a:t>
+            </a:r>
+          </a:p>
+          <a:p>
+            <a:r>
+              <a:rPr lang="en-US"/>
+              <a:t>RecordNameStrategy: Datový typ zprávy se trackuje v rámci... datového typu. Velmi vhodné, pokud chcete mít centralizovaný datový model, ale zavazuje vás to k disciplíně při jeho rozvoji. Pokud změníte název třídy, přijdete o historii. V jednom topicu může chodit více typů zpráv, ale jeden datový typ musí být ve všech zprávách stejný.</a:t>
+            </a:r>
+          </a:p>
+          <a:p>
+            <a:r>
+              <a:rPr lang="en-US"/>
+              <a:t>TopicRecordNameStrategy:  Kombinace předchozích strategií. Užitečné, pokud v rámci jednoho topicu má chodit více druhů zpráv, ale není dost politické vůle na to, držet datový typ zpráv stejný přes všechny topicy</a:t>
+            </a:r>
+          </a:p>
+        </p:txBody>
+      </p:sp>
+      <p:sp>
+        <p:nvSpPr>
+          <p:cNvPr id="4" name="Slide Number Placeholder 3"/>
+          <p:cNvSpPr>
+            <a:spLocks noGrp="1"/>
+          </p:cNvSpPr>
+          <p:nvPr>
+            <p:ph type="sldNum" sz="quarter" idx="5"/>
+          </p:nvPr>
+        </p:nvSpPr>
+        <p:spPr/>
+        <p:txBody>
+          <a:bodyPr/>
+          <a:lstStyle/>
+          <a:p>
+            <a:fld id="{B20AC5D2-7760-C24A-83B6-2E8A1C1DB8E2}" type="slidenum">
+              <a:rPr lang="en-US"/>
+              <a:t>21</a:t>
+            </a:fld>
+            <a:endParaRPr lang="en-US"/>
+          </a:p>
+        </p:txBody>
+      </p:sp>
+    </p:spTree>
+    <p:extLst>
+      <p:ext uri="{BB962C8B-B14F-4D97-AF65-F5344CB8AC3E}">
+        <p14:creationId xmlns:p14="http://schemas.microsoft.com/office/powerpoint/2010/main" val="1706228251"/>
       </p:ext>
     </p:extLst>
   </p:cSld>
@@ -18400,6 +18596,3478 @@
 </p:sld>
 </file>
 
+<file path=ppt/slides/slide18.xml><?xml version="1.0" encoding="utf-8"?>
+<p:sld xmlns:a="http://schemas.openxmlformats.org/drawingml/2006/main" xmlns:r="http://schemas.openxmlformats.org/officeDocument/2006/relationships" xmlns:p="http://schemas.openxmlformats.org/presentationml/2006/main">
+  <p:cSld>
+    <p:spTree>
+      <p:nvGrpSpPr>
+        <p:cNvPr id="1" name=""/>
+        <p:cNvGrpSpPr/>
+        <p:nvPr/>
+      </p:nvGrpSpPr>
+      <p:grpSpPr>
+        <a:xfrm>
+          <a:off x="0" y="0"/>
+          <a:ext cx="0" cy="0"/>
+          <a:chOff x="0" y="0"/>
+          <a:chExt cx="0" cy="0"/>
+        </a:xfrm>
+      </p:grpSpPr>
+      <p:sp>
+        <p:nvSpPr>
+          <p:cNvPr id="20" name="Oval 19">
+            <a:extLst>
+              <a:ext uri="{FF2B5EF4-FFF2-40B4-BE49-F238E27FC236}">
+                <a16:creationId xmlns:a16="http://schemas.microsoft.com/office/drawing/2014/main" id="{3414F6B8-70FE-9767-7B61-8F56605D4F63}"/>
+              </a:ext>
+            </a:extLst>
+          </p:cNvPr>
+          <p:cNvSpPr/>
+          <p:nvPr/>
+        </p:nvSpPr>
+        <p:spPr>
+          <a:xfrm>
+            <a:off x="8270590" y="2243423"/>
+            <a:ext cx="207264" cy="207264"/>
+          </a:xfrm>
+          <a:prstGeom prst="ellipse">
+            <a:avLst/>
+          </a:prstGeom>
+          <a:solidFill>
+            <a:schemeClr val="tx2">
+              <a:alpha val="66886"/>
+            </a:schemeClr>
+          </a:solidFill>
+          <a:ln>
+            <a:noFill/>
+          </a:ln>
+        </p:spPr>
+        <p:style>
+          <a:lnRef idx="2">
+            <a:schemeClr val="accent1">
+              <a:shade val="15000"/>
+            </a:schemeClr>
+          </a:lnRef>
+          <a:fillRef idx="1">
+            <a:schemeClr val="accent1"/>
+          </a:fillRef>
+          <a:effectRef idx="0">
+            <a:schemeClr val="accent1"/>
+          </a:effectRef>
+          <a:fontRef idx="minor">
+            <a:schemeClr val="lt1"/>
+          </a:fontRef>
+        </p:style>
+        <p:txBody>
+          <a:bodyPr lIns="90000" rtlCol="0" anchor="ctr"/>
+          <a:lstStyle/>
+          <a:p>
+            <a:pPr algn="ctr"/>
+            <a:endParaRPr lang="en-US"/>
+          </a:p>
+        </p:txBody>
+      </p:sp>
+      <p:sp>
+        <p:nvSpPr>
+          <p:cNvPr id="14" name="TextBox 13">
+            <a:extLst>
+              <a:ext uri="{FF2B5EF4-FFF2-40B4-BE49-F238E27FC236}">
+                <a16:creationId xmlns:a16="http://schemas.microsoft.com/office/drawing/2014/main" id="{20D5AB88-F3C2-760C-E2D8-F07CD58B1087}"/>
+              </a:ext>
+            </a:extLst>
+          </p:cNvPr>
+          <p:cNvSpPr txBox="1"/>
+          <p:nvPr/>
+        </p:nvSpPr>
+        <p:spPr>
+          <a:xfrm>
+            <a:off x="4617305" y="2227706"/>
+            <a:ext cx="3470031" cy="246221"/>
+          </a:xfrm>
+          <a:prstGeom prst="rect">
+            <a:avLst/>
+          </a:prstGeom>
+          <a:noFill/>
+        </p:spPr>
+        <p:txBody>
+          <a:bodyPr wrap="square" lIns="0" tIns="0" rIns="0" bIns="0" rtlCol="0" anchor="b" anchorCtr="0">
+            <a:spAutoFit/>
+          </a:bodyPr>
+          <a:lstStyle/>
+          <a:p>
+            <a:pPr algn="l"/>
+            <a:r>
+              <a:rPr lang="en-US" sz="1600" dirty="0">
+                <a:solidFill>
+                  <a:schemeClr val="accent4">
+                    <a:lumMod val="50000"/>
+                  </a:schemeClr>
+                </a:solidFill>
+                <a:latin typeface="Arial" panose="020B0604020202020204" pitchFamily="34" charset="0"/>
+                <a:cs typeface="Arial" panose="020B0604020202020204" pitchFamily="34" charset="0"/>
+              </a:rPr>
+              <a:t>1011010101110101011</a:t>
+            </a:r>
+          </a:p>
+        </p:txBody>
+      </p:sp>
+      <p:sp>
+        <p:nvSpPr>
+          <p:cNvPr id="2" name="Text Placeholder 1">
+            <a:extLst>
+              <a:ext uri="{FF2B5EF4-FFF2-40B4-BE49-F238E27FC236}">
+                <a16:creationId xmlns:a16="http://schemas.microsoft.com/office/drawing/2014/main" id="{E4991F4B-7DF1-E8E3-1364-CD2AF35F229F}"/>
+              </a:ext>
+            </a:extLst>
+          </p:cNvPr>
+          <p:cNvSpPr>
+            <a:spLocks noGrp="1"/>
+          </p:cNvSpPr>
+          <p:nvPr>
+            <p:ph type="body" sz="quarter" idx="12"/>
+          </p:nvPr>
+        </p:nvSpPr>
+        <p:spPr>
+          <a:xfrm>
+            <a:off x="360000" y="828000"/>
+            <a:ext cx="4534729" cy="333425"/>
+          </a:xfrm>
+        </p:spPr>
+        <p:txBody>
+          <a:bodyPr/>
+          <a:lstStyle/>
+          <a:p>
+            <a:r>
+              <a:rPr lang="en-US"/>
+              <a:t>Serializace – a co dál</a:t>
+            </a:r>
+          </a:p>
+        </p:txBody>
+      </p:sp>
+      <p:sp>
+        <p:nvSpPr>
+          <p:cNvPr id="3" name="Text Placeholder 2">
+            <a:extLst>
+              <a:ext uri="{FF2B5EF4-FFF2-40B4-BE49-F238E27FC236}">
+                <a16:creationId xmlns:a16="http://schemas.microsoft.com/office/drawing/2014/main" id="{E7F676BD-A78D-DA56-DC9E-7F2F47C42F71}"/>
+              </a:ext>
+            </a:extLst>
+          </p:cNvPr>
+          <p:cNvSpPr>
+            <a:spLocks noGrp="1"/>
+          </p:cNvSpPr>
+          <p:nvPr>
+            <p:ph type="body" sz="quarter" idx="23"/>
+          </p:nvPr>
+        </p:nvSpPr>
+        <p:spPr/>
+        <p:txBody>
+          <a:bodyPr/>
+          <a:lstStyle/>
+          <a:p>
+            <a:endParaRPr lang="en-US"/>
+          </a:p>
+        </p:txBody>
+      </p:sp>
+      <p:pic>
+        <p:nvPicPr>
+          <p:cNvPr id="5" name="Picture 4">
+            <a:extLst>
+              <a:ext uri="{FF2B5EF4-FFF2-40B4-BE49-F238E27FC236}">
+                <a16:creationId xmlns:a16="http://schemas.microsoft.com/office/drawing/2014/main" id="{F4438B11-1DFC-12CC-DB7A-86DE3D259B21}"/>
+              </a:ext>
+            </a:extLst>
+          </p:cNvPr>
+          <p:cNvPicPr>
+            <a:picLocks noChangeAspect="1"/>
+          </p:cNvPicPr>
+          <p:nvPr/>
+        </p:nvPicPr>
+        <p:blipFill>
+          <a:blip r:embed="rId3"/>
+          <a:stretch>
+            <a:fillRect/>
+          </a:stretch>
+        </p:blipFill>
+        <p:spPr>
+          <a:xfrm>
+            <a:off x="1706790" y="2030510"/>
+            <a:ext cx="599683" cy="604599"/>
+          </a:xfrm>
+          <a:prstGeom prst="rect">
+            <a:avLst/>
+          </a:prstGeom>
+        </p:spPr>
+      </p:pic>
+      <p:sp>
+        <p:nvSpPr>
+          <p:cNvPr id="6" name="Oval 5">
+            <a:extLst>
+              <a:ext uri="{FF2B5EF4-FFF2-40B4-BE49-F238E27FC236}">
+                <a16:creationId xmlns:a16="http://schemas.microsoft.com/office/drawing/2014/main" id="{6BDA76CB-4CA7-C7AC-6CC5-B8A2A0ECB01D}"/>
+              </a:ext>
+            </a:extLst>
+          </p:cNvPr>
+          <p:cNvSpPr/>
+          <p:nvPr/>
+        </p:nvSpPr>
+        <p:spPr>
+          <a:xfrm>
+            <a:off x="2479442" y="2266741"/>
+            <a:ext cx="207264" cy="207264"/>
+          </a:xfrm>
+          <a:prstGeom prst="ellipse">
+            <a:avLst/>
+          </a:prstGeom>
+          <a:solidFill>
+            <a:schemeClr val="tx2">
+              <a:alpha val="66886"/>
+            </a:schemeClr>
+          </a:solidFill>
+          <a:ln>
+            <a:noFill/>
+          </a:ln>
+        </p:spPr>
+        <p:style>
+          <a:lnRef idx="2">
+            <a:schemeClr val="accent1">
+              <a:shade val="15000"/>
+            </a:schemeClr>
+          </a:lnRef>
+          <a:fillRef idx="1">
+            <a:schemeClr val="accent1"/>
+          </a:fillRef>
+          <a:effectRef idx="0">
+            <a:schemeClr val="accent1"/>
+          </a:effectRef>
+          <a:fontRef idx="minor">
+            <a:schemeClr val="lt1"/>
+          </a:fontRef>
+        </p:style>
+        <p:txBody>
+          <a:bodyPr lIns="90000" rtlCol="0" anchor="ctr"/>
+          <a:lstStyle/>
+          <a:p>
+            <a:pPr algn="ctr"/>
+            <a:endParaRPr lang="en-US"/>
+          </a:p>
+        </p:txBody>
+      </p:sp>
+      <p:sp>
+        <p:nvSpPr>
+          <p:cNvPr id="8" name="Oval 7">
+            <a:extLst>
+              <a:ext uri="{FF2B5EF4-FFF2-40B4-BE49-F238E27FC236}">
+                <a16:creationId xmlns:a16="http://schemas.microsoft.com/office/drawing/2014/main" id="{5837E8A8-A800-E04C-B381-AFA6AF3A8289}"/>
+              </a:ext>
+            </a:extLst>
+          </p:cNvPr>
+          <p:cNvSpPr/>
+          <p:nvPr/>
+        </p:nvSpPr>
+        <p:spPr>
+          <a:xfrm>
+            <a:off x="2967252" y="2266741"/>
+            <a:ext cx="207264" cy="207264"/>
+          </a:xfrm>
+          <a:prstGeom prst="ellipse">
+            <a:avLst/>
+          </a:prstGeom>
+          <a:solidFill>
+            <a:schemeClr val="tx2">
+              <a:alpha val="66886"/>
+            </a:schemeClr>
+          </a:solidFill>
+          <a:ln>
+            <a:noFill/>
+          </a:ln>
+        </p:spPr>
+        <p:style>
+          <a:lnRef idx="2">
+            <a:schemeClr val="accent1">
+              <a:shade val="15000"/>
+            </a:schemeClr>
+          </a:lnRef>
+          <a:fillRef idx="1">
+            <a:schemeClr val="accent1"/>
+          </a:fillRef>
+          <a:effectRef idx="0">
+            <a:schemeClr val="accent1"/>
+          </a:effectRef>
+          <a:fontRef idx="minor">
+            <a:schemeClr val="lt1"/>
+          </a:fontRef>
+        </p:style>
+        <p:txBody>
+          <a:bodyPr lIns="90000" rtlCol="0" anchor="ctr"/>
+          <a:lstStyle/>
+          <a:p>
+            <a:pPr algn="ctr"/>
+            <a:endParaRPr lang="en-US"/>
+          </a:p>
+        </p:txBody>
+      </p:sp>
+      <p:sp>
+        <p:nvSpPr>
+          <p:cNvPr id="9" name="Rectangle 8">
+            <a:extLst>
+              <a:ext uri="{FF2B5EF4-FFF2-40B4-BE49-F238E27FC236}">
+                <a16:creationId xmlns:a16="http://schemas.microsoft.com/office/drawing/2014/main" id="{7D2A366C-FB5F-DE9F-091D-CAFDA32AF725}"/>
+              </a:ext>
+            </a:extLst>
+          </p:cNvPr>
+          <p:cNvSpPr/>
+          <p:nvPr/>
+        </p:nvSpPr>
+        <p:spPr>
+          <a:xfrm>
+            <a:off x="3073032" y="1728854"/>
+            <a:ext cx="1735789" cy="1246301"/>
+          </a:xfrm>
+          <a:prstGeom prst="rect">
+            <a:avLst/>
+          </a:prstGeom>
+          <a:ln w="38100"/>
+        </p:spPr>
+        <p:style>
+          <a:lnRef idx="2">
+            <a:schemeClr val="accent2"/>
+          </a:lnRef>
+          <a:fillRef idx="1">
+            <a:schemeClr val="lt1"/>
+          </a:fillRef>
+          <a:effectRef idx="0">
+            <a:schemeClr val="accent2"/>
+          </a:effectRef>
+          <a:fontRef idx="minor">
+            <a:schemeClr val="dk1"/>
+          </a:fontRef>
+        </p:style>
+        <p:txBody>
+          <a:bodyPr lIns="90000" rtlCol="0" anchor="t"/>
+          <a:lstStyle/>
+          <a:p>
+            <a:pPr algn="ctr"/>
+            <a:r>
+              <a:rPr lang="en-US" sz="2000">
+                <a:solidFill>
+                  <a:schemeClr val="accent1">
+                    <a:lumMod val="50000"/>
+                  </a:schemeClr>
+                </a:solidFill>
+              </a:rPr>
+              <a:t>Serializace</a:t>
+            </a:r>
+          </a:p>
+        </p:txBody>
+      </p:sp>
+      <p:pic>
+        <p:nvPicPr>
+          <p:cNvPr id="13" name="Picture 12">
+            <a:extLst>
+              <a:ext uri="{FF2B5EF4-FFF2-40B4-BE49-F238E27FC236}">
+                <a16:creationId xmlns:a16="http://schemas.microsoft.com/office/drawing/2014/main" id="{55D556B0-8A5A-4024-82F9-9BA4E397B48C}"/>
+              </a:ext>
+            </a:extLst>
+          </p:cNvPr>
+          <p:cNvPicPr>
+            <a:picLocks noChangeAspect="1"/>
+          </p:cNvPicPr>
+          <p:nvPr/>
+        </p:nvPicPr>
+        <p:blipFill>
+          <a:blip r:embed="rId4"/>
+          <a:stretch>
+            <a:fillRect/>
+          </a:stretch>
+        </p:blipFill>
+        <p:spPr>
+          <a:xfrm>
+            <a:off x="3560842" y="2171638"/>
+            <a:ext cx="669602" cy="669602"/>
+          </a:xfrm>
+          <a:prstGeom prst="rect">
+            <a:avLst/>
+          </a:prstGeom>
+        </p:spPr>
+      </p:pic>
+      <p:sp>
+        <p:nvSpPr>
+          <p:cNvPr id="15" name="Rectangle 14">
+            <a:extLst>
+              <a:ext uri="{FF2B5EF4-FFF2-40B4-BE49-F238E27FC236}">
+                <a16:creationId xmlns:a16="http://schemas.microsoft.com/office/drawing/2014/main" id="{28A970E7-1D26-B576-DC96-E411C3A69190}"/>
+              </a:ext>
+            </a:extLst>
+          </p:cNvPr>
+          <p:cNvSpPr/>
+          <p:nvPr/>
+        </p:nvSpPr>
+        <p:spPr>
+          <a:xfrm>
+            <a:off x="6613401" y="1728854"/>
+            <a:ext cx="1735789" cy="1246301"/>
+          </a:xfrm>
+          <a:prstGeom prst="rect">
+            <a:avLst/>
+          </a:prstGeom>
+          <a:ln w="38100"/>
+        </p:spPr>
+        <p:style>
+          <a:lnRef idx="2">
+            <a:schemeClr val="accent2"/>
+          </a:lnRef>
+          <a:fillRef idx="1">
+            <a:schemeClr val="lt1"/>
+          </a:fillRef>
+          <a:effectRef idx="0">
+            <a:schemeClr val="accent2"/>
+          </a:effectRef>
+          <a:fontRef idx="minor">
+            <a:schemeClr val="dk1"/>
+          </a:fontRef>
+        </p:style>
+        <p:txBody>
+          <a:bodyPr lIns="90000" rtlCol="0" anchor="t"/>
+          <a:lstStyle/>
+          <a:p>
+            <a:pPr algn="ctr"/>
+            <a:r>
+              <a:rPr lang="en-US" sz="2000">
+                <a:solidFill>
+                  <a:schemeClr val="accent1">
+                    <a:lumMod val="50000"/>
+                  </a:schemeClr>
+                </a:solidFill>
+              </a:rPr>
+              <a:t>Deserializace</a:t>
+            </a:r>
+          </a:p>
+        </p:txBody>
+      </p:sp>
+      <p:pic>
+        <p:nvPicPr>
+          <p:cNvPr id="16" name="Picture 15">
+            <a:extLst>
+              <a:ext uri="{FF2B5EF4-FFF2-40B4-BE49-F238E27FC236}">
+                <a16:creationId xmlns:a16="http://schemas.microsoft.com/office/drawing/2014/main" id="{BC6F9A05-6075-E80E-04F5-C0E8EBE88223}"/>
+              </a:ext>
+            </a:extLst>
+          </p:cNvPr>
+          <p:cNvPicPr>
+            <a:picLocks noChangeAspect="1"/>
+          </p:cNvPicPr>
+          <p:nvPr/>
+        </p:nvPicPr>
+        <p:blipFill>
+          <a:blip r:embed="rId4"/>
+          <a:stretch>
+            <a:fillRect/>
+          </a:stretch>
+        </p:blipFill>
+        <p:spPr>
+          <a:xfrm>
+            <a:off x="7101211" y="2171638"/>
+            <a:ext cx="669602" cy="669602"/>
+          </a:xfrm>
+          <a:prstGeom prst="rect">
+            <a:avLst/>
+          </a:prstGeom>
+        </p:spPr>
+      </p:pic>
+      <p:grpSp>
+        <p:nvGrpSpPr>
+          <p:cNvPr id="17" name="Group 16">
+            <a:extLst>
+              <a:ext uri="{FF2B5EF4-FFF2-40B4-BE49-F238E27FC236}">
+                <a16:creationId xmlns:a16="http://schemas.microsoft.com/office/drawing/2014/main" id="{87C8BE14-77E0-DA06-8576-2A06FC6737E9}"/>
+              </a:ext>
+            </a:extLst>
+          </p:cNvPr>
+          <p:cNvGrpSpPr/>
+          <p:nvPr/>
+        </p:nvGrpSpPr>
+        <p:grpSpPr>
+          <a:xfrm rot="10800000">
+            <a:off x="8862032" y="1779381"/>
+            <a:ext cx="1176274" cy="1106855"/>
+            <a:chOff x="7674429" y="2906486"/>
+            <a:chExt cx="914400" cy="914400"/>
+          </a:xfrm>
+        </p:grpSpPr>
+        <p:sp>
+          <p:nvSpPr>
+            <p:cNvPr id="18" name="Pie 17">
+              <a:extLst>
+                <a:ext uri="{FF2B5EF4-FFF2-40B4-BE49-F238E27FC236}">
+                  <a16:creationId xmlns:a16="http://schemas.microsoft.com/office/drawing/2014/main" id="{A0C71520-9596-BB9E-1417-F2EB55A04E79}"/>
+                </a:ext>
+              </a:extLst>
+            </p:cNvPr>
+            <p:cNvSpPr/>
+            <p:nvPr/>
+          </p:nvSpPr>
+          <p:spPr>
+            <a:xfrm rot="2703615">
+              <a:off x="7674429" y="2906486"/>
+              <a:ext cx="914400" cy="914400"/>
+            </a:xfrm>
+            <a:prstGeom prst="pie">
+              <a:avLst>
+                <a:gd name="adj1" fmla="val 85936"/>
+                <a:gd name="adj2" fmla="val 16200000"/>
+              </a:avLst>
+            </a:prstGeom>
+            <a:solidFill>
+              <a:srgbClr val="F4F400"/>
+            </a:solidFill>
+            <a:ln>
+              <a:solidFill>
+                <a:schemeClr val="accent6"/>
+              </a:solidFill>
+            </a:ln>
+          </p:spPr>
+          <p:style>
+            <a:lnRef idx="2">
+              <a:schemeClr val="accent1">
+                <a:shade val="15000"/>
+              </a:schemeClr>
+            </a:lnRef>
+            <a:fillRef idx="1">
+              <a:schemeClr val="accent1"/>
+            </a:fillRef>
+            <a:effectRef idx="0">
+              <a:schemeClr val="accent1"/>
+            </a:effectRef>
+            <a:fontRef idx="minor">
+              <a:schemeClr val="lt1"/>
+            </a:fontRef>
+          </p:style>
+          <p:txBody>
+            <a:bodyPr lIns="90000" rtlCol="0" anchor="ctr"/>
+            <a:lstStyle/>
+            <a:p>
+              <a:pPr algn="ctr"/>
+              <a:endParaRPr lang="en-US">
+                <a:solidFill>
+                  <a:schemeClr val="tx1"/>
+                </a:solidFill>
+              </a:endParaRPr>
+            </a:p>
+          </p:txBody>
+        </p:sp>
+        <p:sp>
+          <p:nvSpPr>
+            <p:cNvPr id="19" name="Oval 18">
+              <a:extLst>
+                <a:ext uri="{FF2B5EF4-FFF2-40B4-BE49-F238E27FC236}">
+                  <a16:creationId xmlns:a16="http://schemas.microsoft.com/office/drawing/2014/main" id="{8E3225F6-6B0B-8525-802B-CF55796327EE}"/>
+                </a:ext>
+              </a:extLst>
+            </p:cNvPr>
+            <p:cNvSpPr/>
+            <p:nvPr/>
+          </p:nvSpPr>
+          <p:spPr>
+            <a:xfrm>
+              <a:off x="8079377" y="3542794"/>
+              <a:ext cx="104503" cy="126450"/>
+            </a:xfrm>
+            <a:prstGeom prst="ellipse">
+              <a:avLst/>
+            </a:prstGeom>
+            <a:solidFill>
+              <a:schemeClr val="tx1"/>
+            </a:solidFill>
+            <a:ln>
+              <a:noFill/>
+            </a:ln>
+          </p:spPr>
+          <p:style>
+            <a:lnRef idx="2">
+              <a:schemeClr val="accent1">
+                <a:shade val="15000"/>
+              </a:schemeClr>
+            </a:lnRef>
+            <a:fillRef idx="1">
+              <a:schemeClr val="accent1"/>
+            </a:fillRef>
+            <a:effectRef idx="0">
+              <a:schemeClr val="accent1"/>
+            </a:effectRef>
+            <a:fontRef idx="minor">
+              <a:schemeClr val="lt1"/>
+            </a:fontRef>
+          </p:style>
+          <p:txBody>
+            <a:bodyPr lIns="90000" rtlCol="0" anchor="ctr"/>
+            <a:lstStyle/>
+            <a:p>
+              <a:pPr algn="ctr"/>
+              <a:endParaRPr lang="en-US"/>
+            </a:p>
+          </p:txBody>
+        </p:sp>
+      </p:grpSp>
+      <p:sp>
+        <p:nvSpPr>
+          <p:cNvPr id="21" name="Oval 20">
+            <a:extLst>
+              <a:ext uri="{FF2B5EF4-FFF2-40B4-BE49-F238E27FC236}">
+                <a16:creationId xmlns:a16="http://schemas.microsoft.com/office/drawing/2014/main" id="{818114E8-3813-DA60-D0C1-1DB297DF40FA}"/>
+              </a:ext>
+            </a:extLst>
+          </p:cNvPr>
+          <p:cNvSpPr/>
+          <p:nvPr/>
+        </p:nvSpPr>
+        <p:spPr>
+          <a:xfrm>
+            <a:off x="8758400" y="2243423"/>
+            <a:ext cx="207264" cy="207264"/>
+          </a:xfrm>
+          <a:prstGeom prst="ellipse">
+            <a:avLst/>
+          </a:prstGeom>
+          <a:solidFill>
+            <a:schemeClr val="tx2">
+              <a:alpha val="66886"/>
+            </a:schemeClr>
+          </a:solidFill>
+          <a:ln>
+            <a:noFill/>
+          </a:ln>
+        </p:spPr>
+        <p:style>
+          <a:lnRef idx="2">
+            <a:schemeClr val="accent1">
+              <a:shade val="15000"/>
+            </a:schemeClr>
+          </a:lnRef>
+          <a:fillRef idx="1">
+            <a:schemeClr val="accent1"/>
+          </a:fillRef>
+          <a:effectRef idx="0">
+            <a:schemeClr val="accent1"/>
+          </a:effectRef>
+          <a:fontRef idx="minor">
+            <a:schemeClr val="lt1"/>
+          </a:fontRef>
+        </p:style>
+        <p:txBody>
+          <a:bodyPr lIns="90000" rtlCol="0" anchor="ctr"/>
+          <a:lstStyle/>
+          <a:p>
+            <a:pPr algn="ctr"/>
+            <a:endParaRPr lang="en-US"/>
+          </a:p>
+        </p:txBody>
+      </p:sp>
+      <p:sp>
+        <p:nvSpPr>
+          <p:cNvPr id="23" name="Rectangle 22">
+            <a:extLst>
+              <a:ext uri="{FF2B5EF4-FFF2-40B4-BE49-F238E27FC236}">
+                <a16:creationId xmlns:a16="http://schemas.microsoft.com/office/drawing/2014/main" id="{6D7D654A-F7AD-BA59-B767-FF5DD8FE4AFA}"/>
+              </a:ext>
+            </a:extLst>
+          </p:cNvPr>
+          <p:cNvSpPr/>
+          <p:nvPr/>
+        </p:nvSpPr>
+        <p:spPr>
+          <a:xfrm>
+            <a:off x="2790492" y="3388102"/>
+            <a:ext cx="1735788" cy="703385"/>
+          </a:xfrm>
+          <a:prstGeom prst="rect">
+            <a:avLst/>
+          </a:prstGeom>
+          <a:solidFill>
+            <a:schemeClr val="accent6">
+              <a:alpha val="50000"/>
+            </a:schemeClr>
+          </a:solidFill>
+          <a:ln>
+            <a:noFill/>
+          </a:ln>
+        </p:spPr>
+        <p:style>
+          <a:lnRef idx="0">
+            <a:scrgbClr r="0" g="0" b="0"/>
+          </a:lnRef>
+          <a:fillRef idx="0">
+            <a:scrgbClr r="0" g="0" b="0"/>
+          </a:fillRef>
+          <a:effectRef idx="0">
+            <a:scrgbClr r="0" g="0" b="0"/>
+          </a:effectRef>
+          <a:fontRef idx="minor">
+            <a:schemeClr val="lt1"/>
+          </a:fontRef>
+        </p:style>
+        <p:txBody>
+          <a:bodyPr lIns="90000" rtlCol="0" anchor="ctr"/>
+          <a:lstStyle/>
+          <a:p>
+            <a:pPr algn="ctr"/>
+            <a:r>
+              <a:rPr lang="en-US"/>
+              <a:t>Datové typy</a:t>
+            </a:r>
+          </a:p>
+        </p:txBody>
+      </p:sp>
+      <p:sp>
+        <p:nvSpPr>
+          <p:cNvPr id="24" name="Rectangle 23">
+            <a:extLst>
+              <a:ext uri="{FF2B5EF4-FFF2-40B4-BE49-F238E27FC236}">
+                <a16:creationId xmlns:a16="http://schemas.microsoft.com/office/drawing/2014/main" id="{1D124CBF-E359-9086-F284-60F2F5110D4F}"/>
+              </a:ext>
+            </a:extLst>
+          </p:cNvPr>
+          <p:cNvSpPr/>
+          <p:nvPr/>
+        </p:nvSpPr>
+        <p:spPr>
+          <a:xfrm>
+            <a:off x="4714463" y="3388101"/>
+            <a:ext cx="1735788" cy="703385"/>
+          </a:xfrm>
+          <a:prstGeom prst="rect">
+            <a:avLst/>
+          </a:prstGeom>
+          <a:solidFill>
+            <a:schemeClr val="accent6">
+              <a:alpha val="50000"/>
+            </a:schemeClr>
+          </a:solidFill>
+          <a:ln>
+            <a:noFill/>
+          </a:ln>
+        </p:spPr>
+        <p:style>
+          <a:lnRef idx="0">
+            <a:scrgbClr r="0" g="0" b="0"/>
+          </a:lnRef>
+          <a:fillRef idx="0">
+            <a:scrgbClr r="0" g="0" b="0"/>
+          </a:fillRef>
+          <a:effectRef idx="0">
+            <a:scrgbClr r="0" g="0" b="0"/>
+          </a:effectRef>
+          <a:fontRef idx="minor">
+            <a:schemeClr val="lt1"/>
+          </a:fontRef>
+        </p:style>
+        <p:txBody>
+          <a:bodyPr lIns="90000" rtlCol="0" anchor="ctr"/>
+          <a:lstStyle/>
+          <a:p>
+            <a:pPr algn="ctr"/>
+            <a:r>
+              <a:rPr lang="en-US"/>
+              <a:t>Kontrakty</a:t>
+            </a:r>
+          </a:p>
+        </p:txBody>
+      </p:sp>
+      <p:sp>
+        <p:nvSpPr>
+          <p:cNvPr id="25" name="Rectangle 24">
+            <a:extLst>
+              <a:ext uri="{FF2B5EF4-FFF2-40B4-BE49-F238E27FC236}">
+                <a16:creationId xmlns:a16="http://schemas.microsoft.com/office/drawing/2014/main" id="{C866F7C8-F75F-AA6E-40F1-9E28BAE671BC}"/>
+              </a:ext>
+            </a:extLst>
+          </p:cNvPr>
+          <p:cNvSpPr/>
+          <p:nvPr/>
+        </p:nvSpPr>
+        <p:spPr>
+          <a:xfrm>
+            <a:off x="6638434" y="3388100"/>
+            <a:ext cx="1735788" cy="703385"/>
+          </a:xfrm>
+          <a:prstGeom prst="rect">
+            <a:avLst/>
+          </a:prstGeom>
+          <a:solidFill>
+            <a:schemeClr val="accent6">
+              <a:alpha val="50000"/>
+            </a:schemeClr>
+          </a:solidFill>
+          <a:ln>
+            <a:noFill/>
+          </a:ln>
+        </p:spPr>
+        <p:style>
+          <a:lnRef idx="0">
+            <a:scrgbClr r="0" g="0" b="0"/>
+          </a:lnRef>
+          <a:fillRef idx="0">
+            <a:scrgbClr r="0" g="0" b="0"/>
+          </a:fillRef>
+          <a:effectRef idx="0">
+            <a:scrgbClr r="0" g="0" b="0"/>
+          </a:effectRef>
+          <a:fontRef idx="minor">
+            <a:schemeClr val="lt1"/>
+          </a:fontRef>
+        </p:style>
+        <p:txBody>
+          <a:bodyPr lIns="90000" rtlCol="0" anchor="ctr"/>
+          <a:lstStyle/>
+          <a:p>
+            <a:pPr algn="ctr"/>
+            <a:r>
+              <a:rPr lang="en-US"/>
+              <a:t>Centrální repository</a:t>
+            </a:r>
+          </a:p>
+        </p:txBody>
+      </p:sp>
+      <p:sp>
+        <p:nvSpPr>
+          <p:cNvPr id="26" name="Rectangle 25">
+            <a:extLst>
+              <a:ext uri="{FF2B5EF4-FFF2-40B4-BE49-F238E27FC236}">
+                <a16:creationId xmlns:a16="http://schemas.microsoft.com/office/drawing/2014/main" id="{AF7CB726-E2A4-1DF8-A8D9-5E13110F1877}"/>
+              </a:ext>
+            </a:extLst>
+          </p:cNvPr>
+          <p:cNvSpPr/>
+          <p:nvPr/>
+        </p:nvSpPr>
+        <p:spPr>
+          <a:xfrm>
+            <a:off x="5770539" y="4245970"/>
+            <a:ext cx="1956903" cy="703385"/>
+          </a:xfrm>
+          <a:prstGeom prst="rect">
+            <a:avLst/>
+          </a:prstGeom>
+          <a:solidFill>
+            <a:schemeClr val="accent6">
+              <a:alpha val="50000"/>
+            </a:schemeClr>
+          </a:solidFill>
+          <a:ln>
+            <a:noFill/>
+          </a:ln>
+        </p:spPr>
+        <p:style>
+          <a:lnRef idx="0">
+            <a:scrgbClr r="0" g="0" b="0"/>
+          </a:lnRef>
+          <a:fillRef idx="0">
+            <a:scrgbClr r="0" g="0" b="0"/>
+          </a:fillRef>
+          <a:effectRef idx="0">
+            <a:scrgbClr r="0" g="0" b="0"/>
+          </a:effectRef>
+          <a:fontRef idx="minor">
+            <a:schemeClr val="lt1"/>
+          </a:fontRef>
+        </p:style>
+        <p:txBody>
+          <a:bodyPr lIns="90000" rtlCol="0" anchor="ctr"/>
+          <a:lstStyle/>
+          <a:p>
+            <a:pPr algn="ctr"/>
+            <a:r>
+              <a:rPr lang="en-US"/>
+              <a:t>Efektivita přenosů</a:t>
+            </a:r>
+          </a:p>
+        </p:txBody>
+      </p:sp>
+      <p:sp>
+        <p:nvSpPr>
+          <p:cNvPr id="27" name="Rectangle 26">
+            <a:extLst>
+              <a:ext uri="{FF2B5EF4-FFF2-40B4-BE49-F238E27FC236}">
+                <a16:creationId xmlns:a16="http://schemas.microsoft.com/office/drawing/2014/main" id="{22DC78DA-0D88-C20E-0FC5-AC4968A4EC4A}"/>
+              </a:ext>
+            </a:extLst>
+          </p:cNvPr>
+          <p:cNvSpPr/>
+          <p:nvPr/>
+        </p:nvSpPr>
+        <p:spPr>
+          <a:xfrm>
+            <a:off x="3560842" y="4245970"/>
+            <a:ext cx="1956903" cy="703385"/>
+          </a:xfrm>
+          <a:prstGeom prst="rect">
+            <a:avLst/>
+          </a:prstGeom>
+          <a:solidFill>
+            <a:schemeClr val="accent6">
+              <a:alpha val="50000"/>
+            </a:schemeClr>
+          </a:solidFill>
+          <a:ln>
+            <a:noFill/>
+          </a:ln>
+        </p:spPr>
+        <p:style>
+          <a:lnRef idx="0">
+            <a:scrgbClr r="0" g="0" b="0"/>
+          </a:lnRef>
+          <a:fillRef idx="0">
+            <a:scrgbClr r="0" g="0" b="0"/>
+          </a:fillRef>
+          <a:effectRef idx="0">
+            <a:scrgbClr r="0" g="0" b="0"/>
+          </a:effectRef>
+          <a:fontRef idx="minor">
+            <a:schemeClr val="lt1"/>
+          </a:fontRef>
+        </p:style>
+        <p:txBody>
+          <a:bodyPr lIns="90000" rtlCol="0" anchor="ctr"/>
+          <a:lstStyle/>
+          <a:p>
+            <a:pPr algn="ctr"/>
+            <a:r>
+              <a:rPr lang="en-US"/>
+              <a:t>Změny v datovém modelu</a:t>
+            </a:r>
+          </a:p>
+        </p:txBody>
+      </p:sp>
+      <p:sp>
+        <p:nvSpPr>
+          <p:cNvPr id="29" name="Snip and Round Single Corner Rectangle 28">
+            <a:extLst>
+              <a:ext uri="{FF2B5EF4-FFF2-40B4-BE49-F238E27FC236}">
+                <a16:creationId xmlns:a16="http://schemas.microsoft.com/office/drawing/2014/main" id="{CE0921AB-1821-C5D6-E049-BAB61EB7E741}"/>
+              </a:ext>
+            </a:extLst>
+          </p:cNvPr>
+          <p:cNvSpPr/>
+          <p:nvPr/>
+        </p:nvSpPr>
+        <p:spPr>
+          <a:xfrm>
+            <a:off x="2482205" y="5362300"/>
+            <a:ext cx="1374516" cy="703386"/>
+          </a:xfrm>
+          <a:prstGeom prst="snipRoundRect">
+            <a:avLst>
+              <a:gd name="adj1" fmla="val 0"/>
+              <a:gd name="adj2" fmla="val 16667"/>
+            </a:avLst>
+          </a:prstGeom>
+          <a:solidFill>
+            <a:schemeClr val="accent3">
+              <a:lumMod val="25000"/>
+              <a:lumOff val="75000"/>
+            </a:schemeClr>
+          </a:solidFill>
+          <a:ln>
+            <a:noFill/>
+          </a:ln>
+        </p:spPr>
+        <p:style>
+          <a:lnRef idx="1">
+            <a:schemeClr val="accent4"/>
+          </a:lnRef>
+          <a:fillRef idx="3">
+            <a:schemeClr val="accent4"/>
+          </a:fillRef>
+          <a:effectRef idx="2">
+            <a:schemeClr val="accent4"/>
+          </a:effectRef>
+          <a:fontRef idx="minor">
+            <a:schemeClr val="lt1"/>
+          </a:fontRef>
+        </p:style>
+        <p:txBody>
+          <a:bodyPr lIns="90000" rtlCol="0" anchor="ctr"/>
+          <a:lstStyle/>
+          <a:p>
+            <a:pPr algn="ctr"/>
+            <a:r>
+              <a:rPr lang="en-US"/>
+              <a:t>JSON</a:t>
+            </a:r>
+          </a:p>
+        </p:txBody>
+      </p:sp>
+      <p:sp>
+        <p:nvSpPr>
+          <p:cNvPr id="30" name="Snip and Round Single Corner Rectangle 29">
+            <a:extLst>
+              <a:ext uri="{FF2B5EF4-FFF2-40B4-BE49-F238E27FC236}">
+                <a16:creationId xmlns:a16="http://schemas.microsoft.com/office/drawing/2014/main" id="{8E01484D-E74C-B703-FE16-09EFF7CA787C}"/>
+              </a:ext>
+            </a:extLst>
+          </p:cNvPr>
+          <p:cNvSpPr/>
+          <p:nvPr/>
+        </p:nvSpPr>
+        <p:spPr>
+          <a:xfrm>
+            <a:off x="4121496" y="5362300"/>
+            <a:ext cx="1374516" cy="703386"/>
+          </a:xfrm>
+          <a:prstGeom prst="snipRoundRect">
+            <a:avLst>
+              <a:gd name="adj1" fmla="val 0"/>
+              <a:gd name="adj2" fmla="val 16667"/>
+            </a:avLst>
+          </a:prstGeom>
+          <a:solidFill>
+            <a:schemeClr val="accent3">
+              <a:lumMod val="25000"/>
+              <a:lumOff val="75000"/>
+            </a:schemeClr>
+          </a:solidFill>
+          <a:ln>
+            <a:noFill/>
+          </a:ln>
+        </p:spPr>
+        <p:style>
+          <a:lnRef idx="1">
+            <a:schemeClr val="accent4"/>
+          </a:lnRef>
+          <a:fillRef idx="3">
+            <a:schemeClr val="accent4"/>
+          </a:fillRef>
+          <a:effectRef idx="2">
+            <a:schemeClr val="accent4"/>
+          </a:effectRef>
+          <a:fontRef idx="minor">
+            <a:schemeClr val="lt1"/>
+          </a:fontRef>
+        </p:style>
+        <p:txBody>
+          <a:bodyPr lIns="90000" rtlCol="0" anchor="ctr"/>
+          <a:lstStyle/>
+          <a:p>
+            <a:pPr algn="ctr"/>
+            <a:r>
+              <a:rPr lang="en-US"/>
+              <a:t>Avro</a:t>
+            </a:r>
+          </a:p>
+        </p:txBody>
+      </p:sp>
+      <p:sp>
+        <p:nvSpPr>
+          <p:cNvPr id="31" name="Snip and Round Single Corner Rectangle 30">
+            <a:extLst>
+              <a:ext uri="{FF2B5EF4-FFF2-40B4-BE49-F238E27FC236}">
+                <a16:creationId xmlns:a16="http://schemas.microsoft.com/office/drawing/2014/main" id="{4D7FCF61-A7A6-69B8-3947-FA8057D8D837}"/>
+              </a:ext>
+            </a:extLst>
+          </p:cNvPr>
+          <p:cNvSpPr/>
+          <p:nvPr/>
+        </p:nvSpPr>
+        <p:spPr>
+          <a:xfrm>
+            <a:off x="5760787" y="5362300"/>
+            <a:ext cx="1374516" cy="703386"/>
+          </a:xfrm>
+          <a:prstGeom prst="snipRoundRect">
+            <a:avLst>
+              <a:gd name="adj1" fmla="val 0"/>
+              <a:gd name="adj2" fmla="val 16667"/>
+            </a:avLst>
+          </a:prstGeom>
+          <a:solidFill>
+            <a:schemeClr val="accent3">
+              <a:lumMod val="25000"/>
+              <a:lumOff val="75000"/>
+            </a:schemeClr>
+          </a:solidFill>
+          <a:ln>
+            <a:noFill/>
+          </a:ln>
+        </p:spPr>
+        <p:style>
+          <a:lnRef idx="1">
+            <a:schemeClr val="accent4"/>
+          </a:lnRef>
+          <a:fillRef idx="3">
+            <a:schemeClr val="accent4"/>
+          </a:fillRef>
+          <a:effectRef idx="2">
+            <a:schemeClr val="accent4"/>
+          </a:effectRef>
+          <a:fontRef idx="minor">
+            <a:schemeClr val="lt1"/>
+          </a:fontRef>
+        </p:style>
+        <p:txBody>
+          <a:bodyPr lIns="90000" rtlCol="0" anchor="ctr"/>
+          <a:lstStyle/>
+          <a:p>
+            <a:pPr algn="ctr"/>
+            <a:r>
+              <a:rPr lang="en-US"/>
+              <a:t>Protobuf</a:t>
+            </a:r>
+          </a:p>
+        </p:txBody>
+      </p:sp>
+      <p:sp>
+        <p:nvSpPr>
+          <p:cNvPr id="32" name="Snip and Round Single Corner Rectangle 31">
+            <a:extLst>
+              <a:ext uri="{FF2B5EF4-FFF2-40B4-BE49-F238E27FC236}">
+                <a16:creationId xmlns:a16="http://schemas.microsoft.com/office/drawing/2014/main" id="{BABAD8DA-5A50-3C1B-6D0C-B900DCCAF13A}"/>
+              </a:ext>
+            </a:extLst>
+          </p:cNvPr>
+          <p:cNvSpPr/>
+          <p:nvPr/>
+        </p:nvSpPr>
+        <p:spPr>
+          <a:xfrm>
+            <a:off x="7400078" y="5362300"/>
+            <a:ext cx="1374516" cy="703386"/>
+          </a:xfrm>
+          <a:prstGeom prst="snipRoundRect">
+            <a:avLst>
+              <a:gd name="adj1" fmla="val 0"/>
+              <a:gd name="adj2" fmla="val 16667"/>
+            </a:avLst>
+          </a:prstGeom>
+          <a:solidFill>
+            <a:schemeClr val="accent3">
+              <a:lumMod val="25000"/>
+              <a:lumOff val="75000"/>
+            </a:schemeClr>
+          </a:solidFill>
+          <a:ln>
+            <a:noFill/>
+          </a:ln>
+        </p:spPr>
+        <p:style>
+          <a:lnRef idx="1">
+            <a:schemeClr val="accent4"/>
+          </a:lnRef>
+          <a:fillRef idx="3">
+            <a:schemeClr val="accent4"/>
+          </a:fillRef>
+          <a:effectRef idx="2">
+            <a:schemeClr val="accent4"/>
+          </a:effectRef>
+          <a:fontRef idx="minor">
+            <a:schemeClr val="lt1"/>
+          </a:fontRef>
+        </p:style>
+        <p:txBody>
+          <a:bodyPr lIns="90000" rtlCol="0" anchor="ctr"/>
+          <a:lstStyle/>
+          <a:p>
+            <a:pPr algn="ctr"/>
+            <a:r>
+              <a:rPr lang="en-US"/>
+              <a:t>Thrift</a:t>
+            </a:r>
+          </a:p>
+        </p:txBody>
+      </p:sp>
+      <p:sp>
+        <p:nvSpPr>
+          <p:cNvPr id="33" name="Snip and Round Single Corner Rectangle 32">
+            <a:extLst>
+              <a:ext uri="{FF2B5EF4-FFF2-40B4-BE49-F238E27FC236}">
+                <a16:creationId xmlns:a16="http://schemas.microsoft.com/office/drawing/2014/main" id="{7994B982-2D44-FE8E-EF34-145BE535EBF5}"/>
+              </a:ext>
+            </a:extLst>
+          </p:cNvPr>
+          <p:cNvSpPr/>
+          <p:nvPr/>
+        </p:nvSpPr>
+        <p:spPr>
+          <a:xfrm>
+            <a:off x="4121496" y="5362300"/>
+            <a:ext cx="1374516" cy="703386"/>
+          </a:xfrm>
+          <a:prstGeom prst="snipRoundRect">
+            <a:avLst>
+              <a:gd name="adj1" fmla="val 0"/>
+              <a:gd name="adj2" fmla="val 16667"/>
+            </a:avLst>
+          </a:prstGeom>
+          <a:noFill/>
+          <a:ln w="38100">
+            <a:solidFill>
+              <a:schemeClr val="accent4"/>
+            </a:solidFill>
+          </a:ln>
+        </p:spPr>
+        <p:style>
+          <a:lnRef idx="1">
+            <a:schemeClr val="accent4"/>
+          </a:lnRef>
+          <a:fillRef idx="3">
+            <a:schemeClr val="accent4"/>
+          </a:fillRef>
+          <a:effectRef idx="2">
+            <a:schemeClr val="accent4"/>
+          </a:effectRef>
+          <a:fontRef idx="minor">
+            <a:schemeClr val="lt1"/>
+          </a:fontRef>
+        </p:style>
+        <p:txBody>
+          <a:bodyPr lIns="90000" rtlCol="0" anchor="ctr"/>
+          <a:lstStyle/>
+          <a:p>
+            <a:pPr algn="ctr"/>
+            <a:endParaRPr lang="en-US"/>
+          </a:p>
+        </p:txBody>
+      </p:sp>
+    </p:spTree>
+    <p:extLst>
+      <p:ext uri="{BB962C8B-B14F-4D97-AF65-F5344CB8AC3E}">
+        <p14:creationId xmlns:p14="http://schemas.microsoft.com/office/powerpoint/2010/main" val="1500337501"/>
+      </p:ext>
+    </p:extLst>
+  </p:cSld>
+  <p:clrMapOvr>
+    <a:masterClrMapping/>
+  </p:clrMapOvr>
+  <p:timing>
+    <p:tnLst>
+      <p:par>
+        <p:cTn id="1" dur="indefinite" restart="never" nodeType="tmRoot">
+          <p:childTnLst>
+            <p:seq concurrent="1" nextAc="seek">
+              <p:cTn id="2" dur="indefinite" nodeType="mainSeq">
+                <p:childTnLst>
+                  <p:par>
+                    <p:cTn id="3" fill="hold">
+                      <p:stCondLst>
+                        <p:cond delay="indefinite"/>
+                      </p:stCondLst>
+                      <p:childTnLst>
+                        <p:par>
+                          <p:cTn id="4" fill="hold">
+                            <p:stCondLst>
+                              <p:cond delay="0"/>
+                            </p:stCondLst>
+                            <p:childTnLst>
+                              <p:par>
+                                <p:cTn id="5" presetID="1" presetClass="entr" presetSubtype="0" fill="hold" grpId="0" nodeType="clickEffect">
+                                  <p:stCondLst>
+                                    <p:cond delay="0"/>
+                                  </p:stCondLst>
+                                  <p:childTnLst>
+                                    <p:set>
+                                      <p:cBhvr>
+                                        <p:cTn id="6" dur="1" fill="hold">
+                                          <p:stCondLst>
+                                            <p:cond delay="0"/>
+                                          </p:stCondLst>
+                                        </p:cTn>
+                                        <p:tgtEl>
+                                          <p:spTgt spid="23"/>
+                                        </p:tgtEl>
+                                        <p:attrNameLst>
+                                          <p:attrName>style.visibility</p:attrName>
+                                        </p:attrNameLst>
+                                      </p:cBhvr>
+                                      <p:to>
+                                        <p:strVal val="visible"/>
+                                      </p:to>
+                                    </p:set>
+                                  </p:childTnLst>
+                                </p:cTn>
+                              </p:par>
+                            </p:childTnLst>
+                          </p:cTn>
+                        </p:par>
+                      </p:childTnLst>
+                    </p:cTn>
+                  </p:par>
+                  <p:par>
+                    <p:cTn id="7" fill="hold">
+                      <p:stCondLst>
+                        <p:cond delay="indefinite"/>
+                      </p:stCondLst>
+                      <p:childTnLst>
+                        <p:par>
+                          <p:cTn id="8" fill="hold">
+                            <p:stCondLst>
+                              <p:cond delay="0"/>
+                            </p:stCondLst>
+                            <p:childTnLst>
+                              <p:par>
+                                <p:cTn id="9" presetID="1" presetClass="entr" presetSubtype="0" fill="hold" grpId="0" nodeType="clickEffect">
+                                  <p:stCondLst>
+                                    <p:cond delay="0"/>
+                                  </p:stCondLst>
+                                  <p:childTnLst>
+                                    <p:set>
+                                      <p:cBhvr>
+                                        <p:cTn id="10" dur="1" fill="hold">
+                                          <p:stCondLst>
+                                            <p:cond delay="0"/>
+                                          </p:stCondLst>
+                                        </p:cTn>
+                                        <p:tgtEl>
+                                          <p:spTgt spid="24"/>
+                                        </p:tgtEl>
+                                        <p:attrNameLst>
+                                          <p:attrName>style.visibility</p:attrName>
+                                        </p:attrNameLst>
+                                      </p:cBhvr>
+                                      <p:to>
+                                        <p:strVal val="visible"/>
+                                      </p:to>
+                                    </p:set>
+                                  </p:childTnLst>
+                                </p:cTn>
+                              </p:par>
+                            </p:childTnLst>
+                          </p:cTn>
+                        </p:par>
+                      </p:childTnLst>
+                    </p:cTn>
+                  </p:par>
+                  <p:par>
+                    <p:cTn id="11" fill="hold">
+                      <p:stCondLst>
+                        <p:cond delay="indefinite"/>
+                      </p:stCondLst>
+                      <p:childTnLst>
+                        <p:par>
+                          <p:cTn id="12" fill="hold">
+                            <p:stCondLst>
+                              <p:cond delay="0"/>
+                            </p:stCondLst>
+                            <p:childTnLst>
+                              <p:par>
+                                <p:cTn id="13" presetID="1" presetClass="entr" presetSubtype="0" fill="hold" grpId="0" nodeType="clickEffect">
+                                  <p:stCondLst>
+                                    <p:cond delay="0"/>
+                                  </p:stCondLst>
+                                  <p:childTnLst>
+                                    <p:set>
+                                      <p:cBhvr>
+                                        <p:cTn id="14" dur="1" fill="hold">
+                                          <p:stCondLst>
+                                            <p:cond delay="0"/>
+                                          </p:stCondLst>
+                                        </p:cTn>
+                                        <p:tgtEl>
+                                          <p:spTgt spid="25"/>
+                                        </p:tgtEl>
+                                        <p:attrNameLst>
+                                          <p:attrName>style.visibility</p:attrName>
+                                        </p:attrNameLst>
+                                      </p:cBhvr>
+                                      <p:to>
+                                        <p:strVal val="visible"/>
+                                      </p:to>
+                                    </p:set>
+                                  </p:childTnLst>
+                                </p:cTn>
+                              </p:par>
+                            </p:childTnLst>
+                          </p:cTn>
+                        </p:par>
+                      </p:childTnLst>
+                    </p:cTn>
+                  </p:par>
+                  <p:par>
+                    <p:cTn id="15" fill="hold">
+                      <p:stCondLst>
+                        <p:cond delay="indefinite"/>
+                      </p:stCondLst>
+                      <p:childTnLst>
+                        <p:par>
+                          <p:cTn id="16" fill="hold">
+                            <p:stCondLst>
+                              <p:cond delay="0"/>
+                            </p:stCondLst>
+                            <p:childTnLst>
+                              <p:par>
+                                <p:cTn id="17" presetID="1" presetClass="entr" presetSubtype="0" fill="hold" grpId="0" nodeType="clickEffect">
+                                  <p:stCondLst>
+                                    <p:cond delay="0"/>
+                                  </p:stCondLst>
+                                  <p:childTnLst>
+                                    <p:set>
+                                      <p:cBhvr>
+                                        <p:cTn id="18" dur="1" fill="hold">
+                                          <p:stCondLst>
+                                            <p:cond delay="0"/>
+                                          </p:stCondLst>
+                                        </p:cTn>
+                                        <p:tgtEl>
+                                          <p:spTgt spid="27"/>
+                                        </p:tgtEl>
+                                        <p:attrNameLst>
+                                          <p:attrName>style.visibility</p:attrName>
+                                        </p:attrNameLst>
+                                      </p:cBhvr>
+                                      <p:to>
+                                        <p:strVal val="visible"/>
+                                      </p:to>
+                                    </p:set>
+                                  </p:childTnLst>
+                                </p:cTn>
+                              </p:par>
+                            </p:childTnLst>
+                          </p:cTn>
+                        </p:par>
+                      </p:childTnLst>
+                    </p:cTn>
+                  </p:par>
+                  <p:par>
+                    <p:cTn id="19" fill="hold">
+                      <p:stCondLst>
+                        <p:cond delay="indefinite"/>
+                      </p:stCondLst>
+                      <p:childTnLst>
+                        <p:par>
+                          <p:cTn id="20" fill="hold">
+                            <p:stCondLst>
+                              <p:cond delay="0"/>
+                            </p:stCondLst>
+                            <p:childTnLst>
+                              <p:par>
+                                <p:cTn id="21" presetID="1" presetClass="entr" presetSubtype="0" fill="hold" grpId="0" nodeType="clickEffect">
+                                  <p:stCondLst>
+                                    <p:cond delay="0"/>
+                                  </p:stCondLst>
+                                  <p:childTnLst>
+                                    <p:set>
+                                      <p:cBhvr>
+                                        <p:cTn id="22" dur="1" fill="hold">
+                                          <p:stCondLst>
+                                            <p:cond delay="0"/>
+                                          </p:stCondLst>
+                                        </p:cTn>
+                                        <p:tgtEl>
+                                          <p:spTgt spid="26"/>
+                                        </p:tgtEl>
+                                        <p:attrNameLst>
+                                          <p:attrName>style.visibility</p:attrName>
+                                        </p:attrNameLst>
+                                      </p:cBhvr>
+                                      <p:to>
+                                        <p:strVal val="visible"/>
+                                      </p:to>
+                                    </p:set>
+                                  </p:childTnLst>
+                                </p:cTn>
+                              </p:par>
+                            </p:childTnLst>
+                          </p:cTn>
+                        </p:par>
+                      </p:childTnLst>
+                    </p:cTn>
+                  </p:par>
+                  <p:par>
+                    <p:cTn id="23" fill="hold">
+                      <p:stCondLst>
+                        <p:cond delay="indefinite"/>
+                      </p:stCondLst>
+                      <p:childTnLst>
+                        <p:par>
+                          <p:cTn id="24" fill="hold">
+                            <p:stCondLst>
+                              <p:cond delay="0"/>
+                            </p:stCondLst>
+                            <p:childTnLst>
+                              <p:par>
+                                <p:cTn id="25" presetID="1" presetClass="entr" presetSubtype="0" fill="hold" grpId="0" nodeType="clickEffect">
+                                  <p:stCondLst>
+                                    <p:cond delay="0"/>
+                                  </p:stCondLst>
+                                  <p:childTnLst>
+                                    <p:set>
+                                      <p:cBhvr>
+                                        <p:cTn id="26" dur="1" fill="hold">
+                                          <p:stCondLst>
+                                            <p:cond delay="0"/>
+                                          </p:stCondLst>
+                                        </p:cTn>
+                                        <p:tgtEl>
+                                          <p:spTgt spid="29"/>
+                                        </p:tgtEl>
+                                        <p:attrNameLst>
+                                          <p:attrName>style.visibility</p:attrName>
+                                        </p:attrNameLst>
+                                      </p:cBhvr>
+                                      <p:to>
+                                        <p:strVal val="visible"/>
+                                      </p:to>
+                                    </p:set>
+                                  </p:childTnLst>
+                                </p:cTn>
+                              </p:par>
+                            </p:childTnLst>
+                          </p:cTn>
+                        </p:par>
+                      </p:childTnLst>
+                    </p:cTn>
+                  </p:par>
+                  <p:par>
+                    <p:cTn id="27" fill="hold">
+                      <p:stCondLst>
+                        <p:cond delay="indefinite"/>
+                      </p:stCondLst>
+                      <p:childTnLst>
+                        <p:par>
+                          <p:cTn id="28" fill="hold">
+                            <p:stCondLst>
+                              <p:cond delay="0"/>
+                            </p:stCondLst>
+                            <p:childTnLst>
+                              <p:par>
+                                <p:cTn id="29" presetID="1" presetClass="entr" presetSubtype="0" fill="hold" grpId="0" nodeType="clickEffect">
+                                  <p:stCondLst>
+                                    <p:cond delay="0"/>
+                                  </p:stCondLst>
+                                  <p:childTnLst>
+                                    <p:set>
+                                      <p:cBhvr>
+                                        <p:cTn id="30" dur="1" fill="hold">
+                                          <p:stCondLst>
+                                            <p:cond delay="0"/>
+                                          </p:stCondLst>
+                                        </p:cTn>
+                                        <p:tgtEl>
+                                          <p:spTgt spid="30"/>
+                                        </p:tgtEl>
+                                        <p:attrNameLst>
+                                          <p:attrName>style.visibility</p:attrName>
+                                        </p:attrNameLst>
+                                      </p:cBhvr>
+                                      <p:to>
+                                        <p:strVal val="visible"/>
+                                      </p:to>
+                                    </p:set>
+                                  </p:childTnLst>
+                                </p:cTn>
+                              </p:par>
+                            </p:childTnLst>
+                          </p:cTn>
+                        </p:par>
+                      </p:childTnLst>
+                    </p:cTn>
+                  </p:par>
+                  <p:par>
+                    <p:cTn id="31" fill="hold">
+                      <p:stCondLst>
+                        <p:cond delay="indefinite"/>
+                      </p:stCondLst>
+                      <p:childTnLst>
+                        <p:par>
+                          <p:cTn id="32" fill="hold">
+                            <p:stCondLst>
+                              <p:cond delay="0"/>
+                            </p:stCondLst>
+                            <p:childTnLst>
+                              <p:par>
+                                <p:cTn id="33" presetID="1" presetClass="entr" presetSubtype="0" fill="hold" grpId="0" nodeType="clickEffect">
+                                  <p:stCondLst>
+                                    <p:cond delay="0"/>
+                                  </p:stCondLst>
+                                  <p:childTnLst>
+                                    <p:set>
+                                      <p:cBhvr>
+                                        <p:cTn id="34" dur="1" fill="hold">
+                                          <p:stCondLst>
+                                            <p:cond delay="0"/>
+                                          </p:stCondLst>
+                                        </p:cTn>
+                                        <p:tgtEl>
+                                          <p:spTgt spid="31"/>
+                                        </p:tgtEl>
+                                        <p:attrNameLst>
+                                          <p:attrName>style.visibility</p:attrName>
+                                        </p:attrNameLst>
+                                      </p:cBhvr>
+                                      <p:to>
+                                        <p:strVal val="visible"/>
+                                      </p:to>
+                                    </p:set>
+                                  </p:childTnLst>
+                                </p:cTn>
+                              </p:par>
+                            </p:childTnLst>
+                          </p:cTn>
+                        </p:par>
+                      </p:childTnLst>
+                    </p:cTn>
+                  </p:par>
+                  <p:par>
+                    <p:cTn id="35" fill="hold">
+                      <p:stCondLst>
+                        <p:cond delay="indefinite"/>
+                      </p:stCondLst>
+                      <p:childTnLst>
+                        <p:par>
+                          <p:cTn id="36" fill="hold">
+                            <p:stCondLst>
+                              <p:cond delay="0"/>
+                            </p:stCondLst>
+                            <p:childTnLst>
+                              <p:par>
+                                <p:cTn id="37" presetID="1" presetClass="entr" presetSubtype="0" fill="hold" grpId="0" nodeType="clickEffect">
+                                  <p:stCondLst>
+                                    <p:cond delay="0"/>
+                                  </p:stCondLst>
+                                  <p:childTnLst>
+                                    <p:set>
+                                      <p:cBhvr>
+                                        <p:cTn id="38" dur="1" fill="hold">
+                                          <p:stCondLst>
+                                            <p:cond delay="0"/>
+                                          </p:stCondLst>
+                                        </p:cTn>
+                                        <p:tgtEl>
+                                          <p:spTgt spid="32"/>
+                                        </p:tgtEl>
+                                        <p:attrNameLst>
+                                          <p:attrName>style.visibility</p:attrName>
+                                        </p:attrNameLst>
+                                      </p:cBhvr>
+                                      <p:to>
+                                        <p:strVal val="visible"/>
+                                      </p:to>
+                                    </p:set>
+                                  </p:childTnLst>
+                                </p:cTn>
+                              </p:par>
+                            </p:childTnLst>
+                          </p:cTn>
+                        </p:par>
+                      </p:childTnLst>
+                    </p:cTn>
+                  </p:par>
+                  <p:par>
+                    <p:cTn id="39" fill="hold">
+                      <p:stCondLst>
+                        <p:cond delay="indefinite"/>
+                      </p:stCondLst>
+                      <p:childTnLst>
+                        <p:par>
+                          <p:cTn id="40" fill="hold">
+                            <p:stCondLst>
+                              <p:cond delay="0"/>
+                            </p:stCondLst>
+                            <p:childTnLst>
+                              <p:par>
+                                <p:cTn id="41" presetID="1" presetClass="entr" presetSubtype="0" fill="hold" grpId="0" nodeType="clickEffect">
+                                  <p:stCondLst>
+                                    <p:cond delay="0"/>
+                                  </p:stCondLst>
+                                  <p:childTnLst>
+                                    <p:set>
+                                      <p:cBhvr>
+                                        <p:cTn id="42" dur="1" fill="hold">
+                                          <p:stCondLst>
+                                            <p:cond delay="0"/>
+                                          </p:stCondLst>
+                                        </p:cTn>
+                                        <p:tgtEl>
+                                          <p:spTgt spid="33"/>
+                                        </p:tgtEl>
+                                        <p:attrNameLst>
+                                          <p:attrName>style.visibility</p:attrName>
+                                        </p:attrNameLst>
+                                      </p:cBhvr>
+                                      <p:to>
+                                        <p:strVal val="visible"/>
+                                      </p:to>
+                                    </p:set>
+                                  </p:childTnLst>
+                                </p:cTn>
+                              </p:par>
+                            </p:childTnLst>
+                          </p:cTn>
+                        </p:par>
+                      </p:childTnLst>
+                    </p:cTn>
+                  </p:par>
+                  <p:par>
+                    <p:cTn id="43" fill="hold">
+                      <p:stCondLst>
+                        <p:cond delay="indefinite"/>
+                      </p:stCondLst>
+                      <p:childTnLst>
+                        <p:par>
+                          <p:cTn id="44" fill="hold">
+                            <p:stCondLst>
+                              <p:cond delay="0"/>
+                            </p:stCondLst>
+                            <p:childTnLst>
+                              <p:par>
+                                <p:cTn id="45" presetID="1" presetClass="entr" presetSubtype="0" fill="hold" grpId="1" nodeType="clickEffect">
+                                  <p:stCondLst>
+                                    <p:cond delay="0"/>
+                                  </p:stCondLst>
+                                  <p:childTnLst>
+                                    <p:set>
+                                      <p:cBhvr>
+                                        <p:cTn id="46" dur="1" fill="hold">
+                                          <p:stCondLst>
+                                            <p:cond delay="0"/>
+                                          </p:stCondLst>
+                                        </p:cTn>
+                                        <p:tgtEl>
+                                          <p:spTgt spid="33"/>
+                                        </p:tgtEl>
+                                        <p:attrNameLst>
+                                          <p:attrName>style.visibility</p:attrName>
+                                        </p:attrNameLst>
+                                      </p:cBhvr>
+                                      <p:to>
+                                        <p:strVal val="visible"/>
+                                      </p:to>
+                                    </p:set>
+                                  </p:childTnLst>
+                                </p:cTn>
+                              </p:par>
+                            </p:childTnLst>
+                          </p:cTn>
+                        </p:par>
+                      </p:childTnLst>
+                    </p:cTn>
+                  </p:par>
+                </p:childTnLst>
+              </p:cTn>
+              <p:prevCondLst>
+                <p:cond evt="onPrev" delay="0">
+                  <p:tgtEl>
+                    <p:sldTgt/>
+                  </p:tgtEl>
+                </p:cond>
+              </p:prevCondLst>
+              <p:nextCondLst>
+                <p:cond evt="onNext" delay="0">
+                  <p:tgtEl>
+                    <p:sldTgt/>
+                  </p:tgtEl>
+                </p:cond>
+              </p:nextCondLst>
+            </p:seq>
+          </p:childTnLst>
+        </p:cTn>
+      </p:par>
+    </p:tnLst>
+    <p:bldLst>
+      <p:bldP spid="23" grpId="0" animBg="1"/>
+      <p:bldP spid="24" grpId="0" animBg="1"/>
+      <p:bldP spid="25" grpId="0" animBg="1"/>
+      <p:bldP spid="26" grpId="0" animBg="1"/>
+      <p:bldP spid="27" grpId="0" animBg="1"/>
+      <p:bldP spid="29" grpId="0" animBg="1"/>
+      <p:bldP spid="30" grpId="0" animBg="1"/>
+      <p:bldP spid="31" grpId="0" animBg="1"/>
+      <p:bldP spid="32" grpId="0" animBg="1"/>
+      <p:bldP spid="33" grpId="0" animBg="1"/>
+      <p:bldP spid="33" grpId="1" animBg="1"/>
+    </p:bldLst>
+  </p:timing>
+</p:sld>
+</file>
+
+<file path=ppt/slides/slide19.xml><?xml version="1.0" encoding="utf-8"?>
+<p:sld xmlns:a="http://schemas.openxmlformats.org/drawingml/2006/main" xmlns:r="http://schemas.openxmlformats.org/officeDocument/2006/relationships" xmlns:p="http://schemas.openxmlformats.org/presentationml/2006/main">
+  <p:cSld>
+    <p:spTree>
+      <p:nvGrpSpPr>
+        <p:cNvPr id="1" name=""/>
+        <p:cNvGrpSpPr/>
+        <p:nvPr/>
+      </p:nvGrpSpPr>
+      <p:grpSpPr>
+        <a:xfrm>
+          <a:off x="0" y="0"/>
+          <a:ext cx="0" cy="0"/>
+          <a:chOff x="0" y="0"/>
+          <a:chExt cx="0" cy="0"/>
+        </a:xfrm>
+      </p:grpSpPr>
+      <p:sp>
+        <p:nvSpPr>
+          <p:cNvPr id="2" name="Text Placeholder 1">
+            <a:extLst>
+              <a:ext uri="{FF2B5EF4-FFF2-40B4-BE49-F238E27FC236}">
+                <a16:creationId xmlns:a16="http://schemas.microsoft.com/office/drawing/2014/main" id="{666F237A-62C3-0A77-9671-ADB7D5AF4119}"/>
+              </a:ext>
+            </a:extLst>
+          </p:cNvPr>
+          <p:cNvSpPr>
+            <a:spLocks noGrp="1"/>
+          </p:cNvSpPr>
+          <p:nvPr>
+            <p:ph type="body" sz="quarter" idx="12"/>
+          </p:nvPr>
+        </p:nvSpPr>
+        <p:spPr>
+          <a:xfrm>
+            <a:off x="360000" y="828000"/>
+            <a:ext cx="2867025" cy="333425"/>
+          </a:xfrm>
+        </p:spPr>
+        <p:txBody>
+          <a:bodyPr/>
+          <a:lstStyle/>
+          <a:p>
+            <a:r>
+              <a:rPr lang="en-US"/>
+              <a:t>Avro z rychlíku</a:t>
+            </a:r>
+          </a:p>
+        </p:txBody>
+      </p:sp>
+      <p:sp>
+        <p:nvSpPr>
+          <p:cNvPr id="3" name="Text Placeholder 2">
+            <a:extLst>
+              <a:ext uri="{FF2B5EF4-FFF2-40B4-BE49-F238E27FC236}">
+                <a16:creationId xmlns:a16="http://schemas.microsoft.com/office/drawing/2014/main" id="{69A84FF9-D818-697F-FC44-C68A59BF90E4}"/>
+              </a:ext>
+            </a:extLst>
+          </p:cNvPr>
+          <p:cNvSpPr>
+            <a:spLocks noGrp="1"/>
+          </p:cNvSpPr>
+          <p:nvPr>
+            <p:ph type="body" sz="quarter" idx="23"/>
+          </p:nvPr>
+        </p:nvSpPr>
+        <p:spPr/>
+        <p:txBody>
+          <a:bodyPr/>
+          <a:lstStyle/>
+          <a:p>
+            <a:endParaRPr lang="en-US"/>
+          </a:p>
+        </p:txBody>
+      </p:sp>
+      <p:sp>
+        <p:nvSpPr>
+          <p:cNvPr id="6" name="TextBox 5">
+            <a:extLst>
+              <a:ext uri="{FF2B5EF4-FFF2-40B4-BE49-F238E27FC236}">
+                <a16:creationId xmlns:a16="http://schemas.microsoft.com/office/drawing/2014/main" id="{F4DAF30C-0B16-0240-0716-C1F78D98AA17}"/>
+              </a:ext>
+            </a:extLst>
+          </p:cNvPr>
+          <p:cNvSpPr txBox="1"/>
+          <p:nvPr/>
+        </p:nvSpPr>
+        <p:spPr>
+          <a:xfrm>
+            <a:off x="360000" y="1595783"/>
+            <a:ext cx="7650566" cy="3341877"/>
+          </a:xfrm>
+          <a:prstGeom prst="rect">
+            <a:avLst/>
+          </a:prstGeom>
+          <a:noFill/>
+        </p:spPr>
+        <p:txBody>
+          <a:bodyPr wrap="square" lIns="0" tIns="0" rIns="0" bIns="0" rtlCol="0" anchor="t" anchorCtr="0">
+            <a:spAutoFit/>
+          </a:bodyPr>
+          <a:lstStyle/>
+          <a:p>
+            <a:pPr marL="171450" indent="-171450" algn="l">
+              <a:lnSpc>
+                <a:spcPct val="250000"/>
+              </a:lnSpc>
+              <a:buFont typeface="Wingdings" pitchFamily="2" charset="2"/>
+              <a:buChar char="§"/>
+            </a:pPr>
+            <a:r>
+              <a:rPr lang="en-US" b="1" dirty="0">
+                <a:solidFill>
+                  <a:schemeClr val="accent2">
+                    <a:lumMod val="50000"/>
+                  </a:schemeClr>
+                </a:solidFill>
+                <a:latin typeface="Arial" panose="020B0604020202020204" pitchFamily="34" charset="0"/>
+                <a:cs typeface="Arial" panose="020B0604020202020204" pitchFamily="34" charset="0"/>
+              </a:rPr>
+              <a:t>Základní datové typy:</a:t>
+            </a:r>
+            <a:r>
+              <a:rPr lang="en-US" dirty="0">
+                <a:solidFill>
+                  <a:schemeClr val="accent2">
+                    <a:lumMod val="50000"/>
+                  </a:schemeClr>
+                </a:solidFill>
+                <a:latin typeface="Arial" panose="020B0604020202020204" pitchFamily="34" charset="0"/>
+                <a:cs typeface="Arial" panose="020B0604020202020204" pitchFamily="34" charset="0"/>
+              </a:rPr>
+              <a:t> null, boolean, int, long, float, double, bytes, string</a:t>
+            </a:r>
+          </a:p>
+          <a:p>
+            <a:pPr marL="171450" indent="-171450" algn="l">
+              <a:lnSpc>
+                <a:spcPct val="250000"/>
+              </a:lnSpc>
+              <a:buFont typeface="Wingdings" pitchFamily="2" charset="2"/>
+              <a:buChar char="§"/>
+            </a:pPr>
+            <a:r>
+              <a:rPr lang="en-US" b="1" dirty="0">
+                <a:solidFill>
+                  <a:schemeClr val="accent2">
+                    <a:lumMod val="50000"/>
+                  </a:schemeClr>
+                </a:solidFill>
+                <a:latin typeface="Arial" panose="020B0604020202020204" pitchFamily="34" charset="0"/>
+                <a:cs typeface="Arial" panose="020B0604020202020204" pitchFamily="34" charset="0"/>
+              </a:rPr>
+              <a:t>Komplexní datové typy:</a:t>
+            </a:r>
+            <a:r>
+              <a:rPr lang="en-US" dirty="0">
+                <a:solidFill>
+                  <a:schemeClr val="accent2">
+                    <a:lumMod val="50000"/>
+                  </a:schemeClr>
+                </a:solidFill>
+                <a:latin typeface="Arial" panose="020B0604020202020204" pitchFamily="34" charset="0"/>
+                <a:cs typeface="Arial" panose="020B0604020202020204" pitchFamily="34" charset="0"/>
+              </a:rPr>
+              <a:t> record, enum, array, map, union, fixed</a:t>
+            </a:r>
+          </a:p>
+          <a:p>
+            <a:pPr marL="171450" indent="-171450" algn="l">
+              <a:lnSpc>
+                <a:spcPct val="250000"/>
+              </a:lnSpc>
+              <a:buFont typeface="Wingdings" pitchFamily="2" charset="2"/>
+              <a:buChar char="§"/>
+            </a:pPr>
+            <a:r>
+              <a:rPr lang="en-US" dirty="0">
+                <a:solidFill>
+                  <a:schemeClr val="accent2">
+                    <a:lumMod val="50000"/>
+                  </a:schemeClr>
+                </a:solidFill>
+                <a:latin typeface="Arial" panose="020B0604020202020204" pitchFamily="34" charset="0"/>
+                <a:cs typeface="Arial" panose="020B0604020202020204" pitchFamily="34" charset="0"/>
+              </a:rPr>
+              <a:t>Extra úsporné kódování přenášených dat</a:t>
+            </a:r>
+          </a:p>
+          <a:p>
+            <a:pPr marL="171450" indent="-171450" algn="l">
+              <a:lnSpc>
+                <a:spcPct val="250000"/>
+              </a:lnSpc>
+              <a:buFont typeface="Wingdings" pitchFamily="2" charset="2"/>
+              <a:buChar char="§"/>
+            </a:pPr>
+            <a:r>
+              <a:rPr lang="en-US" dirty="0">
+                <a:solidFill>
+                  <a:schemeClr val="accent2">
+                    <a:lumMod val="50000"/>
+                  </a:schemeClr>
+                </a:solidFill>
+                <a:latin typeface="Arial" panose="020B0604020202020204" pitchFamily="34" charset="0"/>
+                <a:cs typeface="Arial" panose="020B0604020202020204" pitchFamily="34" charset="0"/>
+              </a:rPr>
+              <a:t>Popis datových typů: Schema Definition Language</a:t>
+            </a:r>
+          </a:p>
+          <a:p>
+            <a:pPr marL="171450" indent="-171450" algn="l">
+              <a:lnSpc>
+                <a:spcPct val="250000"/>
+              </a:lnSpc>
+              <a:buFont typeface="Wingdings" pitchFamily="2" charset="2"/>
+              <a:buChar char="§"/>
+            </a:pPr>
+            <a:endParaRPr lang="en-US" dirty="0">
+              <a:solidFill>
+                <a:schemeClr val="accent2">
+                  <a:lumMod val="50000"/>
+                </a:schemeClr>
+              </a:solidFill>
+              <a:latin typeface="Arial" panose="020B0604020202020204" pitchFamily="34" charset="0"/>
+              <a:cs typeface="Arial" panose="020B0604020202020204" pitchFamily="34" charset="0"/>
+            </a:endParaRPr>
+          </a:p>
+        </p:txBody>
+      </p:sp>
+      <p:sp>
+        <p:nvSpPr>
+          <p:cNvPr id="10" name="TextBox 9">
+            <a:extLst>
+              <a:ext uri="{FF2B5EF4-FFF2-40B4-BE49-F238E27FC236}">
+                <a16:creationId xmlns:a16="http://schemas.microsoft.com/office/drawing/2014/main" id="{D3FB2EBE-C118-1C6B-4A5B-1C9C1D735236}"/>
+              </a:ext>
+            </a:extLst>
+          </p:cNvPr>
+          <p:cNvSpPr txBox="1"/>
+          <p:nvPr/>
+        </p:nvSpPr>
+        <p:spPr>
+          <a:xfrm>
+            <a:off x="8194431" y="680400"/>
+            <a:ext cx="3637569" cy="5355312"/>
+          </a:xfrm>
+          <a:prstGeom prst="rect">
+            <a:avLst/>
+          </a:prstGeom>
+          <a:solidFill>
+            <a:schemeClr val="bg2"/>
+          </a:solidFill>
+        </p:spPr>
+        <p:txBody>
+          <a:bodyPr wrap="square">
+            <a:spAutoFit/>
+          </a:bodyPr>
+          <a:lstStyle/>
+          <a:p>
+            <a:pPr>
+              <a:buNone/>
+            </a:pPr>
+            <a:r>
+              <a:rPr lang="en-US" sz="1800">
+                <a:solidFill>
+                  <a:srgbClr val="080808"/>
+                </a:solidFill>
+                <a:effectLst/>
+                <a:latin typeface="JetBrains Mono"/>
+              </a:rPr>
+              <a:t>{</a:t>
+            </a:r>
+            <a:r>
+              <a:rPr lang="en-US" sz="1800">
+                <a:solidFill>
+                  <a:srgbClr val="871094"/>
+                </a:solidFill>
+                <a:effectLst/>
+                <a:latin typeface="JetBrains Mono"/>
+              </a:rPr>
+              <a:t>"name"</a:t>
+            </a:r>
+            <a:r>
+              <a:rPr lang="en-US" sz="1800">
+                <a:solidFill>
+                  <a:srgbClr val="080808"/>
+                </a:solidFill>
+                <a:effectLst/>
+                <a:latin typeface="JetBrains Mono"/>
+              </a:rPr>
+              <a:t>: </a:t>
+            </a:r>
+            <a:r>
+              <a:rPr lang="en-US" sz="1800">
+                <a:solidFill>
+                  <a:srgbClr val="067D17"/>
+                </a:solidFill>
+                <a:effectLst/>
+                <a:latin typeface="JetBrains Mono"/>
+              </a:rPr>
+              <a:t>"LunarLanding"</a:t>
+            </a:r>
+            <a:r>
+              <a:rPr lang="en-US" sz="1800">
+                <a:solidFill>
+                  <a:srgbClr val="080808"/>
+                </a:solidFill>
+                <a:effectLst/>
+                <a:latin typeface="JetBrains Mono"/>
+              </a:rPr>
+              <a:t>,</a:t>
+            </a:r>
+            <a:br>
+              <a:rPr lang="en-US" sz="1800">
+                <a:solidFill>
+                  <a:srgbClr val="080808"/>
+                </a:solidFill>
+                <a:effectLst/>
+                <a:latin typeface="JetBrains Mono"/>
+              </a:rPr>
+            </a:br>
+            <a:r>
+              <a:rPr lang="en-US" sz="1800">
+                <a:solidFill>
+                  <a:srgbClr val="080808"/>
+                </a:solidFill>
+                <a:effectLst/>
+                <a:latin typeface="JetBrains Mono"/>
+              </a:rPr>
+              <a:t>  </a:t>
+            </a:r>
+            <a:r>
+              <a:rPr lang="en-US" sz="1800">
+                <a:solidFill>
+                  <a:srgbClr val="871094"/>
+                </a:solidFill>
+                <a:effectLst/>
+                <a:latin typeface="JetBrains Mono"/>
+              </a:rPr>
+              <a:t>"namespace"</a:t>
+            </a:r>
+            <a:r>
+              <a:rPr lang="en-US" sz="1800">
+                <a:solidFill>
+                  <a:srgbClr val="080808"/>
+                </a:solidFill>
+                <a:effectLst/>
+                <a:latin typeface="JetBrains Mono"/>
+              </a:rPr>
+              <a:t>: </a:t>
+            </a:r>
+            <a:r>
+              <a:rPr lang="en-US" sz="1800">
+                <a:solidFill>
+                  <a:srgbClr val="067D17"/>
+                </a:solidFill>
+                <a:effectLst/>
+                <a:latin typeface="JetBrains Mono"/>
+              </a:rPr>
+              <a:t>"org.lisak.avro"</a:t>
+            </a:r>
+            <a:r>
+              <a:rPr lang="en-US" sz="1800">
+                <a:solidFill>
+                  <a:srgbClr val="080808"/>
+                </a:solidFill>
+                <a:effectLst/>
+                <a:latin typeface="JetBrains Mono"/>
+              </a:rPr>
+              <a:t>,</a:t>
+            </a:r>
+            <a:br>
+              <a:rPr lang="en-US" sz="1800">
+                <a:solidFill>
+                  <a:srgbClr val="080808"/>
+                </a:solidFill>
+                <a:effectLst/>
+                <a:latin typeface="JetBrains Mono"/>
+              </a:rPr>
+            </a:br>
+            <a:r>
+              <a:rPr lang="en-US" sz="1800">
+                <a:solidFill>
+                  <a:srgbClr val="080808"/>
+                </a:solidFill>
+                <a:effectLst/>
+                <a:latin typeface="JetBrains Mono"/>
+              </a:rPr>
+              <a:t>  </a:t>
+            </a:r>
+            <a:r>
+              <a:rPr lang="en-US" sz="1800">
+                <a:solidFill>
+                  <a:srgbClr val="871094"/>
+                </a:solidFill>
+                <a:effectLst/>
+                <a:latin typeface="JetBrains Mono"/>
+              </a:rPr>
+              <a:t>"type"</a:t>
+            </a:r>
+            <a:r>
+              <a:rPr lang="en-US" sz="1800">
+                <a:solidFill>
+                  <a:srgbClr val="080808"/>
+                </a:solidFill>
+                <a:effectLst/>
+                <a:latin typeface="JetBrains Mono"/>
+              </a:rPr>
+              <a:t>: </a:t>
+            </a:r>
+            <a:r>
+              <a:rPr lang="en-US" sz="1800">
+                <a:solidFill>
+                  <a:srgbClr val="067D17"/>
+                </a:solidFill>
+                <a:effectLst/>
+                <a:latin typeface="JetBrains Mono"/>
+              </a:rPr>
+              <a:t>"record"</a:t>
+            </a:r>
+            <a:r>
+              <a:rPr lang="en-US" sz="1800">
+                <a:solidFill>
+                  <a:srgbClr val="080808"/>
+                </a:solidFill>
+                <a:effectLst/>
+                <a:latin typeface="JetBrains Mono"/>
+              </a:rPr>
+              <a:t>,</a:t>
+            </a:r>
+            <a:br>
+              <a:rPr lang="en-US" sz="1800">
+                <a:solidFill>
+                  <a:srgbClr val="080808"/>
+                </a:solidFill>
+                <a:effectLst/>
+                <a:latin typeface="JetBrains Mono"/>
+              </a:rPr>
+            </a:br>
+            <a:r>
+              <a:rPr lang="en-US" sz="1800">
+                <a:solidFill>
+                  <a:srgbClr val="080808"/>
+                </a:solidFill>
+                <a:effectLst/>
+                <a:latin typeface="JetBrains Mono"/>
+              </a:rPr>
+              <a:t>  </a:t>
+            </a:r>
+            <a:r>
+              <a:rPr lang="en-US" sz="1800">
+                <a:solidFill>
+                  <a:srgbClr val="871094"/>
+                </a:solidFill>
+                <a:effectLst/>
+                <a:latin typeface="JetBrains Mono"/>
+              </a:rPr>
+              <a:t>"fields"</a:t>
+            </a:r>
+            <a:r>
+              <a:rPr lang="en-US" sz="1800">
+                <a:solidFill>
+                  <a:srgbClr val="080808"/>
+                </a:solidFill>
+                <a:effectLst/>
+                <a:latin typeface="JetBrains Mono"/>
+              </a:rPr>
+              <a:t>: [</a:t>
+            </a:r>
+            <a:br>
+              <a:rPr lang="en-US" sz="1800">
+                <a:solidFill>
+                  <a:srgbClr val="080808"/>
+                </a:solidFill>
+                <a:effectLst/>
+                <a:latin typeface="JetBrains Mono"/>
+              </a:rPr>
+            </a:br>
+            <a:r>
+              <a:rPr lang="en-US" sz="1800">
+                <a:solidFill>
+                  <a:srgbClr val="080808"/>
+                </a:solidFill>
+                <a:effectLst/>
+                <a:latin typeface="JetBrains Mono"/>
+              </a:rPr>
+              <a:t>    {</a:t>
+            </a:r>
+            <a:br>
+              <a:rPr lang="en-US" sz="1800">
+                <a:solidFill>
+                  <a:srgbClr val="080808"/>
+                </a:solidFill>
+                <a:effectLst/>
+                <a:latin typeface="JetBrains Mono"/>
+              </a:rPr>
+            </a:br>
+            <a:r>
+              <a:rPr lang="en-US" sz="1800">
+                <a:solidFill>
+                  <a:srgbClr val="080808"/>
+                </a:solidFill>
+                <a:effectLst/>
+                <a:latin typeface="JetBrains Mono"/>
+              </a:rPr>
+              <a:t>      </a:t>
+            </a:r>
+            <a:r>
+              <a:rPr lang="en-US" sz="1800">
+                <a:solidFill>
+                  <a:srgbClr val="871094"/>
+                </a:solidFill>
+                <a:effectLst/>
+                <a:latin typeface="JetBrains Mono"/>
+              </a:rPr>
+              <a:t>"name"</a:t>
+            </a:r>
+            <a:r>
+              <a:rPr lang="en-US" sz="1800">
+                <a:solidFill>
+                  <a:srgbClr val="080808"/>
+                </a:solidFill>
+                <a:effectLst/>
+                <a:latin typeface="JetBrains Mono"/>
+              </a:rPr>
+              <a:t>: </a:t>
+            </a:r>
+            <a:r>
+              <a:rPr lang="en-US" sz="1800">
+                <a:solidFill>
+                  <a:srgbClr val="067D17"/>
+                </a:solidFill>
+                <a:effectLst/>
+                <a:latin typeface="JetBrains Mono"/>
+              </a:rPr>
+              <a:t>"date"</a:t>
+            </a:r>
+            <a:r>
+              <a:rPr lang="en-US" sz="1800">
+                <a:solidFill>
+                  <a:srgbClr val="080808"/>
+                </a:solidFill>
+                <a:effectLst/>
+                <a:latin typeface="JetBrains Mono"/>
+              </a:rPr>
+              <a:t>,</a:t>
+            </a:r>
+            <a:br>
+              <a:rPr lang="en-US" sz="1800">
+                <a:solidFill>
+                  <a:srgbClr val="080808"/>
+                </a:solidFill>
+                <a:effectLst/>
+                <a:latin typeface="JetBrains Mono"/>
+              </a:rPr>
+            </a:br>
+            <a:r>
+              <a:rPr lang="en-US" sz="1800">
+                <a:solidFill>
+                  <a:srgbClr val="080808"/>
+                </a:solidFill>
+                <a:effectLst/>
+                <a:latin typeface="JetBrains Mono"/>
+              </a:rPr>
+              <a:t>      </a:t>
+            </a:r>
+            <a:r>
+              <a:rPr lang="en-US" sz="1800">
+                <a:solidFill>
+                  <a:srgbClr val="871094"/>
+                </a:solidFill>
+                <a:effectLst/>
+                <a:latin typeface="JetBrains Mono"/>
+              </a:rPr>
+              <a:t>"type"</a:t>
+            </a:r>
+            <a:r>
+              <a:rPr lang="en-US" sz="1800">
+                <a:solidFill>
+                  <a:srgbClr val="080808"/>
+                </a:solidFill>
+                <a:effectLst/>
+                <a:latin typeface="JetBrains Mono"/>
+              </a:rPr>
+              <a:t>: </a:t>
+            </a:r>
+            <a:r>
+              <a:rPr lang="en-US" sz="1800">
+                <a:solidFill>
+                  <a:srgbClr val="067D17"/>
+                </a:solidFill>
+                <a:effectLst/>
+                <a:latin typeface="JetBrains Mono"/>
+              </a:rPr>
+              <a:t>"string"</a:t>
+            </a:r>
+            <a:br>
+              <a:rPr lang="en-US" sz="1800">
+                <a:solidFill>
+                  <a:srgbClr val="067D17"/>
+                </a:solidFill>
+                <a:effectLst/>
+                <a:latin typeface="JetBrains Mono"/>
+              </a:rPr>
+            </a:br>
+            <a:r>
+              <a:rPr lang="en-US" sz="1800">
+                <a:solidFill>
+                  <a:srgbClr val="067D17"/>
+                </a:solidFill>
+                <a:effectLst/>
+                <a:latin typeface="JetBrains Mono"/>
+              </a:rPr>
+              <a:t>    </a:t>
+            </a:r>
+            <a:r>
+              <a:rPr lang="en-US" sz="1800">
+                <a:solidFill>
+                  <a:srgbClr val="080808"/>
+                </a:solidFill>
+                <a:effectLst/>
+                <a:latin typeface="JetBrains Mono"/>
+              </a:rPr>
+              <a:t>},</a:t>
+            </a:r>
+            <a:br>
+              <a:rPr lang="en-US" sz="1800">
+                <a:solidFill>
+                  <a:srgbClr val="080808"/>
+                </a:solidFill>
+                <a:effectLst/>
+                <a:latin typeface="JetBrains Mono"/>
+              </a:rPr>
+            </a:br>
+            <a:r>
+              <a:rPr lang="en-US" sz="1800">
+                <a:solidFill>
+                  <a:srgbClr val="080808"/>
+                </a:solidFill>
+                <a:effectLst/>
+                <a:latin typeface="JetBrains Mono"/>
+              </a:rPr>
+              <a:t>    {</a:t>
+            </a:r>
+            <a:br>
+              <a:rPr lang="en-US" sz="1800">
+                <a:solidFill>
+                  <a:srgbClr val="080808"/>
+                </a:solidFill>
+                <a:effectLst/>
+                <a:latin typeface="JetBrains Mono"/>
+              </a:rPr>
+            </a:br>
+            <a:r>
+              <a:rPr lang="en-US" sz="1800">
+                <a:solidFill>
+                  <a:srgbClr val="080808"/>
+                </a:solidFill>
+                <a:effectLst/>
+                <a:latin typeface="JetBrains Mono"/>
+              </a:rPr>
+              <a:t>      </a:t>
+            </a:r>
+            <a:r>
+              <a:rPr lang="en-US" sz="1800">
+                <a:solidFill>
+                  <a:srgbClr val="871094"/>
+                </a:solidFill>
+                <a:effectLst/>
+                <a:latin typeface="JetBrains Mono"/>
+              </a:rPr>
+              <a:t>"name"</a:t>
+            </a:r>
+            <a:r>
+              <a:rPr lang="en-US" sz="1800">
+                <a:solidFill>
+                  <a:srgbClr val="080808"/>
+                </a:solidFill>
+                <a:effectLst/>
+                <a:latin typeface="JetBrains Mono"/>
+              </a:rPr>
+              <a:t>: </a:t>
+            </a:r>
+            <a:r>
+              <a:rPr lang="en-US" sz="1800">
+                <a:solidFill>
+                  <a:srgbClr val="067D17"/>
+                </a:solidFill>
+                <a:effectLst/>
+                <a:latin typeface="JetBrains Mono"/>
+              </a:rPr>
+              <a:t>"probeName"</a:t>
+            </a:r>
+            <a:r>
+              <a:rPr lang="en-US" sz="1800">
+                <a:solidFill>
+                  <a:srgbClr val="080808"/>
+                </a:solidFill>
+                <a:effectLst/>
+                <a:latin typeface="JetBrains Mono"/>
+              </a:rPr>
+              <a:t>,</a:t>
+            </a:r>
+            <a:br>
+              <a:rPr lang="en-US" sz="1800">
+                <a:solidFill>
+                  <a:srgbClr val="080808"/>
+                </a:solidFill>
+                <a:effectLst/>
+                <a:latin typeface="JetBrains Mono"/>
+              </a:rPr>
+            </a:br>
+            <a:r>
+              <a:rPr lang="en-US" sz="1800">
+                <a:solidFill>
+                  <a:srgbClr val="080808"/>
+                </a:solidFill>
+                <a:effectLst/>
+                <a:latin typeface="JetBrains Mono"/>
+              </a:rPr>
+              <a:t>      </a:t>
+            </a:r>
+            <a:r>
+              <a:rPr lang="en-US" sz="1800">
+                <a:solidFill>
+                  <a:srgbClr val="871094"/>
+                </a:solidFill>
+                <a:effectLst/>
+                <a:latin typeface="JetBrains Mono"/>
+              </a:rPr>
+              <a:t>"type"</a:t>
+            </a:r>
+            <a:r>
+              <a:rPr lang="en-US" sz="1800">
+                <a:solidFill>
+                  <a:srgbClr val="080808"/>
+                </a:solidFill>
+                <a:effectLst/>
+                <a:latin typeface="JetBrains Mono"/>
+              </a:rPr>
+              <a:t>: </a:t>
+            </a:r>
+            <a:r>
+              <a:rPr lang="en-US" sz="1800">
+                <a:solidFill>
+                  <a:srgbClr val="067D17"/>
+                </a:solidFill>
+                <a:effectLst/>
+                <a:latin typeface="JetBrains Mono"/>
+              </a:rPr>
+              <a:t>"string"</a:t>
+            </a:r>
+            <a:br>
+              <a:rPr lang="en-US" sz="1800">
+                <a:solidFill>
+                  <a:srgbClr val="067D17"/>
+                </a:solidFill>
+                <a:effectLst/>
+                <a:latin typeface="JetBrains Mono"/>
+              </a:rPr>
+            </a:br>
+            <a:r>
+              <a:rPr lang="en-US" sz="1800">
+                <a:solidFill>
+                  <a:srgbClr val="067D17"/>
+                </a:solidFill>
+                <a:effectLst/>
+                <a:latin typeface="JetBrains Mono"/>
+              </a:rPr>
+              <a:t>    </a:t>
+            </a:r>
+            <a:r>
+              <a:rPr lang="en-US" sz="1800">
+                <a:solidFill>
+                  <a:srgbClr val="080808"/>
+                </a:solidFill>
+                <a:effectLst/>
+                <a:latin typeface="JetBrains Mono"/>
+              </a:rPr>
+              <a:t>},</a:t>
+            </a:r>
+            <a:br>
+              <a:rPr lang="en-US" sz="1800">
+                <a:solidFill>
+                  <a:srgbClr val="080808"/>
+                </a:solidFill>
+                <a:effectLst/>
+                <a:latin typeface="JetBrains Mono"/>
+              </a:rPr>
+            </a:br>
+            <a:r>
+              <a:rPr lang="en-US" sz="1800">
+                <a:solidFill>
+                  <a:srgbClr val="080808"/>
+                </a:solidFill>
+                <a:effectLst/>
+                <a:latin typeface="JetBrains Mono"/>
+              </a:rPr>
+              <a:t>    {</a:t>
+            </a:r>
+            <a:br>
+              <a:rPr lang="en-US" sz="1800">
+                <a:solidFill>
+                  <a:srgbClr val="080808"/>
+                </a:solidFill>
+                <a:effectLst/>
+                <a:latin typeface="JetBrains Mono"/>
+              </a:rPr>
+            </a:br>
+            <a:r>
+              <a:rPr lang="en-US" sz="1800">
+                <a:solidFill>
+                  <a:srgbClr val="080808"/>
+                </a:solidFill>
+                <a:effectLst/>
+                <a:latin typeface="JetBrains Mono"/>
+              </a:rPr>
+              <a:t>      </a:t>
+            </a:r>
+            <a:r>
+              <a:rPr lang="en-US" sz="1800">
+                <a:solidFill>
+                  <a:srgbClr val="871094"/>
+                </a:solidFill>
+                <a:effectLst/>
+                <a:latin typeface="JetBrains Mono"/>
+              </a:rPr>
+              <a:t>"name"</a:t>
+            </a:r>
+            <a:r>
+              <a:rPr lang="en-US" sz="1800">
+                <a:solidFill>
+                  <a:srgbClr val="080808"/>
+                </a:solidFill>
+                <a:effectLst/>
+                <a:latin typeface="JetBrains Mono"/>
+              </a:rPr>
+              <a:t>: </a:t>
+            </a:r>
+            <a:r>
+              <a:rPr lang="en-US" sz="1800">
+                <a:solidFill>
+                  <a:srgbClr val="067D17"/>
+                </a:solidFill>
+                <a:effectLst/>
+                <a:latin typeface="JetBrains Mono"/>
+              </a:rPr>
+              <a:t>"country"</a:t>
+            </a:r>
+            <a:r>
+              <a:rPr lang="en-US" sz="1800">
+                <a:solidFill>
+                  <a:srgbClr val="080808"/>
+                </a:solidFill>
+                <a:effectLst/>
+                <a:latin typeface="JetBrains Mono"/>
+              </a:rPr>
+              <a:t>,</a:t>
+            </a:r>
+            <a:br>
+              <a:rPr lang="en-US" sz="1800">
+                <a:solidFill>
+                  <a:srgbClr val="080808"/>
+                </a:solidFill>
+                <a:effectLst/>
+                <a:latin typeface="JetBrains Mono"/>
+              </a:rPr>
+            </a:br>
+            <a:r>
+              <a:rPr lang="en-US" sz="1800">
+                <a:solidFill>
+                  <a:srgbClr val="080808"/>
+                </a:solidFill>
+                <a:effectLst/>
+                <a:latin typeface="JetBrains Mono"/>
+              </a:rPr>
+              <a:t>      </a:t>
+            </a:r>
+            <a:r>
+              <a:rPr lang="en-US" sz="1800">
+                <a:solidFill>
+                  <a:srgbClr val="871094"/>
+                </a:solidFill>
+                <a:effectLst/>
+                <a:latin typeface="JetBrains Mono"/>
+              </a:rPr>
+              <a:t>"type"</a:t>
+            </a:r>
+            <a:r>
+              <a:rPr lang="en-US" sz="1800">
+                <a:solidFill>
+                  <a:srgbClr val="080808"/>
+                </a:solidFill>
+                <a:effectLst/>
+                <a:latin typeface="JetBrains Mono"/>
+              </a:rPr>
+              <a:t>: </a:t>
+            </a:r>
+            <a:r>
+              <a:rPr lang="en-US" sz="1800">
+                <a:solidFill>
+                  <a:srgbClr val="067D17"/>
+                </a:solidFill>
+                <a:effectLst/>
+                <a:latin typeface="JetBrains Mono"/>
+              </a:rPr>
+              <a:t>"string"</a:t>
+            </a:r>
+            <a:br>
+              <a:rPr lang="en-US" sz="1800">
+                <a:solidFill>
+                  <a:srgbClr val="067D17"/>
+                </a:solidFill>
+                <a:effectLst/>
+                <a:latin typeface="JetBrains Mono"/>
+              </a:rPr>
+            </a:br>
+            <a:r>
+              <a:rPr lang="en-US" sz="1800">
+                <a:solidFill>
+                  <a:srgbClr val="067D17"/>
+                </a:solidFill>
+                <a:effectLst/>
+                <a:latin typeface="JetBrains Mono"/>
+              </a:rPr>
+              <a:t>    </a:t>
+            </a:r>
+            <a:r>
+              <a:rPr lang="en-US" sz="1800">
+                <a:solidFill>
+                  <a:srgbClr val="080808"/>
+                </a:solidFill>
+                <a:effectLst/>
+                <a:latin typeface="JetBrains Mono"/>
+              </a:rPr>
+              <a:t>},</a:t>
+            </a:r>
+            <a:br>
+              <a:rPr lang="en-US" sz="1800">
+                <a:solidFill>
+                  <a:srgbClr val="080808"/>
+                </a:solidFill>
+                <a:effectLst/>
+                <a:latin typeface="JetBrains Mono"/>
+              </a:rPr>
+            </a:br>
+            <a:r>
+              <a:rPr lang="en-US" sz="1800">
+                <a:solidFill>
+                  <a:srgbClr val="080808"/>
+                </a:solidFill>
+                <a:effectLst/>
+                <a:latin typeface="JetBrains Mono"/>
+              </a:rPr>
+              <a:t>    {</a:t>
+            </a:r>
+            <a:r>
+              <a:rPr lang="en-US" sz="1800">
+                <a:solidFill>
+                  <a:srgbClr val="871094"/>
+                </a:solidFill>
+                <a:effectLst/>
+                <a:latin typeface="JetBrains Mono"/>
+              </a:rPr>
+              <a:t>"name"</a:t>
+            </a:r>
+            <a:r>
+              <a:rPr lang="en-US" sz="1800">
+                <a:solidFill>
+                  <a:srgbClr val="080808"/>
+                </a:solidFill>
+                <a:effectLst/>
+                <a:latin typeface="JetBrains Mono"/>
+              </a:rPr>
+              <a:t>: </a:t>
+            </a:r>
+            <a:r>
+              <a:rPr lang="en-US" sz="1800">
+                <a:solidFill>
+                  <a:srgbClr val="067D17"/>
+                </a:solidFill>
+                <a:effectLst/>
+                <a:latin typeface="JetBrains Mono"/>
+              </a:rPr>
+              <a:t>"missionDetails"</a:t>
+            </a:r>
+            <a:r>
+              <a:rPr lang="en-US" sz="1800">
+                <a:solidFill>
+                  <a:srgbClr val="080808"/>
+                </a:solidFill>
+                <a:effectLst/>
+                <a:latin typeface="JetBrains Mono"/>
+              </a:rPr>
+              <a:t>,</a:t>
+            </a:r>
+            <a:br>
+              <a:rPr lang="en-US" sz="1800">
+                <a:solidFill>
+                  <a:srgbClr val="080808"/>
+                </a:solidFill>
+                <a:effectLst/>
+                <a:latin typeface="JetBrains Mono"/>
+              </a:rPr>
+            </a:br>
+            <a:r>
+              <a:rPr lang="en-US" sz="1800">
+                <a:solidFill>
+                  <a:srgbClr val="080808"/>
+                </a:solidFill>
+                <a:effectLst/>
+                <a:latin typeface="JetBrains Mono"/>
+              </a:rPr>
+              <a:t>      </a:t>
+            </a:r>
+            <a:r>
+              <a:rPr lang="en-US" sz="1800">
+                <a:solidFill>
+                  <a:srgbClr val="871094"/>
+                </a:solidFill>
+                <a:effectLst/>
+                <a:latin typeface="JetBrains Mono"/>
+              </a:rPr>
+              <a:t>"type"</a:t>
+            </a:r>
+            <a:r>
+              <a:rPr lang="en-US" sz="1800">
+                <a:solidFill>
+                  <a:srgbClr val="080808"/>
+                </a:solidFill>
+                <a:effectLst/>
+                <a:latin typeface="JetBrains Mono"/>
+              </a:rPr>
+              <a:t>: [</a:t>
+            </a:r>
+            <a:r>
+              <a:rPr lang="en-US" sz="1800">
+                <a:solidFill>
+                  <a:srgbClr val="067D17"/>
+                </a:solidFill>
+                <a:effectLst/>
+                <a:latin typeface="JetBrains Mono"/>
+              </a:rPr>
+              <a:t>"null"</a:t>
+            </a:r>
+            <a:r>
+              <a:rPr lang="en-US" sz="1800">
+                <a:solidFill>
+                  <a:srgbClr val="080808"/>
+                </a:solidFill>
+                <a:effectLst/>
+                <a:latin typeface="JetBrains Mono"/>
+              </a:rPr>
+              <a:t>, </a:t>
+            </a:r>
+            <a:r>
+              <a:rPr lang="en-US" sz="1800">
+                <a:solidFill>
+                  <a:srgbClr val="067D17"/>
+                </a:solidFill>
+                <a:effectLst/>
+                <a:latin typeface="JetBrains Mono"/>
+              </a:rPr>
+              <a:t>"MissionDetails"</a:t>
+            </a:r>
+            <a:r>
+              <a:rPr lang="en-US" sz="1800">
+                <a:solidFill>
+                  <a:srgbClr val="080808"/>
+                </a:solidFill>
+                <a:effectLst/>
+                <a:latin typeface="JetBrains Mono"/>
+              </a:rPr>
+              <a:t>],</a:t>
+            </a:r>
+            <a:br>
+              <a:rPr lang="en-US" sz="1800">
+                <a:solidFill>
+                  <a:srgbClr val="080808"/>
+                </a:solidFill>
+                <a:effectLst/>
+                <a:latin typeface="JetBrains Mono"/>
+              </a:rPr>
+            </a:br>
+            <a:r>
+              <a:rPr lang="en-US" sz="1800">
+                <a:solidFill>
+                  <a:srgbClr val="080808"/>
+                </a:solidFill>
+                <a:effectLst/>
+                <a:latin typeface="JetBrains Mono"/>
+              </a:rPr>
+              <a:t>      </a:t>
+            </a:r>
+            <a:r>
+              <a:rPr lang="en-US" sz="1800">
+                <a:solidFill>
+                  <a:srgbClr val="871094"/>
+                </a:solidFill>
+                <a:effectLst/>
+                <a:latin typeface="JetBrains Mono"/>
+              </a:rPr>
+              <a:t>"default"</a:t>
+            </a:r>
+            <a:r>
+              <a:rPr lang="en-US" sz="1800">
+                <a:solidFill>
+                  <a:srgbClr val="080808"/>
+                </a:solidFill>
+                <a:effectLst/>
+                <a:latin typeface="JetBrains Mono"/>
+              </a:rPr>
+              <a:t>: </a:t>
+            </a:r>
+            <a:r>
+              <a:rPr lang="en-US" sz="1800">
+                <a:solidFill>
+                  <a:srgbClr val="0033B3"/>
+                </a:solidFill>
+                <a:effectLst/>
+                <a:latin typeface="JetBrains Mono"/>
+              </a:rPr>
+              <a:t>null</a:t>
+            </a:r>
+            <a:r>
+              <a:rPr lang="en-US" sz="1800">
+                <a:solidFill>
+                  <a:srgbClr val="080808"/>
+                </a:solidFill>
+                <a:effectLst/>
+                <a:latin typeface="JetBrains Mono"/>
+              </a:rPr>
+              <a:t>}]}</a:t>
+            </a:r>
+          </a:p>
+        </p:txBody>
+      </p:sp>
+      <p:sp>
+        <p:nvSpPr>
+          <p:cNvPr id="11" name="TextBox 10">
+            <a:extLst>
+              <a:ext uri="{FF2B5EF4-FFF2-40B4-BE49-F238E27FC236}">
+                <a16:creationId xmlns:a16="http://schemas.microsoft.com/office/drawing/2014/main" id="{D72AA774-6B71-FFB5-4457-810D6BDA5CB9}"/>
+              </a:ext>
+            </a:extLst>
+          </p:cNvPr>
+          <p:cNvSpPr txBox="1"/>
+          <p:nvPr/>
+        </p:nvSpPr>
+        <p:spPr>
+          <a:xfrm>
+            <a:off x="360000" y="4305467"/>
+            <a:ext cx="7650566" cy="1264385"/>
+          </a:xfrm>
+          <a:prstGeom prst="rect">
+            <a:avLst/>
+          </a:prstGeom>
+          <a:noFill/>
+        </p:spPr>
+        <p:txBody>
+          <a:bodyPr wrap="square" lIns="0" tIns="0" rIns="0" bIns="0" rtlCol="0" anchor="t" anchorCtr="0">
+            <a:spAutoFit/>
+          </a:bodyPr>
+          <a:lstStyle/>
+          <a:p>
+            <a:pPr marL="171450" indent="-171450" algn="l">
+              <a:lnSpc>
+                <a:spcPct val="250000"/>
+              </a:lnSpc>
+              <a:buFont typeface="Wingdings" pitchFamily="2" charset="2"/>
+              <a:buChar char="§"/>
+            </a:pPr>
+            <a:r>
+              <a:rPr lang="en-US" dirty="0">
+                <a:solidFill>
+                  <a:schemeClr val="accent2">
+                    <a:lumMod val="50000"/>
+                  </a:schemeClr>
+                </a:solidFill>
+                <a:latin typeface="Arial" panose="020B0604020202020204" pitchFamily="34" charset="0"/>
+                <a:cs typeface="Arial" panose="020B0604020202020204" pitchFamily="34" charset="0"/>
+              </a:rPr>
+              <a:t>Podpora pro Javu/Scalu/Kotlin:</a:t>
+            </a:r>
+            <a:r>
+              <a:rPr lang="en-US" b="1" dirty="0">
+                <a:solidFill>
+                  <a:schemeClr val="accent2">
+                    <a:lumMod val="50000"/>
+                  </a:schemeClr>
+                </a:solidFill>
+                <a:latin typeface="Arial" panose="020B0604020202020204" pitchFamily="34" charset="0"/>
+                <a:cs typeface="Arial" panose="020B0604020202020204" pitchFamily="34" charset="0"/>
+              </a:rPr>
+              <a:t> avro-maven-plugin </a:t>
+            </a:r>
+            <a:r>
+              <a:rPr lang="en-US" dirty="0">
+                <a:solidFill>
+                  <a:schemeClr val="accent2">
+                    <a:lumMod val="50000"/>
+                  </a:schemeClr>
+                </a:solidFill>
+                <a:latin typeface="Arial" panose="020B0604020202020204" pitchFamily="34" charset="0"/>
+                <a:cs typeface="Arial" panose="020B0604020202020204" pitchFamily="34" charset="0"/>
+              </a:rPr>
+              <a:t>(generate-sources)</a:t>
+            </a:r>
+          </a:p>
+          <a:p>
+            <a:pPr marL="171450" indent="-171450" algn="l">
+              <a:lnSpc>
+                <a:spcPct val="250000"/>
+              </a:lnSpc>
+              <a:buFont typeface="Wingdings" pitchFamily="2" charset="2"/>
+              <a:buChar char="§"/>
+            </a:pPr>
+            <a:r>
+              <a:rPr lang="en-US" dirty="0">
+                <a:solidFill>
+                  <a:schemeClr val="accent2">
+                    <a:lumMod val="50000"/>
+                  </a:schemeClr>
+                </a:solidFill>
+                <a:latin typeface="Arial" panose="020B0604020202020204" pitchFamily="34" charset="0"/>
+                <a:cs typeface="Arial" panose="020B0604020202020204" pitchFamily="34" charset="0"/>
+              </a:rPr>
+              <a:t>Další generátory dostupné pro C#, Go, TypeScript...</a:t>
+            </a:r>
+          </a:p>
+        </p:txBody>
+      </p:sp>
+      <p:pic>
+        <p:nvPicPr>
+          <p:cNvPr id="13" name="Picture 12">
+            <a:extLst>
+              <a:ext uri="{FF2B5EF4-FFF2-40B4-BE49-F238E27FC236}">
+                <a16:creationId xmlns:a16="http://schemas.microsoft.com/office/drawing/2014/main" id="{4073FC22-0227-F6CD-030E-34DF56DD78F3}"/>
+              </a:ext>
+            </a:extLst>
+          </p:cNvPr>
+          <p:cNvPicPr>
+            <a:picLocks noChangeAspect="1"/>
+          </p:cNvPicPr>
+          <p:nvPr/>
+        </p:nvPicPr>
+        <p:blipFill>
+          <a:blip r:embed="rId2"/>
+          <a:stretch>
+            <a:fillRect/>
+          </a:stretch>
+        </p:blipFill>
+        <p:spPr>
+          <a:xfrm>
+            <a:off x="11430590" y="6312859"/>
+            <a:ext cx="640130" cy="412708"/>
+          </a:xfrm>
+          <a:prstGeom prst="rect">
+            <a:avLst/>
+          </a:prstGeom>
+        </p:spPr>
+      </p:pic>
+    </p:spTree>
+    <p:extLst>
+      <p:ext uri="{BB962C8B-B14F-4D97-AF65-F5344CB8AC3E}">
+        <p14:creationId xmlns:p14="http://schemas.microsoft.com/office/powerpoint/2010/main" val="181487488"/>
+      </p:ext>
+    </p:extLst>
+  </p:cSld>
+  <p:clrMapOvr>
+    <a:masterClrMapping/>
+  </p:clrMapOvr>
+  <p:timing>
+    <p:tnLst>
+      <p:par>
+        <p:cTn id="1" dur="indefinite" restart="never" nodeType="tmRoot">
+          <p:childTnLst>
+            <p:seq concurrent="1" nextAc="seek">
+              <p:cTn id="2" dur="indefinite" nodeType="mainSeq">
+                <p:childTnLst>
+                  <p:par>
+                    <p:cTn id="3" fill="hold">
+                      <p:stCondLst>
+                        <p:cond delay="indefinite"/>
+                      </p:stCondLst>
+                      <p:childTnLst>
+                        <p:par>
+                          <p:cTn id="4" fill="hold">
+                            <p:stCondLst>
+                              <p:cond delay="0"/>
+                            </p:stCondLst>
+                            <p:childTnLst>
+                              <p:par>
+                                <p:cTn id="5" presetID="1" presetClass="entr" presetSubtype="0" fill="hold" grpId="0" nodeType="clickEffect">
+                                  <p:stCondLst>
+                                    <p:cond delay="0"/>
+                                  </p:stCondLst>
+                                  <p:childTnLst>
+                                    <p:set>
+                                      <p:cBhvr>
+                                        <p:cTn id="6" dur="1" fill="hold">
+                                          <p:stCondLst>
+                                            <p:cond delay="0"/>
+                                          </p:stCondLst>
+                                        </p:cTn>
+                                        <p:tgtEl>
+                                          <p:spTgt spid="6">
+                                            <p:txEl>
+                                              <p:pRg st="0" end="0"/>
+                                            </p:txEl>
+                                          </p:spTgt>
+                                        </p:tgtEl>
+                                        <p:attrNameLst>
+                                          <p:attrName>style.visibility</p:attrName>
+                                        </p:attrNameLst>
+                                      </p:cBhvr>
+                                      <p:to>
+                                        <p:strVal val="visible"/>
+                                      </p:to>
+                                    </p:set>
+                                  </p:childTnLst>
+                                </p:cTn>
+                              </p:par>
+                            </p:childTnLst>
+                          </p:cTn>
+                        </p:par>
+                      </p:childTnLst>
+                    </p:cTn>
+                  </p:par>
+                  <p:par>
+                    <p:cTn id="7" fill="hold">
+                      <p:stCondLst>
+                        <p:cond delay="indefinite"/>
+                      </p:stCondLst>
+                      <p:childTnLst>
+                        <p:par>
+                          <p:cTn id="8" fill="hold">
+                            <p:stCondLst>
+                              <p:cond delay="0"/>
+                            </p:stCondLst>
+                            <p:childTnLst>
+                              <p:par>
+                                <p:cTn id="9" presetID="1" presetClass="entr" presetSubtype="0" fill="hold" grpId="0" nodeType="clickEffect">
+                                  <p:stCondLst>
+                                    <p:cond delay="0"/>
+                                  </p:stCondLst>
+                                  <p:childTnLst>
+                                    <p:set>
+                                      <p:cBhvr>
+                                        <p:cTn id="10" dur="1" fill="hold">
+                                          <p:stCondLst>
+                                            <p:cond delay="0"/>
+                                          </p:stCondLst>
+                                        </p:cTn>
+                                        <p:tgtEl>
+                                          <p:spTgt spid="6">
+                                            <p:txEl>
+                                              <p:pRg st="1" end="1"/>
+                                            </p:txEl>
+                                          </p:spTgt>
+                                        </p:tgtEl>
+                                        <p:attrNameLst>
+                                          <p:attrName>style.visibility</p:attrName>
+                                        </p:attrNameLst>
+                                      </p:cBhvr>
+                                      <p:to>
+                                        <p:strVal val="visible"/>
+                                      </p:to>
+                                    </p:set>
+                                  </p:childTnLst>
+                                </p:cTn>
+                              </p:par>
+                            </p:childTnLst>
+                          </p:cTn>
+                        </p:par>
+                      </p:childTnLst>
+                    </p:cTn>
+                  </p:par>
+                  <p:par>
+                    <p:cTn id="11" fill="hold">
+                      <p:stCondLst>
+                        <p:cond delay="indefinite"/>
+                      </p:stCondLst>
+                      <p:childTnLst>
+                        <p:par>
+                          <p:cTn id="12" fill="hold">
+                            <p:stCondLst>
+                              <p:cond delay="0"/>
+                            </p:stCondLst>
+                            <p:childTnLst>
+                              <p:par>
+                                <p:cTn id="13" presetID="1" presetClass="entr" presetSubtype="0" fill="hold" grpId="0" nodeType="clickEffect">
+                                  <p:stCondLst>
+                                    <p:cond delay="0"/>
+                                  </p:stCondLst>
+                                  <p:childTnLst>
+                                    <p:set>
+                                      <p:cBhvr>
+                                        <p:cTn id="14" dur="1" fill="hold">
+                                          <p:stCondLst>
+                                            <p:cond delay="0"/>
+                                          </p:stCondLst>
+                                        </p:cTn>
+                                        <p:tgtEl>
+                                          <p:spTgt spid="6">
+                                            <p:txEl>
+                                              <p:pRg st="2" end="2"/>
+                                            </p:txEl>
+                                          </p:spTgt>
+                                        </p:tgtEl>
+                                        <p:attrNameLst>
+                                          <p:attrName>style.visibility</p:attrName>
+                                        </p:attrNameLst>
+                                      </p:cBhvr>
+                                      <p:to>
+                                        <p:strVal val="visible"/>
+                                      </p:to>
+                                    </p:set>
+                                  </p:childTnLst>
+                                </p:cTn>
+                              </p:par>
+                            </p:childTnLst>
+                          </p:cTn>
+                        </p:par>
+                      </p:childTnLst>
+                    </p:cTn>
+                  </p:par>
+                  <p:par>
+                    <p:cTn id="15" fill="hold">
+                      <p:stCondLst>
+                        <p:cond delay="indefinite"/>
+                      </p:stCondLst>
+                      <p:childTnLst>
+                        <p:par>
+                          <p:cTn id="16" fill="hold">
+                            <p:stCondLst>
+                              <p:cond delay="0"/>
+                            </p:stCondLst>
+                            <p:childTnLst>
+                              <p:par>
+                                <p:cTn id="17" presetID="1" presetClass="entr" presetSubtype="0" fill="hold" grpId="0" nodeType="clickEffect">
+                                  <p:stCondLst>
+                                    <p:cond delay="0"/>
+                                  </p:stCondLst>
+                                  <p:childTnLst>
+                                    <p:set>
+                                      <p:cBhvr>
+                                        <p:cTn id="18" dur="1" fill="hold">
+                                          <p:stCondLst>
+                                            <p:cond delay="0"/>
+                                          </p:stCondLst>
+                                        </p:cTn>
+                                        <p:tgtEl>
+                                          <p:spTgt spid="6">
+                                            <p:txEl>
+                                              <p:pRg st="3" end="3"/>
+                                            </p:txEl>
+                                          </p:spTgt>
+                                        </p:tgtEl>
+                                        <p:attrNameLst>
+                                          <p:attrName>style.visibility</p:attrName>
+                                        </p:attrNameLst>
+                                      </p:cBhvr>
+                                      <p:to>
+                                        <p:strVal val="visible"/>
+                                      </p:to>
+                                    </p:set>
+                                  </p:childTnLst>
+                                </p:cTn>
+                              </p:par>
+                              <p:par>
+                                <p:cTn id="19" presetID="1" presetClass="entr" presetSubtype="0" fill="hold" grpId="0" nodeType="withEffect">
+                                  <p:stCondLst>
+                                    <p:cond delay="0"/>
+                                  </p:stCondLst>
+                                  <p:childTnLst>
+                                    <p:set>
+                                      <p:cBhvr>
+                                        <p:cTn id="20" dur="1" fill="hold">
+                                          <p:stCondLst>
+                                            <p:cond delay="0"/>
+                                          </p:stCondLst>
+                                        </p:cTn>
+                                        <p:tgtEl>
+                                          <p:spTgt spid="10"/>
+                                        </p:tgtEl>
+                                        <p:attrNameLst>
+                                          <p:attrName>style.visibility</p:attrName>
+                                        </p:attrNameLst>
+                                      </p:cBhvr>
+                                      <p:to>
+                                        <p:strVal val="visible"/>
+                                      </p:to>
+                                    </p:set>
+                                  </p:childTnLst>
+                                </p:cTn>
+                              </p:par>
+                            </p:childTnLst>
+                          </p:cTn>
+                        </p:par>
+                      </p:childTnLst>
+                    </p:cTn>
+                  </p:par>
+                  <p:par>
+                    <p:cTn id="21" fill="hold">
+                      <p:stCondLst>
+                        <p:cond delay="indefinite"/>
+                      </p:stCondLst>
+                      <p:childTnLst>
+                        <p:par>
+                          <p:cTn id="22" fill="hold">
+                            <p:stCondLst>
+                              <p:cond delay="0"/>
+                            </p:stCondLst>
+                            <p:childTnLst>
+                              <p:par>
+                                <p:cTn id="23" presetID="1" presetClass="entr" presetSubtype="0" fill="hold" grpId="0" nodeType="clickEffect">
+                                  <p:stCondLst>
+                                    <p:cond delay="0"/>
+                                  </p:stCondLst>
+                                  <p:childTnLst>
+                                    <p:set>
+                                      <p:cBhvr>
+                                        <p:cTn id="24" dur="1" fill="hold">
+                                          <p:stCondLst>
+                                            <p:cond delay="0"/>
+                                          </p:stCondLst>
+                                        </p:cTn>
+                                        <p:tgtEl>
+                                          <p:spTgt spid="11">
+                                            <p:txEl>
+                                              <p:pRg st="0" end="0"/>
+                                            </p:txEl>
+                                          </p:spTgt>
+                                        </p:tgtEl>
+                                        <p:attrNameLst>
+                                          <p:attrName>style.visibility</p:attrName>
+                                        </p:attrNameLst>
+                                      </p:cBhvr>
+                                      <p:to>
+                                        <p:strVal val="visible"/>
+                                      </p:to>
+                                    </p:set>
+                                  </p:childTnLst>
+                                </p:cTn>
+                              </p:par>
+                            </p:childTnLst>
+                          </p:cTn>
+                        </p:par>
+                      </p:childTnLst>
+                    </p:cTn>
+                  </p:par>
+                  <p:par>
+                    <p:cTn id="25" fill="hold">
+                      <p:stCondLst>
+                        <p:cond delay="indefinite"/>
+                      </p:stCondLst>
+                      <p:childTnLst>
+                        <p:par>
+                          <p:cTn id="26" fill="hold">
+                            <p:stCondLst>
+                              <p:cond delay="0"/>
+                            </p:stCondLst>
+                            <p:childTnLst>
+                              <p:par>
+                                <p:cTn id="27" presetID="1" presetClass="entr" presetSubtype="0" fill="hold" grpId="0" nodeType="clickEffect">
+                                  <p:stCondLst>
+                                    <p:cond delay="0"/>
+                                  </p:stCondLst>
+                                  <p:childTnLst>
+                                    <p:set>
+                                      <p:cBhvr>
+                                        <p:cTn id="28" dur="1" fill="hold">
+                                          <p:stCondLst>
+                                            <p:cond delay="0"/>
+                                          </p:stCondLst>
+                                        </p:cTn>
+                                        <p:tgtEl>
+                                          <p:spTgt spid="11">
+                                            <p:txEl>
+                                              <p:pRg st="1" end="1"/>
+                                            </p:txEl>
+                                          </p:spTgt>
+                                        </p:tgtEl>
+                                        <p:attrNameLst>
+                                          <p:attrName>style.visibility</p:attrName>
+                                        </p:attrNameLst>
+                                      </p:cBhvr>
+                                      <p:to>
+                                        <p:strVal val="visible"/>
+                                      </p:to>
+                                    </p:set>
+                                  </p:childTnLst>
+                                </p:cTn>
+                              </p:par>
+                              <p:par>
+                                <p:cTn id="29" presetID="12" presetClass="entr" presetSubtype="8" fill="hold" nodeType="withEffect">
+                                  <p:stCondLst>
+                                    <p:cond delay="0"/>
+                                  </p:stCondLst>
+                                  <p:childTnLst>
+                                    <p:set>
+                                      <p:cBhvr>
+                                        <p:cTn id="30" dur="1" fill="hold">
+                                          <p:stCondLst>
+                                            <p:cond delay="0"/>
+                                          </p:stCondLst>
+                                        </p:cTn>
+                                        <p:tgtEl>
+                                          <p:spTgt spid="13"/>
+                                        </p:tgtEl>
+                                        <p:attrNameLst>
+                                          <p:attrName>style.visibility</p:attrName>
+                                        </p:attrNameLst>
+                                      </p:cBhvr>
+                                      <p:to>
+                                        <p:strVal val="visible"/>
+                                      </p:to>
+                                    </p:set>
+                                    <p:anim calcmode="lin" valueType="num">
+                                      <p:cBhvr additive="base">
+                                        <p:cTn id="31" dur="500"/>
+                                        <p:tgtEl>
+                                          <p:spTgt spid="13"/>
+                                        </p:tgtEl>
+                                        <p:attrNameLst>
+                                          <p:attrName>ppt_x</p:attrName>
+                                        </p:attrNameLst>
+                                      </p:cBhvr>
+                                      <p:tavLst>
+                                        <p:tav tm="0">
+                                          <p:val>
+                                            <p:strVal val="#ppt_x-#ppt_w*1.125000"/>
+                                          </p:val>
+                                        </p:tav>
+                                        <p:tav tm="100000">
+                                          <p:val>
+                                            <p:strVal val="#ppt_x"/>
+                                          </p:val>
+                                        </p:tav>
+                                      </p:tavLst>
+                                    </p:anim>
+                                    <p:animEffect transition="in" filter="wipe(right)">
+                                      <p:cBhvr>
+                                        <p:cTn id="32" dur="500"/>
+                                        <p:tgtEl>
+                                          <p:spTgt spid="13"/>
+                                        </p:tgtEl>
+                                      </p:cBhvr>
+                                    </p:animEffect>
+                                  </p:childTnLst>
+                                </p:cTn>
+                              </p:par>
+                            </p:childTnLst>
+                          </p:cTn>
+                        </p:par>
+                      </p:childTnLst>
+                    </p:cTn>
+                  </p:par>
+                </p:childTnLst>
+              </p:cTn>
+              <p:prevCondLst>
+                <p:cond evt="onPrev" delay="0">
+                  <p:tgtEl>
+                    <p:sldTgt/>
+                  </p:tgtEl>
+                </p:cond>
+              </p:prevCondLst>
+              <p:nextCondLst>
+                <p:cond evt="onNext" delay="0">
+                  <p:tgtEl>
+                    <p:sldTgt/>
+                  </p:tgtEl>
+                </p:cond>
+              </p:nextCondLst>
+            </p:seq>
+          </p:childTnLst>
+        </p:cTn>
+      </p:par>
+    </p:tnLst>
+    <p:bldLst>
+      <p:bldP spid="6" grpId="0" build="p"/>
+      <p:bldP spid="10" grpId="0" animBg="1"/>
+      <p:bldP spid="11" grpId="0" build="p"/>
+    </p:bldLst>
+  </p:timing>
+</p:sld>
+</file>
+
 <file path=ppt/slides/slide2.xml><?xml version="1.0" encoding="utf-8"?>
 <p:sld xmlns:a="http://schemas.openxmlformats.org/drawingml/2006/main" xmlns:r="http://schemas.openxmlformats.org/officeDocument/2006/relationships" xmlns:p="http://schemas.openxmlformats.org/presentationml/2006/main">
   <p:cSld>
@@ -19045,6 +22713,53 @@
           </a:p>
         </p:txBody>
       </p:sp>
+      <p:pic>
+        <p:nvPicPr>
+          <p:cNvPr id="26628" name="Picture 4" descr="Doge Icon">
+            <a:extLst>
+              <a:ext uri="{FF2B5EF4-FFF2-40B4-BE49-F238E27FC236}">
+                <a16:creationId xmlns:a16="http://schemas.microsoft.com/office/drawing/2014/main" id="{ECF018E7-C7A6-CA3C-719A-22C1A66E5808}"/>
+              </a:ext>
+            </a:extLst>
+          </p:cNvPr>
+          <p:cNvPicPr>
+            <a:picLocks noChangeAspect="1" noChangeArrowheads="1"/>
+          </p:cNvPicPr>
+          <p:nvPr/>
+        </p:nvPicPr>
+        <p:blipFill>
+          <a:blip r:embed="rId2">
+            <a:extLst>
+              <a:ext uri="{28A0092B-C50C-407E-A947-70E740481C1C}">
+                <a14:useLocalDpi xmlns:a14="http://schemas.microsoft.com/office/drawing/2010/main" val="0"/>
+              </a:ext>
+            </a:extLst>
+          </a:blip>
+          <a:srcRect/>
+          <a:stretch>
+            <a:fillRect/>
+          </a:stretch>
+        </p:blipFill>
+        <p:spPr bwMode="auto">
+          <a:xfrm flipH="1">
+            <a:off x="11698380" y="6364380"/>
+            <a:ext cx="493620" cy="493620"/>
+          </a:xfrm>
+          <a:prstGeom prst="rect">
+            <a:avLst/>
+          </a:prstGeom>
+          <a:noFill/>
+          <a:extLst>
+            <a:ext uri="{909E8E84-426E-40DD-AFC4-6F175D3DCCD1}">
+              <a14:hiddenFill xmlns:a14="http://schemas.microsoft.com/office/drawing/2010/main">
+                <a:solidFill>
+                  <a:srgbClr val="FFFFFF"/>
+                </a:solidFill>
+              </a14:hiddenFill>
+            </a:ext>
+          </a:extLst>
+        </p:spPr>
+      </p:pic>
     </p:spTree>
     <p:extLst>
       <p:ext uri="{BB962C8B-B14F-4D97-AF65-F5344CB8AC3E}">
@@ -19462,6 +23177,64 @@
                                   </p:childTnLst>
                                 </p:cTn>
                               </p:par>
+                              <p:par>
+                                <p:cTn id="39" presetID="12" presetClass="entr" presetSubtype="4" fill="hold" nodeType="withEffect">
+                                  <p:stCondLst>
+                                    <p:cond delay="0"/>
+                                  </p:stCondLst>
+                                  <p:childTnLst>
+                                    <p:set>
+                                      <p:cBhvr>
+                                        <p:cTn id="40" dur="1" fill="hold">
+                                          <p:stCondLst>
+                                            <p:cond delay="0"/>
+                                          </p:stCondLst>
+                                        </p:cTn>
+                                        <p:tgtEl>
+                                          <p:spTgt spid="26628"/>
+                                        </p:tgtEl>
+                                        <p:attrNameLst>
+                                          <p:attrName>style.visibility</p:attrName>
+                                        </p:attrNameLst>
+                                      </p:cBhvr>
+                                      <p:to>
+                                        <p:strVal val="visible"/>
+                                      </p:to>
+                                    </p:set>
+                                    <p:anim calcmode="lin" valueType="num">
+                                      <p:cBhvr additive="base">
+                                        <p:cTn id="41" dur="500"/>
+                                        <p:tgtEl>
+                                          <p:spTgt spid="26628"/>
+                                        </p:tgtEl>
+                                        <p:attrNameLst>
+                                          <p:attrName>ppt_y</p:attrName>
+                                        </p:attrNameLst>
+                                      </p:cBhvr>
+                                      <p:tavLst>
+                                        <p:tav tm="0">
+                                          <p:val>
+                                            <p:strVal val="#ppt_y+#ppt_h*1.125000"/>
+                                          </p:val>
+                                        </p:tav>
+                                        <p:tav tm="100000">
+                                          <p:val>
+                                            <p:strVal val="#ppt_y"/>
+                                          </p:val>
+                                        </p:tav>
+                                      </p:tavLst>
+                                    </p:anim>
+                                    <p:animEffect transition="in" filter="wipe(up)">
+                                      <p:cBhvr>
+                                        <p:cTn id="42" dur="500"/>
+                                        <p:tgtEl>
+                                          <p:spTgt spid="26628"/>
+                                        </p:tgtEl>
+                                      </p:cBhvr>
+                                    </p:animEffect>
+                                  </p:childTnLst>
+                                </p:cTn>
+                              </p:par>
                             </p:childTnLst>
                           </p:cTn>
                         </p:par>
@@ -19499,6 +23272,5817 @@
       <p:bldP spid="25" grpId="0" animBg="1"/>
       <p:bldP spid="26" grpId="0" animBg="1"/>
       <p:bldP spid="27" grpId="0" animBg="1"/>
+    </p:bldLst>
+  </p:timing>
+</p:sld>
+</file>
+
+<file path=ppt/slides/slide20.xml><?xml version="1.0" encoding="utf-8"?>
+<p:sld xmlns:a="http://schemas.openxmlformats.org/drawingml/2006/main" xmlns:r="http://schemas.openxmlformats.org/officeDocument/2006/relationships" xmlns:p="http://schemas.openxmlformats.org/presentationml/2006/main">
+  <p:cSld>
+    <p:spTree>
+      <p:nvGrpSpPr>
+        <p:cNvPr id="1" name="">
+          <a:extLst>
+            <a:ext uri="{FF2B5EF4-FFF2-40B4-BE49-F238E27FC236}">
+              <a16:creationId xmlns:a16="http://schemas.microsoft.com/office/drawing/2014/main" id="{4EAFBF78-CBA8-7F3D-F619-5859457D38CB}"/>
+            </a:ext>
+          </a:extLst>
+        </p:cNvPr>
+        <p:cNvGrpSpPr/>
+        <p:nvPr/>
+      </p:nvGrpSpPr>
+      <p:grpSpPr>
+        <a:xfrm>
+          <a:off x="0" y="0"/>
+          <a:ext cx="0" cy="0"/>
+          <a:chOff x="0" y="0"/>
+          <a:chExt cx="0" cy="0"/>
+        </a:xfrm>
+      </p:grpSpPr>
+      <p:sp>
+        <p:nvSpPr>
+          <p:cNvPr id="2" name="Text Placeholder 1">
+            <a:extLst>
+              <a:ext uri="{FF2B5EF4-FFF2-40B4-BE49-F238E27FC236}">
+                <a16:creationId xmlns:a16="http://schemas.microsoft.com/office/drawing/2014/main" id="{5E336318-FAC8-CBE1-A661-5D14C445FA93}"/>
+              </a:ext>
+            </a:extLst>
+          </p:cNvPr>
+          <p:cNvSpPr>
+            <a:spLocks noGrp="1"/>
+          </p:cNvSpPr>
+          <p:nvPr>
+            <p:ph type="body" sz="quarter" idx="12"/>
+          </p:nvPr>
+        </p:nvSpPr>
+        <p:spPr>
+          <a:xfrm>
+            <a:off x="360000" y="828000"/>
+            <a:ext cx="4751262" cy="641842"/>
+          </a:xfrm>
+        </p:spPr>
+        <p:txBody>
+          <a:bodyPr/>
+          <a:lstStyle/>
+          <a:p>
+            <a:r>
+              <a:rPr lang="en-US"/>
+              <a:t>Schema Registry</a:t>
+            </a:r>
+          </a:p>
+          <a:p>
+            <a:r>
+              <a:rPr lang="en-US" sz="2000">
+                <a:solidFill>
+                  <a:schemeClr val="accent1">
+                    <a:lumMod val="50000"/>
+                  </a:schemeClr>
+                </a:solidFill>
+              </a:rPr>
+              <a:t>domov pro vaše datové typy</a:t>
+            </a:r>
+          </a:p>
+        </p:txBody>
+      </p:sp>
+      <p:sp>
+        <p:nvSpPr>
+          <p:cNvPr id="3" name="Text Placeholder 2">
+            <a:extLst>
+              <a:ext uri="{FF2B5EF4-FFF2-40B4-BE49-F238E27FC236}">
+                <a16:creationId xmlns:a16="http://schemas.microsoft.com/office/drawing/2014/main" id="{0A459FD4-F59E-936B-05CC-6DEDC534F2FE}"/>
+              </a:ext>
+            </a:extLst>
+          </p:cNvPr>
+          <p:cNvSpPr>
+            <a:spLocks noGrp="1"/>
+          </p:cNvSpPr>
+          <p:nvPr>
+            <p:ph type="body" sz="quarter" idx="23"/>
+          </p:nvPr>
+        </p:nvSpPr>
+        <p:spPr/>
+        <p:txBody>
+          <a:bodyPr/>
+          <a:lstStyle/>
+          <a:p>
+            <a:endParaRPr lang="en-US"/>
+          </a:p>
+        </p:txBody>
+      </p:sp>
+      <p:sp>
+        <p:nvSpPr>
+          <p:cNvPr id="4" name="TextBox 3">
+            <a:extLst>
+              <a:ext uri="{FF2B5EF4-FFF2-40B4-BE49-F238E27FC236}">
+                <a16:creationId xmlns:a16="http://schemas.microsoft.com/office/drawing/2014/main" id="{35C3828E-E71B-D5CD-2303-61C38A2E44B0}"/>
+              </a:ext>
+            </a:extLst>
+          </p:cNvPr>
+          <p:cNvSpPr txBox="1"/>
+          <p:nvPr/>
+        </p:nvSpPr>
+        <p:spPr>
+          <a:xfrm>
+            <a:off x="2735631" y="-1603329"/>
+            <a:ext cx="6963445" cy="307777"/>
+          </a:xfrm>
+          <a:prstGeom prst="rect">
+            <a:avLst/>
+          </a:prstGeom>
+          <a:noFill/>
+        </p:spPr>
+        <p:txBody>
+          <a:bodyPr wrap="none" lIns="0" tIns="0" rIns="0" bIns="0" rtlCol="0" anchor="b" anchorCtr="0">
+            <a:spAutoFit/>
+          </a:bodyPr>
+          <a:lstStyle/>
+          <a:p>
+            <a:pPr algn="l"/>
+            <a:r>
+              <a:rPr lang="en-US" sz="2000" dirty="0">
+                <a:latin typeface="Arial" panose="020B0604020202020204" pitchFamily="34" charset="0"/>
+                <a:cs typeface="Arial" panose="020B0604020202020204" pitchFamily="34" charset="0"/>
+              </a:rPr>
+              <a:t>Základní pojmy: subjekt, strategie, verze, režimy kompatibility</a:t>
+            </a:r>
+          </a:p>
+        </p:txBody>
+      </p:sp>
+      <p:sp>
+        <p:nvSpPr>
+          <p:cNvPr id="6" name="TextBox 5">
+            <a:extLst>
+              <a:ext uri="{FF2B5EF4-FFF2-40B4-BE49-F238E27FC236}">
+                <a16:creationId xmlns:a16="http://schemas.microsoft.com/office/drawing/2014/main" id="{E6E9F85E-ED8C-6113-658F-6FD9B1BE436F}"/>
+              </a:ext>
+            </a:extLst>
+          </p:cNvPr>
+          <p:cNvSpPr txBox="1"/>
+          <p:nvPr/>
+        </p:nvSpPr>
+        <p:spPr>
+          <a:xfrm>
+            <a:off x="360000" y="1627111"/>
+            <a:ext cx="8092246" cy="1022011"/>
+          </a:xfrm>
+          <a:prstGeom prst="rect">
+            <a:avLst/>
+          </a:prstGeom>
+          <a:noFill/>
+        </p:spPr>
+        <p:txBody>
+          <a:bodyPr wrap="square" lIns="0" tIns="0" rIns="0" bIns="0" rtlCol="0" anchor="t" anchorCtr="0">
+            <a:spAutoFit/>
+          </a:bodyPr>
+          <a:lstStyle/>
+          <a:p>
+            <a:pPr marL="171450" indent="-171450" algn="l">
+              <a:lnSpc>
+                <a:spcPct val="200000"/>
+              </a:lnSpc>
+              <a:buFont typeface="Wingdings" pitchFamily="2" charset="2"/>
+              <a:buChar char="§"/>
+            </a:pPr>
+            <a:r>
+              <a:rPr lang="en-US" b="1" dirty="0">
+                <a:solidFill>
+                  <a:schemeClr val="accent2">
+                    <a:lumMod val="50000"/>
+                  </a:schemeClr>
+                </a:solidFill>
+                <a:latin typeface="Arial" panose="020B0604020202020204" pitchFamily="34" charset="0"/>
+                <a:cs typeface="Arial" panose="020B0604020202020204" pitchFamily="34" charset="0"/>
+              </a:rPr>
+              <a:t>Centrální úložiště</a:t>
+            </a:r>
+            <a:r>
+              <a:rPr lang="en-US" dirty="0">
+                <a:solidFill>
+                  <a:schemeClr val="accent2">
+                    <a:lumMod val="50000"/>
+                  </a:schemeClr>
+                </a:solidFill>
+                <a:latin typeface="Arial" panose="020B0604020202020204" pitchFamily="34" charset="0"/>
+                <a:cs typeface="Arial" panose="020B0604020202020204" pitchFamily="34" charset="0"/>
+              </a:rPr>
+              <a:t> pro schemata přenášených zpráv</a:t>
+            </a:r>
+          </a:p>
+          <a:p>
+            <a:pPr marL="171450" indent="-171450" algn="l">
+              <a:lnSpc>
+                <a:spcPct val="200000"/>
+              </a:lnSpc>
+              <a:buFont typeface="Wingdings" pitchFamily="2" charset="2"/>
+              <a:buChar char="§"/>
+            </a:pPr>
+            <a:r>
+              <a:rPr lang="en-US" b="1" dirty="0">
+                <a:solidFill>
+                  <a:schemeClr val="accent2">
+                    <a:lumMod val="50000"/>
+                  </a:schemeClr>
+                </a:solidFill>
+                <a:latin typeface="Arial" panose="020B0604020202020204" pitchFamily="34" charset="0"/>
+                <a:cs typeface="Arial" panose="020B0604020202020204" pitchFamily="34" charset="0"/>
+              </a:rPr>
+              <a:t>Schéma zprávy:</a:t>
+            </a:r>
+            <a:r>
+              <a:rPr lang="en-US" dirty="0">
+                <a:solidFill>
+                  <a:schemeClr val="accent2">
+                    <a:lumMod val="50000"/>
+                  </a:schemeClr>
+                </a:solidFill>
+                <a:latin typeface="Arial" panose="020B0604020202020204" pitchFamily="34" charset="0"/>
+                <a:cs typeface="Arial" panose="020B0604020202020204" pitchFamily="34" charset="0"/>
+              </a:rPr>
+              <a:t> schema pro klíč + schéma pro hodnotu</a:t>
+            </a:r>
+          </a:p>
+        </p:txBody>
+      </p:sp>
+      <p:grpSp>
+        <p:nvGrpSpPr>
+          <p:cNvPr id="19" name="Group 18">
+            <a:extLst>
+              <a:ext uri="{FF2B5EF4-FFF2-40B4-BE49-F238E27FC236}">
+                <a16:creationId xmlns:a16="http://schemas.microsoft.com/office/drawing/2014/main" id="{F1D5B118-2735-7B5C-F6A2-FA5C6A051E3F}"/>
+              </a:ext>
+            </a:extLst>
+          </p:cNvPr>
+          <p:cNvGrpSpPr/>
+          <p:nvPr/>
+        </p:nvGrpSpPr>
+        <p:grpSpPr>
+          <a:xfrm>
+            <a:off x="8897112" y="5579434"/>
+            <a:ext cx="3191054" cy="1173371"/>
+            <a:chOff x="8897112" y="5579434"/>
+            <a:chExt cx="3191054" cy="1173371"/>
+          </a:xfrm>
+        </p:grpSpPr>
+        <p:sp>
+          <p:nvSpPr>
+            <p:cNvPr id="17" name="Oval Callout 16">
+              <a:extLst>
+                <a:ext uri="{FF2B5EF4-FFF2-40B4-BE49-F238E27FC236}">
+                  <a16:creationId xmlns:a16="http://schemas.microsoft.com/office/drawing/2014/main" id="{6621DCAB-D08A-E66A-16CF-74D2EA7D995F}"/>
+                </a:ext>
+              </a:extLst>
+            </p:cNvPr>
+            <p:cNvSpPr/>
+            <p:nvPr/>
+          </p:nvSpPr>
+          <p:spPr>
+            <a:xfrm>
+              <a:off x="8897112" y="5579434"/>
+              <a:ext cx="2789074" cy="824554"/>
+            </a:xfrm>
+            <a:prstGeom prst="wedgeEllipseCallout">
+              <a:avLst>
+                <a:gd name="adj1" fmla="val 48579"/>
+                <a:gd name="adj2" fmla="val 50269"/>
+              </a:avLst>
+            </a:prstGeom>
+            <a:ln/>
+          </p:spPr>
+          <p:style>
+            <a:lnRef idx="2">
+              <a:schemeClr val="accent2"/>
+            </a:lnRef>
+            <a:fillRef idx="1">
+              <a:schemeClr val="lt1"/>
+            </a:fillRef>
+            <a:effectRef idx="0">
+              <a:schemeClr val="accent2"/>
+            </a:effectRef>
+            <a:fontRef idx="minor">
+              <a:schemeClr val="dk1"/>
+            </a:fontRef>
+          </p:style>
+          <p:txBody>
+            <a:bodyPr wrap="none" lIns="0" tIns="0" rIns="0" bIns="0" rtlCol="0" anchor="ctr"/>
+            <a:lstStyle/>
+            <a:p>
+              <a:pPr algn="ctr"/>
+              <a:r>
+                <a:rPr lang="en-US">
+                  <a:solidFill>
+                    <a:schemeClr val="accent1">
+                      <a:lumMod val="65000"/>
+                    </a:schemeClr>
+                  </a:solidFill>
+                </a:rPr>
+                <a:t>...režim kompatibility?</a:t>
+              </a:r>
+            </a:p>
+          </p:txBody>
+        </p:sp>
+        <p:pic>
+          <p:nvPicPr>
+            <p:cNvPr id="18" name="Picture 17">
+              <a:extLst>
+                <a:ext uri="{FF2B5EF4-FFF2-40B4-BE49-F238E27FC236}">
+                  <a16:creationId xmlns:a16="http://schemas.microsoft.com/office/drawing/2014/main" id="{A27861D2-B562-4F8F-80A5-2B0D90A7CAA4}"/>
+                </a:ext>
+              </a:extLst>
+            </p:cNvPr>
+            <p:cNvPicPr>
+              <a:picLocks noChangeAspect="1"/>
+            </p:cNvPicPr>
+            <p:nvPr/>
+          </p:nvPicPr>
+          <p:blipFill>
+            <a:blip r:embed="rId2"/>
+            <a:stretch>
+              <a:fillRect/>
+            </a:stretch>
+          </p:blipFill>
+          <p:spPr>
+            <a:xfrm>
+              <a:off x="11686186" y="6347530"/>
+              <a:ext cx="401980" cy="405275"/>
+            </a:xfrm>
+            <a:prstGeom prst="rect">
+              <a:avLst/>
+            </a:prstGeom>
+          </p:spPr>
+        </p:pic>
+      </p:grpSp>
+      <p:grpSp>
+        <p:nvGrpSpPr>
+          <p:cNvPr id="28" name="Group 27">
+            <a:extLst>
+              <a:ext uri="{FF2B5EF4-FFF2-40B4-BE49-F238E27FC236}">
+                <a16:creationId xmlns:a16="http://schemas.microsoft.com/office/drawing/2014/main" id="{6B1406DA-2EF7-DA52-C23D-2E9D71088B7F}"/>
+              </a:ext>
+            </a:extLst>
+          </p:cNvPr>
+          <p:cNvGrpSpPr/>
+          <p:nvPr/>
+        </p:nvGrpSpPr>
+        <p:grpSpPr>
+          <a:xfrm>
+            <a:off x="706319" y="2983426"/>
+            <a:ext cx="1665901" cy="1015454"/>
+            <a:chOff x="896289" y="4328511"/>
+            <a:chExt cx="1665901" cy="1015454"/>
+          </a:xfrm>
+        </p:grpSpPr>
+        <p:sp>
+          <p:nvSpPr>
+            <p:cNvPr id="26" name="Arc 25">
+              <a:extLst>
+                <a:ext uri="{FF2B5EF4-FFF2-40B4-BE49-F238E27FC236}">
+                  <a16:creationId xmlns:a16="http://schemas.microsoft.com/office/drawing/2014/main" id="{10D594EF-2C2A-9679-316D-72AFB66B172A}"/>
+                </a:ext>
+              </a:extLst>
+            </p:cNvPr>
+            <p:cNvSpPr/>
+            <p:nvPr/>
+          </p:nvSpPr>
+          <p:spPr>
+            <a:xfrm flipH="1">
+              <a:off x="1032164" y="4582601"/>
+              <a:ext cx="1530026" cy="761364"/>
+            </a:xfrm>
+            <a:custGeom>
+              <a:avLst/>
+              <a:gdLst>
+                <a:gd name="connsiteX0" fmla="*/ 1387685 w 2775371"/>
+                <a:gd name="connsiteY0" fmla="*/ 0 h 1462819"/>
+                <a:gd name="connsiteX1" fmla="*/ 2773778 w 2775371"/>
+                <a:gd name="connsiteY1" fmla="*/ 696363 h 1462819"/>
+                <a:gd name="connsiteX2" fmla="*/ 1387686 w 2775371"/>
+                <a:gd name="connsiteY2" fmla="*/ 731410 h 1462819"/>
+                <a:gd name="connsiteX3" fmla="*/ 1387685 w 2775371"/>
+                <a:gd name="connsiteY3" fmla="*/ 0 h 1462819"/>
+                <a:gd name="connsiteX0" fmla="*/ 1387685 w 2775371"/>
+                <a:gd name="connsiteY0" fmla="*/ 0 h 1462819"/>
+                <a:gd name="connsiteX1" fmla="*/ 2773778 w 2775371"/>
+                <a:gd name="connsiteY1" fmla="*/ 696363 h 1462819"/>
+                <a:gd name="connsiteX0" fmla="*/ 143933 w 1530026"/>
+                <a:gd name="connsiteY0" fmla="*/ 25400 h 756810"/>
+                <a:gd name="connsiteX1" fmla="*/ 1530026 w 1530026"/>
+                <a:gd name="connsiteY1" fmla="*/ 721763 h 756810"/>
+                <a:gd name="connsiteX2" fmla="*/ 143934 w 1530026"/>
+                <a:gd name="connsiteY2" fmla="*/ 756810 h 756810"/>
+                <a:gd name="connsiteX3" fmla="*/ 143933 w 1530026"/>
+                <a:gd name="connsiteY3" fmla="*/ 25400 h 756810"/>
+                <a:gd name="connsiteX0" fmla="*/ 0 w 1530026"/>
+                <a:gd name="connsiteY0" fmla="*/ 0 h 756810"/>
+                <a:gd name="connsiteX1" fmla="*/ 1530026 w 1530026"/>
+                <a:gd name="connsiteY1" fmla="*/ 721763 h 756810"/>
+                <a:gd name="connsiteX0" fmla="*/ 143933 w 1530026"/>
+                <a:gd name="connsiteY0" fmla="*/ 29954 h 761364"/>
+                <a:gd name="connsiteX1" fmla="*/ 1530026 w 1530026"/>
+                <a:gd name="connsiteY1" fmla="*/ 726317 h 761364"/>
+                <a:gd name="connsiteX2" fmla="*/ 143934 w 1530026"/>
+                <a:gd name="connsiteY2" fmla="*/ 761364 h 761364"/>
+                <a:gd name="connsiteX3" fmla="*/ 143933 w 1530026"/>
+                <a:gd name="connsiteY3" fmla="*/ 29954 h 761364"/>
+                <a:gd name="connsiteX0" fmla="*/ 0 w 1530026"/>
+                <a:gd name="connsiteY0" fmla="*/ 4554 h 761364"/>
+                <a:gd name="connsiteX1" fmla="*/ 1530026 w 1530026"/>
+                <a:gd name="connsiteY1" fmla="*/ 726317 h 761364"/>
+                <a:gd name="connsiteX0" fmla="*/ 143933 w 1530026"/>
+                <a:gd name="connsiteY0" fmla="*/ 29954 h 761364"/>
+                <a:gd name="connsiteX1" fmla="*/ 1530026 w 1530026"/>
+                <a:gd name="connsiteY1" fmla="*/ 726317 h 761364"/>
+                <a:gd name="connsiteX2" fmla="*/ 143934 w 1530026"/>
+                <a:gd name="connsiteY2" fmla="*/ 761364 h 761364"/>
+                <a:gd name="connsiteX3" fmla="*/ 143933 w 1530026"/>
+                <a:gd name="connsiteY3" fmla="*/ 29954 h 761364"/>
+                <a:gd name="connsiteX0" fmla="*/ 0 w 1530026"/>
+                <a:gd name="connsiteY0" fmla="*/ 4554 h 761364"/>
+                <a:gd name="connsiteX1" fmla="*/ 1530026 w 1530026"/>
+                <a:gd name="connsiteY1" fmla="*/ 726317 h 761364"/>
+                <a:gd name="connsiteX0" fmla="*/ 143933 w 1685134"/>
+                <a:gd name="connsiteY0" fmla="*/ 29954 h 761364"/>
+                <a:gd name="connsiteX1" fmla="*/ 1530026 w 1685134"/>
+                <a:gd name="connsiteY1" fmla="*/ 726317 h 761364"/>
+                <a:gd name="connsiteX2" fmla="*/ 143934 w 1685134"/>
+                <a:gd name="connsiteY2" fmla="*/ 761364 h 761364"/>
+                <a:gd name="connsiteX3" fmla="*/ 143933 w 1685134"/>
+                <a:gd name="connsiteY3" fmla="*/ 29954 h 761364"/>
+                <a:gd name="connsiteX0" fmla="*/ 0 w 1685134"/>
+                <a:gd name="connsiteY0" fmla="*/ 4554 h 761364"/>
+                <a:gd name="connsiteX1" fmla="*/ 1530026 w 1685134"/>
+                <a:gd name="connsiteY1" fmla="*/ 726317 h 761364"/>
+                <a:gd name="connsiteX0" fmla="*/ 143933 w 1530026"/>
+                <a:gd name="connsiteY0" fmla="*/ 29954 h 761364"/>
+                <a:gd name="connsiteX1" fmla="*/ 1530026 w 1530026"/>
+                <a:gd name="connsiteY1" fmla="*/ 726317 h 761364"/>
+                <a:gd name="connsiteX2" fmla="*/ 143934 w 1530026"/>
+                <a:gd name="connsiteY2" fmla="*/ 761364 h 761364"/>
+                <a:gd name="connsiteX3" fmla="*/ 143933 w 1530026"/>
+                <a:gd name="connsiteY3" fmla="*/ 29954 h 761364"/>
+                <a:gd name="connsiteX0" fmla="*/ 0 w 1530026"/>
+                <a:gd name="connsiteY0" fmla="*/ 4554 h 761364"/>
+                <a:gd name="connsiteX1" fmla="*/ 1530026 w 1530026"/>
+                <a:gd name="connsiteY1" fmla="*/ 726317 h 761364"/>
+                <a:gd name="connsiteX0" fmla="*/ 143933 w 1530026"/>
+                <a:gd name="connsiteY0" fmla="*/ 29954 h 761364"/>
+                <a:gd name="connsiteX1" fmla="*/ 1530026 w 1530026"/>
+                <a:gd name="connsiteY1" fmla="*/ 726317 h 761364"/>
+                <a:gd name="connsiteX2" fmla="*/ 143934 w 1530026"/>
+                <a:gd name="connsiteY2" fmla="*/ 761364 h 761364"/>
+                <a:gd name="connsiteX3" fmla="*/ 143933 w 1530026"/>
+                <a:gd name="connsiteY3" fmla="*/ 29954 h 761364"/>
+                <a:gd name="connsiteX0" fmla="*/ 0 w 1530026"/>
+                <a:gd name="connsiteY0" fmla="*/ 4554 h 761364"/>
+                <a:gd name="connsiteX1" fmla="*/ 1530026 w 1530026"/>
+                <a:gd name="connsiteY1" fmla="*/ 726317 h 761364"/>
+              </a:gdLst>
+              <a:ahLst/>
+              <a:cxnLst>
+                <a:cxn ang="0">
+                  <a:pos x="connsiteX0" y="connsiteY0"/>
+                </a:cxn>
+                <a:cxn ang="0">
+                  <a:pos x="connsiteX1" y="connsiteY1"/>
+                </a:cxn>
+              </a:cxnLst>
+              <a:rect l="l" t="t" r="r" b="b"/>
+              <a:pathLst>
+                <a:path w="1530026" h="761364" stroke="0" extrusionOk="0">
+                  <a:moveTo>
+                    <a:pt x="143933" y="29954"/>
+                  </a:moveTo>
+                  <a:cubicBezTo>
+                    <a:pt x="884481" y="29954"/>
+                    <a:pt x="639408" y="387245"/>
+                    <a:pt x="1530026" y="726317"/>
+                  </a:cubicBezTo>
+                  <a:lnTo>
+                    <a:pt x="143934" y="761364"/>
+                  </a:lnTo>
+                  <a:cubicBezTo>
+                    <a:pt x="143934" y="517561"/>
+                    <a:pt x="143933" y="273757"/>
+                    <a:pt x="143933" y="29954"/>
+                  </a:cubicBezTo>
+                  <a:close/>
+                </a:path>
+                <a:path w="1530026" h="761364" fill="none">
+                  <a:moveTo>
+                    <a:pt x="0" y="4554"/>
+                  </a:moveTo>
+                  <a:cubicBezTo>
+                    <a:pt x="1155415" y="-46246"/>
+                    <a:pt x="1494541" y="336444"/>
+                    <a:pt x="1530026" y="726317"/>
+                  </a:cubicBezTo>
+                </a:path>
+              </a:pathLst>
+            </a:custGeom>
+            <a:ln w="38100">
+              <a:solidFill>
+                <a:schemeClr val="accent1">
+                  <a:lumMod val="50000"/>
+                </a:schemeClr>
+              </a:solidFill>
+              <a:prstDash val="sysDash"/>
+              <a:headEnd type="triangle" w="lg" len="med"/>
+              <a:tailEnd type="none" w="med" len="med"/>
+            </a:ln>
+          </p:spPr>
+          <p:style>
+            <a:lnRef idx="2">
+              <a:schemeClr val="dk1"/>
+            </a:lnRef>
+            <a:fillRef idx="0">
+              <a:schemeClr val="dk1"/>
+            </a:fillRef>
+            <a:effectRef idx="1">
+              <a:schemeClr val="dk1"/>
+            </a:effectRef>
+            <a:fontRef idx="minor">
+              <a:schemeClr val="tx1"/>
+            </a:fontRef>
+          </p:style>
+          <p:txBody>
+            <a:bodyPr rtlCol="0" anchor="ctr"/>
+            <a:lstStyle/>
+            <a:p>
+              <a:pPr algn="ctr"/>
+              <a:endParaRPr lang="en-US"/>
+            </a:p>
+          </p:txBody>
+        </p:sp>
+        <p:sp>
+          <p:nvSpPr>
+            <p:cNvPr id="27" name="TextBox 26">
+              <a:extLst>
+                <a:ext uri="{FF2B5EF4-FFF2-40B4-BE49-F238E27FC236}">
+                  <a16:creationId xmlns:a16="http://schemas.microsoft.com/office/drawing/2014/main" id="{890ADF9F-7C2D-7C5C-A154-246B93BB9374}"/>
+                </a:ext>
+              </a:extLst>
+            </p:cNvPr>
+            <p:cNvSpPr txBox="1"/>
+            <p:nvPr/>
+          </p:nvSpPr>
+          <p:spPr>
+            <a:xfrm>
+              <a:off x="896289" y="4328511"/>
+              <a:ext cx="900888" cy="246221"/>
+            </a:xfrm>
+            <a:prstGeom prst="rect">
+              <a:avLst/>
+            </a:prstGeom>
+            <a:noFill/>
+          </p:spPr>
+          <p:txBody>
+            <a:bodyPr wrap="none" lIns="0" tIns="0" rIns="0" bIns="0" rtlCol="0" anchor="b" anchorCtr="0">
+              <a:spAutoFit/>
+            </a:bodyPr>
+            <a:lstStyle/>
+            <a:p>
+              <a:pPr algn="l"/>
+              <a:r>
+                <a:rPr lang="en-US" sz="1600" dirty="0">
+                  <a:solidFill>
+                    <a:schemeClr val="accent1">
+                      <a:lumMod val="50000"/>
+                    </a:schemeClr>
+                  </a:solidFill>
+                  <a:latin typeface="Arial" panose="020B0604020202020204" pitchFamily="34" charset="0"/>
+                  <a:cs typeface="Arial" panose="020B0604020202020204" pitchFamily="34" charset="0"/>
+                </a:rPr>
+                <a:t>registrace</a:t>
+              </a:r>
+            </a:p>
+          </p:txBody>
+        </p:sp>
+      </p:grpSp>
+      <p:grpSp>
+        <p:nvGrpSpPr>
+          <p:cNvPr id="29" name="Group 28">
+            <a:extLst>
+              <a:ext uri="{FF2B5EF4-FFF2-40B4-BE49-F238E27FC236}">
+                <a16:creationId xmlns:a16="http://schemas.microsoft.com/office/drawing/2014/main" id="{A949962F-8AE6-4473-865A-DE36501D9904}"/>
+              </a:ext>
+            </a:extLst>
+          </p:cNvPr>
+          <p:cNvGrpSpPr/>
+          <p:nvPr/>
+        </p:nvGrpSpPr>
+        <p:grpSpPr>
+          <a:xfrm>
+            <a:off x="1157350" y="3502010"/>
+            <a:ext cx="1428426" cy="756374"/>
+            <a:chOff x="989830" y="4587590"/>
+            <a:chExt cx="1428426" cy="756374"/>
+          </a:xfrm>
+        </p:grpSpPr>
+        <p:sp>
+          <p:nvSpPr>
+            <p:cNvPr id="30" name="Arc 29">
+              <a:extLst>
+                <a:ext uri="{FF2B5EF4-FFF2-40B4-BE49-F238E27FC236}">
+                  <a16:creationId xmlns:a16="http://schemas.microsoft.com/office/drawing/2014/main" id="{CC92A45B-B933-E2F6-A5B3-3EB34549CC19}"/>
+                </a:ext>
+              </a:extLst>
+            </p:cNvPr>
+            <p:cNvSpPr/>
+            <p:nvPr/>
+          </p:nvSpPr>
+          <p:spPr>
+            <a:xfrm flipH="1">
+              <a:off x="989830" y="4587590"/>
+              <a:ext cx="1428426" cy="756374"/>
+            </a:xfrm>
+            <a:custGeom>
+              <a:avLst/>
+              <a:gdLst>
+                <a:gd name="connsiteX0" fmla="*/ 1387685 w 2775371"/>
+                <a:gd name="connsiteY0" fmla="*/ 0 h 1462819"/>
+                <a:gd name="connsiteX1" fmla="*/ 2773778 w 2775371"/>
+                <a:gd name="connsiteY1" fmla="*/ 696363 h 1462819"/>
+                <a:gd name="connsiteX2" fmla="*/ 1387686 w 2775371"/>
+                <a:gd name="connsiteY2" fmla="*/ 731410 h 1462819"/>
+                <a:gd name="connsiteX3" fmla="*/ 1387685 w 2775371"/>
+                <a:gd name="connsiteY3" fmla="*/ 0 h 1462819"/>
+                <a:gd name="connsiteX0" fmla="*/ 1387685 w 2775371"/>
+                <a:gd name="connsiteY0" fmla="*/ 0 h 1462819"/>
+                <a:gd name="connsiteX1" fmla="*/ 2773778 w 2775371"/>
+                <a:gd name="connsiteY1" fmla="*/ 696363 h 1462819"/>
+                <a:gd name="connsiteX0" fmla="*/ 0 w 1428426"/>
+                <a:gd name="connsiteY0" fmla="*/ 0 h 731410"/>
+                <a:gd name="connsiteX1" fmla="*/ 1386093 w 1428426"/>
+                <a:gd name="connsiteY1" fmla="*/ 696363 h 731410"/>
+                <a:gd name="connsiteX2" fmla="*/ 1 w 1428426"/>
+                <a:gd name="connsiteY2" fmla="*/ 731410 h 731410"/>
+                <a:gd name="connsiteX3" fmla="*/ 0 w 1428426"/>
+                <a:gd name="connsiteY3" fmla="*/ 0 h 731410"/>
+                <a:gd name="connsiteX0" fmla="*/ 0 w 1428426"/>
+                <a:gd name="connsiteY0" fmla="*/ 0 h 731410"/>
+                <a:gd name="connsiteX1" fmla="*/ 1428426 w 1428426"/>
+                <a:gd name="connsiteY1" fmla="*/ 603229 h 731410"/>
+                <a:gd name="connsiteX0" fmla="*/ 0 w 1428426"/>
+                <a:gd name="connsiteY0" fmla="*/ 15757 h 747167"/>
+                <a:gd name="connsiteX1" fmla="*/ 1386093 w 1428426"/>
+                <a:gd name="connsiteY1" fmla="*/ 712120 h 747167"/>
+                <a:gd name="connsiteX2" fmla="*/ 1 w 1428426"/>
+                <a:gd name="connsiteY2" fmla="*/ 747167 h 747167"/>
+                <a:gd name="connsiteX3" fmla="*/ 0 w 1428426"/>
+                <a:gd name="connsiteY3" fmla="*/ 15757 h 747167"/>
+                <a:gd name="connsiteX0" fmla="*/ 0 w 1428426"/>
+                <a:gd name="connsiteY0" fmla="*/ 15757 h 747167"/>
+                <a:gd name="connsiteX1" fmla="*/ 1428426 w 1428426"/>
+                <a:gd name="connsiteY1" fmla="*/ 618986 h 747167"/>
+                <a:gd name="connsiteX0" fmla="*/ 0 w 1428426"/>
+                <a:gd name="connsiteY0" fmla="*/ 24964 h 756374"/>
+                <a:gd name="connsiteX1" fmla="*/ 1386093 w 1428426"/>
+                <a:gd name="connsiteY1" fmla="*/ 721327 h 756374"/>
+                <a:gd name="connsiteX2" fmla="*/ 1 w 1428426"/>
+                <a:gd name="connsiteY2" fmla="*/ 756374 h 756374"/>
+                <a:gd name="connsiteX3" fmla="*/ 0 w 1428426"/>
+                <a:gd name="connsiteY3" fmla="*/ 24964 h 756374"/>
+                <a:gd name="connsiteX0" fmla="*/ 0 w 1428426"/>
+                <a:gd name="connsiteY0" fmla="*/ 24964 h 756374"/>
+                <a:gd name="connsiteX1" fmla="*/ 1428426 w 1428426"/>
+                <a:gd name="connsiteY1" fmla="*/ 628193 h 756374"/>
+              </a:gdLst>
+              <a:ahLst/>
+              <a:cxnLst>
+                <a:cxn ang="0">
+                  <a:pos x="connsiteX0" y="connsiteY0"/>
+                </a:cxn>
+                <a:cxn ang="0">
+                  <a:pos x="connsiteX1" y="connsiteY1"/>
+                </a:cxn>
+              </a:cxnLst>
+              <a:rect l="l" t="t" r="r" b="b"/>
+              <a:pathLst>
+                <a:path w="1428426" h="756374" stroke="0" extrusionOk="0">
+                  <a:moveTo>
+                    <a:pt x="0" y="24964"/>
+                  </a:moveTo>
+                  <a:cubicBezTo>
+                    <a:pt x="1350147" y="-110503"/>
+                    <a:pt x="1350608" y="331454"/>
+                    <a:pt x="1386093" y="721327"/>
+                  </a:cubicBezTo>
+                  <a:lnTo>
+                    <a:pt x="1" y="756374"/>
+                  </a:lnTo>
+                  <a:cubicBezTo>
+                    <a:pt x="1" y="512571"/>
+                    <a:pt x="0" y="268767"/>
+                    <a:pt x="0" y="24964"/>
+                  </a:cubicBezTo>
+                  <a:close/>
+                </a:path>
+                <a:path w="1428426" h="756374" fill="none">
+                  <a:moveTo>
+                    <a:pt x="0" y="24964"/>
+                  </a:moveTo>
+                  <a:cubicBezTo>
+                    <a:pt x="740548" y="24964"/>
+                    <a:pt x="1392941" y="238320"/>
+                    <a:pt x="1428426" y="628193"/>
+                  </a:cubicBezTo>
+                </a:path>
+              </a:pathLst>
+            </a:custGeom>
+            <a:ln w="38100">
+              <a:solidFill>
+                <a:schemeClr val="accent1">
+                  <a:lumMod val="50000"/>
+                </a:schemeClr>
+              </a:solidFill>
+              <a:prstDash val="sysDash"/>
+              <a:headEnd type="none" w="lg" len="med"/>
+              <a:tailEnd type="triangle" w="lg" len="med"/>
+            </a:ln>
+          </p:spPr>
+          <p:style>
+            <a:lnRef idx="2">
+              <a:schemeClr val="dk1"/>
+            </a:lnRef>
+            <a:fillRef idx="0">
+              <a:schemeClr val="dk1"/>
+            </a:fillRef>
+            <a:effectRef idx="1">
+              <a:schemeClr val="dk1"/>
+            </a:effectRef>
+            <a:fontRef idx="minor">
+              <a:schemeClr val="tx1"/>
+            </a:fontRef>
+          </p:style>
+          <p:txBody>
+            <a:bodyPr rtlCol="0" anchor="ctr"/>
+            <a:lstStyle/>
+            <a:p>
+              <a:pPr algn="ctr"/>
+              <a:endParaRPr lang="en-US"/>
+            </a:p>
+          </p:txBody>
+        </p:sp>
+        <p:sp>
+          <p:nvSpPr>
+            <p:cNvPr id="31" name="TextBox 30">
+              <a:extLst>
+                <a:ext uri="{FF2B5EF4-FFF2-40B4-BE49-F238E27FC236}">
+                  <a16:creationId xmlns:a16="http://schemas.microsoft.com/office/drawing/2014/main" id="{B15C1126-41A3-1853-EF97-316066C1C9EB}"/>
+                </a:ext>
+              </a:extLst>
+            </p:cNvPr>
+            <p:cNvSpPr txBox="1"/>
+            <p:nvPr/>
+          </p:nvSpPr>
+          <p:spPr>
+            <a:xfrm>
+              <a:off x="1437217" y="4950033"/>
+              <a:ext cx="981038" cy="246221"/>
+            </a:xfrm>
+            <a:prstGeom prst="rect">
+              <a:avLst/>
+            </a:prstGeom>
+            <a:noFill/>
+          </p:spPr>
+          <p:txBody>
+            <a:bodyPr wrap="none" lIns="0" tIns="0" rIns="0" bIns="0" rtlCol="0" anchor="b" anchorCtr="0">
+              <a:spAutoFit/>
+            </a:bodyPr>
+            <a:lstStyle/>
+            <a:p>
+              <a:pPr algn="l"/>
+              <a:r>
+                <a:rPr lang="en-US" sz="1600" dirty="0">
+                  <a:solidFill>
+                    <a:schemeClr val="accent1">
+                      <a:lumMod val="50000"/>
+                    </a:schemeClr>
+                  </a:solidFill>
+                  <a:latin typeface="Arial" panose="020B0604020202020204" pitchFamily="34" charset="0"/>
+                  <a:cs typeface="Arial" panose="020B0604020202020204" pitchFamily="34" charset="0"/>
+                </a:rPr>
+                <a:t>schema ID</a:t>
+              </a:r>
+            </a:p>
+          </p:txBody>
+        </p:sp>
+      </p:grpSp>
+      <p:grpSp>
+        <p:nvGrpSpPr>
+          <p:cNvPr id="35" name="Group 34">
+            <a:extLst>
+              <a:ext uri="{FF2B5EF4-FFF2-40B4-BE49-F238E27FC236}">
+                <a16:creationId xmlns:a16="http://schemas.microsoft.com/office/drawing/2014/main" id="{330A81A5-92A9-5ECE-4F70-DA1BCEE77369}"/>
+              </a:ext>
+            </a:extLst>
+          </p:cNvPr>
+          <p:cNvGrpSpPr/>
+          <p:nvPr/>
+        </p:nvGrpSpPr>
+        <p:grpSpPr>
+          <a:xfrm>
+            <a:off x="4854952" y="3069783"/>
+            <a:ext cx="1591604" cy="1025606"/>
+            <a:chOff x="989830" y="4318359"/>
+            <a:chExt cx="1591604" cy="1025606"/>
+          </a:xfrm>
+        </p:grpSpPr>
+        <p:sp>
+          <p:nvSpPr>
+            <p:cNvPr id="36" name="Arc 25">
+              <a:extLst>
+                <a:ext uri="{FF2B5EF4-FFF2-40B4-BE49-F238E27FC236}">
+                  <a16:creationId xmlns:a16="http://schemas.microsoft.com/office/drawing/2014/main" id="{96670A67-618B-FF55-48AC-4AACB12980EA}"/>
+                </a:ext>
+              </a:extLst>
+            </p:cNvPr>
+            <p:cNvSpPr/>
+            <p:nvPr/>
+          </p:nvSpPr>
+          <p:spPr>
+            <a:xfrm>
+              <a:off x="989830" y="4502489"/>
+              <a:ext cx="1572360" cy="841476"/>
+            </a:xfrm>
+            <a:custGeom>
+              <a:avLst/>
+              <a:gdLst>
+                <a:gd name="connsiteX0" fmla="*/ 1387685 w 2775371"/>
+                <a:gd name="connsiteY0" fmla="*/ 0 h 1462819"/>
+                <a:gd name="connsiteX1" fmla="*/ 2773778 w 2775371"/>
+                <a:gd name="connsiteY1" fmla="*/ 696363 h 1462819"/>
+                <a:gd name="connsiteX2" fmla="*/ 1387686 w 2775371"/>
+                <a:gd name="connsiteY2" fmla="*/ 731410 h 1462819"/>
+                <a:gd name="connsiteX3" fmla="*/ 1387685 w 2775371"/>
+                <a:gd name="connsiteY3" fmla="*/ 0 h 1462819"/>
+                <a:gd name="connsiteX0" fmla="*/ 1387685 w 2775371"/>
+                <a:gd name="connsiteY0" fmla="*/ 0 h 1462819"/>
+                <a:gd name="connsiteX1" fmla="*/ 2773778 w 2775371"/>
+                <a:gd name="connsiteY1" fmla="*/ 696363 h 1462819"/>
+                <a:gd name="connsiteX0" fmla="*/ 143933 w 1530026"/>
+                <a:gd name="connsiteY0" fmla="*/ 25400 h 756810"/>
+                <a:gd name="connsiteX1" fmla="*/ 1530026 w 1530026"/>
+                <a:gd name="connsiteY1" fmla="*/ 721763 h 756810"/>
+                <a:gd name="connsiteX2" fmla="*/ 143934 w 1530026"/>
+                <a:gd name="connsiteY2" fmla="*/ 756810 h 756810"/>
+                <a:gd name="connsiteX3" fmla="*/ 143933 w 1530026"/>
+                <a:gd name="connsiteY3" fmla="*/ 25400 h 756810"/>
+                <a:gd name="connsiteX0" fmla="*/ 0 w 1530026"/>
+                <a:gd name="connsiteY0" fmla="*/ 0 h 756810"/>
+                <a:gd name="connsiteX1" fmla="*/ 1530026 w 1530026"/>
+                <a:gd name="connsiteY1" fmla="*/ 721763 h 756810"/>
+                <a:gd name="connsiteX0" fmla="*/ 143933 w 1530026"/>
+                <a:gd name="connsiteY0" fmla="*/ 29954 h 761364"/>
+                <a:gd name="connsiteX1" fmla="*/ 1530026 w 1530026"/>
+                <a:gd name="connsiteY1" fmla="*/ 726317 h 761364"/>
+                <a:gd name="connsiteX2" fmla="*/ 143934 w 1530026"/>
+                <a:gd name="connsiteY2" fmla="*/ 761364 h 761364"/>
+                <a:gd name="connsiteX3" fmla="*/ 143933 w 1530026"/>
+                <a:gd name="connsiteY3" fmla="*/ 29954 h 761364"/>
+                <a:gd name="connsiteX0" fmla="*/ 0 w 1530026"/>
+                <a:gd name="connsiteY0" fmla="*/ 4554 h 761364"/>
+                <a:gd name="connsiteX1" fmla="*/ 1530026 w 1530026"/>
+                <a:gd name="connsiteY1" fmla="*/ 726317 h 761364"/>
+                <a:gd name="connsiteX0" fmla="*/ 186267 w 1572360"/>
+                <a:gd name="connsiteY0" fmla="*/ 113874 h 845284"/>
+                <a:gd name="connsiteX1" fmla="*/ 1572360 w 1572360"/>
+                <a:gd name="connsiteY1" fmla="*/ 810237 h 845284"/>
+                <a:gd name="connsiteX2" fmla="*/ 186268 w 1572360"/>
+                <a:gd name="connsiteY2" fmla="*/ 845284 h 845284"/>
+                <a:gd name="connsiteX3" fmla="*/ 186267 w 1572360"/>
+                <a:gd name="connsiteY3" fmla="*/ 113874 h 845284"/>
+                <a:gd name="connsiteX0" fmla="*/ 0 w 1572360"/>
+                <a:gd name="connsiteY0" fmla="*/ 3808 h 845284"/>
+                <a:gd name="connsiteX1" fmla="*/ 1572360 w 1572360"/>
+                <a:gd name="connsiteY1" fmla="*/ 810237 h 845284"/>
+                <a:gd name="connsiteX0" fmla="*/ 186267 w 1572360"/>
+                <a:gd name="connsiteY0" fmla="*/ 110066 h 841476"/>
+                <a:gd name="connsiteX1" fmla="*/ 1572360 w 1572360"/>
+                <a:gd name="connsiteY1" fmla="*/ 806429 h 841476"/>
+                <a:gd name="connsiteX2" fmla="*/ 186268 w 1572360"/>
+                <a:gd name="connsiteY2" fmla="*/ 841476 h 841476"/>
+                <a:gd name="connsiteX3" fmla="*/ 186267 w 1572360"/>
+                <a:gd name="connsiteY3" fmla="*/ 110066 h 841476"/>
+                <a:gd name="connsiteX0" fmla="*/ 0 w 1572360"/>
+                <a:gd name="connsiteY0" fmla="*/ 0 h 841476"/>
+                <a:gd name="connsiteX1" fmla="*/ 1572360 w 1572360"/>
+                <a:gd name="connsiteY1" fmla="*/ 806429 h 841476"/>
+              </a:gdLst>
+              <a:ahLst/>
+              <a:cxnLst>
+                <a:cxn ang="0">
+                  <a:pos x="connsiteX0" y="connsiteY0"/>
+                </a:cxn>
+                <a:cxn ang="0">
+                  <a:pos x="connsiteX1" y="connsiteY1"/>
+                </a:cxn>
+              </a:cxnLst>
+              <a:rect l="l" t="t" r="r" b="b"/>
+              <a:pathLst>
+                <a:path w="1572360" h="841476" stroke="0" extrusionOk="0">
+                  <a:moveTo>
+                    <a:pt x="186267" y="110066"/>
+                  </a:moveTo>
+                  <a:cubicBezTo>
+                    <a:pt x="926815" y="110066"/>
+                    <a:pt x="1536875" y="416556"/>
+                    <a:pt x="1572360" y="806429"/>
+                  </a:cubicBezTo>
+                  <a:lnTo>
+                    <a:pt x="186268" y="841476"/>
+                  </a:lnTo>
+                  <a:cubicBezTo>
+                    <a:pt x="186268" y="597673"/>
+                    <a:pt x="186267" y="353869"/>
+                    <a:pt x="186267" y="110066"/>
+                  </a:cubicBezTo>
+                  <a:close/>
+                </a:path>
+                <a:path w="1572360" h="841476" fill="none">
+                  <a:moveTo>
+                    <a:pt x="0" y="0"/>
+                  </a:moveTo>
+                  <a:cubicBezTo>
+                    <a:pt x="1011482" y="25400"/>
+                    <a:pt x="1536875" y="416556"/>
+                    <a:pt x="1572360" y="806429"/>
+                  </a:cubicBezTo>
+                </a:path>
+              </a:pathLst>
+            </a:custGeom>
+            <a:ln w="38100">
+              <a:solidFill>
+                <a:schemeClr val="accent1">
+                  <a:lumMod val="50000"/>
+                </a:schemeClr>
+              </a:solidFill>
+              <a:prstDash val="sysDash"/>
+              <a:headEnd type="none" w="lg" len="med"/>
+              <a:tailEnd type="triangle" w="lg" len="med"/>
+            </a:ln>
+          </p:spPr>
+          <p:style>
+            <a:lnRef idx="2">
+              <a:schemeClr val="dk1"/>
+            </a:lnRef>
+            <a:fillRef idx="0">
+              <a:schemeClr val="dk1"/>
+            </a:fillRef>
+            <a:effectRef idx="1">
+              <a:schemeClr val="dk1"/>
+            </a:effectRef>
+            <a:fontRef idx="minor">
+              <a:schemeClr val="tx1"/>
+            </a:fontRef>
+          </p:style>
+          <p:txBody>
+            <a:bodyPr rtlCol="0" anchor="ctr"/>
+            <a:lstStyle/>
+            <a:p>
+              <a:pPr algn="ctr"/>
+              <a:endParaRPr lang="en-US"/>
+            </a:p>
+          </p:txBody>
+        </p:sp>
+        <p:sp>
+          <p:nvSpPr>
+            <p:cNvPr id="37" name="TextBox 36">
+              <a:extLst>
+                <a:ext uri="{FF2B5EF4-FFF2-40B4-BE49-F238E27FC236}">
+                  <a16:creationId xmlns:a16="http://schemas.microsoft.com/office/drawing/2014/main" id="{26E58171-3470-7E0A-6EDF-DB9F398DFD47}"/>
+                </a:ext>
+              </a:extLst>
+            </p:cNvPr>
+            <p:cNvSpPr txBox="1"/>
+            <p:nvPr/>
+          </p:nvSpPr>
+          <p:spPr>
+            <a:xfrm>
+              <a:off x="1863289" y="4318359"/>
+              <a:ext cx="718145" cy="246221"/>
+            </a:xfrm>
+            <a:prstGeom prst="rect">
+              <a:avLst/>
+            </a:prstGeom>
+            <a:noFill/>
+          </p:spPr>
+          <p:txBody>
+            <a:bodyPr wrap="none" lIns="0" tIns="0" rIns="0" bIns="0" rtlCol="0" anchor="b" anchorCtr="0">
+              <a:spAutoFit/>
+            </a:bodyPr>
+            <a:lstStyle/>
+            <a:p>
+              <a:pPr algn="l"/>
+              <a:r>
+                <a:rPr lang="en-US" sz="1600" dirty="0">
+                  <a:solidFill>
+                    <a:schemeClr val="accent1">
+                      <a:lumMod val="50000"/>
+                    </a:schemeClr>
+                  </a:solidFill>
+                  <a:latin typeface="Arial" panose="020B0604020202020204" pitchFamily="34" charset="0"/>
+                  <a:cs typeface="Arial" panose="020B0604020202020204" pitchFamily="34" charset="0"/>
+                </a:rPr>
+                <a:t>schema</a:t>
+              </a:r>
+            </a:p>
+          </p:txBody>
+        </p:sp>
+      </p:grpSp>
+      <p:grpSp>
+        <p:nvGrpSpPr>
+          <p:cNvPr id="38" name="Group 37">
+            <a:extLst>
+              <a:ext uri="{FF2B5EF4-FFF2-40B4-BE49-F238E27FC236}">
+                <a16:creationId xmlns:a16="http://schemas.microsoft.com/office/drawing/2014/main" id="{B52F31FD-C457-6D00-D5F7-5CB46BFAD357}"/>
+              </a:ext>
+            </a:extLst>
+          </p:cNvPr>
+          <p:cNvGrpSpPr/>
+          <p:nvPr/>
+        </p:nvGrpSpPr>
+        <p:grpSpPr>
+          <a:xfrm>
+            <a:off x="4694001" y="3467998"/>
+            <a:ext cx="1428426" cy="756375"/>
+            <a:chOff x="989830" y="4587590"/>
+            <a:chExt cx="1428426" cy="756375"/>
+          </a:xfrm>
+        </p:grpSpPr>
+        <p:sp>
+          <p:nvSpPr>
+            <p:cNvPr id="39" name="Arc 29">
+              <a:extLst>
+                <a:ext uri="{FF2B5EF4-FFF2-40B4-BE49-F238E27FC236}">
+                  <a16:creationId xmlns:a16="http://schemas.microsoft.com/office/drawing/2014/main" id="{8A09FF90-9FD2-A6EB-5C11-0E12C7A5F2ED}"/>
+                </a:ext>
+              </a:extLst>
+            </p:cNvPr>
+            <p:cNvSpPr/>
+            <p:nvPr/>
+          </p:nvSpPr>
+          <p:spPr>
+            <a:xfrm>
+              <a:off x="989830" y="4587590"/>
+              <a:ext cx="1428426" cy="756374"/>
+            </a:xfrm>
+            <a:custGeom>
+              <a:avLst/>
+              <a:gdLst>
+                <a:gd name="connsiteX0" fmla="*/ 1387685 w 2775371"/>
+                <a:gd name="connsiteY0" fmla="*/ 0 h 1462819"/>
+                <a:gd name="connsiteX1" fmla="*/ 2773778 w 2775371"/>
+                <a:gd name="connsiteY1" fmla="*/ 696363 h 1462819"/>
+                <a:gd name="connsiteX2" fmla="*/ 1387686 w 2775371"/>
+                <a:gd name="connsiteY2" fmla="*/ 731410 h 1462819"/>
+                <a:gd name="connsiteX3" fmla="*/ 1387685 w 2775371"/>
+                <a:gd name="connsiteY3" fmla="*/ 0 h 1462819"/>
+                <a:gd name="connsiteX0" fmla="*/ 1387685 w 2775371"/>
+                <a:gd name="connsiteY0" fmla="*/ 0 h 1462819"/>
+                <a:gd name="connsiteX1" fmla="*/ 2773778 w 2775371"/>
+                <a:gd name="connsiteY1" fmla="*/ 696363 h 1462819"/>
+                <a:gd name="connsiteX0" fmla="*/ 0 w 1428426"/>
+                <a:gd name="connsiteY0" fmla="*/ 0 h 731410"/>
+                <a:gd name="connsiteX1" fmla="*/ 1386093 w 1428426"/>
+                <a:gd name="connsiteY1" fmla="*/ 696363 h 731410"/>
+                <a:gd name="connsiteX2" fmla="*/ 1 w 1428426"/>
+                <a:gd name="connsiteY2" fmla="*/ 731410 h 731410"/>
+                <a:gd name="connsiteX3" fmla="*/ 0 w 1428426"/>
+                <a:gd name="connsiteY3" fmla="*/ 0 h 731410"/>
+                <a:gd name="connsiteX0" fmla="*/ 0 w 1428426"/>
+                <a:gd name="connsiteY0" fmla="*/ 0 h 731410"/>
+                <a:gd name="connsiteX1" fmla="*/ 1428426 w 1428426"/>
+                <a:gd name="connsiteY1" fmla="*/ 603229 h 731410"/>
+                <a:gd name="connsiteX0" fmla="*/ 0 w 1428426"/>
+                <a:gd name="connsiteY0" fmla="*/ 15757 h 747167"/>
+                <a:gd name="connsiteX1" fmla="*/ 1386093 w 1428426"/>
+                <a:gd name="connsiteY1" fmla="*/ 712120 h 747167"/>
+                <a:gd name="connsiteX2" fmla="*/ 1 w 1428426"/>
+                <a:gd name="connsiteY2" fmla="*/ 747167 h 747167"/>
+                <a:gd name="connsiteX3" fmla="*/ 0 w 1428426"/>
+                <a:gd name="connsiteY3" fmla="*/ 15757 h 747167"/>
+                <a:gd name="connsiteX0" fmla="*/ 0 w 1428426"/>
+                <a:gd name="connsiteY0" fmla="*/ 15757 h 747167"/>
+                <a:gd name="connsiteX1" fmla="*/ 1428426 w 1428426"/>
+                <a:gd name="connsiteY1" fmla="*/ 618986 h 747167"/>
+                <a:gd name="connsiteX0" fmla="*/ 0 w 1428426"/>
+                <a:gd name="connsiteY0" fmla="*/ 24964 h 756374"/>
+                <a:gd name="connsiteX1" fmla="*/ 1386093 w 1428426"/>
+                <a:gd name="connsiteY1" fmla="*/ 721327 h 756374"/>
+                <a:gd name="connsiteX2" fmla="*/ 1 w 1428426"/>
+                <a:gd name="connsiteY2" fmla="*/ 756374 h 756374"/>
+                <a:gd name="connsiteX3" fmla="*/ 0 w 1428426"/>
+                <a:gd name="connsiteY3" fmla="*/ 24964 h 756374"/>
+                <a:gd name="connsiteX0" fmla="*/ 0 w 1428426"/>
+                <a:gd name="connsiteY0" fmla="*/ 24964 h 756374"/>
+                <a:gd name="connsiteX1" fmla="*/ 1428426 w 1428426"/>
+                <a:gd name="connsiteY1" fmla="*/ 628193 h 756374"/>
+              </a:gdLst>
+              <a:ahLst/>
+              <a:cxnLst>
+                <a:cxn ang="0">
+                  <a:pos x="connsiteX0" y="connsiteY0"/>
+                </a:cxn>
+                <a:cxn ang="0">
+                  <a:pos x="connsiteX1" y="connsiteY1"/>
+                </a:cxn>
+              </a:cxnLst>
+              <a:rect l="l" t="t" r="r" b="b"/>
+              <a:pathLst>
+                <a:path w="1428426" h="756374" stroke="0" extrusionOk="0">
+                  <a:moveTo>
+                    <a:pt x="0" y="24964"/>
+                  </a:moveTo>
+                  <a:cubicBezTo>
+                    <a:pt x="1350147" y="-110503"/>
+                    <a:pt x="1350608" y="331454"/>
+                    <a:pt x="1386093" y="721327"/>
+                  </a:cubicBezTo>
+                  <a:lnTo>
+                    <a:pt x="1" y="756374"/>
+                  </a:lnTo>
+                  <a:cubicBezTo>
+                    <a:pt x="1" y="512571"/>
+                    <a:pt x="0" y="268767"/>
+                    <a:pt x="0" y="24964"/>
+                  </a:cubicBezTo>
+                  <a:close/>
+                </a:path>
+                <a:path w="1428426" h="756374" fill="none">
+                  <a:moveTo>
+                    <a:pt x="0" y="24964"/>
+                  </a:moveTo>
+                  <a:cubicBezTo>
+                    <a:pt x="740548" y="24964"/>
+                    <a:pt x="1392941" y="238320"/>
+                    <a:pt x="1428426" y="628193"/>
+                  </a:cubicBezTo>
+                </a:path>
+              </a:pathLst>
+            </a:custGeom>
+            <a:ln w="38100">
+              <a:solidFill>
+                <a:schemeClr val="accent1">
+                  <a:lumMod val="50000"/>
+                </a:schemeClr>
+              </a:solidFill>
+              <a:prstDash val="sysDash"/>
+              <a:headEnd type="triangle" w="lg" len="med"/>
+              <a:tailEnd type="none" w="lg" len="med"/>
+            </a:ln>
+          </p:spPr>
+          <p:style>
+            <a:lnRef idx="2">
+              <a:schemeClr val="dk1"/>
+            </a:lnRef>
+            <a:fillRef idx="0">
+              <a:schemeClr val="dk1"/>
+            </a:fillRef>
+            <a:effectRef idx="1">
+              <a:schemeClr val="dk1"/>
+            </a:effectRef>
+            <a:fontRef idx="minor">
+              <a:schemeClr val="tx1"/>
+            </a:fontRef>
+          </p:style>
+          <p:txBody>
+            <a:bodyPr rtlCol="0" anchor="ctr"/>
+            <a:lstStyle/>
+            <a:p>
+              <a:pPr algn="ctr"/>
+              <a:endParaRPr lang="en-US"/>
+            </a:p>
+          </p:txBody>
+        </p:sp>
+        <p:sp>
+          <p:nvSpPr>
+            <p:cNvPr id="40" name="TextBox 39">
+              <a:extLst>
+                <a:ext uri="{FF2B5EF4-FFF2-40B4-BE49-F238E27FC236}">
+                  <a16:creationId xmlns:a16="http://schemas.microsoft.com/office/drawing/2014/main" id="{0B4B465E-C343-E81C-83C3-74513B986EF9}"/>
+                </a:ext>
+              </a:extLst>
+            </p:cNvPr>
+            <p:cNvSpPr txBox="1"/>
+            <p:nvPr/>
+          </p:nvSpPr>
+          <p:spPr>
+            <a:xfrm>
+              <a:off x="1080227" y="4851522"/>
+              <a:ext cx="1125336" cy="492443"/>
+            </a:xfrm>
+            <a:prstGeom prst="rect">
+              <a:avLst/>
+            </a:prstGeom>
+            <a:noFill/>
+          </p:spPr>
+          <p:txBody>
+            <a:bodyPr wrap="square" lIns="0" tIns="0" rIns="0" bIns="0" rtlCol="0" anchor="b" anchorCtr="0">
+              <a:spAutoFit/>
+            </a:bodyPr>
+            <a:lstStyle/>
+            <a:p>
+              <a:pPr algn="ctr"/>
+              <a:r>
+                <a:rPr lang="en-US" sz="1600" dirty="0">
+                  <a:solidFill>
+                    <a:schemeClr val="accent1">
+                      <a:lumMod val="50000"/>
+                    </a:schemeClr>
+                  </a:solidFill>
+                  <a:latin typeface="Arial" panose="020B0604020202020204" pitchFamily="34" charset="0"/>
+                  <a:cs typeface="Arial" panose="020B0604020202020204" pitchFamily="34" charset="0"/>
+                </a:rPr>
+                <a:t>get schema #id</a:t>
+              </a:r>
+            </a:p>
+          </p:txBody>
+        </p:sp>
+      </p:grpSp>
+      <p:grpSp>
+        <p:nvGrpSpPr>
+          <p:cNvPr id="42" name="Group 41">
+            <a:extLst>
+              <a:ext uri="{FF2B5EF4-FFF2-40B4-BE49-F238E27FC236}">
+                <a16:creationId xmlns:a16="http://schemas.microsoft.com/office/drawing/2014/main" id="{E3056B4C-53F7-9D68-EDA5-F460892C1754}"/>
+              </a:ext>
+            </a:extLst>
+          </p:cNvPr>
+          <p:cNvGrpSpPr/>
+          <p:nvPr/>
+        </p:nvGrpSpPr>
+        <p:grpSpPr>
+          <a:xfrm>
+            <a:off x="1377938" y="4433865"/>
+            <a:ext cx="323862" cy="323862"/>
+            <a:chOff x="1405939" y="5816587"/>
+            <a:chExt cx="376764" cy="376764"/>
+          </a:xfrm>
+        </p:grpSpPr>
+        <p:sp>
+          <p:nvSpPr>
+            <p:cNvPr id="34" name="Oval 33">
+              <a:extLst>
+                <a:ext uri="{FF2B5EF4-FFF2-40B4-BE49-F238E27FC236}">
+                  <a16:creationId xmlns:a16="http://schemas.microsoft.com/office/drawing/2014/main" id="{88EDFA44-860D-478E-204D-FD5D75F49DA8}"/>
+                </a:ext>
+              </a:extLst>
+            </p:cNvPr>
+            <p:cNvSpPr/>
+            <p:nvPr/>
+          </p:nvSpPr>
+          <p:spPr>
+            <a:xfrm>
+              <a:off x="1405939" y="5816587"/>
+              <a:ext cx="376764" cy="376764"/>
+            </a:xfrm>
+            <a:prstGeom prst="ellipse">
+              <a:avLst/>
+            </a:prstGeom>
+            <a:solidFill>
+              <a:schemeClr val="tx2">
+                <a:alpha val="66886"/>
+              </a:schemeClr>
+            </a:solidFill>
+            <a:ln>
+              <a:noFill/>
+            </a:ln>
+          </p:spPr>
+          <p:style>
+            <a:lnRef idx="2">
+              <a:schemeClr val="accent1">
+                <a:shade val="15000"/>
+              </a:schemeClr>
+            </a:lnRef>
+            <a:fillRef idx="1">
+              <a:schemeClr val="accent1"/>
+            </a:fillRef>
+            <a:effectRef idx="0">
+              <a:schemeClr val="accent1"/>
+            </a:effectRef>
+            <a:fontRef idx="minor">
+              <a:schemeClr val="lt1"/>
+            </a:fontRef>
+          </p:style>
+          <p:txBody>
+            <a:bodyPr lIns="90000" rtlCol="0" anchor="ctr"/>
+            <a:lstStyle/>
+            <a:p>
+              <a:pPr algn="ctr"/>
+              <a:endParaRPr lang="en-US"/>
+            </a:p>
+          </p:txBody>
+        </p:sp>
+        <p:sp>
+          <p:nvSpPr>
+            <p:cNvPr id="41" name="TextBox 40">
+              <a:extLst>
+                <a:ext uri="{FF2B5EF4-FFF2-40B4-BE49-F238E27FC236}">
+                  <a16:creationId xmlns:a16="http://schemas.microsoft.com/office/drawing/2014/main" id="{35A5A462-1ACD-8185-2207-E60CDED67579}"/>
+                </a:ext>
+              </a:extLst>
+            </p:cNvPr>
+            <p:cNvSpPr txBox="1"/>
+            <p:nvPr/>
+          </p:nvSpPr>
+          <p:spPr>
+            <a:xfrm>
+              <a:off x="1458066" y="5896984"/>
+              <a:ext cx="277863" cy="250636"/>
+            </a:xfrm>
+            <a:prstGeom prst="rect">
+              <a:avLst/>
+            </a:prstGeom>
+            <a:noFill/>
+          </p:spPr>
+          <p:txBody>
+            <a:bodyPr wrap="none" lIns="0" tIns="0" rIns="0" bIns="0" rtlCol="0" anchor="b" anchorCtr="0">
+              <a:spAutoFit/>
+            </a:bodyPr>
+            <a:lstStyle/>
+            <a:p>
+              <a:pPr algn="l"/>
+              <a:r>
+                <a:rPr lang="en-US" sz="1400" dirty="0">
+                  <a:solidFill>
+                    <a:schemeClr val="accent1">
+                      <a:alpha val="50454"/>
+                    </a:schemeClr>
+                  </a:solidFill>
+                  <a:latin typeface="Arial" panose="020B0604020202020204" pitchFamily="34" charset="0"/>
+                  <a:cs typeface="Arial" panose="020B0604020202020204" pitchFamily="34" charset="0"/>
+                </a:rPr>
+                <a:t>#id</a:t>
+              </a:r>
+            </a:p>
+          </p:txBody>
+        </p:sp>
+      </p:grpSp>
+      <p:grpSp>
+        <p:nvGrpSpPr>
+          <p:cNvPr id="44" name="Group 43">
+            <a:extLst>
+              <a:ext uri="{FF2B5EF4-FFF2-40B4-BE49-F238E27FC236}">
+                <a16:creationId xmlns:a16="http://schemas.microsoft.com/office/drawing/2014/main" id="{2ABFFC79-181B-EA66-570E-DC17DB17E79D}"/>
+              </a:ext>
+            </a:extLst>
+          </p:cNvPr>
+          <p:cNvGrpSpPr/>
+          <p:nvPr/>
+        </p:nvGrpSpPr>
+        <p:grpSpPr>
+          <a:xfrm>
+            <a:off x="607691" y="3116306"/>
+            <a:ext cx="6198258" cy="1876646"/>
+            <a:chOff x="607691" y="3116306"/>
+            <a:chExt cx="6198258" cy="1876646"/>
+          </a:xfrm>
+        </p:grpSpPr>
+        <p:pic>
+          <p:nvPicPr>
+            <p:cNvPr id="20" name="Picture 19">
+              <a:extLst>
+                <a:ext uri="{FF2B5EF4-FFF2-40B4-BE49-F238E27FC236}">
+                  <a16:creationId xmlns:a16="http://schemas.microsoft.com/office/drawing/2014/main" id="{C5067E25-48F1-85E1-B73A-8E478BCA182D}"/>
+                </a:ext>
+              </a:extLst>
+            </p:cNvPr>
+            <p:cNvPicPr>
+              <a:picLocks noChangeAspect="1"/>
+            </p:cNvPicPr>
+            <p:nvPr/>
+          </p:nvPicPr>
+          <p:blipFill>
+            <a:blip r:embed="rId2"/>
+            <a:stretch>
+              <a:fillRect/>
+            </a:stretch>
+          </p:blipFill>
+          <p:spPr>
+            <a:xfrm>
+              <a:off x="607691" y="4279723"/>
+              <a:ext cx="599683" cy="604599"/>
+            </a:xfrm>
+            <a:prstGeom prst="rect">
+              <a:avLst/>
+            </a:prstGeom>
+          </p:spPr>
+        </p:pic>
+        <p:sp>
+          <p:nvSpPr>
+            <p:cNvPr id="25" name="Rectangle 24">
+              <a:extLst>
+                <a:ext uri="{FF2B5EF4-FFF2-40B4-BE49-F238E27FC236}">
+                  <a16:creationId xmlns:a16="http://schemas.microsoft.com/office/drawing/2014/main" id="{F0BB7630-B45D-D2C4-8BD4-B847411CC54C}"/>
+                </a:ext>
+              </a:extLst>
+            </p:cNvPr>
+            <p:cNvSpPr/>
+            <p:nvPr/>
+          </p:nvSpPr>
+          <p:spPr>
+            <a:xfrm>
+              <a:off x="2852629" y="3116306"/>
+              <a:ext cx="1735788" cy="703385"/>
+            </a:xfrm>
+            <a:prstGeom prst="rect">
+              <a:avLst/>
+            </a:prstGeom>
+            <a:solidFill>
+              <a:srgbClr val="FFC000">
+                <a:alpha val="50000"/>
+              </a:srgbClr>
+            </a:solidFill>
+            <a:ln>
+              <a:noFill/>
+            </a:ln>
+          </p:spPr>
+          <p:style>
+            <a:lnRef idx="0">
+              <a:scrgbClr r="0" g="0" b="0"/>
+            </a:lnRef>
+            <a:fillRef idx="0">
+              <a:scrgbClr r="0" g="0" b="0"/>
+            </a:fillRef>
+            <a:effectRef idx="0">
+              <a:scrgbClr r="0" g="0" b="0"/>
+            </a:effectRef>
+            <a:fontRef idx="minor">
+              <a:schemeClr val="lt1"/>
+            </a:fontRef>
+          </p:style>
+          <p:txBody>
+            <a:bodyPr lIns="90000" rtlCol="0" anchor="ctr"/>
+            <a:lstStyle/>
+            <a:p>
+              <a:pPr algn="ctr"/>
+              <a:r>
+                <a:rPr lang="en-US">
+                  <a:solidFill>
+                    <a:schemeClr val="bg1">
+                      <a:lumMod val="50000"/>
+                    </a:schemeClr>
+                  </a:solidFill>
+                </a:rPr>
+                <a:t>Schema Registry</a:t>
+              </a:r>
+            </a:p>
+          </p:txBody>
+        </p:sp>
+        <p:grpSp>
+          <p:nvGrpSpPr>
+            <p:cNvPr id="22" name="Group 21">
+              <a:extLst>
+                <a:ext uri="{FF2B5EF4-FFF2-40B4-BE49-F238E27FC236}">
+                  <a16:creationId xmlns:a16="http://schemas.microsoft.com/office/drawing/2014/main" id="{852F6FC6-E7E1-73A1-1475-6E2655C63EBF}"/>
+                </a:ext>
+              </a:extLst>
+            </p:cNvPr>
+            <p:cNvGrpSpPr/>
+            <p:nvPr/>
+          </p:nvGrpSpPr>
+          <p:grpSpPr>
+            <a:xfrm rot="10800000">
+              <a:off x="5896551" y="4137223"/>
+              <a:ext cx="909398" cy="855729"/>
+              <a:chOff x="7674429" y="2906486"/>
+              <a:chExt cx="914400" cy="914400"/>
+            </a:xfrm>
+          </p:grpSpPr>
+          <p:sp>
+            <p:nvSpPr>
+              <p:cNvPr id="23" name="Pie 22">
+                <a:extLst>
+                  <a:ext uri="{FF2B5EF4-FFF2-40B4-BE49-F238E27FC236}">
+                    <a16:creationId xmlns:a16="http://schemas.microsoft.com/office/drawing/2014/main" id="{F8A48A7E-F82E-8664-4B93-A2B2BBB062AD}"/>
+                  </a:ext>
+                </a:extLst>
+              </p:cNvPr>
+              <p:cNvSpPr/>
+              <p:nvPr/>
+            </p:nvSpPr>
+            <p:spPr>
+              <a:xfrm rot="2703615">
+                <a:off x="7674429" y="2906486"/>
+                <a:ext cx="914400" cy="914400"/>
+              </a:xfrm>
+              <a:prstGeom prst="pie">
+                <a:avLst>
+                  <a:gd name="adj1" fmla="val 85936"/>
+                  <a:gd name="adj2" fmla="val 16200000"/>
+                </a:avLst>
+              </a:prstGeom>
+              <a:solidFill>
+                <a:srgbClr val="F4F400"/>
+              </a:solidFill>
+              <a:ln>
+                <a:solidFill>
+                  <a:schemeClr val="accent6"/>
+                </a:solidFill>
+              </a:ln>
+            </p:spPr>
+            <p:style>
+              <a:lnRef idx="2">
+                <a:schemeClr val="accent1">
+                  <a:shade val="15000"/>
+                </a:schemeClr>
+              </a:lnRef>
+              <a:fillRef idx="1">
+                <a:schemeClr val="accent1"/>
+              </a:fillRef>
+              <a:effectRef idx="0">
+                <a:schemeClr val="accent1"/>
+              </a:effectRef>
+              <a:fontRef idx="minor">
+                <a:schemeClr val="lt1"/>
+              </a:fontRef>
+            </p:style>
+            <p:txBody>
+              <a:bodyPr lIns="90000" rtlCol="0" anchor="ctr"/>
+              <a:lstStyle/>
+              <a:p>
+                <a:pPr algn="ctr"/>
+                <a:endParaRPr lang="en-US">
+                  <a:solidFill>
+                    <a:schemeClr val="tx1"/>
+                  </a:solidFill>
+                </a:endParaRPr>
+              </a:p>
+            </p:txBody>
+          </p:sp>
+          <p:sp>
+            <p:nvSpPr>
+              <p:cNvPr id="24" name="Oval 23">
+                <a:extLst>
+                  <a:ext uri="{FF2B5EF4-FFF2-40B4-BE49-F238E27FC236}">
+                    <a16:creationId xmlns:a16="http://schemas.microsoft.com/office/drawing/2014/main" id="{2E1039E1-8421-1412-18AF-25FD4E5C71CF}"/>
+                  </a:ext>
+                </a:extLst>
+              </p:cNvPr>
+              <p:cNvSpPr/>
+              <p:nvPr/>
+            </p:nvSpPr>
+            <p:spPr>
+              <a:xfrm>
+                <a:off x="8079377" y="3542794"/>
+                <a:ext cx="104503" cy="126450"/>
+              </a:xfrm>
+              <a:prstGeom prst="ellipse">
+                <a:avLst/>
+              </a:prstGeom>
+              <a:solidFill>
+                <a:schemeClr val="tx1"/>
+              </a:solidFill>
+              <a:ln>
+                <a:noFill/>
+              </a:ln>
+            </p:spPr>
+            <p:style>
+              <a:lnRef idx="2">
+                <a:schemeClr val="accent1">
+                  <a:shade val="15000"/>
+                </a:schemeClr>
+              </a:lnRef>
+              <a:fillRef idx="1">
+                <a:schemeClr val="accent1"/>
+              </a:fillRef>
+              <a:effectRef idx="0">
+                <a:schemeClr val="accent1"/>
+              </a:effectRef>
+              <a:fontRef idx="minor">
+                <a:schemeClr val="lt1"/>
+              </a:fontRef>
+            </p:style>
+            <p:txBody>
+              <a:bodyPr lIns="90000" rtlCol="0" anchor="ctr"/>
+              <a:lstStyle/>
+              <a:p>
+                <a:pPr algn="ctr"/>
+                <a:r>
+                  <a:rPr lang="en-US"/>
+                  <a:t/>
+                </a:r>
+              </a:p>
+            </p:txBody>
+          </p:sp>
+        </p:grpSp>
+        <p:sp>
+          <p:nvSpPr>
+            <p:cNvPr id="21" name="Rectangle 20">
+              <a:extLst>
+                <a:ext uri="{FF2B5EF4-FFF2-40B4-BE49-F238E27FC236}">
+                  <a16:creationId xmlns:a16="http://schemas.microsoft.com/office/drawing/2014/main" id="{81508B34-A38D-6827-7577-B028D8ED2E77}"/>
+                </a:ext>
+              </a:extLst>
+            </p:cNvPr>
+            <p:cNvSpPr/>
+            <p:nvPr/>
+          </p:nvSpPr>
+          <p:spPr>
+            <a:xfrm>
+              <a:off x="2882806" y="4268816"/>
+              <a:ext cx="1735788" cy="703385"/>
+            </a:xfrm>
+            <a:prstGeom prst="rect">
+              <a:avLst/>
+            </a:prstGeom>
+            <a:solidFill>
+              <a:schemeClr val="accent6">
+                <a:alpha val="50000"/>
+              </a:schemeClr>
+            </a:solidFill>
+            <a:ln>
+              <a:noFill/>
+            </a:ln>
+          </p:spPr>
+          <p:style>
+            <a:lnRef idx="0">
+              <a:scrgbClr r="0" g="0" b="0"/>
+            </a:lnRef>
+            <a:fillRef idx="0">
+              <a:scrgbClr r="0" g="0" b="0"/>
+            </a:fillRef>
+            <a:effectRef idx="0">
+              <a:scrgbClr r="0" g="0" b="0"/>
+            </a:effectRef>
+            <a:fontRef idx="minor">
+              <a:schemeClr val="lt1"/>
+            </a:fontRef>
+          </p:style>
+          <p:txBody>
+            <a:bodyPr lIns="90000" rtlCol="0" anchor="t"/>
+            <a:lstStyle/>
+            <a:p>
+              <a:pPr algn="ctr"/>
+              <a:r>
+                <a:rPr lang="en-US"/>
+                <a:t>Broker</a:t>
+              </a:r>
+            </a:p>
+          </p:txBody>
+        </p:sp>
+      </p:grpSp>
+      <p:sp>
+        <p:nvSpPr>
+          <p:cNvPr id="43" name="TextBox 42">
+            <a:extLst>
+              <a:ext uri="{FF2B5EF4-FFF2-40B4-BE49-F238E27FC236}">
+                <a16:creationId xmlns:a16="http://schemas.microsoft.com/office/drawing/2014/main" id="{B38B61C0-16AB-E41B-BFA7-65695AB80E09}"/>
+              </a:ext>
+            </a:extLst>
+          </p:cNvPr>
+          <p:cNvSpPr txBox="1"/>
+          <p:nvPr/>
+        </p:nvSpPr>
+        <p:spPr>
+          <a:xfrm>
+            <a:off x="360000" y="5343967"/>
+            <a:ext cx="8092246" cy="1022011"/>
+          </a:xfrm>
+          <a:prstGeom prst="rect">
+            <a:avLst/>
+          </a:prstGeom>
+          <a:noFill/>
+        </p:spPr>
+        <p:txBody>
+          <a:bodyPr wrap="square" lIns="0" tIns="0" rIns="0" bIns="0" rtlCol="0" anchor="t" anchorCtr="0">
+            <a:spAutoFit/>
+          </a:bodyPr>
+          <a:lstStyle/>
+          <a:p>
+            <a:pPr marL="171450" indent="-171450" algn="l">
+              <a:lnSpc>
+                <a:spcPct val="200000"/>
+              </a:lnSpc>
+              <a:buFont typeface="Wingdings" pitchFamily="2" charset="2"/>
+              <a:buChar char="§"/>
+            </a:pPr>
+            <a:r>
+              <a:rPr lang="en-US" dirty="0">
+                <a:solidFill>
+                  <a:schemeClr val="accent2">
+                    <a:lumMod val="50000"/>
+                  </a:schemeClr>
+                </a:solidFill>
+                <a:latin typeface="Arial" panose="020B0604020202020204" pitchFamily="34" charset="0"/>
+                <a:cs typeface="Arial" panose="020B0604020202020204" pitchFamily="34" charset="0"/>
+              </a:rPr>
+              <a:t>Ukládání </a:t>
+            </a:r>
+            <a:r>
+              <a:rPr lang="en-US" b="1" dirty="0">
+                <a:solidFill>
+                  <a:schemeClr val="accent2">
+                    <a:lumMod val="50000"/>
+                  </a:schemeClr>
+                </a:solidFill>
+                <a:latin typeface="Arial" panose="020B0604020202020204" pitchFamily="34" charset="0"/>
+                <a:cs typeface="Arial" panose="020B0604020202020204" pitchFamily="34" charset="0"/>
+              </a:rPr>
+              <a:t>historických i aktuálních verzí</a:t>
+            </a:r>
+            <a:r>
+              <a:rPr lang="en-US" dirty="0">
+                <a:solidFill>
+                  <a:schemeClr val="accent2">
+                    <a:lumMod val="50000"/>
+                  </a:schemeClr>
+                </a:solidFill>
+                <a:latin typeface="Arial" panose="020B0604020202020204" pitchFamily="34" charset="0"/>
+                <a:cs typeface="Arial" panose="020B0604020202020204" pitchFamily="34" charset="0"/>
+              </a:rPr>
+              <a:t> schémat</a:t>
+            </a:r>
+          </a:p>
+          <a:p>
+            <a:pPr marL="171450" indent="-171450" algn="l">
+              <a:lnSpc>
+                <a:spcPct val="200000"/>
+              </a:lnSpc>
+              <a:buFont typeface="Wingdings" pitchFamily="2" charset="2"/>
+              <a:buChar char="§"/>
+            </a:pPr>
+            <a:r>
+              <a:rPr lang="en-US" dirty="0">
+                <a:solidFill>
+                  <a:schemeClr val="accent2">
+                    <a:lumMod val="50000"/>
+                  </a:schemeClr>
+                </a:solidFill>
+                <a:latin typeface="Arial" panose="020B0604020202020204" pitchFamily="34" charset="0"/>
+                <a:cs typeface="Arial" panose="020B0604020202020204" pitchFamily="34" charset="0"/>
+              </a:rPr>
+              <a:t>Ověřuje </a:t>
+            </a:r>
+            <a:r>
+              <a:rPr lang="en-US" b="1" dirty="0">
+                <a:solidFill>
+                  <a:schemeClr val="accent2">
+                    <a:lumMod val="50000"/>
+                  </a:schemeClr>
+                </a:solidFill>
+                <a:latin typeface="Arial" panose="020B0604020202020204" pitchFamily="34" charset="0"/>
+                <a:cs typeface="Arial" panose="020B0604020202020204" pitchFamily="34" charset="0"/>
+              </a:rPr>
+              <a:t>validitu datových typů</a:t>
+            </a:r>
+            <a:r>
+              <a:rPr lang="en-US" dirty="0">
+                <a:solidFill>
+                  <a:schemeClr val="accent2">
+                    <a:lumMod val="50000"/>
+                  </a:schemeClr>
+                </a:solidFill>
+                <a:latin typeface="Arial" panose="020B0604020202020204" pitchFamily="34" charset="0"/>
+                <a:cs typeface="Arial" panose="020B0604020202020204" pitchFamily="34" charset="0"/>
+              </a:rPr>
+              <a:t>, vynucuje </a:t>
+            </a:r>
+            <a:r>
+              <a:rPr lang="en-US" b="1" dirty="0">
+                <a:solidFill>
+                  <a:schemeClr val="accent2">
+                    <a:lumMod val="50000"/>
+                  </a:schemeClr>
+                </a:solidFill>
+                <a:latin typeface="Arial" panose="020B0604020202020204" pitchFamily="34" charset="0"/>
+                <a:cs typeface="Arial" panose="020B0604020202020204" pitchFamily="34" charset="0"/>
+              </a:rPr>
+              <a:t>režim kompatibility</a:t>
+            </a:r>
+            <a:r>
+              <a:rPr lang="en-US" dirty="0">
+                <a:solidFill>
+                  <a:schemeClr val="accent2">
+                    <a:lumMod val="50000"/>
+                  </a:schemeClr>
+                </a:solidFill>
+                <a:latin typeface="Arial" panose="020B0604020202020204" pitchFamily="34" charset="0"/>
+                <a:cs typeface="Arial" panose="020B0604020202020204" pitchFamily="34" charset="0"/>
+              </a:rPr>
+              <a:t> mezi verzemi</a:t>
+            </a:r>
+          </a:p>
+        </p:txBody>
+      </p:sp>
+      <p:pic>
+        <p:nvPicPr>
+          <p:cNvPr id="46" name="Picture 45">
+            <a:extLst>
+              <a:ext uri="{FF2B5EF4-FFF2-40B4-BE49-F238E27FC236}">
+                <a16:creationId xmlns:a16="http://schemas.microsoft.com/office/drawing/2014/main" id="{DD49D381-934D-F150-5645-321FF30C81E2}"/>
+              </a:ext>
+            </a:extLst>
+          </p:cNvPr>
+          <p:cNvPicPr>
+            <a:picLocks noChangeAspect="1"/>
+          </p:cNvPicPr>
+          <p:nvPr/>
+        </p:nvPicPr>
+        <p:blipFill>
+          <a:blip r:embed="rId3"/>
+          <a:stretch>
+            <a:fillRect/>
+          </a:stretch>
+        </p:blipFill>
+        <p:spPr>
+          <a:xfrm>
+            <a:off x="869933" y="4688549"/>
+            <a:ext cx="422723" cy="422723"/>
+          </a:xfrm>
+          <a:prstGeom prst="rect">
+            <a:avLst/>
+          </a:prstGeom>
+        </p:spPr>
+      </p:pic>
+      <p:pic>
+        <p:nvPicPr>
+          <p:cNvPr id="47" name="Picture 46">
+            <a:extLst>
+              <a:ext uri="{FF2B5EF4-FFF2-40B4-BE49-F238E27FC236}">
+                <a16:creationId xmlns:a16="http://schemas.microsoft.com/office/drawing/2014/main" id="{6A03926A-5B18-0221-8721-00E3922AF1CA}"/>
+              </a:ext>
+            </a:extLst>
+          </p:cNvPr>
+          <p:cNvPicPr>
+            <a:picLocks noChangeAspect="1"/>
+          </p:cNvPicPr>
+          <p:nvPr/>
+        </p:nvPicPr>
+        <p:blipFill>
+          <a:blip r:embed="rId3"/>
+          <a:stretch>
+            <a:fillRect/>
+          </a:stretch>
+        </p:blipFill>
+        <p:spPr>
+          <a:xfrm>
+            <a:off x="6406093" y="4693687"/>
+            <a:ext cx="422723" cy="422723"/>
+          </a:xfrm>
+          <a:prstGeom prst="rect">
+            <a:avLst/>
+          </a:prstGeom>
+        </p:spPr>
+      </p:pic>
+    </p:spTree>
+    <p:extLst>
+      <p:ext uri="{BB962C8B-B14F-4D97-AF65-F5344CB8AC3E}">
+        <p14:creationId xmlns:p14="http://schemas.microsoft.com/office/powerpoint/2010/main" val="2516850140"/>
+      </p:ext>
+    </p:extLst>
+  </p:cSld>
+  <p:clrMapOvr>
+    <a:masterClrMapping/>
+  </p:clrMapOvr>
+  <p:timing>
+    <p:tnLst>
+      <p:par>
+        <p:cTn id="1" dur="indefinite" restart="never" nodeType="tmRoot">
+          <p:childTnLst>
+            <p:seq concurrent="1" nextAc="seek">
+              <p:cTn id="2" dur="indefinite" nodeType="mainSeq">
+                <p:childTnLst>
+                  <p:par>
+                    <p:cTn id="3" fill="hold">
+                      <p:stCondLst>
+                        <p:cond delay="indefinite"/>
+                        <p:cond evt="onBegin" delay="0">
+                          <p:tn val="2"/>
+                        </p:cond>
+                      </p:stCondLst>
+                      <p:childTnLst>
+                        <p:par>
+                          <p:cTn id="4" fill="hold">
+                            <p:stCondLst>
+                              <p:cond delay="0"/>
+                            </p:stCondLst>
+                            <p:childTnLst>
+                              <p:par>
+                                <p:cTn id="5" presetID="1" presetClass="entr" presetSubtype="0" fill="hold" grpId="0" nodeType="withEffect">
+                                  <p:stCondLst>
+                                    <p:cond delay="0"/>
+                                  </p:stCondLst>
+                                  <p:childTnLst>
+                                    <p:set>
+                                      <p:cBhvr>
+                                        <p:cTn id="6" dur="1" fill="hold">
+                                          <p:stCondLst>
+                                            <p:cond delay="0"/>
+                                          </p:stCondLst>
+                                        </p:cTn>
+                                        <p:tgtEl>
+                                          <p:spTgt spid="6">
+                                            <p:txEl>
+                                              <p:pRg st="0" end="0"/>
+                                            </p:txEl>
+                                          </p:spTgt>
+                                        </p:tgtEl>
+                                        <p:attrNameLst>
+                                          <p:attrName>style.visibility</p:attrName>
+                                        </p:attrNameLst>
+                                      </p:cBhvr>
+                                      <p:to>
+                                        <p:strVal val="visible"/>
+                                      </p:to>
+                                    </p:set>
+                                  </p:childTnLst>
+                                </p:cTn>
+                              </p:par>
+                            </p:childTnLst>
+                          </p:cTn>
+                        </p:par>
+                      </p:childTnLst>
+                    </p:cTn>
+                  </p:par>
+                  <p:par>
+                    <p:cTn id="7" fill="hold">
+                      <p:stCondLst>
+                        <p:cond delay="indefinite"/>
+                      </p:stCondLst>
+                      <p:childTnLst>
+                        <p:par>
+                          <p:cTn id="8" fill="hold">
+                            <p:stCondLst>
+                              <p:cond delay="0"/>
+                            </p:stCondLst>
+                            <p:childTnLst>
+                              <p:par>
+                                <p:cTn id="9" presetID="1" presetClass="entr" presetSubtype="0" fill="hold" grpId="0" nodeType="clickEffect">
+                                  <p:stCondLst>
+                                    <p:cond delay="0"/>
+                                  </p:stCondLst>
+                                  <p:childTnLst>
+                                    <p:set>
+                                      <p:cBhvr>
+                                        <p:cTn id="10" dur="1" fill="hold">
+                                          <p:stCondLst>
+                                            <p:cond delay="0"/>
+                                          </p:stCondLst>
+                                        </p:cTn>
+                                        <p:tgtEl>
+                                          <p:spTgt spid="6">
+                                            <p:txEl>
+                                              <p:pRg st="1" end="1"/>
+                                            </p:txEl>
+                                          </p:spTgt>
+                                        </p:tgtEl>
+                                        <p:attrNameLst>
+                                          <p:attrName>style.visibility</p:attrName>
+                                        </p:attrNameLst>
+                                      </p:cBhvr>
+                                      <p:to>
+                                        <p:strVal val="visible"/>
+                                      </p:to>
+                                    </p:set>
+                                  </p:childTnLst>
+                                </p:cTn>
+                              </p:par>
+                            </p:childTnLst>
+                          </p:cTn>
+                        </p:par>
+                      </p:childTnLst>
+                    </p:cTn>
+                  </p:par>
+                  <p:par>
+                    <p:cTn id="11" fill="hold">
+                      <p:stCondLst>
+                        <p:cond delay="indefinite"/>
+                      </p:stCondLst>
+                      <p:childTnLst>
+                        <p:par>
+                          <p:cTn id="12" fill="hold">
+                            <p:stCondLst>
+                              <p:cond delay="0"/>
+                            </p:stCondLst>
+                            <p:childTnLst>
+                              <p:par>
+                                <p:cTn id="13" presetID="1" presetClass="entr" presetSubtype="0" fill="hold" nodeType="clickEffect">
+                                  <p:stCondLst>
+                                    <p:cond delay="0"/>
+                                  </p:stCondLst>
+                                  <p:childTnLst>
+                                    <p:set>
+                                      <p:cBhvr>
+                                        <p:cTn id="14" dur="1" fill="hold">
+                                          <p:stCondLst>
+                                            <p:cond delay="0"/>
+                                          </p:stCondLst>
+                                        </p:cTn>
+                                        <p:tgtEl>
+                                          <p:spTgt spid="44"/>
+                                        </p:tgtEl>
+                                        <p:attrNameLst>
+                                          <p:attrName>style.visibility</p:attrName>
+                                        </p:attrNameLst>
+                                      </p:cBhvr>
+                                      <p:to>
+                                        <p:strVal val="visible"/>
+                                      </p:to>
+                                    </p:set>
+                                  </p:childTnLst>
+                                </p:cTn>
+                              </p:par>
+                            </p:childTnLst>
+                          </p:cTn>
+                        </p:par>
+                      </p:childTnLst>
+                    </p:cTn>
+                  </p:par>
+                  <p:par>
+                    <p:cTn id="15" fill="hold">
+                      <p:stCondLst>
+                        <p:cond delay="indefinite"/>
+                      </p:stCondLst>
+                      <p:childTnLst>
+                        <p:par>
+                          <p:cTn id="16" fill="hold">
+                            <p:stCondLst>
+                              <p:cond delay="0"/>
+                            </p:stCondLst>
+                            <p:childTnLst>
+                              <p:par>
+                                <p:cTn id="17" presetID="1" presetClass="entr" presetSubtype="0" fill="hold" nodeType="clickEffect">
+                                  <p:stCondLst>
+                                    <p:cond delay="0"/>
+                                  </p:stCondLst>
+                                  <p:childTnLst>
+                                    <p:set>
+                                      <p:cBhvr>
+                                        <p:cTn id="18" dur="1" fill="hold">
+                                          <p:stCondLst>
+                                            <p:cond delay="0"/>
+                                          </p:stCondLst>
+                                        </p:cTn>
+                                        <p:tgtEl>
+                                          <p:spTgt spid="46"/>
+                                        </p:tgtEl>
+                                        <p:attrNameLst>
+                                          <p:attrName>style.visibility</p:attrName>
+                                        </p:attrNameLst>
+                                      </p:cBhvr>
+                                      <p:to>
+                                        <p:strVal val="visible"/>
+                                      </p:to>
+                                    </p:set>
+                                  </p:childTnLst>
+                                </p:cTn>
+                              </p:par>
+                            </p:childTnLst>
+                          </p:cTn>
+                        </p:par>
+                      </p:childTnLst>
+                    </p:cTn>
+                  </p:par>
+                  <p:par>
+                    <p:cTn id="19" fill="hold">
+                      <p:stCondLst>
+                        <p:cond delay="indefinite"/>
+                      </p:stCondLst>
+                      <p:childTnLst>
+                        <p:par>
+                          <p:cTn id="20" fill="hold">
+                            <p:stCondLst>
+                              <p:cond delay="0"/>
+                            </p:stCondLst>
+                            <p:childTnLst>
+                              <p:par>
+                                <p:cTn id="21" presetID="1" presetClass="entr" presetSubtype="0" fill="hold" nodeType="clickEffect">
+                                  <p:stCondLst>
+                                    <p:cond delay="0"/>
+                                  </p:stCondLst>
+                                  <p:childTnLst>
+                                    <p:set>
+                                      <p:cBhvr>
+                                        <p:cTn id="22" dur="1" fill="hold">
+                                          <p:stCondLst>
+                                            <p:cond delay="0"/>
+                                          </p:stCondLst>
+                                        </p:cTn>
+                                        <p:tgtEl>
+                                          <p:spTgt spid="28"/>
+                                        </p:tgtEl>
+                                        <p:attrNameLst>
+                                          <p:attrName>style.visibility</p:attrName>
+                                        </p:attrNameLst>
+                                      </p:cBhvr>
+                                      <p:to>
+                                        <p:strVal val="visible"/>
+                                      </p:to>
+                                    </p:set>
+                                  </p:childTnLst>
+                                </p:cTn>
+                              </p:par>
+                            </p:childTnLst>
+                          </p:cTn>
+                        </p:par>
+                      </p:childTnLst>
+                    </p:cTn>
+                  </p:par>
+                  <p:par>
+                    <p:cTn id="23" fill="hold">
+                      <p:stCondLst>
+                        <p:cond delay="indefinite"/>
+                      </p:stCondLst>
+                      <p:childTnLst>
+                        <p:par>
+                          <p:cTn id="24" fill="hold">
+                            <p:stCondLst>
+                              <p:cond delay="0"/>
+                            </p:stCondLst>
+                            <p:childTnLst>
+                              <p:par>
+                                <p:cTn id="25" presetID="1" presetClass="entr" presetSubtype="0" fill="hold" nodeType="clickEffect">
+                                  <p:stCondLst>
+                                    <p:cond delay="0"/>
+                                  </p:stCondLst>
+                                  <p:childTnLst>
+                                    <p:set>
+                                      <p:cBhvr>
+                                        <p:cTn id="26" dur="1" fill="hold">
+                                          <p:stCondLst>
+                                            <p:cond delay="0"/>
+                                          </p:stCondLst>
+                                        </p:cTn>
+                                        <p:tgtEl>
+                                          <p:spTgt spid="29"/>
+                                        </p:tgtEl>
+                                        <p:attrNameLst>
+                                          <p:attrName>style.visibility</p:attrName>
+                                        </p:attrNameLst>
+                                      </p:cBhvr>
+                                      <p:to>
+                                        <p:strVal val="visible"/>
+                                      </p:to>
+                                    </p:set>
+                                  </p:childTnLst>
+                                </p:cTn>
+                              </p:par>
+                            </p:childTnLst>
+                          </p:cTn>
+                        </p:par>
+                      </p:childTnLst>
+                    </p:cTn>
+                  </p:par>
+                  <p:par>
+                    <p:cTn id="27" fill="hold">
+                      <p:stCondLst>
+                        <p:cond delay="indefinite"/>
+                      </p:stCondLst>
+                      <p:childTnLst>
+                        <p:par>
+                          <p:cTn id="28" fill="hold">
+                            <p:stCondLst>
+                              <p:cond delay="0"/>
+                            </p:stCondLst>
+                            <p:childTnLst>
+                              <p:par>
+                                <p:cTn id="29" presetID="1" presetClass="entr" presetSubtype="0" fill="hold" nodeType="clickEffect">
+                                  <p:stCondLst>
+                                    <p:cond delay="0"/>
+                                  </p:stCondLst>
+                                  <p:childTnLst>
+                                    <p:set>
+                                      <p:cBhvr>
+                                        <p:cTn id="30" dur="1" fill="hold">
+                                          <p:stCondLst>
+                                            <p:cond delay="0"/>
+                                          </p:stCondLst>
+                                        </p:cTn>
+                                        <p:tgtEl>
+                                          <p:spTgt spid="42"/>
+                                        </p:tgtEl>
+                                        <p:attrNameLst>
+                                          <p:attrName>style.visibility</p:attrName>
+                                        </p:attrNameLst>
+                                      </p:cBhvr>
+                                      <p:to>
+                                        <p:strVal val="visible"/>
+                                      </p:to>
+                                    </p:set>
+                                  </p:childTnLst>
+                                </p:cTn>
+                              </p:par>
+                            </p:childTnLst>
+                          </p:cTn>
+                        </p:par>
+                      </p:childTnLst>
+                    </p:cTn>
+                  </p:par>
+                  <p:par>
+                    <p:cTn id="31" fill="hold">
+                      <p:stCondLst>
+                        <p:cond delay="indefinite"/>
+                      </p:stCondLst>
+                      <p:childTnLst>
+                        <p:par>
+                          <p:cTn id="32" fill="hold">
+                            <p:stCondLst>
+                              <p:cond delay="0"/>
+                            </p:stCondLst>
+                            <p:childTnLst>
+                              <p:par>
+                                <p:cTn id="33" presetID="0" presetClass="path" presetSubtype="0" accel="50000" decel="50000" fill="hold" nodeType="clickEffect">
+                                  <p:stCondLst>
+                                    <p:cond delay="0"/>
+                                  </p:stCondLst>
+                                  <p:childTnLst>
+                                    <p:animMotion origin="layout" path="M -1.04167E-6 -3.7037E-6 L 0.40834 0.0044 " pathEditMode="relative" rAng="0" ptsTypes="AA">
+                                      <p:cBhvr>
+                                        <p:cTn id="34" dur="2000" fill="hold"/>
+                                        <p:tgtEl>
+                                          <p:spTgt spid="42"/>
+                                        </p:tgtEl>
+                                        <p:attrNameLst>
+                                          <p:attrName>ppt_x</p:attrName>
+                                          <p:attrName>ppt_y</p:attrName>
+                                        </p:attrNameLst>
+                                      </p:cBhvr>
+                                      <p:rCtr x="20443" y="417"/>
+                                    </p:animMotion>
+                                  </p:childTnLst>
+                                </p:cTn>
+                              </p:par>
+                            </p:childTnLst>
+                          </p:cTn>
+                        </p:par>
+                      </p:childTnLst>
+                    </p:cTn>
+                  </p:par>
+                  <p:par>
+                    <p:cTn id="35" fill="hold">
+                      <p:stCondLst>
+                        <p:cond delay="indefinite"/>
+                      </p:stCondLst>
+                      <p:childTnLst>
+                        <p:par>
+                          <p:cTn id="36" fill="hold">
+                            <p:stCondLst>
+                              <p:cond delay="0"/>
+                            </p:stCondLst>
+                            <p:childTnLst>
+                              <p:par>
+                                <p:cTn id="37" presetID="1" presetClass="entr" presetSubtype="0" fill="hold" nodeType="clickEffect">
+                                  <p:stCondLst>
+                                    <p:cond delay="0"/>
+                                  </p:stCondLst>
+                                  <p:childTnLst>
+                                    <p:set>
+                                      <p:cBhvr>
+                                        <p:cTn id="38" dur="1" fill="hold">
+                                          <p:stCondLst>
+                                            <p:cond delay="0"/>
+                                          </p:stCondLst>
+                                        </p:cTn>
+                                        <p:tgtEl>
+                                          <p:spTgt spid="38"/>
+                                        </p:tgtEl>
+                                        <p:attrNameLst>
+                                          <p:attrName>style.visibility</p:attrName>
+                                        </p:attrNameLst>
+                                      </p:cBhvr>
+                                      <p:to>
+                                        <p:strVal val="visible"/>
+                                      </p:to>
+                                    </p:set>
+                                  </p:childTnLst>
+                                </p:cTn>
+                              </p:par>
+                            </p:childTnLst>
+                          </p:cTn>
+                        </p:par>
+                      </p:childTnLst>
+                    </p:cTn>
+                  </p:par>
+                  <p:par>
+                    <p:cTn id="39" fill="hold">
+                      <p:stCondLst>
+                        <p:cond delay="indefinite"/>
+                      </p:stCondLst>
+                      <p:childTnLst>
+                        <p:par>
+                          <p:cTn id="40" fill="hold">
+                            <p:stCondLst>
+                              <p:cond delay="0"/>
+                            </p:stCondLst>
+                            <p:childTnLst>
+                              <p:par>
+                                <p:cTn id="41" presetID="1" presetClass="entr" presetSubtype="0" fill="hold" nodeType="clickEffect">
+                                  <p:stCondLst>
+                                    <p:cond delay="0"/>
+                                  </p:stCondLst>
+                                  <p:childTnLst>
+                                    <p:set>
+                                      <p:cBhvr>
+                                        <p:cTn id="42" dur="1" fill="hold">
+                                          <p:stCondLst>
+                                            <p:cond delay="0"/>
+                                          </p:stCondLst>
+                                        </p:cTn>
+                                        <p:tgtEl>
+                                          <p:spTgt spid="35"/>
+                                        </p:tgtEl>
+                                        <p:attrNameLst>
+                                          <p:attrName>style.visibility</p:attrName>
+                                        </p:attrNameLst>
+                                      </p:cBhvr>
+                                      <p:to>
+                                        <p:strVal val="visible"/>
+                                      </p:to>
+                                    </p:set>
+                                  </p:childTnLst>
+                                </p:cTn>
+                              </p:par>
+                            </p:childTnLst>
+                          </p:cTn>
+                        </p:par>
+                      </p:childTnLst>
+                    </p:cTn>
+                  </p:par>
+                  <p:par>
+                    <p:cTn id="43" fill="hold">
+                      <p:stCondLst>
+                        <p:cond delay="indefinite"/>
+                      </p:stCondLst>
+                      <p:childTnLst>
+                        <p:par>
+                          <p:cTn id="44" fill="hold">
+                            <p:stCondLst>
+                              <p:cond delay="0"/>
+                            </p:stCondLst>
+                            <p:childTnLst>
+                              <p:par>
+                                <p:cTn id="45" presetID="1" presetClass="entr" presetSubtype="0" fill="hold" nodeType="clickEffect">
+                                  <p:stCondLst>
+                                    <p:cond delay="0"/>
+                                  </p:stCondLst>
+                                  <p:childTnLst>
+                                    <p:set>
+                                      <p:cBhvr>
+                                        <p:cTn id="46" dur="1" fill="hold">
+                                          <p:stCondLst>
+                                            <p:cond delay="0"/>
+                                          </p:stCondLst>
+                                        </p:cTn>
+                                        <p:tgtEl>
+                                          <p:spTgt spid="47"/>
+                                        </p:tgtEl>
+                                        <p:attrNameLst>
+                                          <p:attrName>style.visibility</p:attrName>
+                                        </p:attrNameLst>
+                                      </p:cBhvr>
+                                      <p:to>
+                                        <p:strVal val="visible"/>
+                                      </p:to>
+                                    </p:set>
+                                  </p:childTnLst>
+                                </p:cTn>
+                              </p:par>
+                            </p:childTnLst>
+                          </p:cTn>
+                        </p:par>
+                      </p:childTnLst>
+                    </p:cTn>
+                  </p:par>
+                  <p:par>
+                    <p:cTn id="47" fill="hold">
+                      <p:stCondLst>
+                        <p:cond delay="indefinite"/>
+                      </p:stCondLst>
+                      <p:childTnLst>
+                        <p:par>
+                          <p:cTn id="48" fill="hold">
+                            <p:stCondLst>
+                              <p:cond delay="0"/>
+                            </p:stCondLst>
+                            <p:childTnLst>
+                              <p:par>
+                                <p:cTn id="49" presetID="1" presetClass="entr" presetSubtype="0" fill="hold" grpId="0" nodeType="clickEffect">
+                                  <p:stCondLst>
+                                    <p:cond delay="0"/>
+                                  </p:stCondLst>
+                                  <p:childTnLst>
+                                    <p:set>
+                                      <p:cBhvr>
+                                        <p:cTn id="50" dur="1" fill="hold">
+                                          <p:stCondLst>
+                                            <p:cond delay="0"/>
+                                          </p:stCondLst>
+                                        </p:cTn>
+                                        <p:tgtEl>
+                                          <p:spTgt spid="43">
+                                            <p:txEl>
+                                              <p:pRg st="0" end="0"/>
+                                            </p:txEl>
+                                          </p:spTgt>
+                                        </p:tgtEl>
+                                        <p:attrNameLst>
+                                          <p:attrName>style.visibility</p:attrName>
+                                        </p:attrNameLst>
+                                      </p:cBhvr>
+                                      <p:to>
+                                        <p:strVal val="visible"/>
+                                      </p:to>
+                                    </p:set>
+                                  </p:childTnLst>
+                                </p:cTn>
+                              </p:par>
+                            </p:childTnLst>
+                          </p:cTn>
+                        </p:par>
+                      </p:childTnLst>
+                    </p:cTn>
+                  </p:par>
+                  <p:par>
+                    <p:cTn id="51" fill="hold">
+                      <p:stCondLst>
+                        <p:cond delay="indefinite"/>
+                      </p:stCondLst>
+                      <p:childTnLst>
+                        <p:par>
+                          <p:cTn id="52" fill="hold">
+                            <p:stCondLst>
+                              <p:cond delay="0"/>
+                            </p:stCondLst>
+                            <p:childTnLst>
+                              <p:par>
+                                <p:cTn id="53" presetID="1" presetClass="entr" presetSubtype="0" fill="hold" grpId="0" nodeType="clickEffect">
+                                  <p:stCondLst>
+                                    <p:cond delay="0"/>
+                                  </p:stCondLst>
+                                  <p:childTnLst>
+                                    <p:set>
+                                      <p:cBhvr>
+                                        <p:cTn id="54" dur="1" fill="hold">
+                                          <p:stCondLst>
+                                            <p:cond delay="0"/>
+                                          </p:stCondLst>
+                                        </p:cTn>
+                                        <p:tgtEl>
+                                          <p:spTgt spid="43">
+                                            <p:txEl>
+                                              <p:pRg st="1" end="1"/>
+                                            </p:txEl>
+                                          </p:spTgt>
+                                        </p:tgtEl>
+                                        <p:attrNameLst>
+                                          <p:attrName>style.visibility</p:attrName>
+                                        </p:attrNameLst>
+                                      </p:cBhvr>
+                                      <p:to>
+                                        <p:strVal val="visible"/>
+                                      </p:to>
+                                    </p:set>
+                                  </p:childTnLst>
+                                </p:cTn>
+                              </p:par>
+                            </p:childTnLst>
+                          </p:cTn>
+                        </p:par>
+                      </p:childTnLst>
+                    </p:cTn>
+                  </p:par>
+                  <p:par>
+                    <p:cTn id="55" fill="hold">
+                      <p:stCondLst>
+                        <p:cond delay="indefinite"/>
+                      </p:stCondLst>
+                      <p:childTnLst>
+                        <p:par>
+                          <p:cTn id="56" fill="hold">
+                            <p:stCondLst>
+                              <p:cond delay="0"/>
+                            </p:stCondLst>
+                            <p:childTnLst>
+                              <p:par>
+                                <p:cTn id="57" presetID="1" presetClass="entr" presetSubtype="0" fill="hold" nodeType="clickEffect">
+                                  <p:stCondLst>
+                                    <p:cond delay="0"/>
+                                  </p:stCondLst>
+                                  <p:childTnLst>
+                                    <p:set>
+                                      <p:cBhvr>
+                                        <p:cTn id="58" dur="1" fill="hold">
+                                          <p:stCondLst>
+                                            <p:cond delay="0"/>
+                                          </p:stCondLst>
+                                        </p:cTn>
+                                        <p:tgtEl>
+                                          <p:spTgt spid="19"/>
+                                        </p:tgtEl>
+                                        <p:attrNameLst>
+                                          <p:attrName>style.visibility</p:attrName>
+                                        </p:attrNameLst>
+                                      </p:cBhvr>
+                                      <p:to>
+                                        <p:strVal val="visible"/>
+                                      </p:to>
+                                    </p:set>
+                                  </p:childTnLst>
+                                </p:cTn>
+                              </p:par>
+                            </p:childTnLst>
+                          </p:cTn>
+                        </p:par>
+                      </p:childTnLst>
+                    </p:cTn>
+                  </p:par>
+                </p:childTnLst>
+              </p:cTn>
+              <p:prevCondLst>
+                <p:cond evt="onPrev" delay="0">
+                  <p:tgtEl>
+                    <p:sldTgt/>
+                  </p:tgtEl>
+                </p:cond>
+              </p:prevCondLst>
+              <p:nextCondLst>
+                <p:cond evt="onNext" delay="0">
+                  <p:tgtEl>
+                    <p:sldTgt/>
+                  </p:tgtEl>
+                </p:cond>
+              </p:nextCondLst>
+            </p:seq>
+          </p:childTnLst>
+        </p:cTn>
+      </p:par>
+    </p:tnLst>
+    <p:bldLst>
+      <p:bldP spid="6" grpId="0" uiExpand="1" build="p"/>
+      <p:bldP spid="43" grpId="0" build="p"/>
+    </p:bldLst>
+  </p:timing>
+</p:sld>
+</file>
+
+<file path=ppt/slides/slide21.xml><?xml version="1.0" encoding="utf-8"?>
+<p:sld xmlns:a="http://schemas.openxmlformats.org/drawingml/2006/main" xmlns:r="http://schemas.openxmlformats.org/officeDocument/2006/relationships" xmlns:p="http://schemas.openxmlformats.org/presentationml/2006/main">
+  <p:cSld>
+    <p:spTree>
+      <p:nvGrpSpPr>
+        <p:cNvPr id="1" name="">
+          <a:extLst>
+            <a:ext uri="{FF2B5EF4-FFF2-40B4-BE49-F238E27FC236}">
+              <a16:creationId xmlns:a16="http://schemas.microsoft.com/office/drawing/2014/main" id="{57E0764C-F18E-DA6D-6BEB-D6574D2E34C2}"/>
+            </a:ext>
+          </a:extLst>
+        </p:cNvPr>
+        <p:cNvGrpSpPr/>
+        <p:nvPr/>
+      </p:nvGrpSpPr>
+      <p:grpSpPr>
+        <a:xfrm>
+          <a:off x="0" y="0"/>
+          <a:ext cx="0" cy="0"/>
+          <a:chOff x="0" y="0"/>
+          <a:chExt cx="0" cy="0"/>
+        </a:xfrm>
+      </p:grpSpPr>
+      <p:sp>
+        <p:nvSpPr>
+          <p:cNvPr id="14" name="Rounded Rectangle 13">
+            <a:extLst>
+              <a:ext uri="{FF2B5EF4-FFF2-40B4-BE49-F238E27FC236}">
+                <a16:creationId xmlns:a16="http://schemas.microsoft.com/office/drawing/2014/main" id="{EF494CE2-EBD3-6B23-FF5B-A0634B0EA732}"/>
+              </a:ext>
+            </a:extLst>
+          </p:cNvPr>
+          <p:cNvSpPr/>
+          <p:nvPr/>
+        </p:nvSpPr>
+        <p:spPr>
+          <a:xfrm>
+            <a:off x="6306790" y="2517193"/>
+            <a:ext cx="2922862" cy="4094622"/>
+          </a:xfrm>
+          <a:prstGeom prst="roundRect">
+            <a:avLst>
+              <a:gd name="adj" fmla="val 4635"/>
+            </a:avLst>
+          </a:prstGeom>
+          <a:solidFill>
+            <a:schemeClr val="tx2">
+              <a:lumMod val="20000"/>
+              <a:lumOff val="80000"/>
+            </a:schemeClr>
+          </a:solidFill>
+          <a:ln>
+            <a:noFill/>
+          </a:ln>
+        </p:spPr>
+        <p:style>
+          <a:lnRef idx="1">
+            <a:schemeClr val="accent4"/>
+          </a:lnRef>
+          <a:fillRef idx="3">
+            <a:schemeClr val="accent4"/>
+          </a:fillRef>
+          <a:effectRef idx="2">
+            <a:schemeClr val="accent4"/>
+          </a:effectRef>
+          <a:fontRef idx="minor">
+            <a:schemeClr val="lt1"/>
+          </a:fontRef>
+        </p:style>
+        <p:txBody>
+          <a:bodyPr lIns="90000" rtlCol="0" anchor="t"/>
+          <a:lstStyle/>
+          <a:p>
+            <a:pPr algn="ctr"/>
+            <a:r>
+              <a:rPr lang="en-US" sz="2000" b="1">
+                <a:solidFill>
+                  <a:schemeClr val="tx2">
+                    <a:lumMod val="60000"/>
+                    <a:lumOff val="40000"/>
+                  </a:schemeClr>
+                </a:solidFill>
+              </a:rPr>
+              <a:t>Subjekt</a:t>
+            </a:r>
+          </a:p>
+        </p:txBody>
+      </p:sp>
+      <p:sp>
+        <p:nvSpPr>
+          <p:cNvPr id="12" name="Rounded Rectangle 11">
+            <a:extLst>
+              <a:ext uri="{FF2B5EF4-FFF2-40B4-BE49-F238E27FC236}">
+                <a16:creationId xmlns:a16="http://schemas.microsoft.com/office/drawing/2014/main" id="{2FBC6311-43F0-C214-D941-1DB06A01E461}"/>
+              </a:ext>
+            </a:extLst>
+          </p:cNvPr>
+          <p:cNvSpPr/>
+          <p:nvPr/>
+        </p:nvSpPr>
+        <p:spPr>
+          <a:xfrm>
+            <a:off x="359999" y="2479016"/>
+            <a:ext cx="2857875" cy="4094622"/>
+          </a:xfrm>
+          <a:prstGeom prst="roundRect">
+            <a:avLst>
+              <a:gd name="adj" fmla="val 4966"/>
+            </a:avLst>
+          </a:prstGeom>
+          <a:solidFill>
+            <a:srgbClr val="CFC5B4">
+              <a:alpha val="30000"/>
+            </a:srgbClr>
+          </a:solidFill>
+          <a:ln>
+            <a:noFill/>
+          </a:ln>
+        </p:spPr>
+        <p:style>
+          <a:lnRef idx="2">
+            <a:schemeClr val="accent1">
+              <a:shade val="15000"/>
+            </a:schemeClr>
+          </a:lnRef>
+          <a:fillRef idx="1">
+            <a:schemeClr val="accent1"/>
+          </a:fillRef>
+          <a:effectRef idx="0">
+            <a:schemeClr val="accent1"/>
+          </a:effectRef>
+          <a:fontRef idx="minor">
+            <a:schemeClr val="lt1"/>
+          </a:fontRef>
+        </p:style>
+        <p:txBody>
+          <a:bodyPr lIns="90000" rtlCol="0" anchor="t"/>
+          <a:lstStyle/>
+          <a:p>
+            <a:pPr algn="ctr"/>
+            <a:r>
+              <a:rPr lang="en-US" sz="2000" b="1">
+                <a:solidFill>
+                  <a:schemeClr val="bg1">
+                    <a:lumMod val="50000"/>
+                  </a:schemeClr>
+                </a:solidFill>
+              </a:rPr>
+              <a:t>Topic</a:t>
+            </a:r>
+          </a:p>
+        </p:txBody>
+      </p:sp>
+      <p:sp>
+        <p:nvSpPr>
+          <p:cNvPr id="13" name="Rounded Rectangle 12">
+            <a:extLst>
+              <a:ext uri="{FF2B5EF4-FFF2-40B4-BE49-F238E27FC236}">
+                <a16:creationId xmlns:a16="http://schemas.microsoft.com/office/drawing/2014/main" id="{FA540DCE-8588-8689-FD87-FA9B779EB661}"/>
+              </a:ext>
+            </a:extLst>
+          </p:cNvPr>
+          <p:cNvSpPr/>
+          <p:nvPr/>
+        </p:nvSpPr>
+        <p:spPr>
+          <a:xfrm>
+            <a:off x="3300902" y="2499350"/>
+            <a:ext cx="2922860" cy="4094622"/>
+          </a:xfrm>
+          <a:prstGeom prst="roundRect">
+            <a:avLst>
+              <a:gd name="adj" fmla="val 3832"/>
+            </a:avLst>
+          </a:prstGeom>
+          <a:solidFill>
+            <a:schemeClr val="accent3">
+              <a:lumMod val="10000"/>
+              <a:lumOff val="90000"/>
+            </a:schemeClr>
+          </a:solidFill>
+          <a:ln>
+            <a:noFill/>
+          </a:ln>
+        </p:spPr>
+        <p:style>
+          <a:lnRef idx="1">
+            <a:schemeClr val="accent2"/>
+          </a:lnRef>
+          <a:fillRef idx="3">
+            <a:schemeClr val="accent2"/>
+          </a:fillRef>
+          <a:effectRef idx="2">
+            <a:schemeClr val="accent2"/>
+          </a:effectRef>
+          <a:fontRef idx="minor">
+            <a:schemeClr val="lt1"/>
+          </a:fontRef>
+        </p:style>
+        <p:txBody>
+          <a:bodyPr lIns="90000" rtlCol="0" anchor="t"/>
+          <a:lstStyle/>
+          <a:p>
+            <a:pPr algn="ctr"/>
+            <a:r>
+              <a:rPr lang="en-US" sz="2000" b="1">
+                <a:solidFill>
+                  <a:schemeClr val="accent6">
+                    <a:lumMod val="50000"/>
+                    <a:lumOff val="50000"/>
+                  </a:schemeClr>
+                </a:solidFill>
+              </a:rPr>
+              <a:t>Schéma</a:t>
+            </a:r>
+          </a:p>
+        </p:txBody>
+      </p:sp>
+      <p:sp>
+        <p:nvSpPr>
+          <p:cNvPr id="2" name="Text Placeholder 1">
+            <a:extLst>
+              <a:ext uri="{FF2B5EF4-FFF2-40B4-BE49-F238E27FC236}">
+                <a16:creationId xmlns:a16="http://schemas.microsoft.com/office/drawing/2014/main" id="{C75A10F6-52F5-B1C8-78C2-883C9A0C7A7A}"/>
+              </a:ext>
+            </a:extLst>
+          </p:cNvPr>
+          <p:cNvSpPr>
+            <a:spLocks noGrp="1"/>
+          </p:cNvSpPr>
+          <p:nvPr>
+            <p:ph type="body" sz="quarter" idx="12"/>
+          </p:nvPr>
+        </p:nvSpPr>
+        <p:spPr>
+          <a:xfrm>
+            <a:off x="360000" y="828000"/>
+            <a:ext cx="5736000" cy="641842"/>
+          </a:xfrm>
+        </p:spPr>
+        <p:txBody>
+          <a:bodyPr/>
+          <a:lstStyle/>
+          <a:p>
+            <a:r>
+              <a:rPr lang="en-US"/>
+              <a:t>Subjekty a jejich strategie</a:t>
+            </a:r>
+          </a:p>
+          <a:p>
+            <a:r>
+              <a:rPr lang="en-US" sz="2000">
+                <a:solidFill>
+                  <a:schemeClr val="accent1">
+                    <a:lumMod val="50000"/>
+                  </a:schemeClr>
+                </a:solidFill>
+              </a:rPr>
+              <a:t>protože strategií není nikdy dost</a:t>
+            </a:r>
+          </a:p>
+        </p:txBody>
+      </p:sp>
+      <p:sp>
+        <p:nvSpPr>
+          <p:cNvPr id="3" name="Text Placeholder 2">
+            <a:extLst>
+              <a:ext uri="{FF2B5EF4-FFF2-40B4-BE49-F238E27FC236}">
+                <a16:creationId xmlns:a16="http://schemas.microsoft.com/office/drawing/2014/main" id="{A66CCFFB-6A41-29CE-2F8E-FB861700B691}"/>
+              </a:ext>
+            </a:extLst>
+          </p:cNvPr>
+          <p:cNvSpPr>
+            <a:spLocks noGrp="1"/>
+          </p:cNvSpPr>
+          <p:nvPr>
+            <p:ph type="body" sz="quarter" idx="23"/>
+          </p:nvPr>
+        </p:nvSpPr>
+        <p:spPr/>
+        <p:txBody>
+          <a:bodyPr/>
+          <a:lstStyle/>
+          <a:p>
+            <a:endParaRPr lang="en-US"/>
+          </a:p>
+        </p:txBody>
+      </p:sp>
+      <p:sp>
+        <p:nvSpPr>
+          <p:cNvPr id="4" name="TextBox 3">
+            <a:extLst>
+              <a:ext uri="{FF2B5EF4-FFF2-40B4-BE49-F238E27FC236}">
+                <a16:creationId xmlns:a16="http://schemas.microsoft.com/office/drawing/2014/main" id="{A3BAC52E-E0B3-D38A-3EE0-F2C7DD79DDDC}"/>
+              </a:ext>
+            </a:extLst>
+          </p:cNvPr>
+          <p:cNvSpPr txBox="1"/>
+          <p:nvPr/>
+        </p:nvSpPr>
+        <p:spPr>
+          <a:xfrm>
+            <a:off x="2735631" y="-1603329"/>
+            <a:ext cx="6963445" cy="307777"/>
+          </a:xfrm>
+          <a:prstGeom prst="rect">
+            <a:avLst/>
+          </a:prstGeom>
+          <a:noFill/>
+        </p:spPr>
+        <p:txBody>
+          <a:bodyPr wrap="none" lIns="0" tIns="0" rIns="0" bIns="0" rtlCol="0" anchor="b" anchorCtr="0">
+            <a:spAutoFit/>
+          </a:bodyPr>
+          <a:lstStyle/>
+          <a:p>
+            <a:pPr algn="l"/>
+            <a:r>
+              <a:rPr lang="en-US" sz="2000" dirty="0">
+                <a:latin typeface="Arial" panose="020B0604020202020204" pitchFamily="34" charset="0"/>
+                <a:cs typeface="Arial" panose="020B0604020202020204" pitchFamily="34" charset="0"/>
+              </a:rPr>
+              <a:t>Základní pojmy: subjekt, strategie, verze, režimy kompatibility</a:t>
+            </a:r>
+          </a:p>
+        </p:txBody>
+      </p:sp>
+      <p:sp>
+        <p:nvSpPr>
+          <p:cNvPr id="6" name="TextBox 5">
+            <a:extLst>
+              <a:ext uri="{FF2B5EF4-FFF2-40B4-BE49-F238E27FC236}">
+                <a16:creationId xmlns:a16="http://schemas.microsoft.com/office/drawing/2014/main" id="{86E97605-6304-6948-E27A-1907A6FDA865}"/>
+              </a:ext>
+            </a:extLst>
+          </p:cNvPr>
+          <p:cNvSpPr txBox="1"/>
+          <p:nvPr/>
+        </p:nvSpPr>
+        <p:spPr>
+          <a:xfrm>
+            <a:off x="359999" y="1670161"/>
+            <a:ext cx="8619877" cy="468013"/>
+          </a:xfrm>
+          <a:prstGeom prst="rect">
+            <a:avLst/>
+          </a:prstGeom>
+          <a:noFill/>
+        </p:spPr>
+        <p:txBody>
+          <a:bodyPr wrap="square" lIns="0" tIns="0" rIns="0" bIns="0" rtlCol="0" anchor="t" anchorCtr="0">
+            <a:spAutoFit/>
+          </a:bodyPr>
+          <a:lstStyle/>
+          <a:p>
+            <a:pPr marL="171450" indent="-171450" algn="l">
+              <a:lnSpc>
+                <a:spcPct val="200000"/>
+              </a:lnSpc>
+              <a:buFont typeface="Wingdings" pitchFamily="2" charset="2"/>
+              <a:buChar char="§"/>
+            </a:pPr>
+            <a:r>
+              <a:rPr lang="en-US" b="1" dirty="0">
+                <a:solidFill>
+                  <a:schemeClr val="accent2">
+                    <a:lumMod val="50000"/>
+                  </a:schemeClr>
+                </a:solidFill>
+                <a:latin typeface="Arial" panose="020B0604020202020204" pitchFamily="34" charset="0"/>
+                <a:cs typeface="Arial" panose="020B0604020202020204" pitchFamily="34" charset="0"/>
+              </a:rPr>
+              <a:t>Strategie jmen subjektů</a:t>
+            </a:r>
+            <a:r>
+              <a:rPr lang="en-US" dirty="0">
+                <a:solidFill>
+                  <a:schemeClr val="accent2">
+                    <a:lumMod val="50000"/>
+                  </a:schemeClr>
+                </a:solidFill>
+                <a:latin typeface="Arial" panose="020B0604020202020204" pitchFamily="34" charset="0"/>
+                <a:cs typeface="Arial" panose="020B0604020202020204" pitchFamily="34" charset="0"/>
+              </a:rPr>
+              <a:t> řídí vazbu mezi schématem zprávy a Kafka topicy</a:t>
+            </a:r>
+          </a:p>
+        </p:txBody>
+      </p:sp>
+      <p:grpSp>
+        <p:nvGrpSpPr>
+          <p:cNvPr id="30" name="Group 29">
+            <a:extLst>
+              <a:ext uri="{FF2B5EF4-FFF2-40B4-BE49-F238E27FC236}">
+                <a16:creationId xmlns:a16="http://schemas.microsoft.com/office/drawing/2014/main" id="{AF47EED7-C631-AADE-D001-EC276FB25667}"/>
+              </a:ext>
+            </a:extLst>
+          </p:cNvPr>
+          <p:cNvGrpSpPr/>
+          <p:nvPr/>
+        </p:nvGrpSpPr>
+        <p:grpSpPr>
+          <a:xfrm>
+            <a:off x="359999" y="3026571"/>
+            <a:ext cx="11644432" cy="865491"/>
+            <a:chOff x="359999" y="3026571"/>
+            <a:chExt cx="11644432" cy="865491"/>
+          </a:xfrm>
+        </p:grpSpPr>
+        <p:sp>
+          <p:nvSpPr>
+            <p:cNvPr id="9" name="Snip Single Corner Rectangle 8">
+              <a:extLst>
+                <a:ext uri="{FF2B5EF4-FFF2-40B4-BE49-F238E27FC236}">
+                  <a16:creationId xmlns:a16="http://schemas.microsoft.com/office/drawing/2014/main" id="{00495FE9-ABBE-274C-278D-58804D941998}"/>
+                </a:ext>
+              </a:extLst>
+            </p:cNvPr>
+            <p:cNvSpPr/>
+            <p:nvPr/>
+          </p:nvSpPr>
+          <p:spPr>
+            <a:xfrm>
+              <a:off x="520934" y="3108632"/>
+              <a:ext cx="2536003" cy="670117"/>
+            </a:xfrm>
+            <a:prstGeom prst="snip1Rect">
+              <a:avLst>
+                <a:gd name="adj" fmla="val 26987"/>
+              </a:avLst>
+            </a:prstGeom>
+            <a:solidFill>
+              <a:schemeClr val="bg1">
+                <a:lumMod val="75000"/>
+                <a:alpha val="30000"/>
+              </a:schemeClr>
+            </a:solidFill>
+            <a:ln>
+              <a:noFill/>
+            </a:ln>
+          </p:spPr>
+          <p:style>
+            <a:lnRef idx="2">
+              <a:schemeClr val="accent1">
+                <a:shade val="15000"/>
+              </a:schemeClr>
+            </a:lnRef>
+            <a:fillRef idx="1">
+              <a:schemeClr val="accent1"/>
+            </a:fillRef>
+            <a:effectRef idx="0">
+              <a:schemeClr val="accent1"/>
+            </a:effectRef>
+            <a:fontRef idx="minor">
+              <a:schemeClr val="lt1"/>
+            </a:fontRef>
+          </p:style>
+          <p:txBody>
+            <a:bodyPr lIns="90000" rtlCol="0" anchor="ctr"/>
+            <a:lstStyle/>
+            <a:p>
+              <a:pPr algn="ctr"/>
+              <a:r>
+                <a:rPr lang="en-US" sz="2000">
+                  <a:solidFill>
+                    <a:schemeClr val="bg1">
+                      <a:lumMod val="50000"/>
+                    </a:schemeClr>
+                  </a:solidFill>
+                </a:rPr>
+                <a:t>lunar-landing</a:t>
+              </a:r>
+            </a:p>
+          </p:txBody>
+        </p:sp>
+        <p:sp>
+          <p:nvSpPr>
+            <p:cNvPr id="10" name="Snip Single Corner Rectangle 9">
+              <a:extLst>
+                <a:ext uri="{FF2B5EF4-FFF2-40B4-BE49-F238E27FC236}">
+                  <a16:creationId xmlns:a16="http://schemas.microsoft.com/office/drawing/2014/main" id="{920AACC5-339B-0E15-3F57-25C5ED2C7FC6}"/>
+                </a:ext>
+              </a:extLst>
+            </p:cNvPr>
+            <p:cNvSpPr/>
+            <p:nvPr/>
+          </p:nvSpPr>
+          <p:spPr>
+            <a:xfrm>
+              <a:off x="3494330" y="3108633"/>
+              <a:ext cx="2536003" cy="670117"/>
+            </a:xfrm>
+            <a:prstGeom prst="snip1Rect">
+              <a:avLst>
+                <a:gd name="adj" fmla="val 26987"/>
+              </a:avLst>
+            </a:prstGeom>
+            <a:ln/>
+          </p:spPr>
+          <p:style>
+            <a:lnRef idx="1">
+              <a:schemeClr val="accent2"/>
+            </a:lnRef>
+            <a:fillRef idx="3">
+              <a:schemeClr val="accent2"/>
+            </a:fillRef>
+            <a:effectRef idx="2">
+              <a:schemeClr val="accent2"/>
+            </a:effectRef>
+            <a:fontRef idx="minor">
+              <a:schemeClr val="lt1"/>
+            </a:fontRef>
+          </p:style>
+          <p:txBody>
+            <a:bodyPr lIns="90000" rtlCol="0" anchor="ctr"/>
+            <a:lstStyle/>
+            <a:p>
+              <a:pPr algn="ctr"/>
+              <a:r>
+                <a:rPr lang="en-US" sz="2000">
+                  <a:solidFill>
+                    <a:schemeClr val="bg1"/>
+                  </a:solidFill>
+                </a:rPr>
+                <a:t>LunarLanding</a:t>
+              </a:r>
+            </a:p>
+          </p:txBody>
+        </p:sp>
+        <p:sp>
+          <p:nvSpPr>
+            <p:cNvPr id="11" name="Snip Single Corner Rectangle 10">
+              <a:extLst>
+                <a:ext uri="{FF2B5EF4-FFF2-40B4-BE49-F238E27FC236}">
+                  <a16:creationId xmlns:a16="http://schemas.microsoft.com/office/drawing/2014/main" id="{A039CC57-3C25-20E3-CE9D-87B845B1D30F}"/>
+                </a:ext>
+              </a:extLst>
+            </p:cNvPr>
+            <p:cNvSpPr/>
+            <p:nvPr/>
+          </p:nvSpPr>
+          <p:spPr>
+            <a:xfrm>
+              <a:off x="6550544" y="3108633"/>
+              <a:ext cx="2536003" cy="670117"/>
+            </a:xfrm>
+            <a:prstGeom prst="snip1Rect">
+              <a:avLst>
+                <a:gd name="adj" fmla="val 26987"/>
+              </a:avLst>
+            </a:prstGeom>
+            <a:ln/>
+          </p:spPr>
+          <p:style>
+            <a:lnRef idx="1">
+              <a:schemeClr val="accent4"/>
+            </a:lnRef>
+            <a:fillRef idx="3">
+              <a:schemeClr val="accent4"/>
+            </a:fillRef>
+            <a:effectRef idx="2">
+              <a:schemeClr val="accent4"/>
+            </a:effectRef>
+            <a:fontRef idx="minor">
+              <a:schemeClr val="lt1"/>
+            </a:fontRef>
+          </p:style>
+          <p:txBody>
+            <a:bodyPr lIns="90000" rtlCol="0" anchor="ctr"/>
+            <a:lstStyle/>
+            <a:p>
+              <a:pPr algn="ctr"/>
+              <a:r>
+                <a:rPr lang="en-US" sz="2000">
+                  <a:solidFill>
+                    <a:schemeClr val="bg1"/>
+                  </a:solidFill>
+                </a:rPr>
+                <a:t>lunar-landing-value</a:t>
+              </a:r>
+            </a:p>
+          </p:txBody>
+        </p:sp>
+        <p:sp>
+          <p:nvSpPr>
+            <p:cNvPr id="17" name="TextBox 16">
+              <a:extLst>
+                <a:ext uri="{FF2B5EF4-FFF2-40B4-BE49-F238E27FC236}">
+                  <a16:creationId xmlns:a16="http://schemas.microsoft.com/office/drawing/2014/main" id="{74E08A27-5FAB-340E-CB93-8CBF729818AC}"/>
+                </a:ext>
+              </a:extLst>
+            </p:cNvPr>
+            <p:cNvSpPr txBox="1"/>
+            <p:nvPr/>
+          </p:nvSpPr>
+          <p:spPr>
+            <a:xfrm>
+              <a:off x="9473406" y="3305889"/>
+              <a:ext cx="2107949" cy="307777"/>
+            </a:xfrm>
+            <a:prstGeom prst="rect">
+              <a:avLst/>
+            </a:prstGeom>
+            <a:noFill/>
+          </p:spPr>
+          <p:txBody>
+            <a:bodyPr wrap="none" lIns="0" tIns="0" rIns="0" bIns="0" rtlCol="0" anchor="b" anchorCtr="0">
+              <a:spAutoFit/>
+            </a:bodyPr>
+            <a:lstStyle/>
+            <a:p>
+              <a:pPr algn="l"/>
+              <a:r>
+                <a:rPr lang="en-US" sz="2000" dirty="0">
+                  <a:solidFill>
+                    <a:schemeClr val="accent2">
+                      <a:lumMod val="50000"/>
+                    </a:schemeClr>
+                  </a:solidFill>
+                  <a:latin typeface="Arial" panose="020B0604020202020204" pitchFamily="34" charset="0"/>
+                  <a:cs typeface="Arial" panose="020B0604020202020204" pitchFamily="34" charset="0"/>
+                </a:rPr>
+                <a:t>dle topicu (default)</a:t>
+              </a:r>
+            </a:p>
+          </p:txBody>
+        </p:sp>
+        <p:sp>
+          <p:nvSpPr>
+            <p:cNvPr id="18" name="Rounded Rectangle 17">
+              <a:extLst>
+                <a:ext uri="{FF2B5EF4-FFF2-40B4-BE49-F238E27FC236}">
+                  <a16:creationId xmlns:a16="http://schemas.microsoft.com/office/drawing/2014/main" id="{D8C1C425-DBAB-A5AD-7BD2-FB5EF424CC71}"/>
+                </a:ext>
+              </a:extLst>
+            </p:cNvPr>
+            <p:cNvSpPr/>
+            <p:nvPr/>
+          </p:nvSpPr>
+          <p:spPr>
+            <a:xfrm>
+              <a:off x="359999" y="3026571"/>
+              <a:ext cx="11644432" cy="865491"/>
+            </a:xfrm>
+            <a:prstGeom prst="roundRect">
+              <a:avLst/>
+            </a:prstGeom>
+            <a:noFill/>
+            <a:ln>
+              <a:solidFill>
+                <a:schemeClr val="accent1">
+                  <a:lumMod val="50000"/>
+                </a:schemeClr>
+              </a:solidFill>
+              <a:prstDash val="dash"/>
+            </a:ln>
+          </p:spPr>
+          <p:style>
+            <a:lnRef idx="2">
+              <a:schemeClr val="accent1">
+                <a:shade val="15000"/>
+              </a:schemeClr>
+            </a:lnRef>
+            <a:fillRef idx="1">
+              <a:schemeClr val="accent1"/>
+            </a:fillRef>
+            <a:effectRef idx="0">
+              <a:schemeClr val="accent1"/>
+            </a:effectRef>
+            <a:fontRef idx="minor">
+              <a:schemeClr val="lt1"/>
+            </a:fontRef>
+          </p:style>
+          <p:txBody>
+            <a:bodyPr lIns="90000" rtlCol="0" anchor="ctr"/>
+            <a:lstStyle/>
+            <a:p>
+              <a:pPr algn="ctr"/>
+              <a:endParaRPr lang="en-US"/>
+            </a:p>
+          </p:txBody>
+        </p:sp>
+      </p:grpSp>
+      <p:grpSp>
+        <p:nvGrpSpPr>
+          <p:cNvPr id="31" name="Group 30">
+            <a:extLst>
+              <a:ext uri="{FF2B5EF4-FFF2-40B4-BE49-F238E27FC236}">
+                <a16:creationId xmlns:a16="http://schemas.microsoft.com/office/drawing/2014/main" id="{F41900D1-3EEE-7216-DBCB-8E0321AEDE54}"/>
+              </a:ext>
+            </a:extLst>
+          </p:cNvPr>
+          <p:cNvGrpSpPr/>
+          <p:nvPr/>
+        </p:nvGrpSpPr>
+        <p:grpSpPr>
+          <a:xfrm>
+            <a:off x="359999" y="4002162"/>
+            <a:ext cx="11644432" cy="865491"/>
+            <a:chOff x="359999" y="4002162"/>
+            <a:chExt cx="11644432" cy="865491"/>
+          </a:xfrm>
+        </p:grpSpPr>
+        <p:sp>
+          <p:nvSpPr>
+            <p:cNvPr id="19" name="Snip Single Corner Rectangle 18">
+              <a:extLst>
+                <a:ext uri="{FF2B5EF4-FFF2-40B4-BE49-F238E27FC236}">
+                  <a16:creationId xmlns:a16="http://schemas.microsoft.com/office/drawing/2014/main" id="{10C1CE60-6534-DD70-23CA-0828F032E688}"/>
+                </a:ext>
+              </a:extLst>
+            </p:cNvPr>
+            <p:cNvSpPr/>
+            <p:nvPr/>
+          </p:nvSpPr>
+          <p:spPr>
+            <a:xfrm>
+              <a:off x="520934" y="4084223"/>
+              <a:ext cx="2536003" cy="670117"/>
+            </a:xfrm>
+            <a:prstGeom prst="snip1Rect">
+              <a:avLst>
+                <a:gd name="adj" fmla="val 26987"/>
+              </a:avLst>
+            </a:prstGeom>
+            <a:solidFill>
+              <a:schemeClr val="bg1">
+                <a:lumMod val="75000"/>
+                <a:alpha val="30000"/>
+              </a:schemeClr>
+            </a:solidFill>
+            <a:ln>
+              <a:noFill/>
+            </a:ln>
+          </p:spPr>
+          <p:style>
+            <a:lnRef idx="2">
+              <a:schemeClr val="accent1">
+                <a:shade val="15000"/>
+              </a:schemeClr>
+            </a:lnRef>
+            <a:fillRef idx="1">
+              <a:schemeClr val="accent1"/>
+            </a:fillRef>
+            <a:effectRef idx="0">
+              <a:schemeClr val="accent1"/>
+            </a:effectRef>
+            <a:fontRef idx="minor">
+              <a:schemeClr val="lt1"/>
+            </a:fontRef>
+          </p:style>
+          <p:txBody>
+            <a:bodyPr lIns="90000" rtlCol="0" anchor="ctr"/>
+            <a:lstStyle/>
+            <a:p>
+              <a:pPr algn="ctr"/>
+              <a:r>
+                <a:rPr lang="en-US" sz="2000">
+                  <a:solidFill>
+                    <a:schemeClr val="bg1">
+                      <a:lumMod val="50000"/>
+                    </a:schemeClr>
+                  </a:solidFill>
+                </a:rPr>
+                <a:t>lunar-landing</a:t>
+              </a:r>
+            </a:p>
+          </p:txBody>
+        </p:sp>
+        <p:sp>
+          <p:nvSpPr>
+            <p:cNvPr id="20" name="Snip Single Corner Rectangle 19">
+              <a:extLst>
+                <a:ext uri="{FF2B5EF4-FFF2-40B4-BE49-F238E27FC236}">
+                  <a16:creationId xmlns:a16="http://schemas.microsoft.com/office/drawing/2014/main" id="{6414DD1A-FF50-D5C3-FA34-8CC6FC02B804}"/>
+                </a:ext>
+              </a:extLst>
+            </p:cNvPr>
+            <p:cNvSpPr/>
+            <p:nvPr/>
+          </p:nvSpPr>
+          <p:spPr>
+            <a:xfrm>
+              <a:off x="3494330" y="4084224"/>
+              <a:ext cx="2536003" cy="670117"/>
+            </a:xfrm>
+            <a:prstGeom prst="snip1Rect">
+              <a:avLst>
+                <a:gd name="adj" fmla="val 26987"/>
+              </a:avLst>
+            </a:prstGeom>
+            <a:ln/>
+          </p:spPr>
+          <p:style>
+            <a:lnRef idx="1">
+              <a:schemeClr val="accent2"/>
+            </a:lnRef>
+            <a:fillRef idx="3">
+              <a:schemeClr val="accent2"/>
+            </a:fillRef>
+            <a:effectRef idx="2">
+              <a:schemeClr val="accent2"/>
+            </a:effectRef>
+            <a:fontRef idx="minor">
+              <a:schemeClr val="lt1"/>
+            </a:fontRef>
+          </p:style>
+          <p:txBody>
+            <a:bodyPr lIns="90000" rtlCol="0" anchor="ctr"/>
+            <a:lstStyle/>
+            <a:p>
+              <a:pPr algn="ctr"/>
+              <a:r>
+                <a:rPr lang="en-US" sz="2000">
+                  <a:solidFill>
+                    <a:schemeClr val="bg1"/>
+                  </a:solidFill>
+                </a:rPr>
+                <a:t>LunarLanding</a:t>
+              </a:r>
+            </a:p>
+          </p:txBody>
+        </p:sp>
+        <p:sp>
+          <p:nvSpPr>
+            <p:cNvPr id="21" name="Snip Single Corner Rectangle 20">
+              <a:extLst>
+                <a:ext uri="{FF2B5EF4-FFF2-40B4-BE49-F238E27FC236}">
+                  <a16:creationId xmlns:a16="http://schemas.microsoft.com/office/drawing/2014/main" id="{3C312448-C585-09C4-77BC-803E082327FF}"/>
+                </a:ext>
+              </a:extLst>
+            </p:cNvPr>
+            <p:cNvSpPr/>
+            <p:nvPr/>
+          </p:nvSpPr>
+          <p:spPr>
+            <a:xfrm>
+              <a:off x="6550544" y="4084224"/>
+              <a:ext cx="2536003" cy="670117"/>
+            </a:xfrm>
+            <a:prstGeom prst="snip1Rect">
+              <a:avLst>
+                <a:gd name="adj" fmla="val 26987"/>
+              </a:avLst>
+            </a:prstGeom>
+            <a:ln/>
+          </p:spPr>
+          <p:style>
+            <a:lnRef idx="1">
+              <a:schemeClr val="accent4"/>
+            </a:lnRef>
+            <a:fillRef idx="3">
+              <a:schemeClr val="accent4"/>
+            </a:fillRef>
+            <a:effectRef idx="2">
+              <a:schemeClr val="accent4"/>
+            </a:effectRef>
+            <a:fontRef idx="minor">
+              <a:schemeClr val="lt1"/>
+            </a:fontRef>
+          </p:style>
+          <p:txBody>
+            <a:bodyPr lIns="90000" rtlCol="0" anchor="ctr"/>
+            <a:lstStyle/>
+            <a:p>
+              <a:pPr algn="ctr"/>
+              <a:r>
+                <a:rPr lang="en-US">
+                  <a:solidFill>
+                    <a:schemeClr val="bg1"/>
+                  </a:solidFill>
+                </a:rPr>
+                <a:t>org.lisak.avro.</a:t>
+              </a:r>
+              <a:br>
+                <a:rPr lang="en-US">
+                  <a:solidFill>
+                    <a:schemeClr val="bg1"/>
+                  </a:solidFill>
+                </a:rPr>
+              </a:br>
+              <a:r>
+                <a:rPr lang="en-US">
+                  <a:solidFill>
+                    <a:schemeClr val="bg1"/>
+                  </a:solidFill>
+                </a:rPr>
+                <a:t>LunarLanding</a:t>
+              </a:r>
+            </a:p>
+          </p:txBody>
+        </p:sp>
+        <p:sp>
+          <p:nvSpPr>
+            <p:cNvPr id="22" name="TextBox 21">
+              <a:extLst>
+                <a:ext uri="{FF2B5EF4-FFF2-40B4-BE49-F238E27FC236}">
+                  <a16:creationId xmlns:a16="http://schemas.microsoft.com/office/drawing/2014/main" id="{FB468998-A4D9-85D9-980E-599B49CA3C4E}"/>
+                </a:ext>
+              </a:extLst>
+            </p:cNvPr>
+            <p:cNvSpPr txBox="1"/>
+            <p:nvPr/>
+          </p:nvSpPr>
+          <p:spPr>
+            <a:xfrm>
+              <a:off x="9473406" y="4281480"/>
+              <a:ext cx="1453924" cy="307777"/>
+            </a:xfrm>
+            <a:prstGeom prst="rect">
+              <a:avLst/>
+            </a:prstGeom>
+            <a:noFill/>
+          </p:spPr>
+          <p:txBody>
+            <a:bodyPr wrap="none" lIns="0" tIns="0" rIns="0" bIns="0" rtlCol="0" anchor="b" anchorCtr="0">
+              <a:spAutoFit/>
+            </a:bodyPr>
+            <a:lstStyle/>
+            <a:p>
+              <a:pPr algn="l"/>
+              <a:r>
+                <a:rPr lang="en-US" sz="2000" dirty="0">
+                  <a:solidFill>
+                    <a:schemeClr val="accent2">
+                      <a:lumMod val="50000"/>
+                    </a:schemeClr>
+                  </a:solidFill>
+                  <a:latin typeface="Arial" panose="020B0604020202020204" pitchFamily="34" charset="0"/>
+                  <a:cs typeface="Arial" panose="020B0604020202020204" pitchFamily="34" charset="0"/>
+                </a:rPr>
+                <a:t>dle záznamu</a:t>
+              </a:r>
+            </a:p>
+          </p:txBody>
+        </p:sp>
+        <p:sp>
+          <p:nvSpPr>
+            <p:cNvPr id="23" name="Rounded Rectangle 22">
+              <a:extLst>
+                <a:ext uri="{FF2B5EF4-FFF2-40B4-BE49-F238E27FC236}">
+                  <a16:creationId xmlns:a16="http://schemas.microsoft.com/office/drawing/2014/main" id="{F740E11A-7F54-DFF3-4206-18880A649C10}"/>
+                </a:ext>
+              </a:extLst>
+            </p:cNvPr>
+            <p:cNvSpPr/>
+            <p:nvPr/>
+          </p:nvSpPr>
+          <p:spPr>
+            <a:xfrm>
+              <a:off x="359999" y="4002162"/>
+              <a:ext cx="11644432" cy="865491"/>
+            </a:xfrm>
+            <a:prstGeom prst="roundRect">
+              <a:avLst/>
+            </a:prstGeom>
+            <a:noFill/>
+            <a:ln>
+              <a:solidFill>
+                <a:schemeClr val="accent1">
+                  <a:lumMod val="50000"/>
+                </a:schemeClr>
+              </a:solidFill>
+              <a:prstDash val="dash"/>
+            </a:ln>
+          </p:spPr>
+          <p:style>
+            <a:lnRef idx="2">
+              <a:schemeClr val="accent1">
+                <a:shade val="15000"/>
+              </a:schemeClr>
+            </a:lnRef>
+            <a:fillRef idx="1">
+              <a:schemeClr val="accent1"/>
+            </a:fillRef>
+            <a:effectRef idx="0">
+              <a:schemeClr val="accent1"/>
+            </a:effectRef>
+            <a:fontRef idx="minor">
+              <a:schemeClr val="lt1"/>
+            </a:fontRef>
+          </p:style>
+          <p:txBody>
+            <a:bodyPr lIns="90000" rtlCol="0" anchor="ctr"/>
+            <a:lstStyle/>
+            <a:p>
+              <a:pPr algn="ctr"/>
+              <a:endParaRPr lang="en-US"/>
+            </a:p>
+          </p:txBody>
+        </p:sp>
+      </p:grpSp>
+      <p:sp>
+        <p:nvSpPr>
+          <p:cNvPr id="24" name="TextBox 23">
+            <a:extLst>
+              <a:ext uri="{FF2B5EF4-FFF2-40B4-BE49-F238E27FC236}">
+                <a16:creationId xmlns:a16="http://schemas.microsoft.com/office/drawing/2014/main" id="{A1B1E55E-E0DE-DE65-1941-0AC71DE5C010}"/>
+              </a:ext>
+            </a:extLst>
+          </p:cNvPr>
+          <p:cNvSpPr txBox="1"/>
+          <p:nvPr/>
+        </p:nvSpPr>
+        <p:spPr>
+          <a:xfrm>
+            <a:off x="9630500" y="2598905"/>
+            <a:ext cx="1096454" cy="307777"/>
+          </a:xfrm>
+          <a:prstGeom prst="rect">
+            <a:avLst/>
+          </a:prstGeom>
+          <a:noFill/>
+        </p:spPr>
+        <p:txBody>
+          <a:bodyPr wrap="none" lIns="0" tIns="0" rIns="0" bIns="0" rtlCol="0" anchor="b" anchorCtr="0">
+            <a:spAutoFit/>
+          </a:bodyPr>
+          <a:lstStyle/>
+          <a:p>
+            <a:pPr algn="l"/>
+            <a:r>
+              <a:rPr lang="en-US" sz="2000" b="1" dirty="0">
+                <a:solidFill>
+                  <a:schemeClr val="accent2">
+                    <a:lumMod val="50000"/>
+                  </a:schemeClr>
+                </a:solidFill>
+                <a:latin typeface="Arial" panose="020B0604020202020204" pitchFamily="34" charset="0"/>
+                <a:cs typeface="Arial" panose="020B0604020202020204" pitchFamily="34" charset="0"/>
+              </a:rPr>
+              <a:t>Strategie</a:t>
+            </a:r>
+          </a:p>
+        </p:txBody>
+      </p:sp>
+      <p:grpSp>
+        <p:nvGrpSpPr>
+          <p:cNvPr id="32" name="Group 31">
+            <a:extLst>
+              <a:ext uri="{FF2B5EF4-FFF2-40B4-BE49-F238E27FC236}">
+                <a16:creationId xmlns:a16="http://schemas.microsoft.com/office/drawing/2014/main" id="{BC616811-5880-37FD-176A-ED65C655420C}"/>
+              </a:ext>
+            </a:extLst>
+          </p:cNvPr>
+          <p:cNvGrpSpPr/>
+          <p:nvPr/>
+        </p:nvGrpSpPr>
+        <p:grpSpPr>
+          <a:xfrm>
+            <a:off x="359999" y="4949714"/>
+            <a:ext cx="11644432" cy="1392471"/>
+            <a:chOff x="359999" y="4949714"/>
+            <a:chExt cx="11644432" cy="1392471"/>
+          </a:xfrm>
+        </p:grpSpPr>
+        <p:sp>
+          <p:nvSpPr>
+            <p:cNvPr id="25" name="Snip Single Corner Rectangle 24">
+              <a:extLst>
+                <a:ext uri="{FF2B5EF4-FFF2-40B4-BE49-F238E27FC236}">
+                  <a16:creationId xmlns:a16="http://schemas.microsoft.com/office/drawing/2014/main" id="{50D8A75D-7A06-B2C1-0142-F235AEEA1FA6}"/>
+                </a:ext>
+              </a:extLst>
+            </p:cNvPr>
+            <p:cNvSpPr/>
+            <p:nvPr/>
+          </p:nvSpPr>
+          <p:spPr>
+            <a:xfrm>
+              <a:off x="531998" y="5208495"/>
+              <a:ext cx="2536003" cy="670117"/>
+            </a:xfrm>
+            <a:prstGeom prst="snip1Rect">
+              <a:avLst>
+                <a:gd name="adj" fmla="val 26987"/>
+              </a:avLst>
+            </a:prstGeom>
+            <a:solidFill>
+              <a:schemeClr val="bg1">
+                <a:lumMod val="75000"/>
+                <a:alpha val="30000"/>
+              </a:schemeClr>
+            </a:solidFill>
+            <a:ln>
+              <a:noFill/>
+            </a:ln>
+          </p:spPr>
+          <p:style>
+            <a:lnRef idx="2">
+              <a:schemeClr val="accent1">
+                <a:shade val="15000"/>
+              </a:schemeClr>
+            </a:lnRef>
+            <a:fillRef idx="1">
+              <a:schemeClr val="accent1"/>
+            </a:fillRef>
+            <a:effectRef idx="0">
+              <a:schemeClr val="accent1"/>
+            </a:effectRef>
+            <a:fontRef idx="minor">
+              <a:schemeClr val="lt1"/>
+            </a:fontRef>
+          </p:style>
+          <p:txBody>
+            <a:bodyPr lIns="90000" rtlCol="0" anchor="ctr"/>
+            <a:lstStyle/>
+            <a:p>
+              <a:pPr algn="ctr"/>
+              <a:r>
+                <a:rPr lang="en-US" sz="2000">
+                  <a:solidFill>
+                    <a:schemeClr val="bg1">
+                      <a:lumMod val="50000"/>
+                    </a:schemeClr>
+                  </a:solidFill>
+                </a:rPr>
+                <a:t>lunar-landing</a:t>
+              </a:r>
+            </a:p>
+          </p:txBody>
+        </p:sp>
+        <p:sp>
+          <p:nvSpPr>
+            <p:cNvPr id="26" name="Snip Single Corner Rectangle 25">
+              <a:extLst>
+                <a:ext uri="{FF2B5EF4-FFF2-40B4-BE49-F238E27FC236}">
+                  <a16:creationId xmlns:a16="http://schemas.microsoft.com/office/drawing/2014/main" id="{FE9AA80E-3F50-3F08-9315-B413516AD1D9}"/>
+                </a:ext>
+              </a:extLst>
+            </p:cNvPr>
+            <p:cNvSpPr/>
+            <p:nvPr/>
+          </p:nvSpPr>
+          <p:spPr>
+            <a:xfrm>
+              <a:off x="3494330" y="5277941"/>
+              <a:ext cx="2536003" cy="670117"/>
+            </a:xfrm>
+            <a:prstGeom prst="snip1Rect">
+              <a:avLst>
+                <a:gd name="adj" fmla="val 26987"/>
+              </a:avLst>
+            </a:prstGeom>
+            <a:ln/>
+          </p:spPr>
+          <p:style>
+            <a:lnRef idx="1">
+              <a:schemeClr val="accent2"/>
+            </a:lnRef>
+            <a:fillRef idx="3">
+              <a:schemeClr val="accent2"/>
+            </a:fillRef>
+            <a:effectRef idx="2">
+              <a:schemeClr val="accent2"/>
+            </a:effectRef>
+            <a:fontRef idx="minor">
+              <a:schemeClr val="lt1"/>
+            </a:fontRef>
+          </p:style>
+          <p:txBody>
+            <a:bodyPr lIns="90000" rtlCol="0" anchor="ctr"/>
+            <a:lstStyle/>
+            <a:p>
+              <a:pPr algn="ctr"/>
+              <a:r>
+                <a:rPr lang="en-US" sz="2000">
+                  <a:solidFill>
+                    <a:schemeClr val="bg1"/>
+                  </a:solidFill>
+                </a:rPr>
+                <a:t>LunarLanding</a:t>
+              </a:r>
+            </a:p>
+          </p:txBody>
+        </p:sp>
+        <p:sp>
+          <p:nvSpPr>
+            <p:cNvPr id="27" name="Snip Single Corner Rectangle 26">
+              <a:extLst>
+                <a:ext uri="{FF2B5EF4-FFF2-40B4-BE49-F238E27FC236}">
+                  <a16:creationId xmlns:a16="http://schemas.microsoft.com/office/drawing/2014/main" id="{0AD9DCC2-315F-2D04-4695-DE9888B2726F}"/>
+                </a:ext>
+              </a:extLst>
+            </p:cNvPr>
+            <p:cNvSpPr/>
+            <p:nvPr/>
+          </p:nvSpPr>
+          <p:spPr>
+            <a:xfrm>
+              <a:off x="6550544" y="5031776"/>
+              <a:ext cx="2536003" cy="1162448"/>
+            </a:xfrm>
+            <a:prstGeom prst="snip1Rect">
+              <a:avLst>
+                <a:gd name="adj" fmla="val 26987"/>
+              </a:avLst>
+            </a:prstGeom>
+            <a:ln/>
+          </p:spPr>
+          <p:style>
+            <a:lnRef idx="1">
+              <a:schemeClr val="accent4"/>
+            </a:lnRef>
+            <a:fillRef idx="3">
+              <a:schemeClr val="accent4"/>
+            </a:fillRef>
+            <a:effectRef idx="2">
+              <a:schemeClr val="accent4"/>
+            </a:effectRef>
+            <a:fontRef idx="minor">
+              <a:schemeClr val="lt1"/>
+            </a:fontRef>
+          </p:style>
+          <p:txBody>
+            <a:bodyPr lIns="90000" rtlCol="0" anchor="ctr"/>
+            <a:lstStyle/>
+            <a:p>
+              <a:pPr algn="ctr"/>
+              <a:r>
+                <a:rPr lang="en-US" sz="2000">
+                  <a:solidFill>
+                    <a:schemeClr val="bg1"/>
+                  </a:solidFill>
+                </a:rPr>
+                <a:t>lunar-landing-org.lisak.avro.</a:t>
+              </a:r>
+              <a:br>
+                <a:rPr lang="en-US" sz="2000">
+                  <a:solidFill>
+                    <a:schemeClr val="bg1"/>
+                  </a:solidFill>
+                </a:rPr>
+              </a:br>
+              <a:r>
+                <a:rPr lang="en-US" sz="2000">
+                  <a:solidFill>
+                    <a:schemeClr val="bg1"/>
+                  </a:solidFill>
+                </a:rPr>
+                <a:t>LunarLanding</a:t>
+              </a:r>
+            </a:p>
+          </p:txBody>
+        </p:sp>
+        <p:sp>
+          <p:nvSpPr>
+            <p:cNvPr id="28" name="TextBox 27">
+              <a:extLst>
+                <a:ext uri="{FF2B5EF4-FFF2-40B4-BE49-F238E27FC236}">
+                  <a16:creationId xmlns:a16="http://schemas.microsoft.com/office/drawing/2014/main" id="{DA408440-42E8-E715-DB9D-E46B37F53198}"/>
+                </a:ext>
+              </a:extLst>
+            </p:cNvPr>
+            <p:cNvSpPr txBox="1"/>
+            <p:nvPr/>
+          </p:nvSpPr>
+          <p:spPr>
+            <a:xfrm>
+              <a:off x="9473406" y="5548003"/>
+              <a:ext cx="2422138" cy="307777"/>
+            </a:xfrm>
+            <a:prstGeom prst="rect">
+              <a:avLst/>
+            </a:prstGeom>
+            <a:noFill/>
+          </p:spPr>
+          <p:txBody>
+            <a:bodyPr wrap="none" lIns="0" tIns="0" rIns="0" bIns="0" rtlCol="0" anchor="b" anchorCtr="0">
+              <a:spAutoFit/>
+            </a:bodyPr>
+            <a:lstStyle/>
+            <a:p>
+              <a:pPr algn="l"/>
+              <a:r>
+                <a:rPr lang="en-US" sz="2000" dirty="0">
+                  <a:solidFill>
+                    <a:schemeClr val="accent2">
+                      <a:lumMod val="50000"/>
+                    </a:schemeClr>
+                  </a:solidFill>
+                  <a:latin typeface="Arial" panose="020B0604020202020204" pitchFamily="34" charset="0"/>
+                  <a:cs typeface="Arial" panose="020B0604020202020204" pitchFamily="34" charset="0"/>
+                </a:rPr>
+                <a:t>dle topicu a záznamu</a:t>
+              </a:r>
+            </a:p>
+          </p:txBody>
+        </p:sp>
+        <p:sp>
+          <p:nvSpPr>
+            <p:cNvPr id="29" name="Rounded Rectangle 28">
+              <a:extLst>
+                <a:ext uri="{FF2B5EF4-FFF2-40B4-BE49-F238E27FC236}">
+                  <a16:creationId xmlns:a16="http://schemas.microsoft.com/office/drawing/2014/main" id="{7B1C16F8-A62A-D4C9-FB69-7E1B4AD93663}"/>
+                </a:ext>
+              </a:extLst>
+            </p:cNvPr>
+            <p:cNvSpPr/>
+            <p:nvPr/>
+          </p:nvSpPr>
+          <p:spPr>
+            <a:xfrm>
+              <a:off x="359999" y="4949714"/>
+              <a:ext cx="11644432" cy="1392471"/>
+            </a:xfrm>
+            <a:prstGeom prst="roundRect">
+              <a:avLst/>
+            </a:prstGeom>
+            <a:noFill/>
+            <a:ln>
+              <a:solidFill>
+                <a:schemeClr val="accent1">
+                  <a:lumMod val="50000"/>
+                </a:schemeClr>
+              </a:solidFill>
+              <a:prstDash val="dash"/>
+            </a:ln>
+          </p:spPr>
+          <p:style>
+            <a:lnRef idx="2">
+              <a:schemeClr val="accent1">
+                <a:shade val="15000"/>
+              </a:schemeClr>
+            </a:lnRef>
+            <a:fillRef idx="1">
+              <a:schemeClr val="accent1"/>
+            </a:fillRef>
+            <a:effectRef idx="0">
+              <a:schemeClr val="accent1"/>
+            </a:effectRef>
+            <a:fontRef idx="minor">
+              <a:schemeClr val="lt1"/>
+            </a:fontRef>
+          </p:style>
+          <p:txBody>
+            <a:bodyPr lIns="90000" rtlCol="0" anchor="ctr"/>
+            <a:lstStyle/>
+            <a:p>
+              <a:pPr algn="ctr"/>
+              <a:endParaRPr lang="en-US"/>
+            </a:p>
+          </p:txBody>
+        </p:sp>
+      </p:grpSp>
+    </p:spTree>
+    <p:extLst>
+      <p:ext uri="{BB962C8B-B14F-4D97-AF65-F5344CB8AC3E}">
+        <p14:creationId xmlns:p14="http://schemas.microsoft.com/office/powerpoint/2010/main" val="2931168567"/>
+      </p:ext>
+    </p:extLst>
+  </p:cSld>
+  <p:clrMapOvr>
+    <a:masterClrMapping/>
+  </p:clrMapOvr>
+  <p:timing>
+    <p:tnLst>
+      <p:par>
+        <p:cTn id="1" dur="indefinite" restart="never" nodeType="tmRoot">
+          <p:childTnLst>
+            <p:seq concurrent="1" nextAc="seek">
+              <p:cTn id="2" dur="indefinite" nodeType="mainSeq">
+                <p:childTnLst>
+                  <p:par>
+                    <p:cTn id="3" fill="hold">
+                      <p:stCondLst>
+                        <p:cond delay="indefinite"/>
+                      </p:stCondLst>
+                      <p:childTnLst>
+                        <p:par>
+                          <p:cTn id="4" fill="hold">
+                            <p:stCondLst>
+                              <p:cond delay="0"/>
+                            </p:stCondLst>
+                            <p:childTnLst>
+                              <p:par>
+                                <p:cTn id="5" presetID="1" presetClass="entr" presetSubtype="0" fill="hold" nodeType="clickEffect">
+                                  <p:stCondLst>
+                                    <p:cond delay="0"/>
+                                  </p:stCondLst>
+                                  <p:childTnLst>
+                                    <p:set>
+                                      <p:cBhvr>
+                                        <p:cTn id="6" dur="1" fill="hold">
+                                          <p:stCondLst>
+                                            <p:cond delay="0"/>
+                                          </p:stCondLst>
+                                        </p:cTn>
+                                        <p:tgtEl>
+                                          <p:spTgt spid="30"/>
+                                        </p:tgtEl>
+                                        <p:attrNameLst>
+                                          <p:attrName>style.visibility</p:attrName>
+                                        </p:attrNameLst>
+                                      </p:cBhvr>
+                                      <p:to>
+                                        <p:strVal val="visible"/>
+                                      </p:to>
+                                    </p:set>
+                                  </p:childTnLst>
+                                </p:cTn>
+                              </p:par>
+                            </p:childTnLst>
+                          </p:cTn>
+                        </p:par>
+                      </p:childTnLst>
+                    </p:cTn>
+                  </p:par>
+                  <p:par>
+                    <p:cTn id="7" fill="hold">
+                      <p:stCondLst>
+                        <p:cond delay="indefinite"/>
+                      </p:stCondLst>
+                      <p:childTnLst>
+                        <p:par>
+                          <p:cTn id="8" fill="hold">
+                            <p:stCondLst>
+                              <p:cond delay="0"/>
+                            </p:stCondLst>
+                            <p:childTnLst>
+                              <p:par>
+                                <p:cTn id="9" presetID="1" presetClass="entr" presetSubtype="0" fill="hold" nodeType="clickEffect">
+                                  <p:stCondLst>
+                                    <p:cond delay="0"/>
+                                  </p:stCondLst>
+                                  <p:childTnLst>
+                                    <p:set>
+                                      <p:cBhvr>
+                                        <p:cTn id="10" dur="1" fill="hold">
+                                          <p:stCondLst>
+                                            <p:cond delay="0"/>
+                                          </p:stCondLst>
+                                        </p:cTn>
+                                        <p:tgtEl>
+                                          <p:spTgt spid="31"/>
+                                        </p:tgtEl>
+                                        <p:attrNameLst>
+                                          <p:attrName>style.visibility</p:attrName>
+                                        </p:attrNameLst>
+                                      </p:cBhvr>
+                                      <p:to>
+                                        <p:strVal val="visible"/>
+                                      </p:to>
+                                    </p:set>
+                                  </p:childTnLst>
+                                </p:cTn>
+                              </p:par>
+                            </p:childTnLst>
+                          </p:cTn>
+                        </p:par>
+                      </p:childTnLst>
+                    </p:cTn>
+                  </p:par>
+                  <p:par>
+                    <p:cTn id="11" fill="hold">
+                      <p:stCondLst>
+                        <p:cond delay="indefinite"/>
+                      </p:stCondLst>
+                      <p:childTnLst>
+                        <p:par>
+                          <p:cTn id="12" fill="hold">
+                            <p:stCondLst>
+                              <p:cond delay="0"/>
+                            </p:stCondLst>
+                            <p:childTnLst>
+                              <p:par>
+                                <p:cTn id="13" presetID="1" presetClass="entr" presetSubtype="0" fill="hold" nodeType="clickEffect">
+                                  <p:stCondLst>
+                                    <p:cond delay="0"/>
+                                  </p:stCondLst>
+                                  <p:childTnLst>
+                                    <p:set>
+                                      <p:cBhvr>
+                                        <p:cTn id="14" dur="1" fill="hold">
+                                          <p:stCondLst>
+                                            <p:cond delay="0"/>
+                                          </p:stCondLst>
+                                        </p:cTn>
+                                        <p:tgtEl>
+                                          <p:spTgt spid="32"/>
+                                        </p:tgtEl>
+                                        <p:attrNameLst>
+                                          <p:attrName>style.visibility</p:attrName>
+                                        </p:attrNameLst>
+                                      </p:cBhvr>
+                                      <p:to>
+                                        <p:strVal val="visible"/>
+                                      </p:to>
+                                    </p:set>
+                                  </p:childTnLst>
+                                </p:cTn>
+                              </p:par>
+                            </p:childTnLst>
+                          </p:cTn>
+                        </p:par>
+                      </p:childTnLst>
+                    </p:cTn>
+                  </p:par>
+                </p:childTnLst>
+              </p:cTn>
+              <p:prevCondLst>
+                <p:cond evt="onPrev" delay="0">
+                  <p:tgtEl>
+                    <p:sldTgt/>
+                  </p:tgtEl>
+                </p:cond>
+              </p:prevCondLst>
+              <p:nextCondLst>
+                <p:cond evt="onNext" delay="0">
+                  <p:tgtEl>
+                    <p:sldTgt/>
+                  </p:tgtEl>
+                </p:cond>
+              </p:nextCondLst>
+            </p:seq>
+          </p:childTnLst>
+        </p:cTn>
+      </p:par>
+    </p:tnLst>
+  </p:timing>
+</p:sld>
+</file>
+
+<file path=ppt/slides/slide22.xml><?xml version="1.0" encoding="utf-8"?>
+<p:sld xmlns:a="http://schemas.openxmlformats.org/drawingml/2006/main" xmlns:r="http://schemas.openxmlformats.org/officeDocument/2006/relationships" xmlns:p="http://schemas.openxmlformats.org/presentationml/2006/main">
+  <p:cSld>
+    <p:spTree>
+      <p:nvGrpSpPr>
+        <p:cNvPr id="1" name="">
+          <a:extLst>
+            <a:ext uri="{FF2B5EF4-FFF2-40B4-BE49-F238E27FC236}">
+              <a16:creationId xmlns:a16="http://schemas.microsoft.com/office/drawing/2014/main" id="{72A5DBA7-1E04-9FBA-DE67-BD0A3EC2DC5D}"/>
+            </a:ext>
+          </a:extLst>
+        </p:cNvPr>
+        <p:cNvGrpSpPr/>
+        <p:nvPr/>
+      </p:nvGrpSpPr>
+      <p:grpSpPr>
+        <a:xfrm>
+          <a:off x="0" y="0"/>
+          <a:ext cx="0" cy="0"/>
+          <a:chOff x="0" y="0"/>
+          <a:chExt cx="0" cy="0"/>
+        </a:xfrm>
+      </p:grpSpPr>
+      <p:sp>
+        <p:nvSpPr>
+          <p:cNvPr id="2" name="Text Placeholder 1">
+            <a:extLst>
+              <a:ext uri="{FF2B5EF4-FFF2-40B4-BE49-F238E27FC236}">
+                <a16:creationId xmlns:a16="http://schemas.microsoft.com/office/drawing/2014/main" id="{A5D91B3C-AB6E-D3AE-D84D-12A0F040ED7D}"/>
+              </a:ext>
+            </a:extLst>
+          </p:cNvPr>
+          <p:cNvSpPr>
+            <a:spLocks noGrp="1"/>
+          </p:cNvSpPr>
+          <p:nvPr>
+            <p:ph type="body" sz="quarter" idx="12"/>
+          </p:nvPr>
+        </p:nvSpPr>
+        <p:spPr>
+          <a:xfrm>
+            <a:off x="360000" y="828000"/>
+            <a:ext cx="4751262" cy="641842"/>
+          </a:xfrm>
+        </p:spPr>
+        <p:txBody>
+          <a:bodyPr/>
+          <a:lstStyle/>
+          <a:p>
+            <a:r>
+              <a:rPr lang="en-US"/>
+              <a:t>Režimy kompatibility</a:t>
+            </a:r>
+          </a:p>
+          <a:p>
+            <a:r>
+              <a:rPr lang="en-US" sz="2000">
+                <a:solidFill>
+                  <a:schemeClr val="accent1">
+                    <a:lumMod val="50000"/>
+                  </a:schemeClr>
+                </a:solidFill>
+              </a:rPr>
+              <a:t>změna je život</a:t>
+            </a:r>
+          </a:p>
+        </p:txBody>
+      </p:sp>
+      <p:sp>
+        <p:nvSpPr>
+          <p:cNvPr id="3" name="Text Placeholder 2">
+            <a:extLst>
+              <a:ext uri="{FF2B5EF4-FFF2-40B4-BE49-F238E27FC236}">
+                <a16:creationId xmlns:a16="http://schemas.microsoft.com/office/drawing/2014/main" id="{B19E7B4D-CE4F-7B81-F7DC-6014F11CCD04}"/>
+              </a:ext>
+            </a:extLst>
+          </p:cNvPr>
+          <p:cNvSpPr>
+            <a:spLocks noGrp="1"/>
+          </p:cNvSpPr>
+          <p:nvPr>
+            <p:ph type="body" sz="quarter" idx="23"/>
+          </p:nvPr>
+        </p:nvSpPr>
+        <p:spPr/>
+        <p:txBody>
+          <a:bodyPr/>
+          <a:lstStyle/>
+          <a:p>
+            <a:endParaRPr lang="en-US"/>
+          </a:p>
+        </p:txBody>
+      </p:sp>
+      <p:sp>
+        <p:nvSpPr>
+          <p:cNvPr id="6" name="TextBox 5">
+            <a:extLst>
+              <a:ext uri="{FF2B5EF4-FFF2-40B4-BE49-F238E27FC236}">
+                <a16:creationId xmlns:a16="http://schemas.microsoft.com/office/drawing/2014/main" id="{1201FB35-533E-728D-D50E-DE09E8C6F6B2}"/>
+              </a:ext>
+            </a:extLst>
+          </p:cNvPr>
+          <p:cNvSpPr txBox="1"/>
+          <p:nvPr/>
+        </p:nvSpPr>
+        <p:spPr>
+          <a:xfrm>
+            <a:off x="6650702" y="212447"/>
+            <a:ext cx="3230180" cy="1231106"/>
+          </a:xfrm>
+          <a:prstGeom prst="rect">
+            <a:avLst/>
+          </a:prstGeom>
+          <a:noFill/>
+        </p:spPr>
+        <p:txBody>
+          <a:bodyPr wrap="none" lIns="0" tIns="0" rIns="0" bIns="0" rtlCol="0" anchor="b" anchorCtr="0">
+            <a:spAutoFit/>
+          </a:bodyPr>
+          <a:lstStyle/>
+          <a:p>
+            <a:pPr algn="l"/>
+            <a:r>
+              <a:rPr lang="en-US" sz="2000" dirty="0">
+                <a:latin typeface="Arial" panose="020B0604020202020204" pitchFamily="34" charset="0"/>
+                <a:cs typeface="Arial" panose="020B0604020202020204" pitchFamily="34" charset="0"/>
+              </a:rPr>
+              <a:t>BACKWARD (TRANSITIVE)</a:t>
+            </a:r>
+          </a:p>
+          <a:p>
+            <a:pPr algn="l"/>
+            <a:r>
+              <a:rPr lang="en-US" sz="2000" dirty="0">
+                <a:latin typeface="Arial" panose="020B0604020202020204" pitchFamily="34" charset="0"/>
+                <a:cs typeface="Arial" panose="020B0604020202020204" pitchFamily="34" charset="0"/>
+              </a:rPr>
+              <a:t>FORWARD (TRANSITIVE)</a:t>
+            </a:r>
+          </a:p>
+          <a:p>
+            <a:pPr algn="l"/>
+            <a:r>
+              <a:rPr lang="en-US" sz="2000" dirty="0">
+                <a:latin typeface="Arial" panose="020B0604020202020204" pitchFamily="34" charset="0"/>
+                <a:cs typeface="Arial" panose="020B0604020202020204" pitchFamily="34" charset="0"/>
+              </a:rPr>
+              <a:t>FULL</a:t>
+            </a:r>
+          </a:p>
+          <a:p>
+            <a:pPr algn="l"/>
+            <a:r>
+              <a:rPr lang="en-US" sz="2000" dirty="0">
+                <a:latin typeface="Arial" panose="020B0604020202020204" pitchFamily="34" charset="0"/>
+                <a:cs typeface="Arial" panose="020B0604020202020204" pitchFamily="34" charset="0"/>
+              </a:rPr>
+              <a:t>NONE</a:t>
+            </a:r>
+          </a:p>
+        </p:txBody>
+      </p:sp>
+      <p:sp>
+        <p:nvSpPr>
+          <p:cNvPr id="10" name="TextBox 9">
+            <a:extLst>
+              <a:ext uri="{FF2B5EF4-FFF2-40B4-BE49-F238E27FC236}">
+                <a16:creationId xmlns:a16="http://schemas.microsoft.com/office/drawing/2014/main" id="{EA8860D4-DD18-0900-64D5-8786C250FEB7}"/>
+              </a:ext>
+            </a:extLst>
+          </p:cNvPr>
+          <p:cNvSpPr txBox="1"/>
+          <p:nvPr/>
+        </p:nvSpPr>
+        <p:spPr>
+          <a:xfrm>
+            <a:off x="332334" y="1737595"/>
+            <a:ext cx="8345322" cy="560346"/>
+          </a:xfrm>
+          <a:prstGeom prst="rect">
+            <a:avLst/>
+          </a:prstGeom>
+          <a:noFill/>
+        </p:spPr>
+        <p:txBody>
+          <a:bodyPr wrap="square">
+            <a:spAutoFit/>
+          </a:bodyPr>
+          <a:lstStyle/>
+          <a:p>
+            <a:pPr marL="171450" indent="-171450" algn="l">
+              <a:lnSpc>
+                <a:spcPct val="200000"/>
+              </a:lnSpc>
+              <a:buFont typeface="Wingdings" pitchFamily="2" charset="2"/>
+              <a:buChar char="§"/>
+            </a:pPr>
+            <a:r>
+              <a:rPr lang="en-US" dirty="0">
+                <a:solidFill>
+                  <a:schemeClr val="accent2">
+                    <a:lumMod val="50000"/>
+                  </a:schemeClr>
+                </a:solidFill>
+                <a:latin typeface="Arial" panose="020B0604020202020204" pitchFamily="34" charset="0"/>
+                <a:cs typeface="Arial" panose="020B0604020202020204" pitchFamily="34" charset="0"/>
+              </a:rPr>
+              <a:t>Určuje </a:t>
+            </a:r>
+            <a:r>
+              <a:rPr lang="en-US" b="1" dirty="0">
+                <a:solidFill>
+                  <a:schemeClr val="accent2">
+                    <a:lumMod val="50000"/>
+                  </a:schemeClr>
+                </a:solidFill>
+                <a:latin typeface="Arial" panose="020B0604020202020204" pitchFamily="34" charset="0"/>
+                <a:cs typeface="Arial" panose="020B0604020202020204" pitchFamily="34" charset="0"/>
+              </a:rPr>
+              <a:t>charakter změn</a:t>
+            </a:r>
+            <a:r>
+              <a:rPr lang="en-US" dirty="0">
+                <a:solidFill>
+                  <a:schemeClr val="accent2">
+                    <a:lumMod val="50000"/>
+                  </a:schemeClr>
+                </a:solidFill>
+                <a:latin typeface="Arial" panose="020B0604020202020204" pitchFamily="34" charset="0"/>
+                <a:cs typeface="Arial" panose="020B0604020202020204" pitchFamily="34" charset="0"/>
+              </a:rPr>
+              <a:t>, které je možné provádět mezi </a:t>
+            </a:r>
+            <a:r>
+              <a:rPr lang="en-US" b="1" dirty="0">
+                <a:solidFill>
+                  <a:schemeClr val="accent2">
+                    <a:lumMod val="50000"/>
+                  </a:schemeClr>
+                </a:solidFill>
+                <a:latin typeface="Arial" panose="020B0604020202020204" pitchFamily="34" charset="0"/>
+                <a:cs typeface="Arial" panose="020B0604020202020204" pitchFamily="34" charset="0"/>
+              </a:rPr>
+              <a:t>verzemi subjektu</a:t>
+            </a:r>
+          </a:p>
+        </p:txBody>
+      </p:sp>
+      <p:graphicFrame>
+        <p:nvGraphicFramePr>
+          <p:cNvPr id="15" name="Table 14">
+            <a:extLst>
+              <a:ext uri="{FF2B5EF4-FFF2-40B4-BE49-F238E27FC236}">
+                <a16:creationId xmlns:a16="http://schemas.microsoft.com/office/drawing/2014/main" id="{E512A2C0-89A6-6FDD-096E-16BD5459E973}"/>
+              </a:ext>
+            </a:extLst>
+          </p:cNvPr>
+          <p:cNvGraphicFramePr>
+            <a:graphicFrameLocks noGrp="1"/>
+          </p:cNvGraphicFramePr>
+          <p:nvPr>
+            <p:extLst>
+              <p:ext uri="{D42A27DB-BD31-4B8C-83A1-F6EECF244321}">
+                <p14:modId xmlns:p14="http://schemas.microsoft.com/office/powerpoint/2010/main" val="3293566661"/>
+              </p:ext>
+            </p:extLst>
+          </p:nvPr>
+        </p:nvGraphicFramePr>
+        <p:xfrm>
+          <a:off x="549656" y="2459087"/>
+          <a:ext cx="9838944" cy="3039757"/>
+        </p:xfrm>
+        <a:graphic>
+          <a:graphicData uri="http://schemas.openxmlformats.org/drawingml/2006/table">
+            <a:tbl>
+              <a:tblPr firstRow="1" bandRow="1">
+                <a:tableStyleId>{0660B408-B3CF-4A94-85FC-2B1E0A45F4A2}</a:tableStyleId>
+              </a:tblPr>
+              <a:tblGrid>
+                <a:gridCol w="2951418">
+                  <a:extLst>
+                    <a:ext uri="{9D8B030D-6E8A-4147-A177-3AD203B41FA5}">
+                      <a16:colId xmlns:a16="http://schemas.microsoft.com/office/drawing/2014/main" val="1557400392"/>
+                    </a:ext>
+                  </a:extLst>
+                </a:gridCol>
+                <a:gridCol w="4256674">
+                  <a:extLst>
+                    <a:ext uri="{9D8B030D-6E8A-4147-A177-3AD203B41FA5}">
+                      <a16:colId xmlns:a16="http://schemas.microsoft.com/office/drawing/2014/main" val="1087208062"/>
+                    </a:ext>
+                  </a:extLst>
+                </a:gridCol>
+                <a:gridCol w="2630852">
+                  <a:extLst>
+                    <a:ext uri="{9D8B030D-6E8A-4147-A177-3AD203B41FA5}">
+                      <a16:colId xmlns:a16="http://schemas.microsoft.com/office/drawing/2014/main" val="400457764"/>
+                    </a:ext>
+                  </a:extLst>
+                </a:gridCol>
+              </a:tblGrid>
+              <a:tr h="375553">
+                <a:tc>
+                  <a:txBody>
+                    <a:bodyPr/>
+                    <a:lstStyle/>
+                    <a:p>
+                      <a:r>
+                        <a:rPr lang="en-US"/>
+                        <a:t>Kompatibilita</a:t>
+                      </a:r>
+                    </a:p>
+                  </a:txBody>
+                  <a:tcPr anchor="ctr"/>
+                </a:tc>
+                <a:tc>
+                  <a:txBody>
+                    <a:bodyPr/>
+                    <a:lstStyle/>
+                    <a:p>
+                      <a:r>
+                        <a:rPr lang="en-US"/>
+                        <a:t>Možné změny</a:t>
+                      </a:r>
+                    </a:p>
+                  </a:txBody>
+                  <a:tcPr anchor="ctr"/>
+                </a:tc>
+                <a:tc>
+                  <a:txBody>
+                    <a:bodyPr/>
+                    <a:lstStyle/>
+                    <a:p>
+                      <a:r>
+                        <a:rPr lang="en-US"/>
+                        <a:t>První upgraduje...</a:t>
+                      </a:r>
+                    </a:p>
+                  </a:txBody>
+                  <a:tcPr anchor="ctr"/>
+                </a:tc>
+                <a:extLst>
+                  <a:ext uri="{0D108BD9-81ED-4DB2-BD59-A6C34878D82A}">
+                    <a16:rowId xmlns:a16="http://schemas.microsoft.com/office/drawing/2014/main" val="2534058144"/>
+                  </a:ext>
+                </a:extLst>
+              </a:tr>
+              <a:tr h="666051">
+                <a:tc>
+                  <a:txBody>
+                    <a:bodyPr/>
+                    <a:lstStyle/>
+                    <a:p>
+                      <a:r>
+                        <a:rPr lang="en-US" b="1"/>
+                        <a:t>Backward</a:t>
+                      </a:r>
+                    </a:p>
+                  </a:txBody>
+                  <a:tcPr anchor="ctr"/>
+                </a:tc>
+                <a:tc>
+                  <a:txBody>
+                    <a:bodyPr/>
+                    <a:lstStyle/>
+                    <a:p>
+                      <a:r>
+                        <a:rPr lang="en-US"/>
+                        <a:t>smazání atributu</a:t>
+                      </a:r>
+                    </a:p>
+                    <a:p>
+                      <a:r>
+                        <a:rPr lang="en-US"/>
+                        <a:t>přidání volitelného atributu</a:t>
+                      </a:r>
+                    </a:p>
+                  </a:txBody>
+                  <a:tcPr anchor="ctr"/>
+                </a:tc>
+                <a:tc>
+                  <a:txBody>
+                    <a:bodyPr/>
+                    <a:lstStyle/>
+                    <a:p>
+                      <a:r>
+                        <a:rPr lang="en-US"/>
+                        <a:t>konzument</a:t>
+                      </a:r>
+                    </a:p>
+                  </a:txBody>
+                  <a:tcPr marL="640080" anchor="ctr"/>
+                </a:tc>
+                <a:extLst>
+                  <a:ext uri="{0D108BD9-81ED-4DB2-BD59-A6C34878D82A}">
+                    <a16:rowId xmlns:a16="http://schemas.microsoft.com/office/drawing/2014/main" val="4184561573"/>
+                  </a:ext>
+                </a:extLst>
+              </a:tr>
+              <a:tr h="666051">
+                <a:tc>
+                  <a:txBody>
+                    <a:bodyPr/>
+                    <a:lstStyle/>
+                    <a:p>
+                      <a:r>
+                        <a:rPr lang="en-US" b="1"/>
+                        <a:t>Forward</a:t>
+                      </a:r>
+                    </a:p>
+                  </a:txBody>
+                  <a:tcPr anchor="ctr"/>
+                </a:tc>
+                <a:tc>
+                  <a:txBody>
+                    <a:bodyPr/>
+                    <a:lstStyle/>
+                    <a:p>
+                      <a:r>
+                        <a:rPr lang="en-US"/>
+                        <a:t>přidání atributu</a:t>
+                      </a:r>
+                    </a:p>
+                    <a:p>
+                      <a:r>
+                        <a:rPr lang="en-US"/>
+                        <a:t>smazání volitelného atributu</a:t>
+                      </a:r>
+                    </a:p>
+                  </a:txBody>
+                  <a:tcPr anchor="ctr"/>
+                </a:tc>
+                <a:tc>
+                  <a:txBody>
+                    <a:bodyPr/>
+                    <a:lstStyle/>
+                    <a:p>
+                      <a:r>
+                        <a:rPr lang="en-US"/>
+                        <a:t>producent</a:t>
+                      </a:r>
+                    </a:p>
+                  </a:txBody>
+                  <a:tcPr marL="640080" anchor="ctr"/>
+                </a:tc>
+                <a:extLst>
+                  <a:ext uri="{0D108BD9-81ED-4DB2-BD59-A6C34878D82A}">
+                    <a16:rowId xmlns:a16="http://schemas.microsoft.com/office/drawing/2014/main" val="3814415770"/>
+                  </a:ext>
+                </a:extLst>
+              </a:tr>
+              <a:tr h="666051">
+                <a:tc>
+                  <a:txBody>
+                    <a:bodyPr/>
+                    <a:lstStyle/>
+                    <a:p>
+                      <a:r>
+                        <a:rPr lang="en-US" b="1"/>
+                        <a:t>Full</a:t>
+                      </a:r>
+                    </a:p>
+                  </a:txBody>
+                  <a:tcPr anchor="ctr"/>
+                </a:tc>
+                <a:tc>
+                  <a:txBody>
+                    <a:bodyPr/>
+                    <a:lstStyle/>
+                    <a:p>
+                      <a:pPr marL="0" marR="0" lvl="0" indent="0" algn="l" defTabSz="914400" rtl="0" eaLnBrk="1" fontAlgn="auto" latinLnBrk="0" hangingPunct="1">
+                        <a:lnSpc>
+                          <a:spcPct val="100000"/>
+                        </a:lnSpc>
+                        <a:spcBef>
+                          <a:spcPts val="0"/>
+                        </a:spcBef>
+                        <a:spcAft>
+                          <a:spcPts val="0"/>
+                        </a:spcAft>
+                        <a:buClrTx/>
+                        <a:buSzTx/>
+                        <a:buFontTx/>
+                        <a:buNone/>
+                        <a:tabLst/>
+                        <a:defRPr/>
+                      </a:pPr>
+                      <a:r>
+                        <a:rPr lang="en-US"/>
+                        <a:t>přidání volitelného atributu</a:t>
+                      </a:r>
+                    </a:p>
+                    <a:p>
+                      <a:pPr marL="0" marR="0" lvl="0" indent="0" algn="l" defTabSz="914400" rtl="0" eaLnBrk="1" fontAlgn="auto" latinLnBrk="0" hangingPunct="1">
+                        <a:lnSpc>
+                          <a:spcPct val="100000"/>
+                        </a:lnSpc>
+                        <a:spcBef>
+                          <a:spcPts val="0"/>
+                        </a:spcBef>
+                        <a:spcAft>
+                          <a:spcPts val="0"/>
+                        </a:spcAft>
+                        <a:buClrTx/>
+                        <a:buSzTx/>
+                        <a:buFontTx/>
+                        <a:buNone/>
+                        <a:tabLst/>
+                        <a:defRPr/>
+                      </a:pPr>
+                      <a:r>
+                        <a:rPr lang="en-US"/>
+                        <a:t>smazání volitelného atributu</a:t>
+                      </a:r>
+                    </a:p>
+                  </a:txBody>
+                  <a:tcPr anchor="ctr"/>
+                </a:tc>
+                <a:tc>
+                  <a:txBody>
+                    <a:bodyPr/>
+                    <a:lstStyle/>
+                    <a:p>
+                      <a:r>
+                        <a:rPr lang="en-US"/>
+                        <a:t>na pořadí nezáleží</a:t>
+                      </a:r>
+                    </a:p>
+                  </a:txBody>
+                  <a:tcPr anchor="ctr"/>
+                </a:tc>
+                <a:extLst>
+                  <a:ext uri="{0D108BD9-81ED-4DB2-BD59-A6C34878D82A}">
+                    <a16:rowId xmlns:a16="http://schemas.microsoft.com/office/drawing/2014/main" val="1022869680"/>
+                  </a:ext>
+                </a:extLst>
+              </a:tr>
+              <a:tr h="666051">
+                <a:tc>
+                  <a:txBody>
+                    <a:bodyPr/>
+                    <a:lstStyle/>
+                    <a:p>
+                      <a:r>
+                        <a:rPr lang="en-US" b="1"/>
+                        <a:t>None</a:t>
+                      </a:r>
+                    </a:p>
+                  </a:txBody>
+                  <a:tcPr anchor="ctr"/>
+                </a:tc>
+                <a:tc>
+                  <a:txBody>
+                    <a:bodyPr/>
+                    <a:lstStyle/>
+                    <a:p>
+                      <a:r>
+                        <a:rPr lang="en-US"/>
+                        <a:t>cokoliv</a:t>
+                      </a:r>
+                    </a:p>
+                  </a:txBody>
+                  <a:tcPr anchor="ctr"/>
+                </a:tc>
+                <a:tc>
+                  <a:txBody>
+                    <a:bodyPr/>
+                    <a:lstStyle/>
+                    <a:p>
+                      <a:r>
+                        <a:rPr lang="en-US"/>
+                        <a:t>oba současně</a:t>
+                      </a:r>
+                    </a:p>
+                  </a:txBody>
+                  <a:tcPr anchor="ctr"/>
+                </a:tc>
+                <a:extLst>
+                  <a:ext uri="{0D108BD9-81ED-4DB2-BD59-A6C34878D82A}">
+                    <a16:rowId xmlns:a16="http://schemas.microsoft.com/office/drawing/2014/main" val="2802529361"/>
+                  </a:ext>
+                </a:extLst>
+              </a:tr>
+            </a:tbl>
+          </a:graphicData>
+        </a:graphic>
+      </p:graphicFrame>
+      <p:sp>
+        <p:nvSpPr>
+          <p:cNvPr id="16" name="TextBox 15">
+            <a:extLst>
+              <a:ext uri="{FF2B5EF4-FFF2-40B4-BE49-F238E27FC236}">
+                <a16:creationId xmlns:a16="http://schemas.microsoft.com/office/drawing/2014/main" id="{99F75429-69E2-B63F-9559-8F0D88C77680}"/>
+              </a:ext>
+            </a:extLst>
+          </p:cNvPr>
+          <p:cNvSpPr txBox="1"/>
+          <p:nvPr/>
+        </p:nvSpPr>
+        <p:spPr>
+          <a:xfrm>
+            <a:off x="359999" y="5659990"/>
+            <a:ext cx="9042399" cy="560346"/>
+          </a:xfrm>
+          <a:prstGeom prst="rect">
+            <a:avLst/>
+          </a:prstGeom>
+          <a:noFill/>
+        </p:spPr>
+        <p:txBody>
+          <a:bodyPr wrap="square">
+            <a:spAutoFit/>
+          </a:bodyPr>
+          <a:lstStyle/>
+          <a:p>
+            <a:pPr marL="171450" indent="-171450" algn="l">
+              <a:lnSpc>
+                <a:spcPct val="200000"/>
+              </a:lnSpc>
+              <a:buFont typeface="Wingdings" pitchFamily="2" charset="2"/>
+              <a:buChar char="§"/>
+            </a:pPr>
+            <a:r>
+              <a:rPr lang="en-US" b="1" dirty="0">
+                <a:solidFill>
+                  <a:schemeClr val="accent2">
+                    <a:lumMod val="50000"/>
+                  </a:schemeClr>
+                </a:solidFill>
+                <a:latin typeface="Arial" panose="020B0604020202020204" pitchFamily="34" charset="0"/>
+                <a:cs typeface="Arial" panose="020B0604020202020204" pitchFamily="34" charset="0"/>
+              </a:rPr>
+              <a:t>Nastavení:</a:t>
+            </a:r>
+            <a:r>
+              <a:rPr lang="en-US" dirty="0">
+                <a:solidFill>
+                  <a:schemeClr val="accent2">
+                    <a:lumMod val="50000"/>
+                  </a:schemeClr>
+                </a:solidFill>
+                <a:latin typeface="Arial" panose="020B0604020202020204" pitchFamily="34" charset="0"/>
+                <a:cs typeface="Arial" panose="020B0604020202020204" pitchFamily="34" charset="0"/>
+              </a:rPr>
+              <a:t> Defaultní na úrovni </a:t>
+            </a:r>
+            <a:r>
+              <a:rPr lang="en-US" b="1" dirty="0">
+                <a:solidFill>
+                  <a:schemeClr val="accent2">
+                    <a:lumMod val="50000"/>
+                  </a:schemeClr>
+                </a:solidFill>
+                <a:latin typeface="Arial" panose="020B0604020202020204" pitchFamily="34" charset="0"/>
+                <a:cs typeface="Arial" panose="020B0604020202020204" pitchFamily="34" charset="0"/>
+              </a:rPr>
+              <a:t>registru</a:t>
+            </a:r>
+            <a:r>
+              <a:rPr lang="en-US" dirty="0">
+                <a:solidFill>
+                  <a:schemeClr val="accent2">
+                    <a:lumMod val="50000"/>
+                  </a:schemeClr>
+                </a:solidFill>
+                <a:latin typeface="Arial" panose="020B0604020202020204" pitchFamily="34" charset="0"/>
+                <a:cs typeface="Arial" panose="020B0604020202020204" pitchFamily="34" charset="0"/>
+              </a:rPr>
+              <a:t>, individuálně na každém </a:t>
+            </a:r>
+            <a:r>
+              <a:rPr lang="en-US" b="1" dirty="0">
+                <a:solidFill>
+                  <a:schemeClr val="accent2">
+                    <a:lumMod val="50000"/>
+                  </a:schemeClr>
+                </a:solidFill>
+                <a:latin typeface="Arial" panose="020B0604020202020204" pitchFamily="34" charset="0"/>
+                <a:cs typeface="Arial" panose="020B0604020202020204" pitchFamily="34" charset="0"/>
+              </a:rPr>
+              <a:t>subjektu</a:t>
+            </a:r>
+            <a:r>
+              <a:rPr lang="en-US" dirty="0">
+                <a:solidFill>
+                  <a:schemeClr val="accent2">
+                    <a:lumMod val="50000"/>
+                  </a:schemeClr>
+                </a:solidFill>
+                <a:latin typeface="Arial" panose="020B0604020202020204" pitchFamily="34" charset="0"/>
+                <a:cs typeface="Arial" panose="020B0604020202020204" pitchFamily="34" charset="0"/>
+              </a:rPr>
+              <a:t> (přes API)</a:t>
+            </a:r>
+          </a:p>
+        </p:txBody>
+      </p:sp>
+      <p:grpSp>
+        <p:nvGrpSpPr>
+          <p:cNvPr id="17" name="Group 16">
+            <a:extLst>
+              <a:ext uri="{FF2B5EF4-FFF2-40B4-BE49-F238E27FC236}">
+                <a16:creationId xmlns:a16="http://schemas.microsoft.com/office/drawing/2014/main" id="{1E85C540-4751-86AA-0561-4504B15679C0}"/>
+              </a:ext>
+            </a:extLst>
+          </p:cNvPr>
+          <p:cNvGrpSpPr/>
+          <p:nvPr/>
+        </p:nvGrpSpPr>
+        <p:grpSpPr>
+          <a:xfrm>
+            <a:off x="7877016" y="2990047"/>
+            <a:ext cx="409209" cy="396618"/>
+            <a:chOff x="7674429" y="2906486"/>
+            <a:chExt cx="914400" cy="914400"/>
+          </a:xfrm>
+        </p:grpSpPr>
+        <p:sp>
+          <p:nvSpPr>
+            <p:cNvPr id="18" name="Pie 17">
+              <a:extLst>
+                <a:ext uri="{FF2B5EF4-FFF2-40B4-BE49-F238E27FC236}">
+                  <a16:creationId xmlns:a16="http://schemas.microsoft.com/office/drawing/2014/main" id="{8400B21A-B9CF-294F-A7B9-A11350F1ACC4}"/>
+                </a:ext>
+              </a:extLst>
+            </p:cNvPr>
+            <p:cNvSpPr/>
+            <p:nvPr/>
+          </p:nvSpPr>
+          <p:spPr>
+            <a:xfrm rot="2703615">
+              <a:off x="7674429" y="2906486"/>
+              <a:ext cx="914400" cy="914400"/>
+            </a:xfrm>
+            <a:prstGeom prst="pie">
+              <a:avLst>
+                <a:gd name="adj1" fmla="val 85936"/>
+                <a:gd name="adj2" fmla="val 16200000"/>
+              </a:avLst>
+            </a:prstGeom>
+            <a:solidFill>
+              <a:srgbClr val="F4F400"/>
+            </a:solidFill>
+            <a:ln>
+              <a:solidFill>
+                <a:schemeClr val="accent6"/>
+              </a:solidFill>
+            </a:ln>
+          </p:spPr>
+          <p:style>
+            <a:lnRef idx="2">
+              <a:schemeClr val="accent1">
+                <a:shade val="15000"/>
+              </a:schemeClr>
+            </a:lnRef>
+            <a:fillRef idx="1">
+              <a:schemeClr val="accent1"/>
+            </a:fillRef>
+            <a:effectRef idx="0">
+              <a:schemeClr val="accent1"/>
+            </a:effectRef>
+            <a:fontRef idx="minor">
+              <a:schemeClr val="lt1"/>
+            </a:fontRef>
+          </p:style>
+          <p:txBody>
+            <a:bodyPr lIns="90000" rtlCol="0" anchor="ctr"/>
+            <a:lstStyle/>
+            <a:p>
+              <a:pPr algn="ctr"/>
+              <a:endParaRPr lang="en-US">
+                <a:solidFill>
+                  <a:schemeClr val="tx1"/>
+                </a:solidFill>
+              </a:endParaRPr>
+            </a:p>
+          </p:txBody>
+        </p:sp>
+        <p:sp>
+          <p:nvSpPr>
+            <p:cNvPr id="19" name="Oval 18">
+              <a:extLst>
+                <a:ext uri="{FF2B5EF4-FFF2-40B4-BE49-F238E27FC236}">
+                  <a16:creationId xmlns:a16="http://schemas.microsoft.com/office/drawing/2014/main" id="{E8B4C682-D6C9-370D-3655-69013F4BCEAE}"/>
+                </a:ext>
+              </a:extLst>
+            </p:cNvPr>
+            <p:cNvSpPr/>
+            <p:nvPr/>
+          </p:nvSpPr>
+          <p:spPr>
+            <a:xfrm>
+              <a:off x="8079377" y="3108271"/>
+              <a:ext cx="104503" cy="104503"/>
+            </a:xfrm>
+            <a:prstGeom prst="ellipse">
+              <a:avLst/>
+            </a:prstGeom>
+            <a:solidFill>
+              <a:schemeClr val="tx1"/>
+            </a:solidFill>
+            <a:ln>
+              <a:noFill/>
+            </a:ln>
+          </p:spPr>
+          <p:style>
+            <a:lnRef idx="2">
+              <a:schemeClr val="accent1">
+                <a:shade val="15000"/>
+              </a:schemeClr>
+            </a:lnRef>
+            <a:fillRef idx="1">
+              <a:schemeClr val="accent1"/>
+            </a:fillRef>
+            <a:effectRef idx="0">
+              <a:schemeClr val="accent1"/>
+            </a:effectRef>
+            <a:fontRef idx="minor">
+              <a:schemeClr val="lt1"/>
+            </a:fontRef>
+          </p:style>
+          <p:txBody>
+            <a:bodyPr lIns="90000" rtlCol="0" anchor="ctr"/>
+            <a:lstStyle/>
+            <a:p>
+              <a:pPr algn="ctr"/>
+              <a:endParaRPr lang="en-US"/>
+            </a:p>
+          </p:txBody>
+        </p:sp>
+      </p:grpSp>
+      <p:pic>
+        <p:nvPicPr>
+          <p:cNvPr id="20" name="Picture 19">
+            <a:extLst>
+              <a:ext uri="{FF2B5EF4-FFF2-40B4-BE49-F238E27FC236}">
+                <a16:creationId xmlns:a16="http://schemas.microsoft.com/office/drawing/2014/main" id="{2B1D8ACD-AF40-1E29-5BBA-D8A9AD75FD85}"/>
+              </a:ext>
+            </a:extLst>
+          </p:cNvPr>
+          <p:cNvPicPr>
+            <a:picLocks noChangeAspect="1"/>
+          </p:cNvPicPr>
+          <p:nvPr/>
+        </p:nvPicPr>
+        <p:blipFill>
+          <a:blip r:embed="rId2"/>
+          <a:stretch>
+            <a:fillRect/>
+          </a:stretch>
+        </p:blipFill>
+        <p:spPr>
+          <a:xfrm>
+            <a:off x="7874437" y="3604833"/>
+            <a:ext cx="367599" cy="370612"/>
+          </a:xfrm>
+          <a:prstGeom prst="rect">
+            <a:avLst/>
+          </a:prstGeom>
+        </p:spPr>
+      </p:pic>
+    </p:spTree>
+    <p:extLst>
+      <p:ext uri="{BB962C8B-B14F-4D97-AF65-F5344CB8AC3E}">
+        <p14:creationId xmlns:p14="http://schemas.microsoft.com/office/powerpoint/2010/main" val="1407850389"/>
+      </p:ext>
+    </p:extLst>
+  </p:cSld>
+  <p:clrMapOvr>
+    <a:masterClrMapping/>
+  </p:clrMapOvr>
+</p:sld>
+</file>
+
+<file path=ppt/slides/slide23.xml><?xml version="1.0" encoding="utf-8"?>
+<p:sld xmlns:a="http://schemas.openxmlformats.org/drawingml/2006/main" xmlns:r="http://schemas.openxmlformats.org/officeDocument/2006/relationships" xmlns:p="http://schemas.openxmlformats.org/presentationml/2006/main">
+  <p:cSld>
+    <p:spTree>
+      <p:nvGrpSpPr>
+        <p:cNvPr id="1" name="">
+          <a:extLst>
+            <a:ext uri="{FF2B5EF4-FFF2-40B4-BE49-F238E27FC236}">
+              <a16:creationId xmlns:a16="http://schemas.microsoft.com/office/drawing/2014/main" id="{42C0C174-A26F-BF61-C224-EC58CD864AED}"/>
+            </a:ext>
+          </a:extLst>
+        </p:cNvPr>
+        <p:cNvGrpSpPr/>
+        <p:nvPr/>
+      </p:nvGrpSpPr>
+      <p:grpSpPr>
+        <a:xfrm>
+          <a:off x="0" y="0"/>
+          <a:ext cx="0" cy="0"/>
+          <a:chOff x="0" y="0"/>
+          <a:chExt cx="0" cy="0"/>
+        </a:xfrm>
+      </p:grpSpPr>
+      <p:sp>
+        <p:nvSpPr>
+          <p:cNvPr id="2" name="Zástupný text 1">
+            <a:extLst>
+              <a:ext uri="{FF2B5EF4-FFF2-40B4-BE49-F238E27FC236}">
+                <a16:creationId xmlns:a16="http://schemas.microsoft.com/office/drawing/2014/main" id="{0F007133-1E11-51B6-6ED5-B77D629F1155}"/>
+              </a:ext>
+            </a:extLst>
+          </p:cNvPr>
+          <p:cNvSpPr>
+            <a:spLocks noGrp="1"/>
+          </p:cNvSpPr>
+          <p:nvPr>
+            <p:ph type="body" sz="quarter" idx="12"/>
+          </p:nvPr>
+        </p:nvSpPr>
+        <p:spPr>
+          <a:xfrm>
+            <a:off x="360000" y="828000"/>
+            <a:ext cx="2867025" cy="333425"/>
+          </a:xfrm>
+        </p:spPr>
+        <p:txBody>
+          <a:bodyPr/>
+          <a:lstStyle/>
+          <a:p>
+            <a:r>
+              <a:rPr lang="cs-CZ" dirty="0"/>
+              <a:t>Ukázka 3</a:t>
+            </a:r>
+          </a:p>
+        </p:txBody>
+      </p:sp>
+      <p:sp>
+        <p:nvSpPr>
+          <p:cNvPr id="3" name="Zástupný text 2">
+            <a:extLst>
+              <a:ext uri="{FF2B5EF4-FFF2-40B4-BE49-F238E27FC236}">
+                <a16:creationId xmlns:a16="http://schemas.microsoft.com/office/drawing/2014/main" id="{52254F18-45E1-A85E-813F-F4767DD442A4}"/>
+              </a:ext>
+            </a:extLst>
+          </p:cNvPr>
+          <p:cNvSpPr>
+            <a:spLocks noGrp="1"/>
+          </p:cNvSpPr>
+          <p:nvPr>
+            <p:ph type="body" sz="quarter" idx="23"/>
+          </p:nvPr>
+        </p:nvSpPr>
+        <p:spPr/>
+        <p:txBody>
+          <a:bodyPr/>
+          <a:lstStyle/>
+          <a:p>
+            <a:r>
+              <a:rPr lang="cs-CZ" dirty="0"/>
+              <a:t>Kafka v kostce</a:t>
+            </a:r>
+          </a:p>
+        </p:txBody>
+      </p:sp>
+      <p:sp>
+        <p:nvSpPr>
+          <p:cNvPr id="9" name="TextBox 8">
+            <a:extLst>
+              <a:ext uri="{FF2B5EF4-FFF2-40B4-BE49-F238E27FC236}">
+                <a16:creationId xmlns:a16="http://schemas.microsoft.com/office/drawing/2014/main" id="{0B57F25C-89C2-6398-D4E1-582D07152315}"/>
+              </a:ext>
+            </a:extLst>
+          </p:cNvPr>
+          <p:cNvSpPr txBox="1"/>
+          <p:nvPr/>
+        </p:nvSpPr>
+        <p:spPr>
+          <a:xfrm>
+            <a:off x="1200357" y="1994234"/>
+            <a:ext cx="6034161" cy="468013"/>
+          </a:xfrm>
+          <a:prstGeom prst="rect">
+            <a:avLst/>
+          </a:prstGeom>
+          <a:noFill/>
+        </p:spPr>
+        <p:txBody>
+          <a:bodyPr wrap="square" lIns="0" tIns="0" rIns="0" bIns="0" rtlCol="0" anchor="t" anchorCtr="0">
+            <a:spAutoFit/>
+          </a:bodyPr>
+          <a:lstStyle/>
+          <a:p>
+            <a:pPr marL="171450" indent="-171450" algn="l">
+              <a:lnSpc>
+                <a:spcPct val="200000"/>
+              </a:lnSpc>
+              <a:buFont typeface="Wingdings" pitchFamily="2" charset="2"/>
+              <a:buChar char="§"/>
+            </a:pPr>
+            <a:r>
+              <a:rPr lang="en-US" dirty="0">
+                <a:solidFill>
+                  <a:schemeClr val="accent2">
+                    <a:lumMod val="50000"/>
+                  </a:schemeClr>
+                </a:solidFill>
+                <a:latin typeface="Arial" panose="020B0604020202020204" pitchFamily="34" charset="0"/>
+                <a:cs typeface="Arial" panose="020B0604020202020204" pitchFamily="34" charset="0"/>
+              </a:rPr>
+              <a:t>FIXME: co jsme právě viděli</a:t>
+            </a:r>
+          </a:p>
+        </p:txBody>
+      </p:sp>
+      <p:pic>
+        <p:nvPicPr>
+          <p:cNvPr id="10" name="Picture 9">
+            <a:extLst>
+              <a:ext uri="{FF2B5EF4-FFF2-40B4-BE49-F238E27FC236}">
+                <a16:creationId xmlns:a16="http://schemas.microsoft.com/office/drawing/2014/main" id="{0851A020-F1EE-4B3E-A2DD-D788FB1519FE}"/>
+              </a:ext>
+            </a:extLst>
+          </p:cNvPr>
+          <p:cNvPicPr>
+            <a:picLocks noChangeAspect="1"/>
+          </p:cNvPicPr>
+          <p:nvPr/>
+        </p:nvPicPr>
+        <p:blipFill>
+          <a:blip r:embed="rId2"/>
+          <a:stretch>
+            <a:fillRect/>
+          </a:stretch>
+        </p:blipFill>
+        <p:spPr>
+          <a:xfrm>
+            <a:off x="11686186" y="6347530"/>
+            <a:ext cx="401980" cy="405275"/>
+          </a:xfrm>
+          <a:prstGeom prst="rect">
+            <a:avLst/>
+          </a:prstGeom>
+        </p:spPr>
+      </p:pic>
+    </p:spTree>
+    <p:extLst>
+      <p:ext uri="{BB962C8B-B14F-4D97-AF65-F5344CB8AC3E}">
+        <p14:creationId xmlns:p14="http://schemas.microsoft.com/office/powerpoint/2010/main" val="3962019761"/>
+      </p:ext>
+    </p:extLst>
+  </p:cSld>
+  <p:clrMapOvr>
+    <a:masterClrMapping/>
+  </p:clrMapOvr>
+  <p:timing>
+    <p:tnLst>
+      <p:par>
+        <p:cTn id="1" dur="indefinite" restart="never" nodeType="tmRoot">
+          <p:childTnLst>
+            <p:seq concurrent="1" nextAc="seek">
+              <p:cTn id="2" dur="indefinite" nodeType="mainSeq">
+                <p:childTnLst>
+                  <p:par>
+                    <p:cTn id="3" fill="hold">
+                      <p:stCondLst>
+                        <p:cond delay="indefinite"/>
+                      </p:stCondLst>
+                      <p:childTnLst>
+                        <p:par>
+                          <p:cTn id="4" fill="hold">
+                            <p:stCondLst>
+                              <p:cond delay="0"/>
+                            </p:stCondLst>
+                            <p:childTnLst>
+                              <p:par>
+                                <p:cTn id="5" presetID="1" presetClass="entr" presetSubtype="0" fill="hold" grpId="0" nodeType="clickEffect">
+                                  <p:stCondLst>
+                                    <p:cond delay="0"/>
+                                  </p:stCondLst>
+                                  <p:childTnLst>
+                                    <p:set>
+                                      <p:cBhvr>
+                                        <p:cTn id="6" dur="1" fill="hold">
+                                          <p:stCondLst>
+                                            <p:cond delay="0"/>
+                                          </p:stCondLst>
+                                        </p:cTn>
+                                        <p:tgtEl>
+                                          <p:spTgt spid="9">
+                                            <p:txEl>
+                                              <p:pRg st="0" end="0"/>
+                                            </p:txEl>
+                                          </p:spTgt>
+                                        </p:tgtEl>
+                                        <p:attrNameLst>
+                                          <p:attrName>style.visibility</p:attrName>
+                                        </p:attrNameLst>
+                                      </p:cBhvr>
+                                      <p:to>
+                                        <p:strVal val="visible"/>
+                                      </p:to>
+                                    </p:set>
+                                  </p:childTnLst>
+                                </p:cTn>
+                              </p:par>
+                              <p:par>
+                                <p:cTn id="7" presetID="37" presetClass="entr" presetSubtype="0" fill="hold" nodeType="withEffect">
+                                  <p:stCondLst>
+                                    <p:cond delay="0"/>
+                                  </p:stCondLst>
+                                  <p:childTnLst>
+                                    <p:set>
+                                      <p:cBhvr>
+                                        <p:cTn id="8" dur="1" fill="hold">
+                                          <p:stCondLst>
+                                            <p:cond delay="0"/>
+                                          </p:stCondLst>
+                                        </p:cTn>
+                                        <p:tgtEl>
+                                          <p:spTgt spid="10"/>
+                                        </p:tgtEl>
+                                        <p:attrNameLst>
+                                          <p:attrName>style.visibility</p:attrName>
+                                        </p:attrNameLst>
+                                      </p:cBhvr>
+                                      <p:to>
+                                        <p:strVal val="visible"/>
+                                      </p:to>
+                                    </p:set>
+                                    <p:animEffect transition="in" filter="fade">
+                                      <p:cBhvr>
+                                        <p:cTn id="9" dur="1000"/>
+                                        <p:tgtEl>
+                                          <p:spTgt spid="10"/>
+                                        </p:tgtEl>
+                                      </p:cBhvr>
+                                    </p:animEffect>
+                                    <p:anim calcmode="lin" valueType="num">
+                                      <p:cBhvr>
+                                        <p:cTn id="10" dur="1000" fill="hold"/>
+                                        <p:tgtEl>
+                                          <p:spTgt spid="10"/>
+                                        </p:tgtEl>
+                                        <p:attrNameLst>
+                                          <p:attrName>ppt_x</p:attrName>
+                                        </p:attrNameLst>
+                                      </p:cBhvr>
+                                      <p:tavLst>
+                                        <p:tav tm="0">
+                                          <p:val>
+                                            <p:strVal val="#ppt_x"/>
+                                          </p:val>
+                                        </p:tav>
+                                        <p:tav tm="100000">
+                                          <p:val>
+                                            <p:strVal val="#ppt_x"/>
+                                          </p:val>
+                                        </p:tav>
+                                      </p:tavLst>
+                                    </p:anim>
+                                    <p:anim calcmode="lin" valueType="num">
+                                      <p:cBhvr>
+                                        <p:cTn id="11" dur="900" decel="100000" fill="hold"/>
+                                        <p:tgtEl>
+                                          <p:spTgt spid="10"/>
+                                        </p:tgtEl>
+                                        <p:attrNameLst>
+                                          <p:attrName>ppt_y</p:attrName>
+                                        </p:attrNameLst>
+                                      </p:cBhvr>
+                                      <p:tavLst>
+                                        <p:tav tm="0">
+                                          <p:val>
+                                            <p:strVal val="#ppt_y+1"/>
+                                          </p:val>
+                                        </p:tav>
+                                        <p:tav tm="100000">
+                                          <p:val>
+                                            <p:strVal val="#ppt_y-.03"/>
+                                          </p:val>
+                                        </p:tav>
+                                      </p:tavLst>
+                                    </p:anim>
+                                    <p:anim calcmode="lin" valueType="num">
+                                      <p:cBhvr>
+                                        <p:cTn id="12" dur="100" accel="100000" fill="hold">
+                                          <p:stCondLst>
+                                            <p:cond delay="900"/>
+                                          </p:stCondLst>
+                                        </p:cTn>
+                                        <p:tgtEl>
+                                          <p:spTgt spid="10"/>
+                                        </p:tgtEl>
+                                        <p:attrNameLst>
+                                          <p:attrName>ppt_y</p:attrName>
+                                        </p:attrNameLst>
+                                      </p:cBhvr>
+                                      <p:tavLst>
+                                        <p:tav tm="0">
+                                          <p:val>
+                                            <p:strVal val="#ppt_y-.03"/>
+                                          </p:val>
+                                        </p:tav>
+                                        <p:tav tm="100000">
+                                          <p:val>
+                                            <p:strVal val="#ppt_y"/>
+                                          </p:val>
+                                        </p:tav>
+                                      </p:tavLst>
+                                    </p:anim>
+                                  </p:childTnLst>
+                                </p:cTn>
+                              </p:par>
+                            </p:childTnLst>
+                          </p:cTn>
+                        </p:par>
+                      </p:childTnLst>
+                    </p:cTn>
+                  </p:par>
+                </p:childTnLst>
+              </p:cTn>
+              <p:prevCondLst>
+                <p:cond evt="onPrev" delay="0">
+                  <p:tgtEl>
+                    <p:sldTgt/>
+                  </p:tgtEl>
+                </p:cond>
+              </p:prevCondLst>
+              <p:nextCondLst>
+                <p:cond evt="onNext" delay="0">
+                  <p:tgtEl>
+                    <p:sldTgt/>
+                  </p:tgtEl>
+                </p:cond>
+              </p:nextCondLst>
+            </p:seq>
+          </p:childTnLst>
+        </p:cTn>
+      </p:par>
+    </p:tnLst>
+    <p:bldLst>
+      <p:bldP spid="9" grpId="0" build="p"/>
+    </p:bldLst>
+  </p:timing>
+</p:sld>
+</file>
+
+<file path=ppt/slides/slide24.xml><?xml version="1.0" encoding="utf-8"?>
+<p:sld xmlns:a="http://schemas.openxmlformats.org/drawingml/2006/main" xmlns:r="http://schemas.openxmlformats.org/officeDocument/2006/relationships" xmlns:p="http://schemas.openxmlformats.org/presentationml/2006/main">
+  <p:cSld>
+    <p:spTree>
+      <p:nvGrpSpPr>
+        <p:cNvPr id="1" name="">
+          <a:extLst>
+            <a:ext uri="{FF2B5EF4-FFF2-40B4-BE49-F238E27FC236}">
+              <a16:creationId xmlns:a16="http://schemas.microsoft.com/office/drawing/2014/main" id="{FAB4CDF1-B234-D00A-FD1A-A8AE3BF559BA}"/>
+            </a:ext>
+          </a:extLst>
+        </p:cNvPr>
+        <p:cNvGrpSpPr/>
+        <p:nvPr/>
+      </p:nvGrpSpPr>
+      <p:grpSpPr>
+        <a:xfrm>
+          <a:off x="0" y="0"/>
+          <a:ext cx="0" cy="0"/>
+          <a:chOff x="0" y="0"/>
+          <a:chExt cx="0" cy="0"/>
+        </a:xfrm>
+      </p:grpSpPr>
+      <p:sp>
+        <p:nvSpPr>
+          <p:cNvPr id="2" name="Zástupný text 1">
+            <a:extLst>
+              <a:ext uri="{FF2B5EF4-FFF2-40B4-BE49-F238E27FC236}">
+                <a16:creationId xmlns:a16="http://schemas.microsoft.com/office/drawing/2014/main" id="{8737880E-A3D1-58A8-9E81-85122E25980A}"/>
+              </a:ext>
+            </a:extLst>
+          </p:cNvPr>
+          <p:cNvSpPr>
+            <a:spLocks noGrp="1"/>
+          </p:cNvSpPr>
+          <p:nvPr>
+            <p:ph type="body" sz="quarter" idx="12"/>
+          </p:nvPr>
+        </p:nvSpPr>
+        <p:spPr>
+          <a:xfrm>
+            <a:off x="360000" y="828000"/>
+            <a:ext cx="2867025" cy="333425"/>
+          </a:xfrm>
+        </p:spPr>
+        <p:txBody>
+          <a:bodyPr/>
+          <a:lstStyle/>
+          <a:p>
+            <a:r>
+              <a:rPr lang="cs-CZ" dirty="0"/>
+              <a:t>A jsme na konci</a:t>
+            </a:r>
+          </a:p>
+        </p:txBody>
+      </p:sp>
+      <p:sp>
+        <p:nvSpPr>
+          <p:cNvPr id="3" name="Zástupný text 2">
+            <a:extLst>
+              <a:ext uri="{FF2B5EF4-FFF2-40B4-BE49-F238E27FC236}">
+                <a16:creationId xmlns:a16="http://schemas.microsoft.com/office/drawing/2014/main" id="{C38E11D8-854E-C2C1-9E14-4F887F6038FF}"/>
+              </a:ext>
+            </a:extLst>
+          </p:cNvPr>
+          <p:cNvSpPr>
+            <a:spLocks noGrp="1"/>
+          </p:cNvSpPr>
+          <p:nvPr>
+            <p:ph type="body" sz="quarter" idx="23"/>
+          </p:nvPr>
+        </p:nvSpPr>
+        <p:spPr/>
+        <p:txBody>
+          <a:bodyPr/>
+          <a:lstStyle/>
+          <a:p>
+            <a:r>
+              <a:rPr lang="cs-CZ" dirty="0"/>
+              <a:t>Kafka v kostce</a:t>
+            </a:r>
+          </a:p>
+        </p:txBody>
+      </p:sp>
+      <p:sp>
+        <p:nvSpPr>
+          <p:cNvPr id="9" name="TextBox 8">
+            <a:extLst>
+              <a:ext uri="{FF2B5EF4-FFF2-40B4-BE49-F238E27FC236}">
+                <a16:creationId xmlns:a16="http://schemas.microsoft.com/office/drawing/2014/main" id="{AE9F14C1-0A55-40B1-F33C-38BE3E6CCBF2}"/>
+              </a:ext>
+            </a:extLst>
+          </p:cNvPr>
+          <p:cNvSpPr txBox="1"/>
+          <p:nvPr/>
+        </p:nvSpPr>
+        <p:spPr>
+          <a:xfrm>
+            <a:off x="1200357" y="1994234"/>
+            <a:ext cx="6034161" cy="1576009"/>
+          </a:xfrm>
+          <a:prstGeom prst="rect">
+            <a:avLst/>
+          </a:prstGeom>
+          <a:noFill/>
+        </p:spPr>
+        <p:txBody>
+          <a:bodyPr wrap="square" lIns="0" tIns="0" rIns="0" bIns="0" rtlCol="0" anchor="t" anchorCtr="0">
+            <a:spAutoFit/>
+          </a:bodyPr>
+          <a:lstStyle/>
+          <a:p>
+            <a:pPr marL="171450" indent="-171450" algn="l">
+              <a:lnSpc>
+                <a:spcPct val="200000"/>
+              </a:lnSpc>
+              <a:buFont typeface="Wingdings" pitchFamily="2" charset="2"/>
+              <a:buChar char="§"/>
+            </a:pPr>
+            <a:r>
+              <a:rPr lang="en-US" dirty="0">
+                <a:solidFill>
+                  <a:schemeClr val="accent2">
+                    <a:lumMod val="50000"/>
+                  </a:schemeClr>
+                </a:solidFill>
+                <a:latin typeface="Arial" panose="020B0604020202020204" pitchFamily="34" charset="0"/>
+                <a:cs typeface="Arial" panose="020B0604020202020204" pitchFamily="34" charset="0"/>
+              </a:rPr>
+              <a:t>Co je Kafka</a:t>
+            </a:r>
+          </a:p>
+          <a:p>
+            <a:pPr marL="171450" indent="-171450" algn="l">
+              <a:lnSpc>
+                <a:spcPct val="200000"/>
+              </a:lnSpc>
+              <a:buFont typeface="Wingdings" pitchFamily="2" charset="2"/>
+              <a:buChar char="§"/>
+            </a:pPr>
+            <a:r>
+              <a:rPr lang="en-US" dirty="0">
+                <a:solidFill>
+                  <a:schemeClr val="accent2">
+                    <a:lumMod val="50000"/>
+                  </a:schemeClr>
+                </a:solidFill>
+                <a:latin typeface="Arial" panose="020B0604020202020204" pitchFamily="34" charset="0"/>
+                <a:cs typeface="Arial" panose="020B0604020202020204" pitchFamily="34" charset="0"/>
+              </a:rPr>
+              <a:t>Co je Schema Registry</a:t>
+            </a:r>
+          </a:p>
+          <a:p>
+            <a:pPr marL="171450" indent="-171450" algn="l">
+              <a:lnSpc>
+                <a:spcPct val="200000"/>
+              </a:lnSpc>
+              <a:buFont typeface="Wingdings" pitchFamily="2" charset="2"/>
+              <a:buChar char="§"/>
+            </a:pPr>
+            <a:r>
+              <a:rPr lang="en-US" dirty="0">
+                <a:solidFill>
+                  <a:schemeClr val="accent2">
+                    <a:lumMod val="50000"/>
+                  </a:schemeClr>
+                </a:solidFill>
+                <a:latin typeface="Arial" panose="020B0604020202020204" pitchFamily="34" charset="0"/>
+                <a:cs typeface="Arial" panose="020B0604020202020204" pitchFamily="34" charset="0"/>
+              </a:rPr>
+              <a:t>Dotazy</a:t>
+            </a:r>
+          </a:p>
+        </p:txBody>
+      </p:sp>
+      <p:pic>
+        <p:nvPicPr>
+          <p:cNvPr id="10" name="Picture 9">
+            <a:extLst>
+              <a:ext uri="{FF2B5EF4-FFF2-40B4-BE49-F238E27FC236}">
+                <a16:creationId xmlns:a16="http://schemas.microsoft.com/office/drawing/2014/main" id="{8D758A81-3B40-3D60-08A1-04E670D56F9F}"/>
+              </a:ext>
+            </a:extLst>
+          </p:cNvPr>
+          <p:cNvPicPr>
+            <a:picLocks noChangeAspect="1"/>
+          </p:cNvPicPr>
+          <p:nvPr/>
+        </p:nvPicPr>
+        <p:blipFill>
+          <a:blip r:embed="rId2"/>
+          <a:stretch>
+            <a:fillRect/>
+          </a:stretch>
+        </p:blipFill>
+        <p:spPr>
+          <a:xfrm>
+            <a:off x="11686186" y="6347530"/>
+            <a:ext cx="401980" cy="405275"/>
+          </a:xfrm>
+          <a:prstGeom prst="rect">
+            <a:avLst/>
+          </a:prstGeom>
+        </p:spPr>
+      </p:pic>
+    </p:spTree>
+    <p:extLst>
+      <p:ext uri="{BB962C8B-B14F-4D97-AF65-F5344CB8AC3E}">
+        <p14:creationId xmlns:p14="http://schemas.microsoft.com/office/powerpoint/2010/main" val="600994851"/>
+      </p:ext>
+    </p:extLst>
+  </p:cSld>
+  <p:clrMapOvr>
+    <a:masterClrMapping/>
+  </p:clrMapOvr>
+  <p:timing>
+    <p:tnLst>
+      <p:par>
+        <p:cTn id="1" dur="indefinite" restart="never" nodeType="tmRoot">
+          <p:childTnLst>
+            <p:seq concurrent="1" nextAc="seek">
+              <p:cTn id="2" dur="indefinite" nodeType="mainSeq">
+                <p:childTnLst>
+                  <p:par>
+                    <p:cTn id="3" fill="hold">
+                      <p:stCondLst>
+                        <p:cond delay="indefinite"/>
+                      </p:stCondLst>
+                      <p:childTnLst>
+                        <p:par>
+                          <p:cTn id="4" fill="hold">
+                            <p:stCondLst>
+                              <p:cond delay="0"/>
+                            </p:stCondLst>
+                            <p:childTnLst>
+                              <p:par>
+                                <p:cTn id="5" presetID="1" presetClass="entr" presetSubtype="0" fill="hold" grpId="0" nodeType="clickEffect">
+                                  <p:stCondLst>
+                                    <p:cond delay="0"/>
+                                  </p:stCondLst>
+                                  <p:childTnLst>
+                                    <p:set>
+                                      <p:cBhvr>
+                                        <p:cTn id="6" dur="1" fill="hold">
+                                          <p:stCondLst>
+                                            <p:cond delay="0"/>
+                                          </p:stCondLst>
+                                        </p:cTn>
+                                        <p:tgtEl>
+                                          <p:spTgt spid="9">
+                                            <p:txEl>
+                                              <p:pRg st="0" end="0"/>
+                                            </p:txEl>
+                                          </p:spTgt>
+                                        </p:tgtEl>
+                                        <p:attrNameLst>
+                                          <p:attrName>style.visibility</p:attrName>
+                                        </p:attrNameLst>
+                                      </p:cBhvr>
+                                      <p:to>
+                                        <p:strVal val="visible"/>
+                                      </p:to>
+                                    </p:set>
+                                  </p:childTnLst>
+                                </p:cTn>
+                              </p:par>
+                            </p:childTnLst>
+                          </p:cTn>
+                        </p:par>
+                      </p:childTnLst>
+                    </p:cTn>
+                  </p:par>
+                  <p:par>
+                    <p:cTn id="7" fill="hold">
+                      <p:stCondLst>
+                        <p:cond delay="indefinite"/>
+                      </p:stCondLst>
+                      <p:childTnLst>
+                        <p:par>
+                          <p:cTn id="8" fill="hold">
+                            <p:stCondLst>
+                              <p:cond delay="0"/>
+                            </p:stCondLst>
+                            <p:childTnLst>
+                              <p:par>
+                                <p:cTn id="9" presetID="1" presetClass="entr" presetSubtype="0" fill="hold" grpId="0" nodeType="clickEffect">
+                                  <p:stCondLst>
+                                    <p:cond delay="0"/>
+                                  </p:stCondLst>
+                                  <p:childTnLst>
+                                    <p:set>
+                                      <p:cBhvr>
+                                        <p:cTn id="10" dur="1" fill="hold">
+                                          <p:stCondLst>
+                                            <p:cond delay="0"/>
+                                          </p:stCondLst>
+                                        </p:cTn>
+                                        <p:tgtEl>
+                                          <p:spTgt spid="9">
+                                            <p:txEl>
+                                              <p:pRg st="1" end="1"/>
+                                            </p:txEl>
+                                          </p:spTgt>
+                                        </p:tgtEl>
+                                        <p:attrNameLst>
+                                          <p:attrName>style.visibility</p:attrName>
+                                        </p:attrNameLst>
+                                      </p:cBhvr>
+                                      <p:to>
+                                        <p:strVal val="visible"/>
+                                      </p:to>
+                                    </p:set>
+                                  </p:childTnLst>
+                                </p:cTn>
+                              </p:par>
+                            </p:childTnLst>
+                          </p:cTn>
+                        </p:par>
+                      </p:childTnLst>
+                    </p:cTn>
+                  </p:par>
+                  <p:par>
+                    <p:cTn id="11" fill="hold">
+                      <p:stCondLst>
+                        <p:cond delay="indefinite"/>
+                      </p:stCondLst>
+                      <p:childTnLst>
+                        <p:par>
+                          <p:cTn id="12" fill="hold">
+                            <p:stCondLst>
+                              <p:cond delay="0"/>
+                            </p:stCondLst>
+                            <p:childTnLst>
+                              <p:par>
+                                <p:cTn id="13" presetID="1" presetClass="entr" presetSubtype="0" fill="hold" grpId="0" nodeType="clickEffect">
+                                  <p:stCondLst>
+                                    <p:cond delay="0"/>
+                                  </p:stCondLst>
+                                  <p:childTnLst>
+                                    <p:set>
+                                      <p:cBhvr>
+                                        <p:cTn id="14" dur="1" fill="hold">
+                                          <p:stCondLst>
+                                            <p:cond delay="0"/>
+                                          </p:stCondLst>
+                                        </p:cTn>
+                                        <p:tgtEl>
+                                          <p:spTgt spid="9">
+                                            <p:txEl>
+                                              <p:pRg st="2" end="2"/>
+                                            </p:txEl>
+                                          </p:spTgt>
+                                        </p:tgtEl>
+                                        <p:attrNameLst>
+                                          <p:attrName>style.visibility</p:attrName>
+                                        </p:attrNameLst>
+                                      </p:cBhvr>
+                                      <p:to>
+                                        <p:strVal val="visible"/>
+                                      </p:to>
+                                    </p:set>
+                                  </p:childTnLst>
+                                </p:cTn>
+                              </p:par>
+                              <p:par>
+                                <p:cTn id="15" presetID="37" presetClass="entr" presetSubtype="0" fill="hold" nodeType="withEffect">
+                                  <p:stCondLst>
+                                    <p:cond delay="0"/>
+                                  </p:stCondLst>
+                                  <p:childTnLst>
+                                    <p:set>
+                                      <p:cBhvr>
+                                        <p:cTn id="16" dur="1" fill="hold">
+                                          <p:stCondLst>
+                                            <p:cond delay="0"/>
+                                          </p:stCondLst>
+                                        </p:cTn>
+                                        <p:tgtEl>
+                                          <p:spTgt spid="10"/>
+                                        </p:tgtEl>
+                                        <p:attrNameLst>
+                                          <p:attrName>style.visibility</p:attrName>
+                                        </p:attrNameLst>
+                                      </p:cBhvr>
+                                      <p:to>
+                                        <p:strVal val="visible"/>
+                                      </p:to>
+                                    </p:set>
+                                    <p:animEffect transition="in" filter="fade">
+                                      <p:cBhvr>
+                                        <p:cTn id="17" dur="1000"/>
+                                        <p:tgtEl>
+                                          <p:spTgt spid="10"/>
+                                        </p:tgtEl>
+                                      </p:cBhvr>
+                                    </p:animEffect>
+                                    <p:anim calcmode="lin" valueType="num">
+                                      <p:cBhvr>
+                                        <p:cTn id="18" dur="1000" fill="hold"/>
+                                        <p:tgtEl>
+                                          <p:spTgt spid="10"/>
+                                        </p:tgtEl>
+                                        <p:attrNameLst>
+                                          <p:attrName>ppt_x</p:attrName>
+                                        </p:attrNameLst>
+                                      </p:cBhvr>
+                                      <p:tavLst>
+                                        <p:tav tm="0">
+                                          <p:val>
+                                            <p:strVal val="#ppt_x"/>
+                                          </p:val>
+                                        </p:tav>
+                                        <p:tav tm="100000">
+                                          <p:val>
+                                            <p:strVal val="#ppt_x"/>
+                                          </p:val>
+                                        </p:tav>
+                                      </p:tavLst>
+                                    </p:anim>
+                                    <p:anim calcmode="lin" valueType="num">
+                                      <p:cBhvr>
+                                        <p:cTn id="19" dur="900" decel="100000" fill="hold"/>
+                                        <p:tgtEl>
+                                          <p:spTgt spid="10"/>
+                                        </p:tgtEl>
+                                        <p:attrNameLst>
+                                          <p:attrName>ppt_y</p:attrName>
+                                        </p:attrNameLst>
+                                      </p:cBhvr>
+                                      <p:tavLst>
+                                        <p:tav tm="0">
+                                          <p:val>
+                                            <p:strVal val="#ppt_y+1"/>
+                                          </p:val>
+                                        </p:tav>
+                                        <p:tav tm="100000">
+                                          <p:val>
+                                            <p:strVal val="#ppt_y-.03"/>
+                                          </p:val>
+                                        </p:tav>
+                                      </p:tavLst>
+                                    </p:anim>
+                                    <p:anim calcmode="lin" valueType="num">
+                                      <p:cBhvr>
+                                        <p:cTn id="20" dur="100" accel="100000" fill="hold">
+                                          <p:stCondLst>
+                                            <p:cond delay="900"/>
+                                          </p:stCondLst>
+                                        </p:cTn>
+                                        <p:tgtEl>
+                                          <p:spTgt spid="10"/>
+                                        </p:tgtEl>
+                                        <p:attrNameLst>
+                                          <p:attrName>ppt_y</p:attrName>
+                                        </p:attrNameLst>
+                                      </p:cBhvr>
+                                      <p:tavLst>
+                                        <p:tav tm="0">
+                                          <p:val>
+                                            <p:strVal val="#ppt_y-.03"/>
+                                          </p:val>
+                                        </p:tav>
+                                        <p:tav tm="100000">
+                                          <p:val>
+                                            <p:strVal val="#ppt_y"/>
+                                          </p:val>
+                                        </p:tav>
+                                      </p:tavLst>
+                                    </p:anim>
+                                  </p:childTnLst>
+                                </p:cTn>
+                              </p:par>
+                            </p:childTnLst>
+                          </p:cTn>
+                        </p:par>
+                      </p:childTnLst>
+                    </p:cTn>
+                  </p:par>
+                </p:childTnLst>
+              </p:cTn>
+              <p:prevCondLst>
+                <p:cond evt="onPrev" delay="0">
+                  <p:tgtEl>
+                    <p:sldTgt/>
+                  </p:tgtEl>
+                </p:cond>
+              </p:prevCondLst>
+              <p:nextCondLst>
+                <p:cond evt="onNext" delay="0">
+                  <p:tgtEl>
+                    <p:sldTgt/>
+                  </p:tgtEl>
+                </p:cond>
+              </p:nextCondLst>
+            </p:seq>
+          </p:childTnLst>
+        </p:cTn>
+      </p:par>
+    </p:tnLst>
+    <p:bldLst>
+      <p:bldP spid="9" grpId="0" build="p"/>
     </p:bldLst>
   </p:timing>
 </p:sld>
